--- a/presentation/chaine_responsabilite.pptx
+++ b/presentation/chaine_responsabilite.pptx
@@ -5,13 +5,14 @@
     <p:sldMasterId id="2147483708" r:id="rId1"/>
   </p:sldMasterIdLst>
   <p:notesMasterIdLst>
-    <p:notesMasterId r:id="rId6"/>
+    <p:notesMasterId r:id="rId7"/>
   </p:notesMasterIdLst>
   <p:sldIdLst>
     <p:sldId id="259" r:id="rId2"/>
     <p:sldId id="261" r:id="rId3"/>
-    <p:sldId id="257" r:id="rId4"/>
-    <p:sldId id="260" r:id="rId5"/>
+    <p:sldId id="262" r:id="rId4"/>
+    <p:sldId id="257" r:id="rId5"/>
+    <p:sldId id="260" r:id="rId6"/>
   </p:sldIdLst>
   <p:sldSz cx="12192000" cy="6858000"/>
   <p:notesSz cx="6858000" cy="9144000"/>
@@ -200,7 +201,7 @@
           <a:p>
             <a:fld id="{67CBF77A-1B13-4F13-91AF-F4AE82D802B6}" type="datetimeFigureOut">
               <a:rPr lang="fr-CH" smtClean="0"/>
-              <a:t>03.05.2017</a:t>
+              <a:t>04.05.2017</a:t>
             </a:fld>
             <a:endParaRPr lang="fr-CH"/>
           </a:p>
@@ -512,6 +513,237 @@
           <a:bodyPr/>
           <a:lstStyle/>
           <a:p>
+            <a:pPr marL="171450" indent="-171450">
+              <a:buFontTx/>
+              <a:buChar char="-"/>
+            </a:pPr>
+            <a:r>
+              <a:rPr lang="fr-CH" dirty="0" smtClean="0"/>
+              <a:t>Délégation : </a:t>
+            </a:r>
+          </a:p>
+          <a:p>
+            <a:pPr marL="171450" indent="-171450">
+              <a:buFontTx/>
+              <a:buChar char="-"/>
+            </a:pPr>
+            <a:r>
+              <a:rPr lang="fr-CH" dirty="0" smtClean="0"/>
+              <a:t>La</a:t>
+            </a:r>
+            <a:r>
+              <a:rPr lang="fr-CH" baseline="0" dirty="0" smtClean="0"/>
+              <a:t> chaine de responsabilité : </a:t>
+            </a:r>
+          </a:p>
+          <a:p>
+            <a:pPr marL="628650" lvl="1" indent="-171450">
+              <a:buFontTx/>
+              <a:buChar char="-"/>
+            </a:pPr>
+            <a:r>
+              <a:rPr lang="fr-CH" baseline="0" dirty="0" smtClean="0"/>
+              <a:t>Peut </a:t>
+            </a:r>
+            <a:r>
+              <a:rPr lang="fr-CH" baseline="0" dirty="0" err="1" smtClean="0"/>
+              <a:t>pré-traiter</a:t>
+            </a:r>
+            <a:r>
+              <a:rPr lang="fr-CH" baseline="0" dirty="0" smtClean="0"/>
+              <a:t> la requête (Faire un gâteau -&gt; chef1 fait la pâte et envoi la pâte à chef2 -&gt; chef2 cuit la pâte -&gt; …)</a:t>
+            </a:r>
+            <a:endParaRPr lang="fr-CH" dirty="0"/>
+          </a:p>
+        </p:txBody>
+      </p:sp>
+      <p:sp>
+        <p:nvSpPr>
+          <p:cNvPr id="4" name="Espace réservé du numéro de diapositive 3"/>
+          <p:cNvSpPr>
+            <a:spLocks noGrp="1"/>
+          </p:cNvSpPr>
+          <p:nvPr>
+            <p:ph type="sldNum" sz="quarter" idx="10"/>
+          </p:nvPr>
+        </p:nvSpPr>
+        <p:spPr/>
+        <p:txBody>
+          <a:bodyPr/>
+          <a:lstStyle/>
+          <a:p>
+            <a:fld id="{6DC36483-72C3-4FB1-890C-5D459F544987}" type="slidenum">
+              <a:rPr lang="fr-CH" smtClean="0"/>
+              <a:t>2</a:t>
+            </a:fld>
+            <a:endParaRPr lang="fr-CH"/>
+          </a:p>
+        </p:txBody>
+      </p:sp>
+    </p:spTree>
+    <p:extLst>
+      <p:ext uri="{BB962C8B-B14F-4D97-AF65-F5344CB8AC3E}">
+        <p14:creationId xmlns:p14="http://schemas.microsoft.com/office/powerpoint/2010/main" val="704818119"/>
+      </p:ext>
+    </p:extLst>
+  </p:cSld>
+  <p:clrMapOvr>
+    <a:masterClrMapping/>
+  </p:clrMapOvr>
+</p:notes>
+</file>
+
+<file path=ppt/notesSlides/notesSlide2.xml><?xml version="1.0" encoding="utf-8"?>
+<p:notes xmlns:a="http://schemas.openxmlformats.org/drawingml/2006/main" xmlns:r="http://schemas.openxmlformats.org/officeDocument/2006/relationships" xmlns:p="http://schemas.openxmlformats.org/presentationml/2006/main">
+  <p:cSld>
+    <p:spTree>
+      <p:nvGrpSpPr>
+        <p:cNvPr id="1" name=""/>
+        <p:cNvGrpSpPr/>
+        <p:nvPr/>
+      </p:nvGrpSpPr>
+      <p:grpSpPr>
+        <a:xfrm>
+          <a:off x="0" y="0"/>
+          <a:ext cx="0" cy="0"/>
+          <a:chOff x="0" y="0"/>
+          <a:chExt cx="0" cy="0"/>
+        </a:xfrm>
+      </p:grpSpPr>
+      <p:sp>
+        <p:nvSpPr>
+          <p:cNvPr id="2" name="Espace réservé de l'image des diapositives 1"/>
+          <p:cNvSpPr>
+            <a:spLocks noGrp="1" noRot="1" noChangeAspect="1"/>
+          </p:cNvSpPr>
+          <p:nvPr>
+            <p:ph type="sldImg"/>
+          </p:nvPr>
+        </p:nvSpPr>
+        <p:spPr/>
+      </p:sp>
+      <p:sp>
+        <p:nvSpPr>
+          <p:cNvPr id="3" name="Espace réservé des commentaires 2"/>
+          <p:cNvSpPr>
+            <a:spLocks noGrp="1"/>
+          </p:cNvSpPr>
+          <p:nvPr>
+            <p:ph type="body" idx="1"/>
+          </p:nvPr>
+        </p:nvSpPr>
+        <p:spPr/>
+        <p:txBody>
+          <a:bodyPr/>
+          <a:lstStyle/>
+          <a:p>
+            <a:pPr marL="0" marR="0" lvl="0" indent="0" algn="l" defTabSz="914400" rtl="0" eaLnBrk="1" fontAlgn="auto" latinLnBrk="0" hangingPunct="1">
+              <a:lnSpc>
+                <a:spcPct val="100000"/>
+              </a:lnSpc>
+              <a:spcBef>
+                <a:spcPts val="0"/>
+              </a:spcBef>
+              <a:spcAft>
+                <a:spcPts val="0"/>
+              </a:spcAft>
+              <a:buClrTx/>
+              <a:buSzTx/>
+              <a:buFontTx/>
+              <a:buNone/>
+              <a:tabLst/>
+              <a:defRPr/>
+            </a:pPr>
+            <a:r>
+              <a:rPr lang="fr-CH" dirty="0" smtClean="0"/>
+              <a:t>L’HEIG-VD veut qu’une présentation du patron de conception «chaine de responsabilité» soit faite. La requête est envoyée </a:t>
+            </a:r>
+          </a:p>
+          <a:p>
+            <a:endParaRPr lang="fr-CH" dirty="0"/>
+          </a:p>
+        </p:txBody>
+      </p:sp>
+      <p:sp>
+        <p:nvSpPr>
+          <p:cNvPr id="4" name="Espace réservé du numéro de diapositive 3"/>
+          <p:cNvSpPr>
+            <a:spLocks noGrp="1"/>
+          </p:cNvSpPr>
+          <p:nvPr>
+            <p:ph type="sldNum" sz="quarter" idx="10"/>
+          </p:nvPr>
+        </p:nvSpPr>
+        <p:spPr/>
+        <p:txBody>
+          <a:bodyPr/>
+          <a:lstStyle/>
+          <a:p>
+            <a:fld id="{6DC36483-72C3-4FB1-890C-5D459F544987}" type="slidenum">
+              <a:rPr lang="fr-CH" smtClean="0"/>
+              <a:t>3</a:t>
+            </a:fld>
+            <a:endParaRPr lang="fr-CH"/>
+          </a:p>
+        </p:txBody>
+      </p:sp>
+    </p:spTree>
+    <p:extLst>
+      <p:ext uri="{BB962C8B-B14F-4D97-AF65-F5344CB8AC3E}">
+        <p14:creationId xmlns:p14="http://schemas.microsoft.com/office/powerpoint/2010/main" val="1834377289"/>
+      </p:ext>
+    </p:extLst>
+  </p:cSld>
+  <p:clrMapOvr>
+    <a:masterClrMapping/>
+  </p:clrMapOvr>
+</p:notes>
+</file>
+
+<file path=ppt/notesSlides/notesSlide3.xml><?xml version="1.0" encoding="utf-8"?>
+<p:notes xmlns:a="http://schemas.openxmlformats.org/drawingml/2006/main" xmlns:r="http://schemas.openxmlformats.org/officeDocument/2006/relationships" xmlns:p="http://schemas.openxmlformats.org/presentationml/2006/main">
+  <p:cSld>
+    <p:spTree>
+      <p:nvGrpSpPr>
+        <p:cNvPr id="1" name=""/>
+        <p:cNvGrpSpPr/>
+        <p:nvPr/>
+      </p:nvGrpSpPr>
+      <p:grpSpPr>
+        <a:xfrm>
+          <a:off x="0" y="0"/>
+          <a:ext cx="0" cy="0"/>
+          <a:chOff x="0" y="0"/>
+          <a:chExt cx="0" cy="0"/>
+        </a:xfrm>
+      </p:grpSpPr>
+      <p:sp>
+        <p:nvSpPr>
+          <p:cNvPr id="2" name="Espace réservé de l'image des diapositives 1"/>
+          <p:cNvSpPr>
+            <a:spLocks noGrp="1" noRot="1" noChangeAspect="1"/>
+          </p:cNvSpPr>
+          <p:nvPr>
+            <p:ph type="sldImg"/>
+          </p:nvPr>
+        </p:nvSpPr>
+        <p:spPr/>
+      </p:sp>
+      <p:sp>
+        <p:nvSpPr>
+          <p:cNvPr id="3" name="Espace réservé des commentaires 2"/>
+          <p:cNvSpPr>
+            <a:spLocks noGrp="1"/>
+          </p:cNvSpPr>
+          <p:nvPr>
+            <p:ph type="body" idx="1"/>
+          </p:nvPr>
+        </p:nvSpPr>
+        <p:spPr/>
+        <p:txBody>
+          <a:bodyPr/>
+          <a:lstStyle/>
+          <a:p>
             <a:pPr marL="457200" lvl="1" indent="0">
               <a:buFontTx/>
               <a:buNone/>
@@ -537,7 +769,7 @@
           <a:p>
             <a:fld id="{6DC36483-72C3-4FB1-890C-5D459F544987}" type="slidenum">
               <a:rPr lang="fr-CH" smtClean="0"/>
-              <a:t>3</a:t>
+              <a:t>4</a:t>
             </a:fld>
             <a:endParaRPr lang="fr-CH"/>
           </a:p>
@@ -687,7 +919,7 @@
           <a:p>
             <a:fld id="{F042435E-AFEA-46C7-B6F4-2DF35AF77AFB}" type="datetimeFigureOut">
               <a:rPr lang="fr-CH" smtClean="0"/>
-              <a:t>03.05.2017</a:t>
+              <a:t>04.05.2017</a:t>
             </a:fld>
             <a:endParaRPr lang="fr-CH"/>
           </a:p>
@@ -857,7 +1089,7 @@
           <a:p>
             <a:fld id="{F042435E-AFEA-46C7-B6F4-2DF35AF77AFB}" type="datetimeFigureOut">
               <a:rPr lang="fr-CH" smtClean="0"/>
-              <a:t>03.05.2017</a:t>
+              <a:t>04.05.2017</a:t>
             </a:fld>
             <a:endParaRPr lang="fr-CH"/>
           </a:p>
@@ -1037,7 +1269,7 @@
           <a:p>
             <a:fld id="{F042435E-AFEA-46C7-B6F4-2DF35AF77AFB}" type="datetimeFigureOut">
               <a:rPr lang="fr-CH" smtClean="0"/>
-              <a:t>03.05.2017</a:t>
+              <a:t>04.05.2017</a:t>
             </a:fld>
             <a:endParaRPr lang="fr-CH"/>
           </a:p>
@@ -1207,7 +1439,7 @@
           <a:p>
             <a:fld id="{F042435E-AFEA-46C7-B6F4-2DF35AF77AFB}" type="datetimeFigureOut">
               <a:rPr lang="fr-CH" smtClean="0"/>
-              <a:t>03.05.2017</a:t>
+              <a:t>04.05.2017</a:t>
             </a:fld>
             <a:endParaRPr lang="fr-CH"/>
           </a:p>
@@ -1453,7 +1685,7 @@
           <a:p>
             <a:fld id="{F042435E-AFEA-46C7-B6F4-2DF35AF77AFB}" type="datetimeFigureOut">
               <a:rPr lang="fr-CH" smtClean="0"/>
-              <a:t>03.05.2017</a:t>
+              <a:t>04.05.2017</a:t>
             </a:fld>
             <a:endParaRPr lang="fr-CH"/>
           </a:p>
@@ -1685,7 +1917,7 @@
           <a:p>
             <a:fld id="{F042435E-AFEA-46C7-B6F4-2DF35AF77AFB}" type="datetimeFigureOut">
               <a:rPr lang="fr-CH" smtClean="0"/>
-              <a:t>03.05.2017</a:t>
+              <a:t>04.05.2017</a:t>
             </a:fld>
             <a:endParaRPr lang="fr-CH"/>
           </a:p>
@@ -2052,7 +2284,7 @@
           <a:p>
             <a:fld id="{F042435E-AFEA-46C7-B6F4-2DF35AF77AFB}" type="datetimeFigureOut">
               <a:rPr lang="fr-CH" smtClean="0"/>
-              <a:t>03.05.2017</a:t>
+              <a:t>04.05.2017</a:t>
             </a:fld>
             <a:endParaRPr lang="fr-CH"/>
           </a:p>
@@ -2170,7 +2402,7 @@
           <a:p>
             <a:fld id="{F042435E-AFEA-46C7-B6F4-2DF35AF77AFB}" type="datetimeFigureOut">
               <a:rPr lang="fr-CH" smtClean="0"/>
-              <a:t>03.05.2017</a:t>
+              <a:t>04.05.2017</a:t>
             </a:fld>
             <a:endParaRPr lang="fr-CH"/>
           </a:p>
@@ -2265,7 +2497,7 @@
           <a:p>
             <a:fld id="{F042435E-AFEA-46C7-B6F4-2DF35AF77AFB}" type="datetimeFigureOut">
               <a:rPr lang="fr-CH" smtClean="0"/>
-              <a:t>03.05.2017</a:t>
+              <a:t>04.05.2017</a:t>
             </a:fld>
             <a:endParaRPr lang="fr-CH"/>
           </a:p>
@@ -2542,7 +2774,7 @@
           <a:p>
             <a:fld id="{F042435E-AFEA-46C7-B6F4-2DF35AF77AFB}" type="datetimeFigureOut">
               <a:rPr lang="fr-CH" smtClean="0"/>
-              <a:t>03.05.2017</a:t>
+              <a:t>04.05.2017</a:t>
             </a:fld>
             <a:endParaRPr lang="fr-CH"/>
           </a:p>
@@ -2795,7 +3027,7 @@
           <a:p>
             <a:fld id="{F042435E-AFEA-46C7-B6F4-2DF35AF77AFB}" type="datetimeFigureOut">
               <a:rPr lang="fr-CH" smtClean="0"/>
-              <a:t>03.05.2017</a:t>
+              <a:t>04.05.2017</a:t>
             </a:fld>
             <a:endParaRPr lang="fr-CH"/>
           </a:p>
@@ -3008,7 +3240,7 @@
           <a:p>
             <a:fld id="{F042435E-AFEA-46C7-B6F4-2DF35AF77AFB}" type="datetimeFigureOut">
               <a:rPr lang="fr-CH" smtClean="0"/>
-              <a:t>03.05.2017</a:t>
+              <a:t>04.05.2017</a:t>
             </a:fld>
             <a:endParaRPr lang="fr-CH"/>
           </a:p>
@@ -3441,720 +3673,735 @@
           </a:p>
         </p:txBody>
       </p:sp>
-      <p:sp>
-        <p:nvSpPr>
-          <p:cNvPr id="4" name="Rectangle 3"/>
-          <p:cNvSpPr/>
+      <p:grpSp>
+        <p:nvGrpSpPr>
+          <p:cNvPr id="3" name="Groupe 2"/>
+          <p:cNvGrpSpPr/>
           <p:nvPr/>
-        </p:nvSpPr>
-        <p:spPr>
+        </p:nvGrpSpPr>
+        <p:grpSpPr>
           <a:xfrm>
-            <a:off x="918713" y="3303932"/>
-            <a:ext cx="2157469" cy="576000"/>
+            <a:off x="918713" y="3246011"/>
+            <a:ext cx="9031336" cy="2005521"/>
+            <a:chOff x="918713" y="3246011"/>
+            <a:chExt cx="9031336" cy="2005521"/>
           </a:xfrm>
-          <a:prstGeom prst="rect">
-            <a:avLst/>
-          </a:prstGeom>
-          <a:ln>
-            <a:solidFill>
+        </p:grpSpPr>
+        <p:sp>
+          <p:nvSpPr>
+            <p:cNvPr id="4" name="Rectangle 3"/>
+            <p:cNvSpPr/>
+            <p:nvPr/>
+          </p:nvSpPr>
+          <p:spPr>
+            <a:xfrm>
+              <a:off x="918713" y="3303932"/>
+              <a:ext cx="2157469" cy="576000"/>
+            </a:xfrm>
+            <a:prstGeom prst="rect">
+              <a:avLst/>
+            </a:prstGeom>
+            <a:ln>
+              <a:solidFill>
+                <a:schemeClr val="tx1"/>
+              </a:solidFill>
+            </a:ln>
+          </p:spPr>
+          <p:style>
+            <a:lnRef idx="1">
+              <a:schemeClr val="accent4"/>
+            </a:lnRef>
+            <a:fillRef idx="2">
+              <a:schemeClr val="accent4"/>
+            </a:fillRef>
+            <a:effectRef idx="1">
+              <a:schemeClr val="accent4"/>
+            </a:effectRef>
+            <a:fontRef idx="minor">
+              <a:schemeClr val="dk1"/>
+            </a:fontRef>
+          </p:style>
+          <p:txBody>
+            <a:bodyPr rtlCol="0" anchor="ctr"/>
+            <a:lstStyle/>
+            <a:p>
+              <a:pPr algn="ctr"/>
+              <a:r>
+                <a:rPr lang="fr-CH" dirty="0" smtClean="0"/>
+                <a:t>Une présentation de</a:t>
+              </a:r>
+            </a:p>
+          </p:txBody>
+        </p:sp>
+        <p:sp>
+          <p:nvSpPr>
+            <p:cNvPr id="5" name="Rectangle 4"/>
+            <p:cNvSpPr/>
+            <p:nvPr/>
+          </p:nvSpPr>
+          <p:spPr>
+            <a:xfrm>
+              <a:off x="6290760" y="3303932"/>
+              <a:ext cx="1368000" cy="576000"/>
+            </a:xfrm>
+            <a:prstGeom prst="rect">
+              <a:avLst/>
+            </a:prstGeom>
+            <a:ln>
+              <a:solidFill>
+                <a:schemeClr val="tx1"/>
+              </a:solidFill>
+            </a:ln>
+          </p:spPr>
+          <p:style>
+            <a:lnRef idx="1">
+              <a:schemeClr val="accent4"/>
+            </a:lnRef>
+            <a:fillRef idx="2">
+              <a:schemeClr val="accent4"/>
+            </a:fillRef>
+            <a:effectRef idx="1">
+              <a:schemeClr val="accent4"/>
+            </a:effectRef>
+            <a:fontRef idx="minor">
+              <a:schemeClr val="dk1"/>
+            </a:fontRef>
+          </p:style>
+          <p:txBody>
+            <a:bodyPr rtlCol="0" anchor="ctr"/>
+            <a:lstStyle/>
+            <a:p>
+              <a:pPr algn="ctr"/>
+              <a:r>
+                <a:rPr lang="fr-CH" dirty="0" smtClean="0"/>
+                <a:t>Valentin </a:t>
+              </a:r>
+              <a:r>
+                <a:rPr lang="fr-CH" dirty="0" err="1" smtClean="0"/>
+                <a:t>Finini</a:t>
+              </a:r>
+              <a:endParaRPr lang="fr-CH" dirty="0"/>
+            </a:p>
+          </p:txBody>
+        </p:sp>
+        <p:sp>
+          <p:nvSpPr>
+            <p:cNvPr id="6" name="Rectangle 5"/>
+            <p:cNvSpPr/>
+            <p:nvPr/>
+          </p:nvSpPr>
+          <p:spPr>
+            <a:xfrm>
+              <a:off x="3999471" y="4675532"/>
+              <a:ext cx="1368000" cy="576000"/>
+            </a:xfrm>
+            <a:prstGeom prst="rect">
+              <a:avLst/>
+            </a:prstGeom>
+            <a:ln>
+              <a:solidFill>
+                <a:schemeClr val="tx1"/>
+              </a:solidFill>
+            </a:ln>
+          </p:spPr>
+          <p:style>
+            <a:lnRef idx="1">
+              <a:schemeClr val="accent4"/>
+            </a:lnRef>
+            <a:fillRef idx="2">
+              <a:schemeClr val="accent4"/>
+            </a:fillRef>
+            <a:effectRef idx="1">
+              <a:schemeClr val="accent4"/>
+            </a:effectRef>
+            <a:fontRef idx="minor">
+              <a:schemeClr val="dk1"/>
+            </a:fontRef>
+          </p:style>
+          <p:txBody>
+            <a:bodyPr rtlCol="0" anchor="ctr"/>
+            <a:lstStyle/>
+            <a:p>
+              <a:pPr algn="ctr"/>
+              <a:r>
+                <a:rPr lang="fr-CH" dirty="0" smtClean="0"/>
+                <a:t>Lawrence Stalder</a:t>
+              </a:r>
+              <a:endParaRPr lang="fr-CH" dirty="0"/>
+            </a:p>
+          </p:txBody>
+        </p:sp>
+        <p:sp>
+          <p:nvSpPr>
+            <p:cNvPr id="7" name="Rectangle 6"/>
+            <p:cNvSpPr/>
+            <p:nvPr/>
+          </p:nvSpPr>
+          <p:spPr>
+            <a:xfrm>
+              <a:off x="8582049" y="4675532"/>
+              <a:ext cx="1368000" cy="576000"/>
+            </a:xfrm>
+            <a:prstGeom prst="rect">
+              <a:avLst/>
+            </a:prstGeom>
+            <a:ln>
+              <a:solidFill>
+                <a:schemeClr val="tx1"/>
+              </a:solidFill>
+            </a:ln>
+          </p:spPr>
+          <p:style>
+            <a:lnRef idx="1">
+              <a:schemeClr val="accent4"/>
+            </a:lnRef>
+            <a:fillRef idx="2">
+              <a:schemeClr val="accent4"/>
+            </a:fillRef>
+            <a:effectRef idx="1">
+              <a:schemeClr val="accent4"/>
+            </a:effectRef>
+            <a:fontRef idx="minor">
+              <a:schemeClr val="dk1"/>
+            </a:fontRef>
+          </p:style>
+          <p:txBody>
+            <a:bodyPr rtlCol="0" anchor="ctr"/>
+            <a:lstStyle/>
+            <a:p>
+              <a:pPr algn="ctr"/>
+              <a:r>
+                <a:rPr lang="fr-CH" dirty="0" smtClean="0"/>
+                <a:t>Christopher Meier</a:t>
+              </a:r>
+              <a:endParaRPr lang="fr-CH" dirty="0"/>
+            </a:p>
+          </p:txBody>
+        </p:sp>
+        <p:sp>
+          <p:nvSpPr>
+            <p:cNvPr id="8" name="Rectangle 7"/>
+            <p:cNvSpPr/>
+            <p:nvPr/>
+          </p:nvSpPr>
+          <p:spPr>
+            <a:xfrm>
+              <a:off x="6290760" y="4675532"/>
+              <a:ext cx="1368000" cy="576000"/>
+            </a:xfrm>
+            <a:prstGeom prst="rect">
+              <a:avLst/>
+            </a:prstGeom>
+            <a:ln>
+              <a:solidFill>
+                <a:schemeClr val="tx1"/>
+              </a:solidFill>
+            </a:ln>
+          </p:spPr>
+          <p:style>
+            <a:lnRef idx="1">
+              <a:schemeClr val="accent4"/>
+            </a:lnRef>
+            <a:fillRef idx="2">
+              <a:schemeClr val="accent4"/>
+            </a:fillRef>
+            <a:effectRef idx="1">
+              <a:schemeClr val="accent4"/>
+            </a:effectRef>
+            <a:fontRef idx="minor">
+              <a:schemeClr val="dk1"/>
+            </a:fontRef>
+          </p:style>
+          <p:txBody>
+            <a:bodyPr rtlCol="0" anchor="ctr"/>
+            <a:lstStyle/>
+            <a:p>
+              <a:pPr algn="ctr"/>
+              <a:r>
+                <a:rPr lang="fr-CH" dirty="0" smtClean="0"/>
+                <a:t>Daniel Palumbo</a:t>
+              </a:r>
+              <a:endParaRPr lang="fr-CH" dirty="0"/>
+            </a:p>
+          </p:txBody>
+        </p:sp>
+        <p:sp>
+          <p:nvSpPr>
+            <p:cNvPr id="9" name="Rectangle 8"/>
+            <p:cNvSpPr/>
+            <p:nvPr/>
+          </p:nvSpPr>
+          <p:spPr>
+            <a:xfrm>
+              <a:off x="8582049" y="3303932"/>
+              <a:ext cx="1368000" cy="576000"/>
+            </a:xfrm>
+            <a:prstGeom prst="rect">
+              <a:avLst/>
+            </a:prstGeom>
+            <a:ln>
+              <a:solidFill>
+                <a:schemeClr val="tx1"/>
+              </a:solidFill>
+            </a:ln>
+          </p:spPr>
+          <p:style>
+            <a:lnRef idx="1">
+              <a:schemeClr val="accent4"/>
+            </a:lnRef>
+            <a:fillRef idx="2">
+              <a:schemeClr val="accent4"/>
+            </a:fillRef>
+            <a:effectRef idx="1">
+              <a:schemeClr val="accent4"/>
+            </a:effectRef>
+            <a:fontRef idx="minor">
+              <a:schemeClr val="dk1"/>
+            </a:fontRef>
+          </p:style>
+          <p:txBody>
+            <a:bodyPr rtlCol="0" anchor="ctr"/>
+            <a:lstStyle/>
+            <a:p>
+              <a:pPr algn="ctr"/>
+              <a:r>
+                <a:rPr lang="fr-CH" dirty="0" smtClean="0"/>
+                <a:t>Antoine Friant</a:t>
+              </a:r>
+              <a:endParaRPr lang="fr-CH" dirty="0"/>
+            </a:p>
+          </p:txBody>
+        </p:sp>
+        <p:cxnSp>
+          <p:nvCxnSpPr>
+            <p:cNvPr id="40" name="Connecteur droit avec flèche 39"/>
+            <p:cNvCxnSpPr/>
+            <p:nvPr/>
+          </p:nvCxnSpPr>
+          <p:spPr>
+            <a:xfrm>
+              <a:off x="7658759" y="3610980"/>
+              <a:ext cx="923289" cy="0"/>
+            </a:xfrm>
+            <a:prstGeom prst="straightConnector1">
+              <a:avLst/>
+            </a:prstGeom>
+            <a:ln w="28575">
+              <a:solidFill>
+                <a:schemeClr val="tx1"/>
+              </a:solidFill>
+              <a:tailEnd type="triangle"/>
+            </a:ln>
+          </p:spPr>
+          <p:style>
+            <a:lnRef idx="1">
+              <a:schemeClr val="accent1"/>
+            </a:lnRef>
+            <a:fillRef idx="0">
+              <a:schemeClr val="accent1"/>
+            </a:fillRef>
+            <a:effectRef idx="0">
+              <a:schemeClr val="accent1"/>
+            </a:effectRef>
+            <a:fontRef idx="minor">
               <a:schemeClr val="tx1"/>
-            </a:solidFill>
-          </a:ln>
-        </p:spPr>
-        <p:style>
-          <a:lnRef idx="1">
-            <a:schemeClr val="accent4"/>
-          </a:lnRef>
-          <a:fillRef idx="2">
-            <a:schemeClr val="accent4"/>
-          </a:fillRef>
-          <a:effectRef idx="1">
-            <a:schemeClr val="accent4"/>
-          </a:effectRef>
-          <a:fontRef idx="minor">
-            <a:schemeClr val="dk1"/>
-          </a:fontRef>
-        </p:style>
-        <p:txBody>
-          <a:bodyPr rtlCol="0" anchor="ctr"/>
-          <a:lstStyle/>
-          <a:p>
-            <a:pPr algn="ctr"/>
-            <a:r>
-              <a:rPr lang="fr-CH" dirty="0" smtClean="0"/>
-              <a:t>Une présentation de</a:t>
-            </a:r>
-          </a:p>
-        </p:txBody>
-      </p:sp>
-      <p:sp>
-        <p:nvSpPr>
-          <p:cNvPr id="5" name="Rectangle 4"/>
-          <p:cNvSpPr/>
-          <p:nvPr/>
-        </p:nvSpPr>
-        <p:spPr>
-          <a:xfrm>
-            <a:off x="6290760" y="3303932"/>
-            <a:ext cx="1368000" cy="576000"/>
-          </a:xfrm>
-          <a:prstGeom prst="rect">
-            <a:avLst/>
-          </a:prstGeom>
-          <a:ln>
-            <a:solidFill>
+            </a:fontRef>
+          </p:style>
+        </p:cxnSp>
+        <p:cxnSp>
+          <p:nvCxnSpPr>
+            <p:cNvPr id="43" name="Connecteur droit avec flèche 42"/>
+            <p:cNvCxnSpPr>
+              <a:stCxn id="7" idx="1"/>
+              <a:endCxn id="8" idx="3"/>
+            </p:cNvCxnSpPr>
+            <p:nvPr/>
+          </p:nvCxnSpPr>
+          <p:spPr>
+            <a:xfrm flipH="1">
+              <a:off x="7658760" y="4963532"/>
+              <a:ext cx="923289" cy="0"/>
+            </a:xfrm>
+            <a:prstGeom prst="straightConnector1">
+              <a:avLst/>
+            </a:prstGeom>
+            <a:ln w="28575">
+              <a:solidFill>
+                <a:schemeClr val="tx1"/>
+              </a:solidFill>
+              <a:tailEnd type="triangle"/>
+            </a:ln>
+          </p:spPr>
+          <p:style>
+            <a:lnRef idx="1">
+              <a:schemeClr val="accent1"/>
+            </a:lnRef>
+            <a:fillRef idx="0">
+              <a:schemeClr val="accent1"/>
+            </a:fillRef>
+            <a:effectRef idx="0">
+              <a:schemeClr val="accent1"/>
+            </a:effectRef>
+            <a:fontRef idx="minor">
               <a:schemeClr val="tx1"/>
-            </a:solidFill>
-          </a:ln>
-        </p:spPr>
-        <p:style>
-          <a:lnRef idx="1">
-            <a:schemeClr val="accent4"/>
-          </a:lnRef>
-          <a:fillRef idx="2">
-            <a:schemeClr val="accent4"/>
-          </a:fillRef>
-          <a:effectRef idx="1">
-            <a:schemeClr val="accent4"/>
-          </a:effectRef>
-          <a:fontRef idx="minor">
-            <a:schemeClr val="dk1"/>
-          </a:fontRef>
-        </p:style>
-        <p:txBody>
-          <a:bodyPr rtlCol="0" anchor="ctr"/>
-          <a:lstStyle/>
-          <a:p>
-            <a:pPr algn="ctr"/>
-            <a:r>
-              <a:rPr lang="fr-CH" dirty="0" smtClean="0"/>
-              <a:t>Valentin </a:t>
-            </a:r>
-            <a:r>
-              <a:rPr lang="fr-CH" dirty="0" err="1" smtClean="0"/>
-              <a:t>Finini</a:t>
-            </a:r>
-            <a:endParaRPr lang="fr-CH" dirty="0"/>
-          </a:p>
-        </p:txBody>
-      </p:sp>
-      <p:sp>
-        <p:nvSpPr>
-          <p:cNvPr id="6" name="Rectangle 5"/>
-          <p:cNvSpPr/>
-          <p:nvPr/>
-        </p:nvSpPr>
-        <p:spPr>
-          <a:xfrm>
-            <a:off x="3999471" y="4675532"/>
-            <a:ext cx="1368000" cy="576000"/>
-          </a:xfrm>
-          <a:prstGeom prst="rect">
-            <a:avLst/>
-          </a:prstGeom>
-          <a:ln>
-            <a:solidFill>
+            </a:fontRef>
+          </p:style>
+        </p:cxnSp>
+        <p:cxnSp>
+          <p:nvCxnSpPr>
+            <p:cNvPr id="45" name="Connecteur droit avec flèche 44"/>
+            <p:cNvCxnSpPr>
+              <a:stCxn id="8" idx="1"/>
+              <a:endCxn id="6" idx="3"/>
+            </p:cNvCxnSpPr>
+            <p:nvPr/>
+          </p:nvCxnSpPr>
+          <p:spPr>
+            <a:xfrm flipH="1">
+              <a:off x="5367471" y="4963532"/>
+              <a:ext cx="923289" cy="0"/>
+            </a:xfrm>
+            <a:prstGeom prst="straightConnector1">
+              <a:avLst/>
+            </a:prstGeom>
+            <a:ln w="28575">
+              <a:solidFill>
+                <a:schemeClr val="tx1"/>
+              </a:solidFill>
+              <a:tailEnd type="triangle"/>
+            </a:ln>
+          </p:spPr>
+          <p:style>
+            <a:lnRef idx="1">
+              <a:schemeClr val="accent1"/>
+            </a:lnRef>
+            <a:fillRef idx="0">
+              <a:schemeClr val="accent1"/>
+            </a:fillRef>
+            <a:effectRef idx="0">
+              <a:schemeClr val="accent1"/>
+            </a:effectRef>
+            <a:fontRef idx="minor">
               <a:schemeClr val="tx1"/>
-            </a:solidFill>
-          </a:ln>
-        </p:spPr>
-        <p:style>
-          <a:lnRef idx="1">
-            <a:schemeClr val="accent4"/>
-          </a:lnRef>
-          <a:fillRef idx="2">
-            <a:schemeClr val="accent4"/>
-          </a:fillRef>
-          <a:effectRef idx="1">
-            <a:schemeClr val="accent4"/>
-          </a:effectRef>
-          <a:fontRef idx="minor">
-            <a:schemeClr val="dk1"/>
-          </a:fontRef>
-        </p:style>
-        <p:txBody>
-          <a:bodyPr rtlCol="0" anchor="ctr"/>
-          <a:lstStyle/>
-          <a:p>
-            <a:pPr algn="ctr"/>
-            <a:r>
-              <a:rPr lang="fr-CH" dirty="0" smtClean="0"/>
-              <a:t>Lawrence Stalder</a:t>
-            </a:r>
-            <a:endParaRPr lang="fr-CH" dirty="0"/>
-          </a:p>
-        </p:txBody>
-      </p:sp>
-      <p:sp>
-        <p:nvSpPr>
-          <p:cNvPr id="7" name="Rectangle 6"/>
-          <p:cNvSpPr/>
-          <p:nvPr/>
-        </p:nvSpPr>
-        <p:spPr>
-          <a:xfrm>
-            <a:off x="8582049" y="4675532"/>
-            <a:ext cx="1368000" cy="576000"/>
-          </a:xfrm>
-          <a:prstGeom prst="rect">
-            <a:avLst/>
-          </a:prstGeom>
-          <a:ln>
-            <a:solidFill>
+            </a:fontRef>
+          </p:style>
+        </p:cxnSp>
+        <p:sp>
+          <p:nvSpPr>
+            <p:cNvPr id="46" name="Rectangle 45"/>
+            <p:cNvSpPr/>
+            <p:nvPr/>
+          </p:nvSpPr>
+          <p:spPr>
+            <a:xfrm>
+              <a:off x="3999471" y="3303932"/>
+              <a:ext cx="1368000" cy="576000"/>
+            </a:xfrm>
+            <a:prstGeom prst="rect">
+              <a:avLst/>
+            </a:prstGeom>
+            <a:ln>
+              <a:solidFill>
+                <a:schemeClr val="tx1"/>
+              </a:solidFill>
+            </a:ln>
+          </p:spPr>
+          <p:style>
+            <a:lnRef idx="1">
+              <a:schemeClr val="accent4"/>
+            </a:lnRef>
+            <a:fillRef idx="2">
+              <a:schemeClr val="accent4"/>
+            </a:fillRef>
+            <a:effectRef idx="1">
+              <a:schemeClr val="accent4"/>
+            </a:effectRef>
+            <a:fontRef idx="minor">
+              <a:schemeClr val="dk1"/>
+            </a:fontRef>
+          </p:style>
+          <p:txBody>
+            <a:bodyPr rtlCol="0" anchor="ctr"/>
+            <a:lstStyle/>
+            <a:p>
+              <a:pPr algn="ctr"/>
+              <a:r>
+                <a:rPr lang="fr-CH" dirty="0" smtClean="0"/>
+                <a:t>Pier </a:t>
+              </a:r>
+            </a:p>
+            <a:p>
+              <a:pPr algn="ctr"/>
+              <a:r>
+                <a:rPr lang="fr-CH" dirty="0" smtClean="0"/>
+                <a:t>Donini</a:t>
+              </a:r>
+              <a:endParaRPr lang="fr-CH" dirty="0"/>
+            </a:p>
+          </p:txBody>
+        </p:sp>
+        <p:cxnSp>
+          <p:nvCxnSpPr>
+            <p:cNvPr id="55" name="Connecteur droit avec flèche 54"/>
+            <p:cNvCxnSpPr/>
+            <p:nvPr/>
+          </p:nvCxnSpPr>
+          <p:spPr>
+            <a:xfrm>
+              <a:off x="5367470" y="3589447"/>
+              <a:ext cx="923289" cy="0"/>
+            </a:xfrm>
+            <a:prstGeom prst="straightConnector1">
+              <a:avLst/>
+            </a:prstGeom>
+            <a:ln w="28575">
+              <a:solidFill>
+                <a:schemeClr val="tx1"/>
+              </a:solidFill>
+              <a:tailEnd type="triangle"/>
+            </a:ln>
+          </p:spPr>
+          <p:style>
+            <a:lnRef idx="1">
+              <a:schemeClr val="accent1"/>
+            </a:lnRef>
+            <a:fillRef idx="0">
+              <a:schemeClr val="accent1"/>
+            </a:fillRef>
+            <a:effectRef idx="0">
+              <a:schemeClr val="accent1"/>
+            </a:effectRef>
+            <a:fontRef idx="minor">
               <a:schemeClr val="tx1"/>
-            </a:solidFill>
-          </a:ln>
-        </p:spPr>
-        <p:style>
-          <a:lnRef idx="1">
-            <a:schemeClr val="accent4"/>
-          </a:lnRef>
-          <a:fillRef idx="2">
-            <a:schemeClr val="accent4"/>
-          </a:fillRef>
-          <a:effectRef idx="1">
-            <a:schemeClr val="accent4"/>
-          </a:effectRef>
-          <a:fontRef idx="minor">
-            <a:schemeClr val="dk1"/>
-          </a:fontRef>
-        </p:style>
-        <p:txBody>
-          <a:bodyPr rtlCol="0" anchor="ctr"/>
-          <a:lstStyle/>
-          <a:p>
-            <a:pPr algn="ctr"/>
-            <a:r>
-              <a:rPr lang="fr-CH" dirty="0" smtClean="0"/>
-              <a:t>Christopher Meier</a:t>
-            </a:r>
-            <a:endParaRPr lang="fr-CH" dirty="0"/>
-          </a:p>
-        </p:txBody>
-      </p:sp>
-      <p:sp>
-        <p:nvSpPr>
-          <p:cNvPr id="8" name="Rectangle 7"/>
-          <p:cNvSpPr/>
-          <p:nvPr/>
-        </p:nvSpPr>
-        <p:spPr>
-          <a:xfrm>
-            <a:off x="6290760" y="4675532"/>
-            <a:ext cx="1368000" cy="576000"/>
-          </a:xfrm>
-          <a:prstGeom prst="rect">
-            <a:avLst/>
-          </a:prstGeom>
-          <a:ln>
-            <a:solidFill>
+            </a:fontRef>
+          </p:style>
+        </p:cxnSp>
+        <p:cxnSp>
+          <p:nvCxnSpPr>
+            <p:cNvPr id="56" name="Connecteur droit avec flèche 55"/>
+            <p:cNvCxnSpPr/>
+            <p:nvPr/>
+          </p:nvCxnSpPr>
+          <p:spPr>
+            <a:xfrm>
+              <a:off x="3076182" y="3591932"/>
+              <a:ext cx="923289" cy="0"/>
+            </a:xfrm>
+            <a:prstGeom prst="straightConnector1">
+              <a:avLst/>
+            </a:prstGeom>
+            <a:ln w="28575">
+              <a:solidFill>
+                <a:schemeClr val="tx1"/>
+              </a:solidFill>
+              <a:tailEnd type="triangle"/>
+            </a:ln>
+          </p:spPr>
+          <p:style>
+            <a:lnRef idx="1">
+              <a:schemeClr val="accent1"/>
+            </a:lnRef>
+            <a:fillRef idx="0">
+              <a:schemeClr val="accent1"/>
+            </a:fillRef>
+            <a:effectRef idx="0">
+              <a:schemeClr val="accent1"/>
+            </a:effectRef>
+            <a:fontRef idx="minor">
               <a:schemeClr val="tx1"/>
-            </a:solidFill>
-          </a:ln>
-        </p:spPr>
-        <p:style>
-          <a:lnRef idx="1">
-            <a:schemeClr val="accent4"/>
-          </a:lnRef>
-          <a:fillRef idx="2">
-            <a:schemeClr val="accent4"/>
-          </a:fillRef>
-          <a:effectRef idx="1">
-            <a:schemeClr val="accent4"/>
-          </a:effectRef>
-          <a:fontRef idx="minor">
-            <a:schemeClr val="dk1"/>
-          </a:fontRef>
-        </p:style>
-        <p:txBody>
-          <a:bodyPr rtlCol="0" anchor="ctr"/>
-          <a:lstStyle/>
-          <a:p>
-            <a:pPr algn="ctr"/>
-            <a:r>
-              <a:rPr lang="fr-CH" dirty="0" smtClean="0"/>
-              <a:t>Daniel Palumbo</a:t>
-            </a:r>
-            <a:endParaRPr lang="fr-CH" dirty="0"/>
-          </a:p>
-        </p:txBody>
-      </p:sp>
-      <p:sp>
-        <p:nvSpPr>
-          <p:cNvPr id="9" name="Rectangle 8"/>
-          <p:cNvSpPr/>
-          <p:nvPr/>
-        </p:nvSpPr>
-        <p:spPr>
-          <a:xfrm>
-            <a:off x="8582049" y="3303932"/>
-            <a:ext cx="1368000" cy="576000"/>
-          </a:xfrm>
-          <a:prstGeom prst="rect">
-            <a:avLst/>
-          </a:prstGeom>
-          <a:ln>
-            <a:solidFill>
+            </a:fontRef>
+          </p:style>
+        </p:cxnSp>
+        <p:cxnSp>
+          <p:nvCxnSpPr>
+            <p:cNvPr id="59" name="Connecteur droit avec flèche 58"/>
+            <p:cNvCxnSpPr>
+              <a:stCxn id="9" idx="2"/>
+              <a:endCxn id="7" idx="0"/>
+            </p:cNvCxnSpPr>
+            <p:nvPr/>
+          </p:nvCxnSpPr>
+          <p:spPr>
+            <a:xfrm>
+              <a:off x="9266049" y="3879932"/>
+              <a:ext cx="0" cy="795600"/>
+            </a:xfrm>
+            <a:prstGeom prst="straightConnector1">
+              <a:avLst/>
+            </a:prstGeom>
+            <a:ln w="28575">
+              <a:solidFill>
+                <a:schemeClr val="tx1"/>
+              </a:solidFill>
+              <a:tailEnd type="triangle"/>
+            </a:ln>
+          </p:spPr>
+          <p:style>
+            <a:lnRef idx="1">
+              <a:schemeClr val="accent1"/>
+            </a:lnRef>
+            <a:fillRef idx="0">
+              <a:schemeClr val="accent1"/>
+            </a:fillRef>
+            <a:effectRef idx="0">
+              <a:schemeClr val="accent1"/>
+            </a:effectRef>
+            <a:fontRef idx="minor">
               <a:schemeClr val="tx1"/>
-            </a:solidFill>
-          </a:ln>
-        </p:spPr>
-        <p:style>
-          <a:lnRef idx="1">
-            <a:schemeClr val="accent4"/>
-          </a:lnRef>
-          <a:fillRef idx="2">
-            <a:schemeClr val="accent4"/>
-          </a:fillRef>
-          <a:effectRef idx="1">
-            <a:schemeClr val="accent4"/>
-          </a:effectRef>
-          <a:fontRef idx="minor">
-            <a:schemeClr val="dk1"/>
-          </a:fontRef>
-        </p:style>
-        <p:txBody>
-          <a:bodyPr rtlCol="0" anchor="ctr"/>
-          <a:lstStyle/>
-          <a:p>
-            <a:pPr algn="ctr"/>
-            <a:r>
-              <a:rPr lang="fr-CH" dirty="0" smtClean="0"/>
-              <a:t>Antoine Friant</a:t>
-            </a:r>
-            <a:endParaRPr lang="fr-CH" dirty="0"/>
-          </a:p>
-        </p:txBody>
-      </p:sp>
-      <p:cxnSp>
-        <p:nvCxnSpPr>
-          <p:cNvPr id="40" name="Connecteur droit avec flèche 39"/>
-          <p:cNvCxnSpPr/>
-          <p:nvPr/>
-        </p:nvCxnSpPr>
-        <p:spPr>
-          <a:xfrm>
-            <a:off x="7658759" y="3610980"/>
-            <a:ext cx="923289" cy="0"/>
-          </a:xfrm>
-          <a:prstGeom prst="straightConnector1">
-            <a:avLst/>
-          </a:prstGeom>
-          <a:ln w="28575">
-            <a:solidFill>
-              <a:schemeClr val="tx1"/>
-            </a:solidFill>
-            <a:tailEnd type="triangle"/>
-          </a:ln>
-        </p:spPr>
-        <p:style>
-          <a:lnRef idx="1">
-            <a:schemeClr val="accent1"/>
-          </a:lnRef>
-          <a:fillRef idx="0">
-            <a:schemeClr val="accent1"/>
-          </a:fillRef>
-          <a:effectRef idx="0">
-            <a:schemeClr val="accent1"/>
-          </a:effectRef>
-          <a:fontRef idx="minor">
-            <a:schemeClr val="tx1"/>
-          </a:fontRef>
-        </p:style>
-      </p:cxnSp>
-      <p:cxnSp>
-        <p:nvCxnSpPr>
-          <p:cNvPr id="43" name="Connecteur droit avec flèche 42"/>
-          <p:cNvCxnSpPr>
-            <a:stCxn id="7" idx="1"/>
-            <a:endCxn id="8" idx="3"/>
-          </p:cNvCxnSpPr>
-          <p:nvPr/>
-        </p:nvCxnSpPr>
-        <p:spPr>
-          <a:xfrm flipH="1">
-            <a:off x="7658760" y="4963532"/>
-            <a:ext cx="923289" cy="0"/>
-          </a:xfrm>
-          <a:prstGeom prst="straightConnector1">
-            <a:avLst/>
-          </a:prstGeom>
-          <a:ln w="28575">
-            <a:solidFill>
-              <a:schemeClr val="tx1"/>
-            </a:solidFill>
-            <a:tailEnd type="triangle"/>
-          </a:ln>
-        </p:spPr>
-        <p:style>
-          <a:lnRef idx="1">
-            <a:schemeClr val="accent1"/>
-          </a:lnRef>
-          <a:fillRef idx="0">
-            <a:schemeClr val="accent1"/>
-          </a:fillRef>
-          <a:effectRef idx="0">
-            <a:schemeClr val="accent1"/>
-          </a:effectRef>
-          <a:fontRef idx="minor">
-            <a:schemeClr val="tx1"/>
-          </a:fontRef>
-        </p:style>
-      </p:cxnSp>
-      <p:cxnSp>
-        <p:nvCxnSpPr>
-          <p:cNvPr id="45" name="Connecteur droit avec flèche 44"/>
-          <p:cNvCxnSpPr>
-            <a:stCxn id="8" idx="1"/>
-            <a:endCxn id="6" idx="3"/>
-          </p:cNvCxnSpPr>
-          <p:nvPr/>
-        </p:nvCxnSpPr>
-        <p:spPr>
-          <a:xfrm flipH="1">
-            <a:off x="5367471" y="4963532"/>
-            <a:ext cx="923289" cy="0"/>
-          </a:xfrm>
-          <a:prstGeom prst="straightConnector1">
-            <a:avLst/>
-          </a:prstGeom>
-          <a:ln w="28575">
-            <a:solidFill>
-              <a:schemeClr val="tx1"/>
-            </a:solidFill>
-            <a:tailEnd type="triangle"/>
-          </a:ln>
-        </p:spPr>
-        <p:style>
-          <a:lnRef idx="1">
-            <a:schemeClr val="accent1"/>
-          </a:lnRef>
-          <a:fillRef idx="0">
-            <a:schemeClr val="accent1"/>
-          </a:fillRef>
-          <a:effectRef idx="0">
-            <a:schemeClr val="accent1"/>
-          </a:effectRef>
-          <a:fontRef idx="minor">
-            <a:schemeClr val="tx1"/>
-          </a:fontRef>
-        </p:style>
-      </p:cxnSp>
-      <p:sp>
-        <p:nvSpPr>
-          <p:cNvPr id="46" name="Rectangle 45"/>
-          <p:cNvSpPr/>
-          <p:nvPr/>
-        </p:nvSpPr>
-        <p:spPr>
-          <a:xfrm>
-            <a:off x="3999471" y="3303932"/>
-            <a:ext cx="1368000" cy="576000"/>
-          </a:xfrm>
-          <a:prstGeom prst="rect">
-            <a:avLst/>
-          </a:prstGeom>
-          <a:ln>
-            <a:solidFill>
-              <a:schemeClr val="tx1"/>
-            </a:solidFill>
-          </a:ln>
-        </p:spPr>
-        <p:style>
-          <a:lnRef idx="1">
-            <a:schemeClr val="accent4"/>
-          </a:lnRef>
-          <a:fillRef idx="2">
-            <a:schemeClr val="accent4"/>
-          </a:fillRef>
-          <a:effectRef idx="1">
-            <a:schemeClr val="accent4"/>
-          </a:effectRef>
-          <a:fontRef idx="minor">
-            <a:schemeClr val="dk1"/>
-          </a:fontRef>
-        </p:style>
-        <p:txBody>
-          <a:bodyPr rtlCol="0" anchor="ctr"/>
-          <a:lstStyle/>
-          <a:p>
-            <a:pPr algn="ctr"/>
-            <a:r>
-              <a:rPr lang="fr-CH" dirty="0" smtClean="0"/>
-              <a:t>Pier </a:t>
-            </a:r>
-          </a:p>
-          <a:p>
-            <a:pPr algn="ctr"/>
-            <a:r>
-              <a:rPr lang="fr-CH" dirty="0" smtClean="0"/>
-              <a:t>Donini</a:t>
-            </a:r>
-            <a:endParaRPr lang="fr-CH" dirty="0"/>
-          </a:p>
-        </p:txBody>
-      </p:sp>
-      <p:cxnSp>
-        <p:nvCxnSpPr>
-          <p:cNvPr id="55" name="Connecteur droit avec flèche 54"/>
-          <p:cNvCxnSpPr/>
-          <p:nvPr/>
-        </p:nvCxnSpPr>
-        <p:spPr>
-          <a:xfrm>
-            <a:off x="5367470" y="3589447"/>
-            <a:ext cx="923289" cy="0"/>
-          </a:xfrm>
-          <a:prstGeom prst="straightConnector1">
-            <a:avLst/>
-          </a:prstGeom>
-          <a:ln w="28575">
-            <a:solidFill>
-              <a:schemeClr val="tx1"/>
-            </a:solidFill>
-            <a:tailEnd type="triangle"/>
-          </a:ln>
-        </p:spPr>
-        <p:style>
-          <a:lnRef idx="1">
-            <a:schemeClr val="accent1"/>
-          </a:lnRef>
-          <a:fillRef idx="0">
-            <a:schemeClr val="accent1"/>
-          </a:fillRef>
-          <a:effectRef idx="0">
-            <a:schemeClr val="accent1"/>
-          </a:effectRef>
-          <a:fontRef idx="minor">
-            <a:schemeClr val="tx1"/>
-          </a:fontRef>
-        </p:style>
-      </p:cxnSp>
-      <p:cxnSp>
-        <p:nvCxnSpPr>
-          <p:cNvPr id="56" name="Connecteur droit avec flèche 55"/>
-          <p:cNvCxnSpPr/>
-          <p:nvPr/>
-        </p:nvCxnSpPr>
-        <p:spPr>
-          <a:xfrm>
-            <a:off x="3076182" y="3591932"/>
-            <a:ext cx="923289" cy="0"/>
-          </a:xfrm>
-          <a:prstGeom prst="straightConnector1">
-            <a:avLst/>
-          </a:prstGeom>
-          <a:ln w="28575">
-            <a:solidFill>
-              <a:schemeClr val="tx1"/>
-            </a:solidFill>
-            <a:tailEnd type="triangle"/>
-          </a:ln>
-        </p:spPr>
-        <p:style>
-          <a:lnRef idx="1">
-            <a:schemeClr val="accent1"/>
-          </a:lnRef>
-          <a:fillRef idx="0">
-            <a:schemeClr val="accent1"/>
-          </a:fillRef>
-          <a:effectRef idx="0">
-            <a:schemeClr val="accent1"/>
-          </a:effectRef>
-          <a:fontRef idx="minor">
-            <a:schemeClr val="tx1"/>
-          </a:fontRef>
-        </p:style>
-      </p:cxnSp>
-      <p:cxnSp>
-        <p:nvCxnSpPr>
-          <p:cNvPr id="59" name="Connecteur droit avec flèche 58"/>
-          <p:cNvCxnSpPr>
-            <a:stCxn id="9" idx="2"/>
-            <a:endCxn id="7" idx="0"/>
-          </p:cNvCxnSpPr>
-          <p:nvPr/>
-        </p:nvCxnSpPr>
-        <p:spPr>
-          <a:xfrm>
-            <a:off x="9266049" y="3879932"/>
-            <a:ext cx="0" cy="795600"/>
-          </a:xfrm>
-          <a:prstGeom prst="straightConnector1">
-            <a:avLst/>
-          </a:prstGeom>
-          <a:ln w="28575">
-            <a:solidFill>
-              <a:schemeClr val="tx1"/>
-            </a:solidFill>
-            <a:tailEnd type="triangle"/>
-          </a:ln>
-        </p:spPr>
-        <p:style>
-          <a:lnRef idx="1">
-            <a:schemeClr val="accent1"/>
-          </a:lnRef>
-          <a:fillRef idx="0">
-            <a:schemeClr val="accent1"/>
-          </a:fillRef>
-          <a:effectRef idx="0">
-            <a:schemeClr val="accent1"/>
-          </a:effectRef>
-          <a:fontRef idx="minor">
-            <a:schemeClr val="tx1"/>
-          </a:fontRef>
-        </p:style>
-      </p:cxnSp>
-      <p:sp>
-        <p:nvSpPr>
-          <p:cNvPr id="60" name="ZoneTexte 59"/>
-          <p:cNvSpPr txBox="1"/>
-          <p:nvPr/>
-        </p:nvSpPr>
-        <p:spPr>
-          <a:xfrm>
-            <a:off x="5554039" y="3246011"/>
-            <a:ext cx="550151" cy="338554"/>
-          </a:xfrm>
-          <a:prstGeom prst="rect">
-            <a:avLst/>
-          </a:prstGeom>
-          <a:noFill/>
-        </p:spPr>
-        <p:txBody>
-          <a:bodyPr wrap="none" rtlCol="0">
-            <a:spAutoFit/>
-          </a:bodyPr>
-          <a:lstStyle/>
-          <a:p>
-            <a:r>
-              <a:rPr lang="fr-CH" sz="1600" dirty="0" err="1" smtClean="0"/>
-              <a:t>pass</a:t>
-            </a:r>
-            <a:endParaRPr lang="fr-CH" sz="1600" dirty="0"/>
-          </a:p>
-        </p:txBody>
-      </p:sp>
-      <p:sp>
-        <p:nvSpPr>
-          <p:cNvPr id="62" name="ZoneTexte 61"/>
-          <p:cNvSpPr txBox="1"/>
-          <p:nvPr/>
-        </p:nvSpPr>
-        <p:spPr>
-          <a:xfrm>
-            <a:off x="7845327" y="3272426"/>
-            <a:ext cx="550151" cy="338554"/>
-          </a:xfrm>
-          <a:prstGeom prst="rect">
-            <a:avLst/>
-          </a:prstGeom>
-          <a:noFill/>
-        </p:spPr>
-        <p:txBody>
-          <a:bodyPr wrap="none" rtlCol="0">
-            <a:spAutoFit/>
-          </a:bodyPr>
-          <a:lstStyle/>
-          <a:p>
-            <a:r>
-              <a:rPr lang="fr-CH" sz="1600" dirty="0" err="1" smtClean="0"/>
-              <a:t>pass</a:t>
-            </a:r>
-            <a:endParaRPr lang="fr-CH" sz="1600" dirty="0"/>
-          </a:p>
-        </p:txBody>
-      </p:sp>
-      <p:sp>
-        <p:nvSpPr>
-          <p:cNvPr id="63" name="ZoneTexte 62"/>
-          <p:cNvSpPr txBox="1"/>
-          <p:nvPr/>
-        </p:nvSpPr>
-        <p:spPr>
-          <a:xfrm>
-            <a:off x="9280097" y="4100605"/>
-            <a:ext cx="550151" cy="338554"/>
-          </a:xfrm>
-          <a:prstGeom prst="rect">
-            <a:avLst/>
-          </a:prstGeom>
-          <a:noFill/>
-        </p:spPr>
-        <p:txBody>
-          <a:bodyPr wrap="none" rtlCol="0">
-            <a:spAutoFit/>
-          </a:bodyPr>
-          <a:lstStyle/>
-          <a:p>
-            <a:r>
-              <a:rPr lang="fr-CH" sz="1600" dirty="0" err="1" smtClean="0"/>
-              <a:t>pass</a:t>
-            </a:r>
-            <a:endParaRPr lang="fr-CH" sz="1600" dirty="0"/>
-          </a:p>
-        </p:txBody>
-      </p:sp>
-      <p:sp>
-        <p:nvSpPr>
-          <p:cNvPr id="64" name="ZoneTexte 63"/>
-          <p:cNvSpPr txBox="1"/>
-          <p:nvPr/>
-        </p:nvSpPr>
-        <p:spPr>
-          <a:xfrm>
-            <a:off x="7845326" y="4596309"/>
-            <a:ext cx="550151" cy="338554"/>
-          </a:xfrm>
-          <a:prstGeom prst="rect">
-            <a:avLst/>
-          </a:prstGeom>
-          <a:noFill/>
-        </p:spPr>
-        <p:txBody>
-          <a:bodyPr wrap="none" rtlCol="0">
-            <a:spAutoFit/>
-          </a:bodyPr>
-          <a:lstStyle/>
-          <a:p>
-            <a:r>
-              <a:rPr lang="fr-CH" sz="1600" dirty="0" err="1" smtClean="0"/>
-              <a:t>pass</a:t>
-            </a:r>
-            <a:endParaRPr lang="fr-CH" sz="1600" dirty="0"/>
-          </a:p>
-        </p:txBody>
-      </p:sp>
-      <p:sp>
-        <p:nvSpPr>
-          <p:cNvPr id="65" name="ZoneTexte 64"/>
-          <p:cNvSpPr txBox="1"/>
-          <p:nvPr/>
-        </p:nvSpPr>
-        <p:spPr>
-          <a:xfrm>
-            <a:off x="5554039" y="4571227"/>
-            <a:ext cx="550151" cy="338554"/>
-          </a:xfrm>
-          <a:prstGeom prst="rect">
-            <a:avLst/>
-          </a:prstGeom>
-          <a:noFill/>
-        </p:spPr>
-        <p:txBody>
-          <a:bodyPr wrap="none" rtlCol="0">
-            <a:spAutoFit/>
-          </a:bodyPr>
-          <a:lstStyle/>
-          <a:p>
-            <a:r>
-              <a:rPr lang="fr-CH" sz="1600" dirty="0" err="1" smtClean="0"/>
-              <a:t>pass</a:t>
-            </a:r>
-            <a:endParaRPr lang="fr-CH" sz="1600" dirty="0"/>
-          </a:p>
-        </p:txBody>
-      </p:sp>
+            </a:fontRef>
+          </p:style>
+        </p:cxnSp>
+        <p:sp>
+          <p:nvSpPr>
+            <p:cNvPr id="60" name="ZoneTexte 59"/>
+            <p:cNvSpPr txBox="1"/>
+            <p:nvPr/>
+          </p:nvSpPr>
+          <p:spPr>
+            <a:xfrm>
+              <a:off x="5554039" y="3246011"/>
+              <a:ext cx="550151" cy="338554"/>
+            </a:xfrm>
+            <a:prstGeom prst="rect">
+              <a:avLst/>
+            </a:prstGeom>
+            <a:noFill/>
+          </p:spPr>
+          <p:txBody>
+            <a:bodyPr wrap="none" rtlCol="0">
+              <a:spAutoFit/>
+            </a:bodyPr>
+            <a:lstStyle/>
+            <a:p>
+              <a:r>
+                <a:rPr lang="fr-CH" sz="1600" dirty="0" err="1" smtClean="0"/>
+                <a:t>pass</a:t>
+              </a:r>
+              <a:endParaRPr lang="fr-CH" sz="1600" dirty="0"/>
+            </a:p>
+          </p:txBody>
+        </p:sp>
+        <p:sp>
+          <p:nvSpPr>
+            <p:cNvPr id="62" name="ZoneTexte 61"/>
+            <p:cNvSpPr txBox="1"/>
+            <p:nvPr/>
+          </p:nvSpPr>
+          <p:spPr>
+            <a:xfrm>
+              <a:off x="7845327" y="3272426"/>
+              <a:ext cx="550151" cy="338554"/>
+            </a:xfrm>
+            <a:prstGeom prst="rect">
+              <a:avLst/>
+            </a:prstGeom>
+            <a:noFill/>
+          </p:spPr>
+          <p:txBody>
+            <a:bodyPr wrap="none" rtlCol="0">
+              <a:spAutoFit/>
+            </a:bodyPr>
+            <a:lstStyle/>
+            <a:p>
+              <a:r>
+                <a:rPr lang="fr-CH" sz="1600" dirty="0" err="1" smtClean="0"/>
+                <a:t>pass</a:t>
+              </a:r>
+              <a:endParaRPr lang="fr-CH" sz="1600" dirty="0"/>
+            </a:p>
+          </p:txBody>
+        </p:sp>
+        <p:sp>
+          <p:nvSpPr>
+            <p:cNvPr id="63" name="ZoneTexte 62"/>
+            <p:cNvSpPr txBox="1"/>
+            <p:nvPr/>
+          </p:nvSpPr>
+          <p:spPr>
+            <a:xfrm>
+              <a:off x="9280097" y="4100605"/>
+              <a:ext cx="550151" cy="338554"/>
+            </a:xfrm>
+            <a:prstGeom prst="rect">
+              <a:avLst/>
+            </a:prstGeom>
+            <a:noFill/>
+          </p:spPr>
+          <p:txBody>
+            <a:bodyPr wrap="none" rtlCol="0">
+              <a:spAutoFit/>
+            </a:bodyPr>
+            <a:lstStyle/>
+            <a:p>
+              <a:r>
+                <a:rPr lang="fr-CH" sz="1600" dirty="0" err="1" smtClean="0"/>
+                <a:t>pass</a:t>
+              </a:r>
+              <a:endParaRPr lang="fr-CH" sz="1600" dirty="0"/>
+            </a:p>
+          </p:txBody>
+        </p:sp>
+        <p:sp>
+          <p:nvSpPr>
+            <p:cNvPr id="64" name="ZoneTexte 63"/>
+            <p:cNvSpPr txBox="1"/>
+            <p:nvPr/>
+          </p:nvSpPr>
+          <p:spPr>
+            <a:xfrm>
+              <a:off x="7845326" y="4596309"/>
+              <a:ext cx="550151" cy="338554"/>
+            </a:xfrm>
+            <a:prstGeom prst="rect">
+              <a:avLst/>
+            </a:prstGeom>
+            <a:noFill/>
+          </p:spPr>
+          <p:txBody>
+            <a:bodyPr wrap="none" rtlCol="0">
+              <a:spAutoFit/>
+            </a:bodyPr>
+            <a:lstStyle/>
+            <a:p>
+              <a:r>
+                <a:rPr lang="fr-CH" sz="1600" dirty="0" err="1" smtClean="0"/>
+                <a:t>pass</a:t>
+              </a:r>
+              <a:endParaRPr lang="fr-CH" sz="1600" dirty="0"/>
+            </a:p>
+          </p:txBody>
+        </p:sp>
+        <p:sp>
+          <p:nvSpPr>
+            <p:cNvPr id="65" name="ZoneTexte 64"/>
+            <p:cNvSpPr txBox="1"/>
+            <p:nvPr/>
+          </p:nvSpPr>
+          <p:spPr>
+            <a:xfrm>
+              <a:off x="5554039" y="4571227"/>
+              <a:ext cx="550151" cy="338554"/>
+            </a:xfrm>
+            <a:prstGeom prst="rect">
+              <a:avLst/>
+            </a:prstGeom>
+            <a:noFill/>
+          </p:spPr>
+          <p:txBody>
+            <a:bodyPr wrap="none" rtlCol="0">
+              <a:spAutoFit/>
+            </a:bodyPr>
+            <a:lstStyle/>
+            <a:p>
+              <a:r>
+                <a:rPr lang="fr-CH" sz="1600" dirty="0" err="1" smtClean="0"/>
+                <a:t>pass</a:t>
+              </a:r>
+              <a:endParaRPr lang="fr-CH" sz="1600" dirty="0"/>
+            </a:p>
+          </p:txBody>
+        </p:sp>
+      </p:grpSp>
     </p:spTree>
     <p:extLst>
       <p:ext uri="{BB962C8B-B14F-4D97-AF65-F5344CB8AC3E}">
@@ -4202,7 +4449,7 @@
           <a:p>
             <a:r>
               <a:rPr lang="fr-CH" dirty="0" smtClean="0"/>
-              <a:t>Intention</a:t>
+              <a:t>Rôle, Domaine et Intention</a:t>
             </a:r>
             <a:endParaRPr lang="fr-CH" dirty="0"/>
           </a:p>
@@ -4224,18 +4471,42 @@
           <a:lstStyle/>
           <a:p>
             <a:r>
+              <a:rPr lang="fr-CH" dirty="0" err="1" smtClean="0"/>
+              <a:t>GoF</a:t>
+            </a:r>
+            <a:r>
               <a:rPr lang="fr-CH" dirty="0" smtClean="0"/>
-              <a:t>Éviter d'associer l'expéditeur d'une requête à son récepteur en donnant plus d'un objet pour traiter la demande.</a:t>
-            </a:r>
+              <a:t> -&gt; [Objet, Comportemental]</a:t>
+            </a:r>
+            <a:endParaRPr lang="fr-CH" dirty="0" smtClean="0"/>
           </a:p>
           <a:p>
             <a:r>
               <a:rPr lang="fr-CH" dirty="0" smtClean="0"/>
-              <a:t>Chaîner les objets récepteurs et passer la requête le long de la chaîne jusqu'à ce qu'un objet </a:t>
-            </a:r>
-            <a:r>
-              <a:rPr lang="fr-CH" smtClean="0"/>
-              <a:t>la traite.</a:t>
+              <a:t>Éviter </a:t>
+            </a:r>
+            <a:r>
+              <a:rPr lang="fr-CH" dirty="0" smtClean="0"/>
+              <a:t>d'associer l'expéditeur d'une requête à son récepteur en donnant plus d'un objet pour traiter la demande.</a:t>
+            </a:r>
+          </a:p>
+          <a:p>
+            <a:r>
+              <a:rPr lang="fr-CH" dirty="0" smtClean="0"/>
+              <a:t>Chaîner les objets récepteurs et passer la requête le long de la chaîne jusqu'à ce qu'un objet la traite</a:t>
+            </a:r>
+            <a:r>
+              <a:rPr lang="fr-CH" dirty="0" smtClean="0"/>
+              <a:t>.</a:t>
+            </a:r>
+          </a:p>
+          <a:p>
+            <a:endParaRPr lang="fr-CH" dirty="0"/>
+          </a:p>
+          <a:p>
+            <a:r>
+              <a:rPr lang="fr-CH" dirty="0" smtClean="0"/>
+              <a:t>Ne pas confondre délégation et chaine de responsabilité</a:t>
             </a:r>
             <a:endParaRPr lang="fr-CH" dirty="0"/>
           </a:p>
@@ -4288,6 +4559,1124 @@
           <a:p>
             <a:r>
               <a:rPr lang="fr-CH" dirty="0" smtClean="0"/>
+              <a:t>Exemple</a:t>
+            </a:r>
+            <a:endParaRPr lang="fr-CH" dirty="0"/>
+          </a:p>
+        </p:txBody>
+      </p:sp>
+      <p:sp>
+        <p:nvSpPr>
+          <p:cNvPr id="5" name="Rectangle 4"/>
+          <p:cNvSpPr/>
+          <p:nvPr/>
+        </p:nvSpPr>
+        <p:spPr>
+          <a:xfrm>
+            <a:off x="838200" y="1772997"/>
+            <a:ext cx="2157469" cy="576000"/>
+          </a:xfrm>
+          <a:prstGeom prst="rect">
+            <a:avLst/>
+          </a:prstGeom>
+          <a:ln>
+            <a:solidFill>
+              <a:schemeClr val="tx1"/>
+            </a:solidFill>
+          </a:ln>
+        </p:spPr>
+        <p:style>
+          <a:lnRef idx="1">
+            <a:schemeClr val="accent4"/>
+          </a:lnRef>
+          <a:fillRef idx="2">
+            <a:schemeClr val="accent4"/>
+          </a:fillRef>
+          <a:effectRef idx="1">
+            <a:schemeClr val="accent4"/>
+          </a:effectRef>
+          <a:fontRef idx="minor">
+            <a:schemeClr val="dk1"/>
+          </a:fontRef>
+        </p:style>
+        <p:txBody>
+          <a:bodyPr rtlCol="0" anchor="ctr"/>
+          <a:lstStyle/>
+          <a:p>
+            <a:pPr algn="ctr"/>
+            <a:r>
+              <a:rPr lang="fr-CH" dirty="0" smtClean="0"/>
+              <a:t>HEIG-VD</a:t>
+            </a:r>
+            <a:endParaRPr lang="fr-CH" dirty="0" smtClean="0"/>
+          </a:p>
+        </p:txBody>
+      </p:sp>
+      <p:sp>
+        <p:nvSpPr>
+          <p:cNvPr id="6" name="Rectangle 5"/>
+          <p:cNvSpPr/>
+          <p:nvPr/>
+        </p:nvSpPr>
+        <p:spPr>
+          <a:xfrm>
+            <a:off x="7694511" y="1772997"/>
+            <a:ext cx="1368000" cy="576000"/>
+          </a:xfrm>
+          <a:prstGeom prst="rect">
+            <a:avLst/>
+          </a:prstGeom>
+          <a:ln>
+            <a:solidFill>
+              <a:schemeClr val="tx1"/>
+            </a:solidFill>
+          </a:ln>
+        </p:spPr>
+        <p:style>
+          <a:lnRef idx="1">
+            <a:schemeClr val="accent4"/>
+          </a:lnRef>
+          <a:fillRef idx="2">
+            <a:schemeClr val="accent4"/>
+          </a:fillRef>
+          <a:effectRef idx="1">
+            <a:schemeClr val="accent4"/>
+          </a:effectRef>
+          <a:fontRef idx="minor">
+            <a:schemeClr val="dk1"/>
+          </a:fontRef>
+        </p:style>
+        <p:txBody>
+          <a:bodyPr rtlCol="0" anchor="ctr"/>
+          <a:lstStyle/>
+          <a:p>
+            <a:pPr algn="ctr"/>
+            <a:r>
+              <a:rPr lang="fr-CH" dirty="0" smtClean="0"/>
+              <a:t>Valentin </a:t>
+            </a:r>
+            <a:r>
+              <a:rPr lang="fr-CH" dirty="0" err="1" smtClean="0"/>
+              <a:t>Finini</a:t>
+            </a:r>
+            <a:endParaRPr lang="fr-CH" dirty="0"/>
+          </a:p>
+        </p:txBody>
+      </p:sp>
+      <p:sp>
+        <p:nvSpPr>
+          <p:cNvPr id="7" name="Rectangle 6"/>
+          <p:cNvSpPr/>
+          <p:nvPr/>
+        </p:nvSpPr>
+        <p:spPr>
+          <a:xfrm>
+            <a:off x="1627669" y="5408695"/>
+            <a:ext cx="1368000" cy="576000"/>
+          </a:xfrm>
+          <a:prstGeom prst="rect">
+            <a:avLst/>
+          </a:prstGeom>
+          <a:ln>
+            <a:solidFill>
+              <a:schemeClr val="tx1"/>
+            </a:solidFill>
+          </a:ln>
+        </p:spPr>
+        <p:style>
+          <a:lnRef idx="1">
+            <a:schemeClr val="accent4"/>
+          </a:lnRef>
+          <a:fillRef idx="2">
+            <a:schemeClr val="accent4"/>
+          </a:fillRef>
+          <a:effectRef idx="1">
+            <a:schemeClr val="accent4"/>
+          </a:effectRef>
+          <a:fontRef idx="minor">
+            <a:schemeClr val="dk1"/>
+          </a:fontRef>
+        </p:style>
+        <p:txBody>
+          <a:bodyPr rtlCol="0" anchor="ctr"/>
+          <a:lstStyle/>
+          <a:p>
+            <a:pPr algn="ctr"/>
+            <a:r>
+              <a:rPr lang="fr-CH" dirty="0" smtClean="0"/>
+              <a:t>Lawrence Stalder</a:t>
+            </a:r>
+            <a:endParaRPr lang="fr-CH" dirty="0"/>
+          </a:p>
+        </p:txBody>
+      </p:sp>
+      <p:sp>
+        <p:nvSpPr>
+          <p:cNvPr id="8" name="Rectangle 7"/>
+          <p:cNvSpPr/>
+          <p:nvPr/>
+        </p:nvSpPr>
+        <p:spPr>
+          <a:xfrm>
+            <a:off x="4838867" y="3424385"/>
+            <a:ext cx="1368000" cy="576000"/>
+          </a:xfrm>
+          <a:prstGeom prst="rect">
+            <a:avLst/>
+          </a:prstGeom>
+          <a:ln>
+            <a:solidFill>
+              <a:schemeClr val="tx1"/>
+            </a:solidFill>
+          </a:ln>
+        </p:spPr>
+        <p:style>
+          <a:lnRef idx="1">
+            <a:schemeClr val="accent4"/>
+          </a:lnRef>
+          <a:fillRef idx="2">
+            <a:schemeClr val="accent4"/>
+          </a:fillRef>
+          <a:effectRef idx="1">
+            <a:schemeClr val="accent4"/>
+          </a:effectRef>
+          <a:fontRef idx="minor">
+            <a:schemeClr val="dk1"/>
+          </a:fontRef>
+        </p:style>
+        <p:txBody>
+          <a:bodyPr rtlCol="0" anchor="ctr"/>
+          <a:lstStyle/>
+          <a:p>
+            <a:pPr algn="ctr"/>
+            <a:r>
+              <a:rPr lang="fr-CH" dirty="0" smtClean="0"/>
+              <a:t>Christopher Meier</a:t>
+            </a:r>
+            <a:endParaRPr lang="fr-CH" dirty="0"/>
+          </a:p>
+        </p:txBody>
+      </p:sp>
+      <p:sp>
+        <p:nvSpPr>
+          <p:cNvPr id="9" name="Rectangle 8"/>
+          <p:cNvSpPr/>
+          <p:nvPr/>
+        </p:nvSpPr>
+        <p:spPr>
+          <a:xfrm>
+            <a:off x="1627669" y="3419382"/>
+            <a:ext cx="1368000" cy="576000"/>
+          </a:xfrm>
+          <a:prstGeom prst="rect">
+            <a:avLst/>
+          </a:prstGeom>
+          <a:ln>
+            <a:solidFill>
+              <a:schemeClr val="tx1"/>
+            </a:solidFill>
+          </a:ln>
+        </p:spPr>
+        <p:style>
+          <a:lnRef idx="1">
+            <a:schemeClr val="accent4"/>
+          </a:lnRef>
+          <a:fillRef idx="2">
+            <a:schemeClr val="accent4"/>
+          </a:fillRef>
+          <a:effectRef idx="1">
+            <a:schemeClr val="accent4"/>
+          </a:effectRef>
+          <a:fontRef idx="minor">
+            <a:schemeClr val="dk1"/>
+          </a:fontRef>
+        </p:style>
+        <p:txBody>
+          <a:bodyPr rtlCol="0" anchor="ctr"/>
+          <a:lstStyle/>
+          <a:p>
+            <a:pPr algn="ctr"/>
+            <a:r>
+              <a:rPr lang="fr-CH" dirty="0" smtClean="0"/>
+              <a:t>Daniel Palumbo</a:t>
+            </a:r>
+            <a:endParaRPr lang="fr-CH" dirty="0"/>
+          </a:p>
+        </p:txBody>
+      </p:sp>
+      <p:sp>
+        <p:nvSpPr>
+          <p:cNvPr id="10" name="Rectangle 9"/>
+          <p:cNvSpPr/>
+          <p:nvPr/>
+        </p:nvSpPr>
+        <p:spPr>
+          <a:xfrm>
+            <a:off x="7708559" y="3424385"/>
+            <a:ext cx="1368000" cy="576000"/>
+          </a:xfrm>
+          <a:prstGeom prst="rect">
+            <a:avLst/>
+          </a:prstGeom>
+          <a:ln>
+            <a:solidFill>
+              <a:schemeClr val="tx1"/>
+            </a:solidFill>
+          </a:ln>
+        </p:spPr>
+        <p:style>
+          <a:lnRef idx="1">
+            <a:schemeClr val="accent4"/>
+          </a:lnRef>
+          <a:fillRef idx="2">
+            <a:schemeClr val="accent4"/>
+          </a:fillRef>
+          <a:effectRef idx="1">
+            <a:schemeClr val="accent4"/>
+          </a:effectRef>
+          <a:fontRef idx="minor">
+            <a:schemeClr val="dk1"/>
+          </a:fontRef>
+        </p:style>
+        <p:txBody>
+          <a:bodyPr rtlCol="0" anchor="ctr"/>
+          <a:lstStyle/>
+          <a:p>
+            <a:pPr algn="ctr"/>
+            <a:r>
+              <a:rPr lang="fr-CH" dirty="0" smtClean="0"/>
+              <a:t>Antoine Friant</a:t>
+            </a:r>
+            <a:endParaRPr lang="fr-CH" dirty="0"/>
+          </a:p>
+        </p:txBody>
+      </p:sp>
+      <p:cxnSp>
+        <p:nvCxnSpPr>
+          <p:cNvPr id="11" name="Connecteur droit avec flèche 10"/>
+          <p:cNvCxnSpPr>
+            <a:stCxn id="6" idx="2"/>
+            <a:endCxn id="10" idx="0"/>
+          </p:cNvCxnSpPr>
+          <p:nvPr/>
+        </p:nvCxnSpPr>
+        <p:spPr>
+          <a:xfrm>
+            <a:off x="8378511" y="2348997"/>
+            <a:ext cx="14048" cy="1075388"/>
+          </a:xfrm>
+          <a:prstGeom prst="straightConnector1">
+            <a:avLst/>
+          </a:prstGeom>
+          <a:ln w="28575">
+            <a:solidFill>
+              <a:schemeClr val="tx1"/>
+            </a:solidFill>
+            <a:tailEnd type="triangle"/>
+          </a:ln>
+        </p:spPr>
+        <p:style>
+          <a:lnRef idx="1">
+            <a:schemeClr val="accent1"/>
+          </a:lnRef>
+          <a:fillRef idx="0">
+            <a:schemeClr val="accent1"/>
+          </a:fillRef>
+          <a:effectRef idx="0">
+            <a:schemeClr val="accent1"/>
+          </a:effectRef>
+          <a:fontRef idx="minor">
+            <a:schemeClr val="tx1"/>
+          </a:fontRef>
+        </p:style>
+      </p:cxnSp>
+      <p:cxnSp>
+        <p:nvCxnSpPr>
+          <p:cNvPr id="12" name="Connecteur droit avec flèche 11"/>
+          <p:cNvCxnSpPr>
+            <a:stCxn id="8" idx="1"/>
+            <a:endCxn id="9" idx="3"/>
+          </p:cNvCxnSpPr>
+          <p:nvPr/>
+        </p:nvCxnSpPr>
+        <p:spPr>
+          <a:xfrm flipH="1" flipV="1">
+            <a:off x="2995669" y="3707382"/>
+            <a:ext cx="1843198" cy="5003"/>
+          </a:xfrm>
+          <a:prstGeom prst="straightConnector1">
+            <a:avLst/>
+          </a:prstGeom>
+          <a:ln w="28575">
+            <a:solidFill>
+              <a:schemeClr val="tx1"/>
+            </a:solidFill>
+            <a:tailEnd type="triangle"/>
+          </a:ln>
+        </p:spPr>
+        <p:style>
+          <a:lnRef idx="1">
+            <a:schemeClr val="accent1"/>
+          </a:lnRef>
+          <a:fillRef idx="0">
+            <a:schemeClr val="accent1"/>
+          </a:fillRef>
+          <a:effectRef idx="0">
+            <a:schemeClr val="accent1"/>
+          </a:effectRef>
+          <a:fontRef idx="minor">
+            <a:schemeClr val="tx1"/>
+          </a:fontRef>
+        </p:style>
+      </p:cxnSp>
+      <p:cxnSp>
+        <p:nvCxnSpPr>
+          <p:cNvPr id="13" name="Connecteur droit avec flèche 12"/>
+          <p:cNvCxnSpPr>
+            <a:stCxn id="9" idx="2"/>
+            <a:endCxn id="7" idx="0"/>
+          </p:cNvCxnSpPr>
+          <p:nvPr/>
+        </p:nvCxnSpPr>
+        <p:spPr>
+          <a:xfrm>
+            <a:off x="2311669" y="3995382"/>
+            <a:ext cx="0" cy="1413313"/>
+          </a:xfrm>
+          <a:prstGeom prst="straightConnector1">
+            <a:avLst/>
+          </a:prstGeom>
+          <a:ln w="28575">
+            <a:solidFill>
+              <a:schemeClr val="tx1"/>
+            </a:solidFill>
+            <a:tailEnd type="triangle"/>
+          </a:ln>
+        </p:spPr>
+        <p:style>
+          <a:lnRef idx="1">
+            <a:schemeClr val="accent1"/>
+          </a:lnRef>
+          <a:fillRef idx="0">
+            <a:schemeClr val="accent1"/>
+          </a:fillRef>
+          <a:effectRef idx="0">
+            <a:schemeClr val="accent1"/>
+          </a:effectRef>
+          <a:fontRef idx="minor">
+            <a:schemeClr val="tx1"/>
+          </a:fontRef>
+        </p:style>
+      </p:cxnSp>
+      <p:sp>
+        <p:nvSpPr>
+          <p:cNvPr id="14" name="Rectangle 13"/>
+          <p:cNvSpPr/>
+          <p:nvPr/>
+        </p:nvSpPr>
+        <p:spPr>
+          <a:xfrm>
+            <a:off x="4838867" y="1772997"/>
+            <a:ext cx="1368000" cy="576000"/>
+          </a:xfrm>
+          <a:prstGeom prst="rect">
+            <a:avLst/>
+          </a:prstGeom>
+          <a:ln>
+            <a:solidFill>
+              <a:schemeClr val="tx1"/>
+            </a:solidFill>
+          </a:ln>
+        </p:spPr>
+        <p:style>
+          <a:lnRef idx="1">
+            <a:schemeClr val="accent4"/>
+          </a:lnRef>
+          <a:fillRef idx="2">
+            <a:schemeClr val="accent4"/>
+          </a:fillRef>
+          <a:effectRef idx="1">
+            <a:schemeClr val="accent4"/>
+          </a:effectRef>
+          <a:fontRef idx="minor">
+            <a:schemeClr val="dk1"/>
+          </a:fontRef>
+        </p:style>
+        <p:txBody>
+          <a:bodyPr rtlCol="0" anchor="ctr"/>
+          <a:lstStyle/>
+          <a:p>
+            <a:pPr algn="ctr"/>
+            <a:r>
+              <a:rPr lang="fr-CH" dirty="0" smtClean="0"/>
+              <a:t>Pier </a:t>
+            </a:r>
+          </a:p>
+          <a:p>
+            <a:pPr algn="ctr"/>
+            <a:r>
+              <a:rPr lang="fr-CH" dirty="0" smtClean="0"/>
+              <a:t>Donini</a:t>
+            </a:r>
+            <a:endParaRPr lang="fr-CH" dirty="0"/>
+          </a:p>
+        </p:txBody>
+      </p:sp>
+      <p:cxnSp>
+        <p:nvCxnSpPr>
+          <p:cNvPr id="16" name="Connecteur droit avec flèche 15"/>
+          <p:cNvCxnSpPr>
+            <a:endCxn id="14" idx="1"/>
+          </p:cNvCxnSpPr>
+          <p:nvPr/>
+        </p:nvCxnSpPr>
+        <p:spPr>
+          <a:xfrm>
+            <a:off x="2995669" y="2060997"/>
+            <a:ext cx="1843198" cy="0"/>
+          </a:xfrm>
+          <a:prstGeom prst="straightConnector1">
+            <a:avLst/>
+          </a:prstGeom>
+          <a:ln w="28575">
+            <a:solidFill>
+              <a:schemeClr val="tx1"/>
+            </a:solidFill>
+            <a:tailEnd type="triangle"/>
+          </a:ln>
+        </p:spPr>
+        <p:style>
+          <a:lnRef idx="1">
+            <a:schemeClr val="accent1"/>
+          </a:lnRef>
+          <a:fillRef idx="0">
+            <a:schemeClr val="accent1"/>
+          </a:fillRef>
+          <a:effectRef idx="0">
+            <a:schemeClr val="accent1"/>
+          </a:effectRef>
+          <a:fontRef idx="minor">
+            <a:schemeClr val="tx1"/>
+          </a:fontRef>
+        </p:style>
+      </p:cxnSp>
+      <p:cxnSp>
+        <p:nvCxnSpPr>
+          <p:cNvPr id="17" name="Connecteur droit avec flèche 16"/>
+          <p:cNvCxnSpPr>
+            <a:stCxn id="10" idx="1"/>
+            <a:endCxn id="8" idx="3"/>
+          </p:cNvCxnSpPr>
+          <p:nvPr/>
+        </p:nvCxnSpPr>
+        <p:spPr>
+          <a:xfrm flipH="1">
+            <a:off x="6206867" y="3712385"/>
+            <a:ext cx="1501692" cy="0"/>
+          </a:xfrm>
+          <a:prstGeom prst="straightConnector1">
+            <a:avLst/>
+          </a:prstGeom>
+          <a:ln w="28575">
+            <a:solidFill>
+              <a:schemeClr val="tx1"/>
+            </a:solidFill>
+            <a:tailEnd type="triangle"/>
+          </a:ln>
+        </p:spPr>
+        <p:style>
+          <a:lnRef idx="1">
+            <a:schemeClr val="accent1"/>
+          </a:lnRef>
+          <a:fillRef idx="0">
+            <a:schemeClr val="accent1"/>
+          </a:fillRef>
+          <a:effectRef idx="0">
+            <a:schemeClr val="accent1"/>
+          </a:effectRef>
+          <a:fontRef idx="minor">
+            <a:schemeClr val="tx1"/>
+          </a:fontRef>
+        </p:style>
+      </p:cxnSp>
+      <p:sp>
+        <p:nvSpPr>
+          <p:cNvPr id="46" name="ZoneTexte 45"/>
+          <p:cNvSpPr txBox="1"/>
+          <p:nvPr/>
+        </p:nvSpPr>
+        <p:spPr>
+          <a:xfrm>
+            <a:off x="3269920" y="1449191"/>
+            <a:ext cx="1291316" cy="584775"/>
+          </a:xfrm>
+          <a:prstGeom prst="rect">
+            <a:avLst/>
+          </a:prstGeom>
+          <a:noFill/>
+        </p:spPr>
+        <p:txBody>
+          <a:bodyPr wrap="none" rtlCol="0">
+            <a:spAutoFit/>
+          </a:bodyPr>
+          <a:lstStyle/>
+          <a:p>
+            <a:pPr algn="ctr"/>
+            <a:r>
+              <a:rPr lang="fr-CH" sz="1600" dirty="0" smtClean="0"/>
+              <a:t>Présentation </a:t>
+            </a:r>
+          </a:p>
+          <a:p>
+            <a:pPr algn="ctr"/>
+            <a:r>
+              <a:rPr lang="fr-CH" sz="1600" dirty="0" smtClean="0"/>
+              <a:t>du patron</a:t>
+            </a:r>
+            <a:endParaRPr lang="fr-CH" sz="1600" dirty="0"/>
+          </a:p>
+        </p:txBody>
+      </p:sp>
+      <p:cxnSp>
+        <p:nvCxnSpPr>
+          <p:cNvPr id="47" name="Connecteur droit avec flèche 46"/>
+          <p:cNvCxnSpPr>
+            <a:stCxn id="14" idx="3"/>
+            <a:endCxn id="6" idx="1"/>
+          </p:cNvCxnSpPr>
+          <p:nvPr/>
+        </p:nvCxnSpPr>
+        <p:spPr>
+          <a:xfrm>
+            <a:off x="6206867" y="2060997"/>
+            <a:ext cx="1487644" cy="0"/>
+          </a:xfrm>
+          <a:prstGeom prst="straightConnector1">
+            <a:avLst/>
+          </a:prstGeom>
+          <a:ln w="28575">
+            <a:solidFill>
+              <a:schemeClr val="tx1"/>
+            </a:solidFill>
+            <a:tailEnd type="triangle"/>
+          </a:ln>
+        </p:spPr>
+        <p:style>
+          <a:lnRef idx="1">
+            <a:schemeClr val="accent1"/>
+          </a:lnRef>
+          <a:fillRef idx="0">
+            <a:schemeClr val="accent1"/>
+          </a:fillRef>
+          <a:effectRef idx="0">
+            <a:schemeClr val="accent1"/>
+          </a:effectRef>
+          <a:fontRef idx="minor">
+            <a:schemeClr val="tx1"/>
+          </a:fontRef>
+        </p:style>
+      </p:cxnSp>
+      <p:sp>
+        <p:nvSpPr>
+          <p:cNvPr id="52" name="ZoneTexte 51"/>
+          <p:cNvSpPr txBox="1"/>
+          <p:nvPr/>
+        </p:nvSpPr>
+        <p:spPr>
+          <a:xfrm>
+            <a:off x="6327479" y="1449191"/>
+            <a:ext cx="1246430" cy="584775"/>
+          </a:xfrm>
+          <a:prstGeom prst="rect">
+            <a:avLst/>
+          </a:prstGeom>
+          <a:noFill/>
+        </p:spPr>
+        <p:txBody>
+          <a:bodyPr wrap="none" rtlCol="0">
+            <a:spAutoFit/>
+          </a:bodyPr>
+          <a:lstStyle/>
+          <a:p>
+            <a:pPr algn="ctr"/>
+            <a:r>
+              <a:rPr lang="fr-CH" sz="1600" dirty="0" smtClean="0"/>
+              <a:t>Faire la </a:t>
+            </a:r>
+          </a:p>
+          <a:p>
+            <a:pPr algn="ctr"/>
+            <a:r>
+              <a:rPr lang="fr-CH" sz="1600" dirty="0" smtClean="0"/>
+              <a:t>présentation</a:t>
+            </a:r>
+            <a:endParaRPr lang="fr-CH" sz="1600" dirty="0"/>
+          </a:p>
+        </p:txBody>
+      </p:sp>
+      <p:sp>
+        <p:nvSpPr>
+          <p:cNvPr id="54" name="Bulle ronde 53"/>
+          <p:cNvSpPr/>
+          <p:nvPr/>
+        </p:nvSpPr>
+        <p:spPr>
+          <a:xfrm>
+            <a:off x="7708559" y="777198"/>
+            <a:ext cx="1622401" cy="878121"/>
+          </a:xfrm>
+          <a:prstGeom prst="wedgeEllipseCallout">
+            <a:avLst/>
+          </a:prstGeom>
+        </p:spPr>
+        <p:style>
+          <a:lnRef idx="2">
+            <a:schemeClr val="accent5"/>
+          </a:lnRef>
+          <a:fillRef idx="1">
+            <a:schemeClr val="lt1"/>
+          </a:fillRef>
+          <a:effectRef idx="0">
+            <a:schemeClr val="accent5"/>
+          </a:effectRef>
+          <a:fontRef idx="minor">
+            <a:schemeClr val="dk1"/>
+          </a:fontRef>
+        </p:style>
+        <p:txBody>
+          <a:bodyPr rtlCol="0" anchor="ctr"/>
+          <a:lstStyle/>
+          <a:p>
+            <a:pPr algn="ctr"/>
+            <a:r>
+              <a:rPr lang="fr-CH" sz="1400" dirty="0" smtClean="0"/>
+              <a:t>J’introduit la présentation </a:t>
+            </a:r>
+            <a:endParaRPr lang="fr-CH" sz="1400" dirty="0"/>
+          </a:p>
+        </p:txBody>
+      </p:sp>
+      <p:sp>
+        <p:nvSpPr>
+          <p:cNvPr id="56" name="Bulle ronde 55"/>
+          <p:cNvSpPr/>
+          <p:nvPr/>
+        </p:nvSpPr>
+        <p:spPr>
+          <a:xfrm>
+            <a:off x="5078448" y="740310"/>
+            <a:ext cx="1622401" cy="878121"/>
+          </a:xfrm>
+          <a:prstGeom prst="wedgeEllipseCallout">
+            <a:avLst/>
+          </a:prstGeom>
+        </p:spPr>
+        <p:style>
+          <a:lnRef idx="2">
+            <a:schemeClr val="accent5"/>
+          </a:lnRef>
+          <a:fillRef idx="1">
+            <a:schemeClr val="lt1"/>
+          </a:fillRef>
+          <a:effectRef idx="0">
+            <a:schemeClr val="accent5"/>
+          </a:effectRef>
+          <a:fontRef idx="minor">
+            <a:schemeClr val="dk1"/>
+          </a:fontRef>
+        </p:style>
+        <p:txBody>
+          <a:bodyPr rtlCol="0" anchor="ctr"/>
+          <a:lstStyle/>
+          <a:p>
+            <a:pPr algn="ctr"/>
+            <a:r>
+              <a:rPr lang="fr-CH" sz="1200" dirty="0" smtClean="0"/>
+              <a:t>Je ne peut pas faire la présentation</a:t>
+            </a:r>
+            <a:endParaRPr lang="fr-CH" sz="1200" dirty="0"/>
+          </a:p>
+        </p:txBody>
+      </p:sp>
+      <p:sp>
+        <p:nvSpPr>
+          <p:cNvPr id="61" name="ZoneTexte 60"/>
+          <p:cNvSpPr txBox="1"/>
+          <p:nvPr/>
+        </p:nvSpPr>
+        <p:spPr>
+          <a:xfrm>
+            <a:off x="8392559" y="2596175"/>
+            <a:ext cx="1246430" cy="584775"/>
+          </a:xfrm>
+          <a:prstGeom prst="rect">
+            <a:avLst/>
+          </a:prstGeom>
+          <a:noFill/>
+        </p:spPr>
+        <p:txBody>
+          <a:bodyPr wrap="none" rtlCol="0">
+            <a:spAutoFit/>
+          </a:bodyPr>
+          <a:lstStyle/>
+          <a:p>
+            <a:pPr algn="ctr"/>
+            <a:r>
+              <a:rPr lang="fr-CH" sz="1600" dirty="0" smtClean="0"/>
+              <a:t>Faire la </a:t>
+            </a:r>
+          </a:p>
+          <a:p>
+            <a:pPr algn="ctr"/>
+            <a:r>
+              <a:rPr lang="fr-CH" sz="1600" dirty="0" smtClean="0"/>
+              <a:t>présentation</a:t>
+            </a:r>
+            <a:endParaRPr lang="fr-CH" sz="1600" dirty="0"/>
+          </a:p>
+        </p:txBody>
+      </p:sp>
+      <p:sp>
+        <p:nvSpPr>
+          <p:cNvPr id="62" name="Bulle ronde 61"/>
+          <p:cNvSpPr/>
+          <p:nvPr/>
+        </p:nvSpPr>
+        <p:spPr>
+          <a:xfrm>
+            <a:off x="9730550" y="3273324"/>
+            <a:ext cx="1622401" cy="878121"/>
+          </a:xfrm>
+          <a:prstGeom prst="wedgeEllipseCallout">
+            <a:avLst>
+              <a:gd name="adj1" fmla="val -87370"/>
+              <a:gd name="adj2" fmla="val 310"/>
+            </a:avLst>
+          </a:prstGeom>
+        </p:spPr>
+        <p:style>
+          <a:lnRef idx="2">
+            <a:schemeClr val="accent5"/>
+          </a:lnRef>
+          <a:fillRef idx="1">
+            <a:schemeClr val="lt1"/>
+          </a:fillRef>
+          <a:effectRef idx="0">
+            <a:schemeClr val="accent5"/>
+          </a:effectRef>
+          <a:fontRef idx="minor">
+            <a:schemeClr val="dk1"/>
+          </a:fontRef>
+        </p:style>
+        <p:txBody>
+          <a:bodyPr rtlCol="0" anchor="ctr"/>
+          <a:lstStyle/>
+          <a:p>
+            <a:pPr algn="ctr"/>
+            <a:r>
+              <a:rPr lang="fr-CH" sz="1400" dirty="0" smtClean="0"/>
+              <a:t>J’explique la motivation et donne un exemple</a:t>
+            </a:r>
+            <a:endParaRPr lang="fr-CH" sz="1400" dirty="0"/>
+          </a:p>
+        </p:txBody>
+      </p:sp>
+      <p:sp>
+        <p:nvSpPr>
+          <p:cNvPr id="73" name="ZoneTexte 72"/>
+          <p:cNvSpPr txBox="1"/>
+          <p:nvPr/>
+        </p:nvSpPr>
+        <p:spPr>
+          <a:xfrm>
+            <a:off x="6334498" y="3049687"/>
+            <a:ext cx="1246430" cy="584775"/>
+          </a:xfrm>
+          <a:prstGeom prst="rect">
+            <a:avLst/>
+          </a:prstGeom>
+          <a:noFill/>
+        </p:spPr>
+        <p:txBody>
+          <a:bodyPr wrap="none" rtlCol="0">
+            <a:spAutoFit/>
+          </a:bodyPr>
+          <a:lstStyle/>
+          <a:p>
+            <a:pPr algn="ctr"/>
+            <a:r>
+              <a:rPr lang="fr-CH" sz="1600" dirty="0" smtClean="0"/>
+              <a:t>Faire la </a:t>
+            </a:r>
+          </a:p>
+          <a:p>
+            <a:pPr algn="ctr"/>
+            <a:r>
+              <a:rPr lang="fr-CH" sz="1600" dirty="0" smtClean="0"/>
+              <a:t>présentation</a:t>
+            </a:r>
+            <a:endParaRPr lang="fr-CH" sz="1600" dirty="0"/>
+          </a:p>
+        </p:txBody>
+      </p:sp>
+      <p:sp>
+        <p:nvSpPr>
+          <p:cNvPr id="74" name="Bulle ronde 73"/>
+          <p:cNvSpPr/>
+          <p:nvPr/>
+        </p:nvSpPr>
+        <p:spPr>
+          <a:xfrm>
+            <a:off x="5522867" y="4288385"/>
+            <a:ext cx="1971652" cy="878121"/>
+          </a:xfrm>
+          <a:prstGeom prst="wedgeEllipseCallout">
+            <a:avLst>
+              <a:gd name="adj1" fmla="val -50042"/>
+              <a:gd name="adj2" fmla="val -80681"/>
+            </a:avLst>
+          </a:prstGeom>
+        </p:spPr>
+        <p:style>
+          <a:lnRef idx="2">
+            <a:schemeClr val="accent5"/>
+          </a:lnRef>
+          <a:fillRef idx="1">
+            <a:schemeClr val="lt1"/>
+          </a:fillRef>
+          <a:effectRef idx="0">
+            <a:schemeClr val="accent5"/>
+          </a:effectRef>
+          <a:fontRef idx="minor">
+            <a:schemeClr val="dk1"/>
+          </a:fontRef>
+        </p:style>
+        <p:txBody>
+          <a:bodyPr rtlCol="0" anchor="ctr"/>
+          <a:lstStyle/>
+          <a:p>
+            <a:pPr algn="ctr"/>
+            <a:r>
+              <a:rPr lang="fr-CH" sz="1400" dirty="0" smtClean="0"/>
+              <a:t>Je donne ces conséquences et quand l’utiliser</a:t>
+            </a:r>
+            <a:endParaRPr lang="fr-CH" sz="1400" dirty="0"/>
+          </a:p>
+        </p:txBody>
+      </p:sp>
+      <p:sp>
+        <p:nvSpPr>
+          <p:cNvPr id="75" name="Bulle ronde 74"/>
+          <p:cNvSpPr/>
+          <p:nvPr/>
+        </p:nvSpPr>
+        <p:spPr>
+          <a:xfrm>
+            <a:off x="428062" y="4218470"/>
+            <a:ext cx="1622401" cy="878121"/>
+          </a:xfrm>
+          <a:prstGeom prst="wedgeEllipseCallout">
+            <a:avLst>
+              <a:gd name="adj1" fmla="val 29265"/>
+              <a:gd name="adj2" fmla="val -70557"/>
+            </a:avLst>
+          </a:prstGeom>
+        </p:spPr>
+        <p:style>
+          <a:lnRef idx="2">
+            <a:schemeClr val="accent5"/>
+          </a:lnRef>
+          <a:fillRef idx="1">
+            <a:schemeClr val="lt1"/>
+          </a:fillRef>
+          <a:effectRef idx="0">
+            <a:schemeClr val="accent5"/>
+          </a:effectRef>
+          <a:fontRef idx="minor">
+            <a:schemeClr val="dk1"/>
+          </a:fontRef>
+        </p:style>
+        <p:txBody>
+          <a:bodyPr rtlCol="0" anchor="ctr"/>
+          <a:lstStyle/>
+          <a:p>
+            <a:pPr algn="ctr"/>
+            <a:r>
+              <a:rPr lang="fr-CH" sz="1400" dirty="0" smtClean="0"/>
+              <a:t>J’explique les objectifs du projets</a:t>
+            </a:r>
+            <a:endParaRPr lang="fr-CH" sz="1400" dirty="0"/>
+          </a:p>
+        </p:txBody>
+      </p:sp>
+      <p:sp>
+        <p:nvSpPr>
+          <p:cNvPr id="77" name="ZoneTexte 76"/>
+          <p:cNvSpPr txBox="1"/>
+          <p:nvPr/>
+        </p:nvSpPr>
+        <p:spPr>
+          <a:xfrm>
+            <a:off x="3375904" y="3095575"/>
+            <a:ext cx="1246430" cy="584775"/>
+          </a:xfrm>
+          <a:prstGeom prst="rect">
+            <a:avLst/>
+          </a:prstGeom>
+          <a:noFill/>
+        </p:spPr>
+        <p:txBody>
+          <a:bodyPr wrap="none" rtlCol="0">
+            <a:spAutoFit/>
+          </a:bodyPr>
+          <a:lstStyle/>
+          <a:p>
+            <a:pPr algn="ctr"/>
+            <a:r>
+              <a:rPr lang="fr-CH" sz="1600" dirty="0" smtClean="0"/>
+              <a:t>Faire la </a:t>
+            </a:r>
+          </a:p>
+          <a:p>
+            <a:pPr algn="ctr"/>
+            <a:r>
+              <a:rPr lang="fr-CH" sz="1600" dirty="0" smtClean="0"/>
+              <a:t>présentation</a:t>
+            </a:r>
+            <a:endParaRPr lang="fr-CH" sz="1600" dirty="0"/>
+          </a:p>
+        </p:txBody>
+      </p:sp>
+      <p:sp>
+        <p:nvSpPr>
+          <p:cNvPr id="78" name="ZoneTexte 77"/>
+          <p:cNvSpPr txBox="1"/>
+          <p:nvPr/>
+        </p:nvSpPr>
+        <p:spPr>
+          <a:xfrm>
+            <a:off x="2328838" y="4409650"/>
+            <a:ext cx="1246430" cy="584775"/>
+          </a:xfrm>
+          <a:prstGeom prst="rect">
+            <a:avLst/>
+          </a:prstGeom>
+          <a:noFill/>
+        </p:spPr>
+        <p:txBody>
+          <a:bodyPr wrap="none" rtlCol="0">
+            <a:spAutoFit/>
+          </a:bodyPr>
+          <a:lstStyle/>
+          <a:p>
+            <a:pPr algn="ctr"/>
+            <a:r>
+              <a:rPr lang="fr-CH" sz="1600" dirty="0" smtClean="0"/>
+              <a:t>Faire la </a:t>
+            </a:r>
+          </a:p>
+          <a:p>
+            <a:pPr algn="ctr"/>
+            <a:r>
+              <a:rPr lang="fr-CH" sz="1600" dirty="0" smtClean="0"/>
+              <a:t>présentation</a:t>
+            </a:r>
+            <a:endParaRPr lang="fr-CH" sz="1600" dirty="0"/>
+          </a:p>
+        </p:txBody>
+      </p:sp>
+      <p:sp>
+        <p:nvSpPr>
+          <p:cNvPr id="79" name="Bulle ronde 78"/>
+          <p:cNvSpPr/>
+          <p:nvPr/>
+        </p:nvSpPr>
+        <p:spPr>
+          <a:xfrm>
+            <a:off x="3375904" y="5348808"/>
+            <a:ext cx="1702544" cy="878121"/>
+          </a:xfrm>
+          <a:prstGeom prst="wedgeEllipseCallout">
+            <a:avLst>
+              <a:gd name="adj1" fmla="val -72498"/>
+              <a:gd name="adj2" fmla="val -18491"/>
+            </a:avLst>
+          </a:prstGeom>
+        </p:spPr>
+        <p:style>
+          <a:lnRef idx="2">
+            <a:schemeClr val="accent5"/>
+          </a:lnRef>
+          <a:fillRef idx="1">
+            <a:schemeClr val="lt1"/>
+          </a:fillRef>
+          <a:effectRef idx="0">
+            <a:schemeClr val="accent5"/>
+          </a:effectRef>
+          <a:fontRef idx="minor">
+            <a:schemeClr val="dk1"/>
+          </a:fontRef>
+        </p:style>
+        <p:txBody>
+          <a:bodyPr rtlCol="0" anchor="ctr"/>
+          <a:lstStyle/>
+          <a:p>
+            <a:pPr algn="ctr"/>
+            <a:r>
+              <a:rPr lang="fr-CH" sz="1400" dirty="0" smtClean="0"/>
+              <a:t>Je réponds aux questions et paye les bières</a:t>
+            </a:r>
+            <a:endParaRPr lang="fr-CH" sz="1400" dirty="0"/>
+          </a:p>
+        </p:txBody>
+      </p:sp>
+    </p:spTree>
+    <p:extLst>
+      <p:ext uri="{BB962C8B-B14F-4D97-AF65-F5344CB8AC3E}">
+        <p14:creationId xmlns:p14="http://schemas.microsoft.com/office/powerpoint/2010/main" val="764273184"/>
+      </p:ext>
+    </p:extLst>
+  </p:cSld>
+  <p:clrMapOvr>
+    <a:masterClrMapping/>
+  </p:clrMapOvr>
+</p:sld>
+</file>
+
+<file path=ppt/slides/slide4.xml><?xml version="1.0" encoding="utf-8"?>
+<p:sld xmlns:a="http://schemas.openxmlformats.org/drawingml/2006/main" xmlns:r="http://schemas.openxmlformats.org/officeDocument/2006/relationships" xmlns:p="http://schemas.openxmlformats.org/presentationml/2006/main">
+  <p:cSld>
+    <p:spTree>
+      <p:nvGrpSpPr>
+        <p:cNvPr id="1" name=""/>
+        <p:cNvGrpSpPr/>
+        <p:nvPr/>
+      </p:nvGrpSpPr>
+      <p:grpSpPr>
+        <a:xfrm>
+          <a:off x="0" y="0"/>
+          <a:ext cx="0" cy="0"/>
+          <a:chOff x="0" y="0"/>
+          <a:chExt cx="0" cy="0"/>
+        </a:xfrm>
+      </p:grpSpPr>
+      <p:sp>
+        <p:nvSpPr>
+          <p:cNvPr id="2" name="Titre 1"/>
+          <p:cNvSpPr>
+            <a:spLocks noGrp="1"/>
+          </p:cNvSpPr>
+          <p:nvPr>
+            <p:ph type="title"/>
+          </p:nvPr>
+        </p:nvSpPr>
+        <p:spPr/>
+        <p:txBody>
+          <a:bodyPr/>
+          <a:lstStyle/>
+          <a:p>
+            <a:r>
+              <a:rPr lang="fr-CH" dirty="0" smtClean="0"/>
               <a:t>Conséquences</a:t>
             </a:r>
             <a:endParaRPr lang="fr-CH" dirty="0"/>
@@ -4413,7 +5802,7 @@
 </p:sld>
 </file>
 
-<file path=ppt/slides/slide4.xml><?xml version="1.0" encoding="utf-8"?>
+<file path=ppt/slides/slide5.xml><?xml version="1.0" encoding="utf-8"?>
 <p:sld xmlns:a="http://schemas.openxmlformats.org/drawingml/2006/main" xmlns:r="http://schemas.openxmlformats.org/officeDocument/2006/relationships" xmlns:p="http://schemas.openxmlformats.org/presentationml/2006/main">
   <p:cSld>
     <p:spTree>

--- a/presentation/chaine_responsabilite.pptx
+++ b/presentation/chaine_responsabilite.pptx
@@ -5,14 +5,20 @@
     <p:sldMasterId id="2147483708" r:id="rId1"/>
   </p:sldMasterIdLst>
   <p:notesMasterIdLst>
-    <p:notesMasterId r:id="rId7"/>
+    <p:notesMasterId r:id="rId13"/>
   </p:notesMasterIdLst>
   <p:sldIdLst>
     <p:sldId id="259" r:id="rId2"/>
     <p:sldId id="261" r:id="rId3"/>
-    <p:sldId id="262" r:id="rId4"/>
-    <p:sldId id="257" r:id="rId5"/>
-    <p:sldId id="260" r:id="rId6"/>
+    <p:sldId id="263" r:id="rId4"/>
+    <p:sldId id="264" r:id="rId5"/>
+    <p:sldId id="262" r:id="rId6"/>
+    <p:sldId id="257" r:id="rId7"/>
+    <p:sldId id="260" r:id="rId8"/>
+    <p:sldId id="265" r:id="rId9"/>
+    <p:sldId id="266" r:id="rId10"/>
+    <p:sldId id="267" r:id="rId11"/>
+    <p:sldId id="268" r:id="rId12"/>
   </p:sldIdLst>
   <p:sldSz cx="12192000" cy="6858000"/>
   <p:notesSz cx="6858000" cy="9144000"/>
@@ -201,7 +207,7 @@
           <a:p>
             <a:fld id="{67CBF77A-1B13-4F13-91AF-F4AE82D802B6}" type="datetimeFigureOut">
               <a:rPr lang="fr-CH" smtClean="0"/>
-              <a:t>04.05.2017</a:t>
+              <a:t>08.05.2017</a:t>
             </a:fld>
             <a:endParaRPr lang="fr-CH"/>
           </a:p>
@@ -637,29 +643,14 @@
           <a:bodyPr/>
           <a:lstStyle/>
           <a:p>
-            <a:pPr marL="0" marR="0" lvl="0" indent="0" algn="l" defTabSz="914400" rtl="0" eaLnBrk="1" fontAlgn="auto" latinLnBrk="0" hangingPunct="1">
-              <a:lnSpc>
-                <a:spcPct val="100000"/>
-              </a:lnSpc>
-              <a:spcBef>
-                <a:spcPts val="0"/>
-              </a:spcBef>
-              <a:spcAft>
-                <a:spcPts val="0"/>
-              </a:spcAft>
-              <a:buClrTx/>
-              <a:buSzTx/>
-              <a:buFontTx/>
-              <a:buNone/>
-              <a:tabLst/>
-              <a:defRPr/>
-            </a:pPr>
             <a:r>
               <a:rPr lang="fr-CH" dirty="0" smtClean="0"/>
-              <a:t>L’HEIG-VD veut qu’une présentation du patron de conception «chaine de responsabilité» soit faite. La requête est envoyée </a:t>
-            </a:r>
-          </a:p>
-          <a:p>
+              <a:t>Un</a:t>
+            </a:r>
+            <a:r>
+              <a:rPr lang="fr-CH" baseline="0" dirty="0" smtClean="0"/>
+              <a:t> manager reçoit les requêtes, les traites et les redirige à la personne appropriées. Dans ce cas, le manager doit possédé une référence à toutes les personnes.</a:t>
+            </a:r>
             <a:endParaRPr lang="fr-CH" dirty="0"/>
           </a:p>
         </p:txBody>
@@ -681,7 +672,7 @@
           <a:p>
             <a:fld id="{6DC36483-72C3-4FB1-890C-5D459F544987}" type="slidenum">
               <a:rPr lang="fr-CH" smtClean="0"/>
-              <a:t>3</a:t>
+              <a:t>4</a:t>
             </a:fld>
             <a:endParaRPr lang="fr-CH"/>
           </a:p>
@@ -690,7 +681,7 @@
     </p:spTree>
     <p:extLst>
       <p:ext uri="{BB962C8B-B14F-4D97-AF65-F5344CB8AC3E}">
-        <p14:creationId xmlns:p14="http://schemas.microsoft.com/office/powerpoint/2010/main" val="1834377289"/>
+        <p14:creationId xmlns:p14="http://schemas.microsoft.com/office/powerpoint/2010/main" val="3500707454"/>
       </p:ext>
     </p:extLst>
   </p:cSld>
@@ -744,11 +735,30 @@
           <a:bodyPr/>
           <a:lstStyle/>
           <a:p>
-            <a:pPr marL="457200" lvl="1" indent="0">
+            <a:pPr marL="0" marR="0" lvl="0" indent="0" algn="l" defTabSz="914400" rtl="0" eaLnBrk="1" fontAlgn="auto" latinLnBrk="0" hangingPunct="1">
+              <a:lnSpc>
+                <a:spcPct val="100000"/>
+              </a:lnSpc>
+              <a:spcBef>
+                <a:spcPts val="0"/>
+              </a:spcBef>
+              <a:spcAft>
+                <a:spcPts val="0"/>
+              </a:spcAft>
+              <a:buClrTx/>
+              <a:buSzTx/>
               <a:buFontTx/>
               <a:buNone/>
+              <a:tabLst/>
+              <a:defRPr/>
             </a:pPr>
-            <a:endParaRPr lang="fr-CH" b="0" baseline="0" dirty="0" smtClean="0"/>
+            <a:r>
+              <a:rPr lang="fr-CH" dirty="0" smtClean="0"/>
+              <a:t>L’HEIG-VD veut qu’une présentation du patron de conception «chaine de responsabilité» soit faite. La requête est envoyée </a:t>
+            </a:r>
+          </a:p>
+          <a:p>
+            <a:endParaRPr lang="fr-CH" dirty="0"/>
           </a:p>
         </p:txBody>
       </p:sp>
@@ -769,7 +779,95 @@
           <a:p>
             <a:fld id="{6DC36483-72C3-4FB1-890C-5D459F544987}" type="slidenum">
               <a:rPr lang="fr-CH" smtClean="0"/>
-              <a:t>4</a:t>
+              <a:t>5</a:t>
+            </a:fld>
+            <a:endParaRPr lang="fr-CH"/>
+          </a:p>
+        </p:txBody>
+      </p:sp>
+    </p:spTree>
+    <p:extLst>
+      <p:ext uri="{BB962C8B-B14F-4D97-AF65-F5344CB8AC3E}">
+        <p14:creationId xmlns:p14="http://schemas.microsoft.com/office/powerpoint/2010/main" val="1834377289"/>
+      </p:ext>
+    </p:extLst>
+  </p:cSld>
+  <p:clrMapOvr>
+    <a:masterClrMapping/>
+  </p:clrMapOvr>
+</p:notes>
+</file>
+
+<file path=ppt/notesSlides/notesSlide4.xml><?xml version="1.0" encoding="utf-8"?>
+<p:notes xmlns:a="http://schemas.openxmlformats.org/drawingml/2006/main" xmlns:r="http://schemas.openxmlformats.org/officeDocument/2006/relationships" xmlns:p="http://schemas.openxmlformats.org/presentationml/2006/main">
+  <p:cSld>
+    <p:spTree>
+      <p:nvGrpSpPr>
+        <p:cNvPr id="1" name=""/>
+        <p:cNvGrpSpPr/>
+        <p:nvPr/>
+      </p:nvGrpSpPr>
+      <p:grpSpPr>
+        <a:xfrm>
+          <a:off x="0" y="0"/>
+          <a:ext cx="0" cy="0"/>
+          <a:chOff x="0" y="0"/>
+          <a:chExt cx="0" cy="0"/>
+        </a:xfrm>
+      </p:grpSpPr>
+      <p:sp>
+        <p:nvSpPr>
+          <p:cNvPr id="2" name="Espace réservé de l'image des diapositives 1"/>
+          <p:cNvSpPr>
+            <a:spLocks noGrp="1" noRot="1" noChangeAspect="1"/>
+          </p:cNvSpPr>
+          <p:nvPr>
+            <p:ph type="sldImg"/>
+          </p:nvPr>
+        </p:nvSpPr>
+        <p:spPr/>
+      </p:sp>
+      <p:sp>
+        <p:nvSpPr>
+          <p:cNvPr id="3" name="Espace réservé des commentaires 2"/>
+          <p:cNvSpPr>
+            <a:spLocks noGrp="1"/>
+          </p:cNvSpPr>
+          <p:nvPr>
+            <p:ph type="body" idx="1"/>
+          </p:nvPr>
+        </p:nvSpPr>
+        <p:spPr/>
+        <p:txBody>
+          <a:bodyPr/>
+          <a:lstStyle/>
+          <a:p>
+            <a:pPr marL="457200" lvl="1" indent="0">
+              <a:buFontTx/>
+              <a:buNone/>
+            </a:pPr>
+            <a:endParaRPr lang="fr-CH" b="0" baseline="0" dirty="0" smtClean="0"/>
+          </a:p>
+        </p:txBody>
+      </p:sp>
+      <p:sp>
+        <p:nvSpPr>
+          <p:cNvPr id="4" name="Espace réservé du numéro de diapositive 3"/>
+          <p:cNvSpPr>
+            <a:spLocks noGrp="1"/>
+          </p:cNvSpPr>
+          <p:nvPr>
+            <p:ph type="sldNum" sz="quarter" idx="10"/>
+          </p:nvPr>
+        </p:nvSpPr>
+        <p:spPr/>
+        <p:txBody>
+          <a:bodyPr/>
+          <a:lstStyle/>
+          <a:p>
+            <a:fld id="{6DC36483-72C3-4FB1-890C-5D459F544987}" type="slidenum">
+              <a:rPr lang="fr-CH" smtClean="0"/>
+              <a:t>6</a:t>
             </a:fld>
             <a:endParaRPr lang="fr-CH"/>
           </a:p>
@@ -779,6 +877,90 @@
     <p:extLst>
       <p:ext uri="{BB962C8B-B14F-4D97-AF65-F5344CB8AC3E}">
         <p14:creationId xmlns:p14="http://schemas.microsoft.com/office/powerpoint/2010/main" val="2223797462"/>
+      </p:ext>
+    </p:extLst>
+  </p:cSld>
+  <p:clrMapOvr>
+    <a:masterClrMapping/>
+  </p:clrMapOvr>
+</p:notes>
+</file>
+
+<file path=ppt/notesSlides/notesSlide5.xml><?xml version="1.0" encoding="utf-8"?>
+<p:notes xmlns:a="http://schemas.openxmlformats.org/drawingml/2006/main" xmlns:r="http://schemas.openxmlformats.org/officeDocument/2006/relationships" xmlns:p="http://schemas.openxmlformats.org/presentationml/2006/main">
+  <p:cSld>
+    <p:spTree>
+      <p:nvGrpSpPr>
+        <p:cNvPr id="1" name=""/>
+        <p:cNvGrpSpPr/>
+        <p:nvPr/>
+      </p:nvGrpSpPr>
+      <p:grpSpPr>
+        <a:xfrm>
+          <a:off x="0" y="0"/>
+          <a:ext cx="0" cy="0"/>
+          <a:chOff x="0" y="0"/>
+          <a:chExt cx="0" cy="0"/>
+        </a:xfrm>
+      </p:grpSpPr>
+      <p:sp>
+        <p:nvSpPr>
+          <p:cNvPr id="2" name="Espace réservé de l'image des diapositives 1"/>
+          <p:cNvSpPr>
+            <a:spLocks noGrp="1" noRot="1" noChangeAspect="1"/>
+          </p:cNvSpPr>
+          <p:nvPr>
+            <p:ph type="sldImg"/>
+          </p:nvPr>
+        </p:nvSpPr>
+        <p:spPr/>
+      </p:sp>
+      <p:sp>
+        <p:nvSpPr>
+          <p:cNvPr id="3" name="Espace réservé des commentaires 2"/>
+          <p:cNvSpPr>
+            <a:spLocks noGrp="1"/>
+          </p:cNvSpPr>
+          <p:nvPr>
+            <p:ph type="body" idx="1"/>
+          </p:nvPr>
+        </p:nvSpPr>
+        <p:spPr/>
+        <p:txBody>
+          <a:bodyPr/>
+          <a:lstStyle/>
+          <a:p>
+            <a:endParaRPr lang="fr-CH" dirty="0"/>
+          </a:p>
+        </p:txBody>
+      </p:sp>
+      <p:sp>
+        <p:nvSpPr>
+          <p:cNvPr id="4" name="Espace réservé du numéro de diapositive 3"/>
+          <p:cNvSpPr>
+            <a:spLocks noGrp="1"/>
+          </p:cNvSpPr>
+          <p:nvPr>
+            <p:ph type="sldNum" sz="quarter" idx="10"/>
+          </p:nvPr>
+        </p:nvSpPr>
+        <p:spPr/>
+        <p:txBody>
+          <a:bodyPr/>
+          <a:lstStyle/>
+          <a:p>
+            <a:fld id="{6DC36483-72C3-4FB1-890C-5D459F544987}" type="slidenum">
+              <a:rPr lang="fr-CH" smtClean="0"/>
+              <a:t>8</a:t>
+            </a:fld>
+            <a:endParaRPr lang="fr-CH"/>
+          </a:p>
+        </p:txBody>
+      </p:sp>
+    </p:spTree>
+    <p:extLst>
+      <p:ext uri="{BB962C8B-B14F-4D97-AF65-F5344CB8AC3E}">
+        <p14:creationId xmlns:p14="http://schemas.microsoft.com/office/powerpoint/2010/main" val="2835863595"/>
       </p:ext>
     </p:extLst>
   </p:cSld>
@@ -919,7 +1101,7 @@
           <a:p>
             <a:fld id="{F042435E-AFEA-46C7-B6F4-2DF35AF77AFB}" type="datetimeFigureOut">
               <a:rPr lang="fr-CH" smtClean="0"/>
-              <a:t>04.05.2017</a:t>
+              <a:t>08.05.2017</a:t>
             </a:fld>
             <a:endParaRPr lang="fr-CH"/>
           </a:p>
@@ -1089,7 +1271,7 @@
           <a:p>
             <a:fld id="{F042435E-AFEA-46C7-B6F4-2DF35AF77AFB}" type="datetimeFigureOut">
               <a:rPr lang="fr-CH" smtClean="0"/>
-              <a:t>04.05.2017</a:t>
+              <a:t>08.05.2017</a:t>
             </a:fld>
             <a:endParaRPr lang="fr-CH"/>
           </a:p>
@@ -1269,7 +1451,7 @@
           <a:p>
             <a:fld id="{F042435E-AFEA-46C7-B6F4-2DF35AF77AFB}" type="datetimeFigureOut">
               <a:rPr lang="fr-CH" smtClean="0"/>
-              <a:t>04.05.2017</a:t>
+              <a:t>08.05.2017</a:t>
             </a:fld>
             <a:endParaRPr lang="fr-CH"/>
           </a:p>
@@ -1439,7 +1621,7 @@
           <a:p>
             <a:fld id="{F042435E-AFEA-46C7-B6F4-2DF35AF77AFB}" type="datetimeFigureOut">
               <a:rPr lang="fr-CH" smtClean="0"/>
-              <a:t>04.05.2017</a:t>
+              <a:t>08.05.2017</a:t>
             </a:fld>
             <a:endParaRPr lang="fr-CH"/>
           </a:p>
@@ -1685,7 +1867,7 @@
           <a:p>
             <a:fld id="{F042435E-AFEA-46C7-B6F4-2DF35AF77AFB}" type="datetimeFigureOut">
               <a:rPr lang="fr-CH" smtClean="0"/>
-              <a:t>04.05.2017</a:t>
+              <a:t>08.05.2017</a:t>
             </a:fld>
             <a:endParaRPr lang="fr-CH"/>
           </a:p>
@@ -1917,7 +2099,7 @@
           <a:p>
             <a:fld id="{F042435E-AFEA-46C7-B6F4-2DF35AF77AFB}" type="datetimeFigureOut">
               <a:rPr lang="fr-CH" smtClean="0"/>
-              <a:t>04.05.2017</a:t>
+              <a:t>08.05.2017</a:t>
             </a:fld>
             <a:endParaRPr lang="fr-CH"/>
           </a:p>
@@ -2284,7 +2466,7 @@
           <a:p>
             <a:fld id="{F042435E-AFEA-46C7-B6F4-2DF35AF77AFB}" type="datetimeFigureOut">
               <a:rPr lang="fr-CH" smtClean="0"/>
-              <a:t>04.05.2017</a:t>
+              <a:t>08.05.2017</a:t>
             </a:fld>
             <a:endParaRPr lang="fr-CH"/>
           </a:p>
@@ -2402,7 +2584,7 @@
           <a:p>
             <a:fld id="{F042435E-AFEA-46C7-B6F4-2DF35AF77AFB}" type="datetimeFigureOut">
               <a:rPr lang="fr-CH" smtClean="0"/>
-              <a:t>04.05.2017</a:t>
+              <a:t>08.05.2017</a:t>
             </a:fld>
             <a:endParaRPr lang="fr-CH"/>
           </a:p>
@@ -2497,7 +2679,7 @@
           <a:p>
             <a:fld id="{F042435E-AFEA-46C7-B6F4-2DF35AF77AFB}" type="datetimeFigureOut">
               <a:rPr lang="fr-CH" smtClean="0"/>
-              <a:t>04.05.2017</a:t>
+              <a:t>08.05.2017</a:t>
             </a:fld>
             <a:endParaRPr lang="fr-CH"/>
           </a:p>
@@ -2774,7 +2956,7 @@
           <a:p>
             <a:fld id="{F042435E-AFEA-46C7-B6F4-2DF35AF77AFB}" type="datetimeFigureOut">
               <a:rPr lang="fr-CH" smtClean="0"/>
-              <a:t>04.05.2017</a:t>
+              <a:t>08.05.2017</a:t>
             </a:fld>
             <a:endParaRPr lang="fr-CH"/>
           </a:p>
@@ -3027,7 +3209,7 @@
           <a:p>
             <a:fld id="{F042435E-AFEA-46C7-B6F4-2DF35AF77AFB}" type="datetimeFigureOut">
               <a:rPr lang="fr-CH" smtClean="0"/>
-              <a:t>04.05.2017</a:t>
+              <a:t>08.05.2017</a:t>
             </a:fld>
             <a:endParaRPr lang="fr-CH"/>
           </a:p>
@@ -3240,7 +3422,7 @@
           <a:p>
             <a:fld id="{F042435E-AFEA-46C7-B6F4-2DF35AF77AFB}" type="datetimeFigureOut">
               <a:rPr lang="fr-CH" smtClean="0"/>
-              <a:t>04.05.2017</a:t>
+              <a:t>08.05.2017</a:t>
             </a:fld>
             <a:endParaRPr lang="fr-CH"/>
           </a:p>
@@ -4415,6 +4597,2359 @@
 </p:sld>
 </file>
 
+<file path=ppt/slides/slide10.xml><?xml version="1.0" encoding="utf-8"?>
+<p:sld xmlns:a="http://schemas.openxmlformats.org/drawingml/2006/main" xmlns:r="http://schemas.openxmlformats.org/officeDocument/2006/relationships" xmlns:p="http://schemas.openxmlformats.org/presentationml/2006/main">
+  <p:cSld>
+    <p:spTree>
+      <p:nvGrpSpPr>
+        <p:cNvPr id="1" name=""/>
+        <p:cNvGrpSpPr/>
+        <p:nvPr/>
+      </p:nvGrpSpPr>
+      <p:grpSpPr>
+        <a:xfrm>
+          <a:off x="0" y="0"/>
+          <a:ext cx="0" cy="0"/>
+          <a:chOff x="0" y="0"/>
+          <a:chExt cx="0" cy="0"/>
+        </a:xfrm>
+      </p:grpSpPr>
+      <p:sp>
+        <p:nvSpPr>
+          <p:cNvPr id="2" name="Titre 1"/>
+          <p:cNvSpPr>
+            <a:spLocks noGrp="1"/>
+          </p:cNvSpPr>
+          <p:nvPr>
+            <p:ph type="title"/>
+          </p:nvPr>
+        </p:nvSpPr>
+        <p:spPr/>
+        <p:txBody>
+          <a:bodyPr/>
+          <a:lstStyle/>
+          <a:p>
+            <a:r>
+              <a:rPr lang="fr-CH" dirty="0"/>
+              <a:t>Exemple d’implémentation </a:t>
+            </a:r>
+            <a:r>
+              <a:rPr lang="fr-CH" dirty="0" smtClean="0"/>
+              <a:t>(3)</a:t>
+            </a:r>
+            <a:endParaRPr lang="fr-CH" dirty="0"/>
+          </a:p>
+        </p:txBody>
+      </p:sp>
+      <p:sp>
+        <p:nvSpPr>
+          <p:cNvPr id="4" name="Rectangle 2"/>
+          <p:cNvSpPr>
+            <a:spLocks noGrp="1" noChangeArrowheads="1"/>
+          </p:cNvSpPr>
+          <p:nvPr>
+            <p:ph idx="1"/>
+          </p:nvPr>
+        </p:nvSpPr>
+        <p:spPr bwMode="auto">
+          <a:xfrm>
+            <a:off x="838200" y="1739868"/>
+            <a:ext cx="10515600" cy="4185761"/>
+          </a:xfrm>
+          <a:prstGeom prst="rect">
+            <a:avLst/>
+          </a:prstGeom>
+          <a:ln w="19050"/>
+        </p:spPr>
+        <p:style>
+          <a:lnRef idx="2">
+            <a:schemeClr val="dk1"/>
+          </a:lnRef>
+          <a:fillRef idx="1">
+            <a:schemeClr val="lt1"/>
+          </a:fillRef>
+          <a:effectRef idx="0">
+            <a:schemeClr val="dk1"/>
+          </a:effectRef>
+          <a:fontRef idx="minor">
+            <a:schemeClr val="dk1"/>
+          </a:fontRef>
+        </p:style>
+        <p:txBody>
+          <a:bodyPr vert="horz" wrap="square" lIns="91440" tIns="45720" rIns="91440" bIns="45720" numCol="1" anchor="ctr" anchorCtr="0" compatLnSpc="1">
+            <a:prstTxWarp prst="textNoShape">
+              <a:avLst/>
+            </a:prstTxWarp>
+            <a:spAutoFit/>
+          </a:bodyPr>
+          <a:lstStyle/>
+          <a:p>
+            <a:pPr marL="0" lvl="0" indent="0" defTabSz="346075" eaLnBrk="0" fontAlgn="base" hangingPunct="0">
+              <a:lnSpc>
+                <a:spcPct val="100000"/>
+              </a:lnSpc>
+              <a:spcBef>
+                <a:spcPct val="0"/>
+              </a:spcBef>
+              <a:spcAft>
+                <a:spcPct val="0"/>
+              </a:spcAft>
+              <a:buNone/>
+            </a:pPr>
+            <a:r>
+              <a:rPr lang="fr-FR" altLang="fr-FR" sz="1400" dirty="0" smtClean="0">
+                <a:solidFill>
+                  <a:schemeClr val="accent1">
+                    <a:lumMod val="75000"/>
+                  </a:schemeClr>
+                </a:solidFill>
+                <a:latin typeface="Bookman Old Style" panose="02050604050505020204" pitchFamily="18" charset="0"/>
+              </a:rPr>
+              <a:t>public </a:t>
+            </a:r>
+            <a:r>
+              <a:rPr lang="fr-FR" altLang="fr-FR" sz="1400" dirty="0">
+                <a:solidFill>
+                  <a:schemeClr val="accent1">
+                    <a:lumMod val="75000"/>
+                  </a:schemeClr>
+                </a:solidFill>
+                <a:latin typeface="Bookman Old Style" panose="02050604050505020204" pitchFamily="18" charset="0"/>
+              </a:rPr>
+              <a:t>class Dollar20Dispenser </a:t>
+            </a:r>
+            <a:r>
+              <a:rPr lang="fr-FR" altLang="fr-FR" sz="1400" dirty="0" err="1">
+                <a:solidFill>
+                  <a:schemeClr val="accent1">
+                    <a:lumMod val="75000"/>
+                  </a:schemeClr>
+                </a:solidFill>
+                <a:latin typeface="Bookman Old Style" panose="02050604050505020204" pitchFamily="18" charset="0"/>
+              </a:rPr>
+              <a:t>implements</a:t>
+            </a:r>
+            <a:r>
+              <a:rPr lang="fr-FR" altLang="fr-FR" sz="1400" dirty="0">
+                <a:solidFill>
+                  <a:schemeClr val="accent1">
+                    <a:lumMod val="75000"/>
+                  </a:schemeClr>
+                </a:solidFill>
+                <a:latin typeface="Bookman Old Style" panose="02050604050505020204" pitchFamily="18" charset="0"/>
+              </a:rPr>
+              <a:t> </a:t>
+            </a:r>
+            <a:r>
+              <a:rPr lang="fr-FR" altLang="fr-FR" sz="1400" dirty="0" err="1">
+                <a:solidFill>
+                  <a:schemeClr val="accent1">
+                    <a:lumMod val="75000"/>
+                  </a:schemeClr>
+                </a:solidFill>
+                <a:latin typeface="Bookman Old Style" panose="02050604050505020204" pitchFamily="18" charset="0"/>
+              </a:rPr>
+              <a:t>DispenseChain</a:t>
+            </a:r>
+            <a:r>
+              <a:rPr lang="fr-FR" altLang="fr-FR" sz="1400" dirty="0" smtClean="0">
+                <a:solidFill>
+                  <a:schemeClr val="accent1">
+                    <a:lumMod val="75000"/>
+                  </a:schemeClr>
+                </a:solidFill>
+                <a:latin typeface="Bookman Old Style" panose="02050604050505020204" pitchFamily="18" charset="0"/>
+              </a:rPr>
+              <a:t>{</a:t>
+            </a:r>
+            <a:endParaRPr lang="fr-FR" altLang="fr-FR" sz="1400" dirty="0">
+              <a:solidFill>
+                <a:schemeClr val="accent1">
+                  <a:lumMod val="75000"/>
+                </a:schemeClr>
+              </a:solidFill>
+              <a:latin typeface="Bookman Old Style" panose="02050604050505020204" pitchFamily="18" charset="0"/>
+            </a:endParaRPr>
+          </a:p>
+          <a:p>
+            <a:pPr marL="0" lvl="0" indent="0" defTabSz="346075" eaLnBrk="0" fontAlgn="base" hangingPunct="0">
+              <a:lnSpc>
+                <a:spcPct val="100000"/>
+              </a:lnSpc>
+              <a:spcBef>
+                <a:spcPct val="0"/>
+              </a:spcBef>
+              <a:spcAft>
+                <a:spcPct val="0"/>
+              </a:spcAft>
+              <a:buNone/>
+            </a:pPr>
+            <a:r>
+              <a:rPr lang="fr-FR" altLang="fr-FR" sz="1400" dirty="0">
+                <a:solidFill>
+                  <a:schemeClr val="accent1">
+                    <a:lumMod val="75000"/>
+                  </a:schemeClr>
+                </a:solidFill>
+                <a:latin typeface="Bookman Old Style" panose="02050604050505020204" pitchFamily="18" charset="0"/>
+              </a:rPr>
+              <a:t>	</a:t>
+            </a:r>
+            <a:r>
+              <a:rPr lang="fr-FR" altLang="fr-FR" sz="1400" dirty="0" err="1">
+                <a:solidFill>
+                  <a:schemeClr val="accent1">
+                    <a:lumMod val="75000"/>
+                  </a:schemeClr>
+                </a:solidFill>
+                <a:latin typeface="Bookman Old Style" panose="02050604050505020204" pitchFamily="18" charset="0"/>
+              </a:rPr>
+              <a:t>private</a:t>
+            </a:r>
+            <a:r>
+              <a:rPr lang="fr-FR" altLang="fr-FR" sz="1400" dirty="0">
+                <a:solidFill>
+                  <a:schemeClr val="accent1">
+                    <a:lumMod val="75000"/>
+                  </a:schemeClr>
+                </a:solidFill>
+                <a:latin typeface="Bookman Old Style" panose="02050604050505020204" pitchFamily="18" charset="0"/>
+              </a:rPr>
+              <a:t> </a:t>
+            </a:r>
+            <a:r>
+              <a:rPr lang="fr-FR" altLang="fr-FR" sz="1400" dirty="0" err="1">
+                <a:solidFill>
+                  <a:schemeClr val="accent1">
+                    <a:lumMod val="75000"/>
+                  </a:schemeClr>
+                </a:solidFill>
+                <a:latin typeface="Bookman Old Style" panose="02050604050505020204" pitchFamily="18" charset="0"/>
+              </a:rPr>
+              <a:t>DispenseChain</a:t>
+            </a:r>
+            <a:r>
+              <a:rPr lang="fr-FR" altLang="fr-FR" sz="1400" dirty="0">
+                <a:solidFill>
+                  <a:schemeClr val="accent1">
+                    <a:lumMod val="75000"/>
+                  </a:schemeClr>
+                </a:solidFill>
+                <a:latin typeface="Bookman Old Style" panose="02050604050505020204" pitchFamily="18" charset="0"/>
+              </a:rPr>
+              <a:t> </a:t>
+            </a:r>
+            <a:r>
+              <a:rPr lang="fr-FR" altLang="fr-FR" sz="1400" dirty="0" err="1">
+                <a:solidFill>
+                  <a:schemeClr val="accent1">
+                    <a:lumMod val="75000"/>
+                  </a:schemeClr>
+                </a:solidFill>
+                <a:latin typeface="Bookman Old Style" panose="02050604050505020204" pitchFamily="18" charset="0"/>
+              </a:rPr>
+              <a:t>chain</a:t>
+            </a:r>
+            <a:r>
+              <a:rPr lang="fr-FR" altLang="fr-FR" sz="1400" dirty="0" smtClean="0">
+                <a:solidFill>
+                  <a:schemeClr val="accent1">
+                    <a:lumMod val="75000"/>
+                  </a:schemeClr>
+                </a:solidFill>
+                <a:latin typeface="Bookman Old Style" panose="02050604050505020204" pitchFamily="18" charset="0"/>
+              </a:rPr>
+              <a:t>;</a:t>
+            </a:r>
+            <a:endParaRPr lang="fr-FR" altLang="fr-FR" sz="1400" dirty="0">
+              <a:solidFill>
+                <a:schemeClr val="accent1">
+                  <a:lumMod val="75000"/>
+                </a:schemeClr>
+              </a:solidFill>
+              <a:latin typeface="Bookman Old Style" panose="02050604050505020204" pitchFamily="18" charset="0"/>
+            </a:endParaRPr>
+          </a:p>
+          <a:p>
+            <a:pPr marL="0" lvl="0" indent="0" defTabSz="346075" eaLnBrk="0" fontAlgn="base" hangingPunct="0">
+              <a:lnSpc>
+                <a:spcPct val="100000"/>
+              </a:lnSpc>
+              <a:spcBef>
+                <a:spcPct val="0"/>
+              </a:spcBef>
+              <a:spcAft>
+                <a:spcPct val="0"/>
+              </a:spcAft>
+              <a:buNone/>
+            </a:pPr>
+            <a:r>
+              <a:rPr lang="fr-FR" altLang="fr-FR" sz="1400" dirty="0">
+                <a:solidFill>
+                  <a:schemeClr val="accent1">
+                    <a:lumMod val="75000"/>
+                  </a:schemeClr>
+                </a:solidFill>
+                <a:latin typeface="Bookman Old Style" panose="02050604050505020204" pitchFamily="18" charset="0"/>
+              </a:rPr>
+              <a:t>	@</a:t>
+            </a:r>
+            <a:r>
+              <a:rPr lang="fr-FR" altLang="fr-FR" sz="1400" dirty="0" err="1">
+                <a:solidFill>
+                  <a:schemeClr val="accent1">
+                    <a:lumMod val="75000"/>
+                  </a:schemeClr>
+                </a:solidFill>
+                <a:latin typeface="Bookman Old Style" panose="02050604050505020204" pitchFamily="18" charset="0"/>
+              </a:rPr>
+              <a:t>Override</a:t>
+            </a:r>
+            <a:endParaRPr lang="fr-FR" altLang="fr-FR" sz="1400" dirty="0">
+              <a:solidFill>
+                <a:schemeClr val="accent1">
+                  <a:lumMod val="75000"/>
+                </a:schemeClr>
+              </a:solidFill>
+              <a:latin typeface="Bookman Old Style" panose="02050604050505020204" pitchFamily="18" charset="0"/>
+            </a:endParaRPr>
+          </a:p>
+          <a:p>
+            <a:pPr marL="0" lvl="0" indent="0" defTabSz="346075" eaLnBrk="0" fontAlgn="base" hangingPunct="0">
+              <a:lnSpc>
+                <a:spcPct val="100000"/>
+              </a:lnSpc>
+              <a:spcBef>
+                <a:spcPct val="0"/>
+              </a:spcBef>
+              <a:spcAft>
+                <a:spcPct val="0"/>
+              </a:spcAft>
+              <a:buNone/>
+            </a:pPr>
+            <a:r>
+              <a:rPr lang="fr-FR" altLang="fr-FR" sz="1400" dirty="0">
+                <a:solidFill>
+                  <a:schemeClr val="accent1">
+                    <a:lumMod val="75000"/>
+                  </a:schemeClr>
+                </a:solidFill>
+                <a:latin typeface="Bookman Old Style" panose="02050604050505020204" pitchFamily="18" charset="0"/>
+              </a:rPr>
+              <a:t>	public </a:t>
+            </a:r>
+            <a:r>
+              <a:rPr lang="fr-FR" altLang="fr-FR" sz="1400" dirty="0" err="1">
+                <a:solidFill>
+                  <a:schemeClr val="accent1">
+                    <a:lumMod val="75000"/>
+                  </a:schemeClr>
+                </a:solidFill>
+                <a:latin typeface="Bookman Old Style" panose="02050604050505020204" pitchFamily="18" charset="0"/>
+              </a:rPr>
+              <a:t>void</a:t>
+            </a:r>
+            <a:r>
+              <a:rPr lang="fr-FR" altLang="fr-FR" sz="1400" dirty="0">
+                <a:solidFill>
+                  <a:schemeClr val="accent1">
+                    <a:lumMod val="75000"/>
+                  </a:schemeClr>
+                </a:solidFill>
+                <a:latin typeface="Bookman Old Style" panose="02050604050505020204" pitchFamily="18" charset="0"/>
+              </a:rPr>
+              <a:t> </a:t>
+            </a:r>
+            <a:r>
+              <a:rPr lang="fr-FR" altLang="fr-FR" sz="1400" dirty="0" err="1">
+                <a:solidFill>
+                  <a:schemeClr val="accent1">
+                    <a:lumMod val="75000"/>
+                  </a:schemeClr>
+                </a:solidFill>
+                <a:latin typeface="Bookman Old Style" panose="02050604050505020204" pitchFamily="18" charset="0"/>
+              </a:rPr>
+              <a:t>setNextChain</a:t>
+            </a:r>
+            <a:r>
+              <a:rPr lang="fr-FR" altLang="fr-FR" sz="1400" dirty="0">
+                <a:solidFill>
+                  <a:schemeClr val="accent1">
+                    <a:lumMod val="75000"/>
+                  </a:schemeClr>
+                </a:solidFill>
+                <a:latin typeface="Bookman Old Style" panose="02050604050505020204" pitchFamily="18" charset="0"/>
+              </a:rPr>
+              <a:t>(</a:t>
+            </a:r>
+            <a:r>
+              <a:rPr lang="fr-FR" altLang="fr-FR" sz="1400" dirty="0" err="1">
+                <a:solidFill>
+                  <a:schemeClr val="accent1">
+                    <a:lumMod val="75000"/>
+                  </a:schemeClr>
+                </a:solidFill>
+                <a:latin typeface="Bookman Old Style" panose="02050604050505020204" pitchFamily="18" charset="0"/>
+              </a:rPr>
+              <a:t>DispenseChain</a:t>
+            </a:r>
+            <a:r>
+              <a:rPr lang="fr-FR" altLang="fr-FR" sz="1400" dirty="0">
+                <a:solidFill>
+                  <a:schemeClr val="accent1">
+                    <a:lumMod val="75000"/>
+                  </a:schemeClr>
+                </a:solidFill>
+                <a:latin typeface="Bookman Old Style" panose="02050604050505020204" pitchFamily="18" charset="0"/>
+              </a:rPr>
+              <a:t> </a:t>
+            </a:r>
+            <a:r>
+              <a:rPr lang="fr-FR" altLang="fr-FR" sz="1400" dirty="0" err="1">
+                <a:solidFill>
+                  <a:schemeClr val="accent1">
+                    <a:lumMod val="75000"/>
+                  </a:schemeClr>
+                </a:solidFill>
+                <a:latin typeface="Bookman Old Style" panose="02050604050505020204" pitchFamily="18" charset="0"/>
+              </a:rPr>
+              <a:t>nextChain</a:t>
+            </a:r>
+            <a:r>
+              <a:rPr lang="fr-FR" altLang="fr-FR" sz="1400" dirty="0">
+                <a:solidFill>
+                  <a:schemeClr val="accent1">
+                    <a:lumMod val="75000"/>
+                  </a:schemeClr>
+                </a:solidFill>
+                <a:latin typeface="Bookman Old Style" panose="02050604050505020204" pitchFamily="18" charset="0"/>
+              </a:rPr>
+              <a:t>) {</a:t>
+            </a:r>
+          </a:p>
+          <a:p>
+            <a:pPr marL="0" lvl="0" indent="0" defTabSz="346075" eaLnBrk="0" fontAlgn="base" hangingPunct="0">
+              <a:lnSpc>
+                <a:spcPct val="100000"/>
+              </a:lnSpc>
+              <a:spcBef>
+                <a:spcPct val="0"/>
+              </a:spcBef>
+              <a:spcAft>
+                <a:spcPct val="0"/>
+              </a:spcAft>
+              <a:buNone/>
+            </a:pPr>
+            <a:r>
+              <a:rPr lang="fr-FR" altLang="fr-FR" sz="1400" dirty="0">
+                <a:solidFill>
+                  <a:schemeClr val="accent1">
+                    <a:lumMod val="75000"/>
+                  </a:schemeClr>
+                </a:solidFill>
+                <a:latin typeface="Bookman Old Style" panose="02050604050505020204" pitchFamily="18" charset="0"/>
+              </a:rPr>
+              <a:t>		</a:t>
+            </a:r>
+            <a:r>
+              <a:rPr lang="fr-FR" altLang="fr-FR" sz="1400" dirty="0" err="1" smtClean="0">
+                <a:solidFill>
+                  <a:schemeClr val="accent1">
+                    <a:lumMod val="75000"/>
+                  </a:schemeClr>
+                </a:solidFill>
+                <a:latin typeface="Bookman Old Style" panose="02050604050505020204" pitchFamily="18" charset="0"/>
+              </a:rPr>
+              <a:t>this.chain</a:t>
+            </a:r>
+            <a:r>
+              <a:rPr lang="fr-FR" altLang="fr-FR" sz="1400" dirty="0" smtClean="0">
+                <a:solidFill>
+                  <a:schemeClr val="accent1">
+                    <a:lumMod val="75000"/>
+                  </a:schemeClr>
+                </a:solidFill>
+                <a:latin typeface="Bookman Old Style" panose="02050604050505020204" pitchFamily="18" charset="0"/>
+              </a:rPr>
+              <a:t> = </a:t>
+            </a:r>
+            <a:r>
+              <a:rPr lang="fr-FR" altLang="fr-FR" sz="1400" dirty="0" err="1" smtClean="0">
+                <a:solidFill>
+                  <a:schemeClr val="accent1">
+                    <a:lumMod val="75000"/>
+                  </a:schemeClr>
+                </a:solidFill>
+                <a:latin typeface="Bookman Old Style" panose="02050604050505020204" pitchFamily="18" charset="0"/>
+              </a:rPr>
+              <a:t>nextChain</a:t>
+            </a:r>
+            <a:r>
+              <a:rPr lang="fr-FR" altLang="fr-FR" sz="1400" dirty="0">
+                <a:solidFill>
+                  <a:schemeClr val="accent1">
+                    <a:lumMod val="75000"/>
+                  </a:schemeClr>
+                </a:solidFill>
+                <a:latin typeface="Bookman Old Style" panose="02050604050505020204" pitchFamily="18" charset="0"/>
+              </a:rPr>
+              <a:t>;</a:t>
+            </a:r>
+          </a:p>
+          <a:p>
+            <a:pPr marL="0" lvl="0" indent="0" defTabSz="346075" eaLnBrk="0" fontAlgn="base" hangingPunct="0">
+              <a:lnSpc>
+                <a:spcPct val="100000"/>
+              </a:lnSpc>
+              <a:spcBef>
+                <a:spcPct val="0"/>
+              </a:spcBef>
+              <a:spcAft>
+                <a:spcPct val="0"/>
+              </a:spcAft>
+              <a:buNone/>
+            </a:pPr>
+            <a:r>
+              <a:rPr lang="fr-FR" altLang="fr-FR" sz="1400" dirty="0">
+                <a:solidFill>
+                  <a:schemeClr val="accent1">
+                    <a:lumMod val="75000"/>
+                  </a:schemeClr>
+                </a:solidFill>
+                <a:latin typeface="Bookman Old Style" panose="02050604050505020204" pitchFamily="18" charset="0"/>
+              </a:rPr>
+              <a:t>	</a:t>
+            </a:r>
+            <a:r>
+              <a:rPr lang="fr-FR" altLang="fr-FR" sz="1400" dirty="0" smtClean="0">
+                <a:solidFill>
+                  <a:schemeClr val="accent1">
+                    <a:lumMod val="75000"/>
+                  </a:schemeClr>
+                </a:solidFill>
+                <a:latin typeface="Bookman Old Style" panose="02050604050505020204" pitchFamily="18" charset="0"/>
+              </a:rPr>
+              <a:t>}</a:t>
+            </a:r>
+            <a:endParaRPr lang="fr-FR" altLang="fr-FR" sz="1400" dirty="0">
+              <a:solidFill>
+                <a:schemeClr val="accent1">
+                  <a:lumMod val="75000"/>
+                </a:schemeClr>
+              </a:solidFill>
+              <a:latin typeface="Bookman Old Style" panose="02050604050505020204" pitchFamily="18" charset="0"/>
+            </a:endParaRPr>
+          </a:p>
+          <a:p>
+            <a:pPr marL="0" lvl="0" indent="0" defTabSz="346075" eaLnBrk="0" fontAlgn="base" hangingPunct="0">
+              <a:lnSpc>
+                <a:spcPct val="100000"/>
+              </a:lnSpc>
+              <a:spcBef>
+                <a:spcPct val="0"/>
+              </a:spcBef>
+              <a:spcAft>
+                <a:spcPct val="0"/>
+              </a:spcAft>
+              <a:buNone/>
+            </a:pPr>
+            <a:r>
+              <a:rPr lang="fr-FR" altLang="fr-FR" sz="1400" dirty="0">
+                <a:solidFill>
+                  <a:schemeClr val="accent1">
+                    <a:lumMod val="75000"/>
+                  </a:schemeClr>
+                </a:solidFill>
+                <a:latin typeface="Bookman Old Style" panose="02050604050505020204" pitchFamily="18" charset="0"/>
+              </a:rPr>
+              <a:t>	@</a:t>
+            </a:r>
+            <a:r>
+              <a:rPr lang="fr-FR" altLang="fr-FR" sz="1400" dirty="0" err="1">
+                <a:solidFill>
+                  <a:schemeClr val="accent1">
+                    <a:lumMod val="75000"/>
+                  </a:schemeClr>
+                </a:solidFill>
+                <a:latin typeface="Bookman Old Style" panose="02050604050505020204" pitchFamily="18" charset="0"/>
+              </a:rPr>
+              <a:t>Override</a:t>
+            </a:r>
+            <a:endParaRPr lang="fr-FR" altLang="fr-FR" sz="1400" dirty="0">
+              <a:solidFill>
+                <a:schemeClr val="accent1">
+                  <a:lumMod val="75000"/>
+                </a:schemeClr>
+              </a:solidFill>
+              <a:latin typeface="Bookman Old Style" panose="02050604050505020204" pitchFamily="18" charset="0"/>
+            </a:endParaRPr>
+          </a:p>
+          <a:p>
+            <a:pPr marL="0" lvl="0" indent="0" defTabSz="346075" eaLnBrk="0" fontAlgn="base" hangingPunct="0">
+              <a:lnSpc>
+                <a:spcPct val="100000"/>
+              </a:lnSpc>
+              <a:spcBef>
+                <a:spcPct val="0"/>
+              </a:spcBef>
+              <a:spcAft>
+                <a:spcPct val="0"/>
+              </a:spcAft>
+              <a:buNone/>
+            </a:pPr>
+            <a:r>
+              <a:rPr lang="fr-FR" altLang="fr-FR" sz="1400" dirty="0">
+                <a:solidFill>
+                  <a:schemeClr val="accent1">
+                    <a:lumMod val="75000"/>
+                  </a:schemeClr>
+                </a:solidFill>
+                <a:latin typeface="Bookman Old Style" panose="02050604050505020204" pitchFamily="18" charset="0"/>
+              </a:rPr>
+              <a:t>	public </a:t>
+            </a:r>
+            <a:r>
+              <a:rPr lang="fr-FR" altLang="fr-FR" sz="1400" dirty="0" err="1">
+                <a:solidFill>
+                  <a:schemeClr val="accent1">
+                    <a:lumMod val="75000"/>
+                  </a:schemeClr>
+                </a:solidFill>
+                <a:latin typeface="Bookman Old Style" panose="02050604050505020204" pitchFamily="18" charset="0"/>
+              </a:rPr>
+              <a:t>void</a:t>
+            </a:r>
+            <a:r>
+              <a:rPr lang="fr-FR" altLang="fr-FR" sz="1400" dirty="0">
+                <a:solidFill>
+                  <a:schemeClr val="accent1">
+                    <a:lumMod val="75000"/>
+                  </a:schemeClr>
+                </a:solidFill>
+                <a:latin typeface="Bookman Old Style" panose="02050604050505020204" pitchFamily="18" charset="0"/>
+              </a:rPr>
+              <a:t> dispense(</a:t>
+            </a:r>
+            <a:r>
+              <a:rPr lang="fr-FR" altLang="fr-FR" sz="1400" dirty="0" err="1">
+                <a:solidFill>
+                  <a:schemeClr val="accent1">
+                    <a:lumMod val="75000"/>
+                  </a:schemeClr>
+                </a:solidFill>
+                <a:latin typeface="Bookman Old Style" panose="02050604050505020204" pitchFamily="18" charset="0"/>
+              </a:rPr>
+              <a:t>Currency</a:t>
+            </a:r>
+            <a:r>
+              <a:rPr lang="fr-FR" altLang="fr-FR" sz="1400" dirty="0">
+                <a:solidFill>
+                  <a:schemeClr val="accent1">
+                    <a:lumMod val="75000"/>
+                  </a:schemeClr>
+                </a:solidFill>
+                <a:latin typeface="Bookman Old Style" panose="02050604050505020204" pitchFamily="18" charset="0"/>
+              </a:rPr>
+              <a:t> </a:t>
+            </a:r>
+            <a:r>
+              <a:rPr lang="fr-FR" altLang="fr-FR" sz="1400" dirty="0" err="1">
+                <a:solidFill>
+                  <a:schemeClr val="accent1">
+                    <a:lumMod val="75000"/>
+                  </a:schemeClr>
+                </a:solidFill>
+                <a:latin typeface="Bookman Old Style" panose="02050604050505020204" pitchFamily="18" charset="0"/>
+              </a:rPr>
+              <a:t>cur</a:t>
+            </a:r>
+            <a:r>
+              <a:rPr lang="fr-FR" altLang="fr-FR" sz="1400" dirty="0">
+                <a:solidFill>
+                  <a:schemeClr val="accent1">
+                    <a:lumMod val="75000"/>
+                  </a:schemeClr>
+                </a:solidFill>
+                <a:latin typeface="Bookman Old Style" panose="02050604050505020204" pitchFamily="18" charset="0"/>
+              </a:rPr>
+              <a:t>) {</a:t>
+            </a:r>
+          </a:p>
+          <a:p>
+            <a:pPr marL="0" lvl="0" indent="0" defTabSz="346075" eaLnBrk="0" fontAlgn="base" hangingPunct="0">
+              <a:lnSpc>
+                <a:spcPct val="100000"/>
+              </a:lnSpc>
+              <a:spcBef>
+                <a:spcPct val="0"/>
+              </a:spcBef>
+              <a:spcAft>
+                <a:spcPct val="0"/>
+              </a:spcAft>
+              <a:buNone/>
+            </a:pPr>
+            <a:r>
+              <a:rPr lang="fr-FR" altLang="fr-FR" sz="1400" dirty="0">
+                <a:solidFill>
+                  <a:schemeClr val="accent1">
+                    <a:lumMod val="75000"/>
+                  </a:schemeClr>
+                </a:solidFill>
+                <a:latin typeface="Bookman Old Style" panose="02050604050505020204" pitchFamily="18" charset="0"/>
+              </a:rPr>
+              <a:t>		if(</a:t>
+            </a:r>
+            <a:r>
+              <a:rPr lang="fr-FR" altLang="fr-FR" sz="1400" dirty="0" err="1">
+                <a:solidFill>
+                  <a:schemeClr val="accent1">
+                    <a:lumMod val="75000"/>
+                  </a:schemeClr>
+                </a:solidFill>
+                <a:latin typeface="Bookman Old Style" panose="02050604050505020204" pitchFamily="18" charset="0"/>
+              </a:rPr>
+              <a:t>cur.getAmount</a:t>
+            </a:r>
+            <a:r>
+              <a:rPr lang="fr-FR" altLang="fr-FR" sz="1400" dirty="0">
+                <a:solidFill>
+                  <a:schemeClr val="accent1">
+                    <a:lumMod val="75000"/>
+                  </a:schemeClr>
+                </a:solidFill>
+                <a:latin typeface="Bookman Old Style" panose="02050604050505020204" pitchFamily="18" charset="0"/>
+              </a:rPr>
+              <a:t>() &gt;= 20){</a:t>
+            </a:r>
+          </a:p>
+          <a:p>
+            <a:pPr marL="0" lvl="0" indent="0" defTabSz="346075" eaLnBrk="0" fontAlgn="base" hangingPunct="0">
+              <a:lnSpc>
+                <a:spcPct val="100000"/>
+              </a:lnSpc>
+              <a:spcBef>
+                <a:spcPct val="0"/>
+              </a:spcBef>
+              <a:spcAft>
+                <a:spcPct val="0"/>
+              </a:spcAft>
+              <a:buNone/>
+            </a:pPr>
+            <a:r>
+              <a:rPr lang="fr-FR" altLang="fr-FR" sz="1400" dirty="0">
+                <a:solidFill>
+                  <a:schemeClr val="accent1">
+                    <a:lumMod val="75000"/>
+                  </a:schemeClr>
+                </a:solidFill>
+                <a:latin typeface="Bookman Old Style" panose="02050604050505020204" pitchFamily="18" charset="0"/>
+              </a:rPr>
+              <a:t>			</a:t>
+            </a:r>
+            <a:r>
+              <a:rPr lang="fr-FR" altLang="fr-FR" sz="1400" dirty="0" err="1">
+                <a:solidFill>
+                  <a:schemeClr val="accent1">
+                    <a:lumMod val="75000"/>
+                  </a:schemeClr>
+                </a:solidFill>
+                <a:latin typeface="Bookman Old Style" panose="02050604050505020204" pitchFamily="18" charset="0"/>
+              </a:rPr>
+              <a:t>int</a:t>
+            </a:r>
+            <a:r>
+              <a:rPr lang="fr-FR" altLang="fr-FR" sz="1400" dirty="0">
+                <a:solidFill>
+                  <a:schemeClr val="accent1">
+                    <a:lumMod val="75000"/>
+                  </a:schemeClr>
+                </a:solidFill>
+                <a:latin typeface="Bookman Old Style" panose="02050604050505020204" pitchFamily="18" charset="0"/>
+              </a:rPr>
+              <a:t> </a:t>
+            </a:r>
+            <a:r>
+              <a:rPr lang="fr-FR" altLang="fr-FR" sz="1400" dirty="0" err="1">
+                <a:solidFill>
+                  <a:schemeClr val="accent1">
+                    <a:lumMod val="75000"/>
+                  </a:schemeClr>
+                </a:solidFill>
+                <a:latin typeface="Bookman Old Style" panose="02050604050505020204" pitchFamily="18" charset="0"/>
+              </a:rPr>
+              <a:t>num</a:t>
+            </a:r>
+            <a:r>
+              <a:rPr lang="fr-FR" altLang="fr-FR" sz="1400" dirty="0">
+                <a:solidFill>
+                  <a:schemeClr val="accent1">
+                    <a:lumMod val="75000"/>
+                  </a:schemeClr>
+                </a:solidFill>
+                <a:latin typeface="Bookman Old Style" panose="02050604050505020204" pitchFamily="18" charset="0"/>
+              </a:rPr>
+              <a:t> = </a:t>
+            </a:r>
+            <a:r>
+              <a:rPr lang="fr-FR" altLang="fr-FR" sz="1400" dirty="0" err="1">
+                <a:solidFill>
+                  <a:schemeClr val="accent1">
+                    <a:lumMod val="75000"/>
+                  </a:schemeClr>
+                </a:solidFill>
+                <a:latin typeface="Bookman Old Style" panose="02050604050505020204" pitchFamily="18" charset="0"/>
+              </a:rPr>
+              <a:t>cur.getAmount</a:t>
+            </a:r>
+            <a:r>
+              <a:rPr lang="fr-FR" altLang="fr-FR" sz="1400" dirty="0">
+                <a:solidFill>
+                  <a:schemeClr val="accent1">
+                    <a:lumMod val="75000"/>
+                  </a:schemeClr>
+                </a:solidFill>
+                <a:latin typeface="Bookman Old Style" panose="02050604050505020204" pitchFamily="18" charset="0"/>
+              </a:rPr>
+              <a:t>()/20;</a:t>
+            </a:r>
+          </a:p>
+          <a:p>
+            <a:pPr marL="0" lvl="0" indent="0" defTabSz="346075" eaLnBrk="0" fontAlgn="base" hangingPunct="0">
+              <a:lnSpc>
+                <a:spcPct val="100000"/>
+              </a:lnSpc>
+              <a:spcBef>
+                <a:spcPct val="0"/>
+              </a:spcBef>
+              <a:spcAft>
+                <a:spcPct val="0"/>
+              </a:spcAft>
+              <a:buNone/>
+            </a:pPr>
+            <a:r>
+              <a:rPr lang="fr-FR" altLang="fr-FR" sz="1400" dirty="0">
+                <a:solidFill>
+                  <a:schemeClr val="accent1">
+                    <a:lumMod val="75000"/>
+                  </a:schemeClr>
+                </a:solidFill>
+                <a:latin typeface="Bookman Old Style" panose="02050604050505020204" pitchFamily="18" charset="0"/>
+              </a:rPr>
+              <a:t>			</a:t>
+            </a:r>
+            <a:r>
+              <a:rPr lang="fr-FR" altLang="fr-FR" sz="1400" dirty="0" err="1">
+                <a:solidFill>
+                  <a:schemeClr val="accent1">
+                    <a:lumMod val="75000"/>
+                  </a:schemeClr>
+                </a:solidFill>
+                <a:latin typeface="Bookman Old Style" panose="02050604050505020204" pitchFamily="18" charset="0"/>
+              </a:rPr>
+              <a:t>int</a:t>
+            </a:r>
+            <a:r>
+              <a:rPr lang="fr-FR" altLang="fr-FR" sz="1400" dirty="0">
+                <a:solidFill>
+                  <a:schemeClr val="accent1">
+                    <a:lumMod val="75000"/>
+                  </a:schemeClr>
+                </a:solidFill>
+                <a:latin typeface="Bookman Old Style" panose="02050604050505020204" pitchFamily="18" charset="0"/>
+              </a:rPr>
+              <a:t> </a:t>
+            </a:r>
+            <a:r>
+              <a:rPr lang="fr-FR" altLang="fr-FR" sz="1400" dirty="0" err="1">
+                <a:solidFill>
+                  <a:schemeClr val="accent1">
+                    <a:lumMod val="75000"/>
+                  </a:schemeClr>
+                </a:solidFill>
+                <a:latin typeface="Bookman Old Style" panose="02050604050505020204" pitchFamily="18" charset="0"/>
+              </a:rPr>
+              <a:t>remainder</a:t>
+            </a:r>
+            <a:r>
+              <a:rPr lang="fr-FR" altLang="fr-FR" sz="1400" dirty="0">
+                <a:solidFill>
+                  <a:schemeClr val="accent1">
+                    <a:lumMod val="75000"/>
+                  </a:schemeClr>
+                </a:solidFill>
+                <a:latin typeface="Bookman Old Style" panose="02050604050505020204" pitchFamily="18" charset="0"/>
+              </a:rPr>
+              <a:t> = </a:t>
+            </a:r>
+            <a:r>
+              <a:rPr lang="fr-FR" altLang="fr-FR" sz="1400" dirty="0" err="1">
+                <a:solidFill>
+                  <a:schemeClr val="accent1">
+                    <a:lumMod val="75000"/>
+                  </a:schemeClr>
+                </a:solidFill>
+                <a:latin typeface="Bookman Old Style" panose="02050604050505020204" pitchFamily="18" charset="0"/>
+              </a:rPr>
+              <a:t>cur.getAmount</a:t>
+            </a:r>
+            <a:r>
+              <a:rPr lang="fr-FR" altLang="fr-FR" sz="1400" dirty="0">
+                <a:solidFill>
+                  <a:schemeClr val="accent1">
+                    <a:lumMod val="75000"/>
+                  </a:schemeClr>
+                </a:solidFill>
+                <a:latin typeface="Bookman Old Style" panose="02050604050505020204" pitchFamily="18" charset="0"/>
+              </a:rPr>
+              <a:t>() % 20;</a:t>
+            </a:r>
+          </a:p>
+          <a:p>
+            <a:pPr marL="0" lvl="0" indent="0" defTabSz="346075" eaLnBrk="0" fontAlgn="base" hangingPunct="0">
+              <a:lnSpc>
+                <a:spcPct val="100000"/>
+              </a:lnSpc>
+              <a:spcBef>
+                <a:spcPct val="0"/>
+              </a:spcBef>
+              <a:spcAft>
+                <a:spcPct val="0"/>
+              </a:spcAft>
+              <a:buNone/>
+            </a:pPr>
+            <a:r>
+              <a:rPr lang="fr-FR" altLang="fr-FR" sz="1400" dirty="0">
+                <a:solidFill>
+                  <a:schemeClr val="accent1">
+                    <a:lumMod val="75000"/>
+                  </a:schemeClr>
+                </a:solidFill>
+                <a:latin typeface="Bookman Old Style" panose="02050604050505020204" pitchFamily="18" charset="0"/>
+              </a:rPr>
+              <a:t>			</a:t>
+            </a:r>
+            <a:r>
+              <a:rPr lang="fr-FR" altLang="fr-FR" sz="1400" dirty="0" err="1">
+                <a:solidFill>
+                  <a:schemeClr val="accent1">
+                    <a:lumMod val="75000"/>
+                  </a:schemeClr>
+                </a:solidFill>
+                <a:latin typeface="Bookman Old Style" panose="02050604050505020204" pitchFamily="18" charset="0"/>
+              </a:rPr>
+              <a:t>System.out.println</a:t>
+            </a:r>
+            <a:r>
+              <a:rPr lang="fr-FR" altLang="fr-FR" sz="1400" dirty="0">
+                <a:solidFill>
+                  <a:schemeClr val="accent1">
+                    <a:lumMod val="75000"/>
+                  </a:schemeClr>
+                </a:solidFill>
+                <a:latin typeface="Bookman Old Style" panose="02050604050505020204" pitchFamily="18" charset="0"/>
+              </a:rPr>
+              <a:t>("</a:t>
+            </a:r>
+            <a:r>
+              <a:rPr lang="fr-FR" altLang="fr-FR" sz="1400" dirty="0" err="1">
+                <a:solidFill>
+                  <a:schemeClr val="accent1">
+                    <a:lumMod val="75000"/>
+                  </a:schemeClr>
+                </a:solidFill>
+                <a:latin typeface="Bookman Old Style" panose="02050604050505020204" pitchFamily="18" charset="0"/>
+              </a:rPr>
+              <a:t>Dispensing</a:t>
+            </a:r>
+            <a:r>
+              <a:rPr lang="fr-FR" altLang="fr-FR" sz="1400" dirty="0">
+                <a:solidFill>
+                  <a:schemeClr val="accent1">
+                    <a:lumMod val="75000"/>
+                  </a:schemeClr>
+                </a:solidFill>
+                <a:latin typeface="Bookman Old Style" panose="02050604050505020204" pitchFamily="18" charset="0"/>
+              </a:rPr>
+              <a:t> "+</a:t>
+            </a:r>
+            <a:r>
+              <a:rPr lang="fr-FR" altLang="fr-FR" sz="1400" dirty="0" err="1">
+                <a:solidFill>
+                  <a:schemeClr val="accent1">
+                    <a:lumMod val="75000"/>
+                  </a:schemeClr>
+                </a:solidFill>
+                <a:latin typeface="Bookman Old Style" panose="02050604050505020204" pitchFamily="18" charset="0"/>
+              </a:rPr>
+              <a:t>num</a:t>
+            </a:r>
+            <a:r>
+              <a:rPr lang="fr-FR" altLang="fr-FR" sz="1400" dirty="0">
+                <a:solidFill>
+                  <a:schemeClr val="accent1">
+                    <a:lumMod val="75000"/>
+                  </a:schemeClr>
+                </a:solidFill>
+                <a:latin typeface="Bookman Old Style" panose="02050604050505020204" pitchFamily="18" charset="0"/>
+              </a:rPr>
+              <a:t>+" 20$ note");</a:t>
+            </a:r>
+          </a:p>
+          <a:p>
+            <a:pPr marL="0" lvl="0" indent="0" defTabSz="346075" eaLnBrk="0" fontAlgn="base" hangingPunct="0">
+              <a:lnSpc>
+                <a:spcPct val="100000"/>
+              </a:lnSpc>
+              <a:spcBef>
+                <a:spcPct val="0"/>
+              </a:spcBef>
+              <a:spcAft>
+                <a:spcPct val="0"/>
+              </a:spcAft>
+              <a:buNone/>
+            </a:pPr>
+            <a:r>
+              <a:rPr lang="fr-FR" altLang="fr-FR" sz="1400" dirty="0">
+                <a:solidFill>
+                  <a:schemeClr val="accent1">
+                    <a:lumMod val="75000"/>
+                  </a:schemeClr>
+                </a:solidFill>
+                <a:latin typeface="Bookman Old Style" panose="02050604050505020204" pitchFamily="18" charset="0"/>
+              </a:rPr>
+              <a:t>			if(</a:t>
+            </a:r>
+            <a:r>
+              <a:rPr lang="fr-FR" altLang="fr-FR" sz="1400" dirty="0" err="1">
+                <a:solidFill>
+                  <a:schemeClr val="accent1">
+                    <a:lumMod val="75000"/>
+                  </a:schemeClr>
+                </a:solidFill>
+                <a:latin typeface="Bookman Old Style" panose="02050604050505020204" pitchFamily="18" charset="0"/>
+              </a:rPr>
+              <a:t>remainder</a:t>
+            </a:r>
+            <a:r>
+              <a:rPr lang="fr-FR" altLang="fr-FR" sz="1400" dirty="0">
+                <a:solidFill>
+                  <a:schemeClr val="accent1">
+                    <a:lumMod val="75000"/>
+                  </a:schemeClr>
+                </a:solidFill>
+                <a:latin typeface="Bookman Old Style" panose="02050604050505020204" pitchFamily="18" charset="0"/>
+              </a:rPr>
+              <a:t> !=0) </a:t>
+            </a:r>
+            <a:r>
+              <a:rPr lang="fr-FR" altLang="fr-FR" sz="1400" dirty="0" smtClean="0">
+                <a:solidFill>
+                  <a:schemeClr val="accent1">
+                    <a:lumMod val="75000"/>
+                  </a:schemeClr>
+                </a:solidFill>
+                <a:latin typeface="Bookman Old Style" panose="02050604050505020204" pitchFamily="18" charset="0"/>
+              </a:rPr>
+              <a:t>{ </a:t>
+            </a:r>
+            <a:r>
+              <a:rPr lang="fr-FR" altLang="fr-FR" sz="1400" dirty="0" err="1" smtClean="0">
+                <a:solidFill>
+                  <a:schemeClr val="accent1">
+                    <a:lumMod val="75000"/>
+                  </a:schemeClr>
+                </a:solidFill>
+                <a:latin typeface="Bookman Old Style" panose="02050604050505020204" pitchFamily="18" charset="0"/>
+              </a:rPr>
+              <a:t>this.chain.dispense</a:t>
+            </a:r>
+            <a:r>
+              <a:rPr lang="fr-FR" altLang="fr-FR" sz="1400" dirty="0" smtClean="0">
+                <a:solidFill>
+                  <a:schemeClr val="accent1">
+                    <a:lumMod val="75000"/>
+                  </a:schemeClr>
+                </a:solidFill>
+                <a:latin typeface="Bookman Old Style" panose="02050604050505020204" pitchFamily="18" charset="0"/>
+              </a:rPr>
+              <a:t>(new </a:t>
+            </a:r>
+            <a:r>
+              <a:rPr lang="fr-FR" altLang="fr-FR" sz="1400" dirty="0" err="1">
+                <a:solidFill>
+                  <a:schemeClr val="accent1">
+                    <a:lumMod val="75000"/>
+                  </a:schemeClr>
+                </a:solidFill>
+                <a:latin typeface="Bookman Old Style" panose="02050604050505020204" pitchFamily="18" charset="0"/>
+              </a:rPr>
+              <a:t>Currency</a:t>
+            </a:r>
+            <a:r>
+              <a:rPr lang="fr-FR" altLang="fr-FR" sz="1400" dirty="0">
+                <a:solidFill>
+                  <a:schemeClr val="accent1">
+                    <a:lumMod val="75000"/>
+                  </a:schemeClr>
+                </a:solidFill>
+                <a:latin typeface="Bookman Old Style" panose="02050604050505020204" pitchFamily="18" charset="0"/>
+              </a:rPr>
+              <a:t>(</a:t>
+            </a:r>
+            <a:r>
+              <a:rPr lang="fr-FR" altLang="fr-FR" sz="1400" dirty="0" err="1">
+                <a:solidFill>
+                  <a:schemeClr val="accent1">
+                    <a:lumMod val="75000"/>
+                  </a:schemeClr>
+                </a:solidFill>
+                <a:latin typeface="Bookman Old Style" panose="02050604050505020204" pitchFamily="18" charset="0"/>
+              </a:rPr>
+              <a:t>remainder</a:t>
+            </a:r>
+            <a:r>
+              <a:rPr lang="fr-FR" altLang="fr-FR" sz="1400" dirty="0" smtClean="0">
+                <a:solidFill>
+                  <a:schemeClr val="accent1">
+                    <a:lumMod val="75000"/>
+                  </a:schemeClr>
+                </a:solidFill>
+                <a:latin typeface="Bookman Old Style" panose="02050604050505020204" pitchFamily="18" charset="0"/>
+              </a:rPr>
+              <a:t>)); }</a:t>
+            </a:r>
+            <a:endParaRPr lang="fr-FR" altLang="fr-FR" sz="1400" dirty="0">
+              <a:solidFill>
+                <a:schemeClr val="accent1">
+                  <a:lumMod val="75000"/>
+                </a:schemeClr>
+              </a:solidFill>
+              <a:latin typeface="Bookman Old Style" panose="02050604050505020204" pitchFamily="18" charset="0"/>
+            </a:endParaRPr>
+          </a:p>
+          <a:p>
+            <a:pPr marL="0" lvl="0" indent="0" defTabSz="346075" eaLnBrk="0" fontAlgn="base" hangingPunct="0">
+              <a:lnSpc>
+                <a:spcPct val="100000"/>
+              </a:lnSpc>
+              <a:spcBef>
+                <a:spcPct val="0"/>
+              </a:spcBef>
+              <a:spcAft>
+                <a:spcPct val="0"/>
+              </a:spcAft>
+              <a:buNone/>
+            </a:pPr>
+            <a:r>
+              <a:rPr lang="fr-FR" altLang="fr-FR" sz="1400" dirty="0">
+                <a:solidFill>
+                  <a:schemeClr val="accent1">
+                    <a:lumMod val="75000"/>
+                  </a:schemeClr>
+                </a:solidFill>
+                <a:latin typeface="Bookman Old Style" panose="02050604050505020204" pitchFamily="18" charset="0"/>
+              </a:rPr>
+              <a:t>		}</a:t>
+            </a:r>
+            <a:r>
+              <a:rPr lang="fr-FR" altLang="fr-FR" sz="1400" dirty="0" err="1">
+                <a:solidFill>
+                  <a:schemeClr val="accent1">
+                    <a:lumMod val="75000"/>
+                  </a:schemeClr>
+                </a:solidFill>
+                <a:latin typeface="Bookman Old Style" panose="02050604050505020204" pitchFamily="18" charset="0"/>
+              </a:rPr>
+              <a:t>else</a:t>
+            </a:r>
+            <a:r>
+              <a:rPr lang="fr-FR" altLang="fr-FR" sz="1400" dirty="0">
+                <a:solidFill>
+                  <a:schemeClr val="accent1">
+                    <a:lumMod val="75000"/>
+                  </a:schemeClr>
+                </a:solidFill>
+                <a:latin typeface="Bookman Old Style" panose="02050604050505020204" pitchFamily="18" charset="0"/>
+              </a:rPr>
+              <a:t>{</a:t>
+            </a:r>
+          </a:p>
+          <a:p>
+            <a:pPr marL="0" lvl="0" indent="0" defTabSz="346075" eaLnBrk="0" fontAlgn="base" hangingPunct="0">
+              <a:lnSpc>
+                <a:spcPct val="100000"/>
+              </a:lnSpc>
+              <a:spcBef>
+                <a:spcPct val="0"/>
+              </a:spcBef>
+              <a:spcAft>
+                <a:spcPct val="0"/>
+              </a:spcAft>
+              <a:buNone/>
+            </a:pPr>
+            <a:r>
+              <a:rPr lang="fr-FR" altLang="fr-FR" sz="1400" dirty="0">
+                <a:solidFill>
+                  <a:schemeClr val="accent1">
+                    <a:lumMod val="75000"/>
+                  </a:schemeClr>
+                </a:solidFill>
+                <a:latin typeface="Bookman Old Style" panose="02050604050505020204" pitchFamily="18" charset="0"/>
+              </a:rPr>
+              <a:t>			</a:t>
+            </a:r>
+            <a:r>
+              <a:rPr lang="fr-FR" altLang="fr-FR" sz="1400" dirty="0" err="1">
+                <a:solidFill>
+                  <a:schemeClr val="accent1">
+                    <a:lumMod val="75000"/>
+                  </a:schemeClr>
+                </a:solidFill>
+                <a:latin typeface="Bookman Old Style" panose="02050604050505020204" pitchFamily="18" charset="0"/>
+              </a:rPr>
+              <a:t>this.chain.dispense</a:t>
+            </a:r>
+            <a:r>
+              <a:rPr lang="fr-FR" altLang="fr-FR" sz="1400" dirty="0">
+                <a:solidFill>
+                  <a:schemeClr val="accent1">
+                    <a:lumMod val="75000"/>
+                  </a:schemeClr>
+                </a:solidFill>
+                <a:latin typeface="Bookman Old Style" panose="02050604050505020204" pitchFamily="18" charset="0"/>
+              </a:rPr>
+              <a:t>(</a:t>
+            </a:r>
+            <a:r>
+              <a:rPr lang="fr-FR" altLang="fr-FR" sz="1400" dirty="0" err="1">
+                <a:solidFill>
+                  <a:schemeClr val="accent1">
+                    <a:lumMod val="75000"/>
+                  </a:schemeClr>
+                </a:solidFill>
+                <a:latin typeface="Bookman Old Style" panose="02050604050505020204" pitchFamily="18" charset="0"/>
+              </a:rPr>
+              <a:t>cur</a:t>
+            </a:r>
+            <a:r>
+              <a:rPr lang="fr-FR" altLang="fr-FR" sz="1400" dirty="0">
+                <a:solidFill>
+                  <a:schemeClr val="accent1">
+                    <a:lumMod val="75000"/>
+                  </a:schemeClr>
+                </a:solidFill>
+                <a:latin typeface="Bookman Old Style" panose="02050604050505020204" pitchFamily="18" charset="0"/>
+              </a:rPr>
+              <a:t>);</a:t>
+            </a:r>
+          </a:p>
+          <a:p>
+            <a:pPr marL="0" lvl="0" indent="0" defTabSz="346075" eaLnBrk="0" fontAlgn="base" hangingPunct="0">
+              <a:lnSpc>
+                <a:spcPct val="100000"/>
+              </a:lnSpc>
+              <a:spcBef>
+                <a:spcPct val="0"/>
+              </a:spcBef>
+              <a:spcAft>
+                <a:spcPct val="0"/>
+              </a:spcAft>
+              <a:buNone/>
+            </a:pPr>
+            <a:r>
+              <a:rPr lang="fr-FR" altLang="fr-FR" sz="1400" dirty="0">
+                <a:solidFill>
+                  <a:schemeClr val="accent1">
+                    <a:lumMod val="75000"/>
+                  </a:schemeClr>
+                </a:solidFill>
+                <a:latin typeface="Bookman Old Style" panose="02050604050505020204" pitchFamily="18" charset="0"/>
+              </a:rPr>
+              <a:t>		}</a:t>
+            </a:r>
+          </a:p>
+          <a:p>
+            <a:pPr marL="0" lvl="0" indent="0" defTabSz="346075" eaLnBrk="0" fontAlgn="base" hangingPunct="0">
+              <a:lnSpc>
+                <a:spcPct val="100000"/>
+              </a:lnSpc>
+              <a:spcBef>
+                <a:spcPct val="0"/>
+              </a:spcBef>
+              <a:spcAft>
+                <a:spcPct val="0"/>
+              </a:spcAft>
+              <a:buNone/>
+            </a:pPr>
+            <a:r>
+              <a:rPr lang="fr-FR" altLang="fr-FR" sz="1400" dirty="0">
+                <a:solidFill>
+                  <a:schemeClr val="accent1">
+                    <a:lumMod val="75000"/>
+                  </a:schemeClr>
+                </a:solidFill>
+                <a:latin typeface="Bookman Old Style" panose="02050604050505020204" pitchFamily="18" charset="0"/>
+              </a:rPr>
+              <a:t>	</a:t>
+            </a:r>
+            <a:r>
+              <a:rPr lang="fr-FR" altLang="fr-FR" sz="1400" dirty="0" smtClean="0">
+                <a:solidFill>
+                  <a:schemeClr val="accent1">
+                    <a:lumMod val="75000"/>
+                  </a:schemeClr>
+                </a:solidFill>
+                <a:latin typeface="Bookman Old Style" panose="02050604050505020204" pitchFamily="18" charset="0"/>
+              </a:rPr>
+              <a:t>}</a:t>
+            </a:r>
+            <a:endParaRPr lang="fr-FR" altLang="fr-FR" sz="1400" dirty="0">
+              <a:solidFill>
+                <a:schemeClr val="accent1">
+                  <a:lumMod val="75000"/>
+                </a:schemeClr>
+              </a:solidFill>
+              <a:latin typeface="Bookman Old Style" panose="02050604050505020204" pitchFamily="18" charset="0"/>
+            </a:endParaRPr>
+          </a:p>
+          <a:p>
+            <a:pPr marL="0" lvl="0" indent="0" defTabSz="346075" eaLnBrk="0" fontAlgn="base" hangingPunct="0">
+              <a:lnSpc>
+                <a:spcPct val="100000"/>
+              </a:lnSpc>
+              <a:spcBef>
+                <a:spcPct val="0"/>
+              </a:spcBef>
+              <a:spcAft>
+                <a:spcPct val="0"/>
+              </a:spcAft>
+              <a:buNone/>
+            </a:pPr>
+            <a:r>
+              <a:rPr lang="fr-FR" altLang="fr-FR" sz="1400" dirty="0" smtClean="0">
+                <a:solidFill>
+                  <a:schemeClr val="accent1">
+                    <a:lumMod val="75000"/>
+                  </a:schemeClr>
+                </a:solidFill>
+                <a:latin typeface="Bookman Old Style" panose="02050604050505020204" pitchFamily="18" charset="0"/>
+              </a:rPr>
+              <a:t>}</a:t>
+            </a:r>
+          </a:p>
+          <a:p>
+            <a:pPr marL="0" lvl="0" indent="0" defTabSz="346075" eaLnBrk="0" fontAlgn="base" hangingPunct="0">
+              <a:lnSpc>
+                <a:spcPct val="100000"/>
+              </a:lnSpc>
+              <a:spcBef>
+                <a:spcPct val="0"/>
+              </a:spcBef>
+              <a:spcAft>
+                <a:spcPct val="0"/>
+              </a:spcAft>
+              <a:buNone/>
+            </a:pPr>
+            <a:endParaRPr lang="fr-FR" altLang="fr-FR" sz="1400" dirty="0">
+              <a:solidFill>
+                <a:schemeClr val="accent1">
+                  <a:lumMod val="75000"/>
+                </a:schemeClr>
+              </a:solidFill>
+              <a:latin typeface="Bookman Old Style" panose="02050604050505020204" pitchFamily="18" charset="0"/>
+            </a:endParaRPr>
+          </a:p>
+        </p:txBody>
+      </p:sp>
+    </p:spTree>
+    <p:extLst>
+      <p:ext uri="{BB962C8B-B14F-4D97-AF65-F5344CB8AC3E}">
+        <p14:creationId xmlns:p14="http://schemas.microsoft.com/office/powerpoint/2010/main" val="2654447209"/>
+      </p:ext>
+    </p:extLst>
+  </p:cSld>
+  <p:clrMapOvr>
+    <a:masterClrMapping/>
+  </p:clrMapOvr>
+</p:sld>
+</file>
+
+<file path=ppt/slides/slide11.xml><?xml version="1.0" encoding="utf-8"?>
+<p:sld xmlns:a="http://schemas.openxmlformats.org/drawingml/2006/main" xmlns:r="http://schemas.openxmlformats.org/officeDocument/2006/relationships" xmlns:p="http://schemas.openxmlformats.org/presentationml/2006/main">
+  <p:cSld>
+    <p:spTree>
+      <p:nvGrpSpPr>
+        <p:cNvPr id="1" name=""/>
+        <p:cNvGrpSpPr/>
+        <p:nvPr/>
+      </p:nvGrpSpPr>
+      <p:grpSpPr>
+        <a:xfrm>
+          <a:off x="0" y="0"/>
+          <a:ext cx="0" cy="0"/>
+          <a:chOff x="0" y="0"/>
+          <a:chExt cx="0" cy="0"/>
+        </a:xfrm>
+      </p:grpSpPr>
+      <p:sp>
+        <p:nvSpPr>
+          <p:cNvPr id="2" name="Titre 1"/>
+          <p:cNvSpPr>
+            <a:spLocks noGrp="1"/>
+          </p:cNvSpPr>
+          <p:nvPr>
+            <p:ph type="title"/>
+          </p:nvPr>
+        </p:nvSpPr>
+        <p:spPr/>
+        <p:txBody>
+          <a:bodyPr/>
+          <a:lstStyle/>
+          <a:p>
+            <a:r>
+              <a:rPr lang="fr-CH" dirty="0"/>
+              <a:t>Exemple d’implémentation </a:t>
+            </a:r>
+            <a:r>
+              <a:rPr lang="fr-CH" dirty="0" smtClean="0"/>
+              <a:t>(4)</a:t>
+            </a:r>
+            <a:endParaRPr lang="fr-CH" dirty="0"/>
+          </a:p>
+        </p:txBody>
+      </p:sp>
+      <p:sp>
+        <p:nvSpPr>
+          <p:cNvPr id="5" name="Rectangle 2"/>
+          <p:cNvSpPr>
+            <a:spLocks noGrp="1" noChangeArrowheads="1"/>
+          </p:cNvSpPr>
+          <p:nvPr>
+            <p:ph idx="1"/>
+          </p:nvPr>
+        </p:nvSpPr>
+        <p:spPr bwMode="auto">
+          <a:xfrm>
+            <a:off x="838200" y="1739868"/>
+            <a:ext cx="10515600" cy="4185761"/>
+          </a:xfrm>
+          <a:prstGeom prst="rect">
+            <a:avLst/>
+          </a:prstGeom>
+          <a:ln w="19050"/>
+        </p:spPr>
+        <p:style>
+          <a:lnRef idx="2">
+            <a:schemeClr val="dk1"/>
+          </a:lnRef>
+          <a:fillRef idx="1">
+            <a:schemeClr val="lt1"/>
+          </a:fillRef>
+          <a:effectRef idx="0">
+            <a:schemeClr val="dk1"/>
+          </a:effectRef>
+          <a:fontRef idx="minor">
+            <a:schemeClr val="dk1"/>
+          </a:fontRef>
+        </p:style>
+        <p:txBody>
+          <a:bodyPr vert="horz" wrap="square" lIns="91440" tIns="45720" rIns="91440" bIns="45720" numCol="1" anchor="ctr" anchorCtr="0" compatLnSpc="1">
+            <a:prstTxWarp prst="textNoShape">
+              <a:avLst/>
+            </a:prstTxWarp>
+            <a:spAutoFit/>
+          </a:bodyPr>
+          <a:lstStyle/>
+          <a:p>
+            <a:pPr marL="0" lvl="0" indent="0" defTabSz="346075" eaLnBrk="0" fontAlgn="base" hangingPunct="0">
+              <a:lnSpc>
+                <a:spcPct val="100000"/>
+              </a:lnSpc>
+              <a:spcBef>
+                <a:spcPct val="0"/>
+              </a:spcBef>
+              <a:spcAft>
+                <a:spcPct val="0"/>
+              </a:spcAft>
+              <a:buNone/>
+            </a:pPr>
+            <a:r>
+              <a:rPr lang="fr-FR" altLang="fr-FR" sz="1400" dirty="0" smtClean="0">
+                <a:solidFill>
+                  <a:schemeClr val="accent1">
+                    <a:lumMod val="75000"/>
+                  </a:schemeClr>
+                </a:solidFill>
+                <a:latin typeface="Bookman Old Style" panose="02050604050505020204" pitchFamily="18" charset="0"/>
+              </a:rPr>
+              <a:t>public </a:t>
+            </a:r>
+            <a:r>
+              <a:rPr lang="fr-FR" altLang="fr-FR" sz="1400" dirty="0">
+                <a:solidFill>
+                  <a:schemeClr val="accent1">
+                    <a:lumMod val="75000"/>
+                  </a:schemeClr>
+                </a:solidFill>
+                <a:latin typeface="Bookman Old Style" panose="02050604050505020204" pitchFamily="18" charset="0"/>
+              </a:rPr>
+              <a:t>class </a:t>
+            </a:r>
+            <a:r>
+              <a:rPr lang="fr-FR" altLang="fr-FR" sz="1400" dirty="0" err="1">
+                <a:solidFill>
+                  <a:schemeClr val="accent1">
+                    <a:lumMod val="75000"/>
+                  </a:schemeClr>
+                </a:solidFill>
+                <a:latin typeface="Bookman Old Style" panose="02050604050505020204" pitchFamily="18" charset="0"/>
+              </a:rPr>
+              <a:t>ATMDispenseChain</a:t>
+            </a:r>
+            <a:r>
+              <a:rPr lang="fr-FR" altLang="fr-FR" sz="1400" dirty="0">
+                <a:solidFill>
+                  <a:schemeClr val="accent1">
+                    <a:lumMod val="75000"/>
+                  </a:schemeClr>
+                </a:solidFill>
+                <a:latin typeface="Bookman Old Style" panose="02050604050505020204" pitchFamily="18" charset="0"/>
+              </a:rPr>
+              <a:t> {</a:t>
+            </a:r>
+          </a:p>
+          <a:p>
+            <a:pPr marL="0" lvl="0" indent="0" defTabSz="346075" eaLnBrk="0" fontAlgn="base" hangingPunct="0">
+              <a:lnSpc>
+                <a:spcPct val="100000"/>
+              </a:lnSpc>
+              <a:spcBef>
+                <a:spcPct val="0"/>
+              </a:spcBef>
+              <a:spcAft>
+                <a:spcPct val="0"/>
+              </a:spcAft>
+              <a:buNone/>
+            </a:pPr>
+            <a:endParaRPr lang="fr-FR" altLang="fr-FR" sz="1400" dirty="0">
+              <a:solidFill>
+                <a:schemeClr val="accent1">
+                  <a:lumMod val="75000"/>
+                </a:schemeClr>
+              </a:solidFill>
+              <a:latin typeface="Bookman Old Style" panose="02050604050505020204" pitchFamily="18" charset="0"/>
+            </a:endParaRPr>
+          </a:p>
+          <a:p>
+            <a:pPr marL="0" lvl="0" indent="0" defTabSz="346075" eaLnBrk="0" fontAlgn="base" hangingPunct="0">
+              <a:lnSpc>
+                <a:spcPct val="100000"/>
+              </a:lnSpc>
+              <a:spcBef>
+                <a:spcPct val="0"/>
+              </a:spcBef>
+              <a:spcAft>
+                <a:spcPct val="0"/>
+              </a:spcAft>
+              <a:buNone/>
+            </a:pPr>
+            <a:r>
+              <a:rPr lang="fr-FR" altLang="fr-FR" sz="1400" dirty="0">
+                <a:solidFill>
+                  <a:schemeClr val="accent1">
+                    <a:lumMod val="75000"/>
+                  </a:schemeClr>
+                </a:solidFill>
+                <a:latin typeface="Bookman Old Style" panose="02050604050505020204" pitchFamily="18" charset="0"/>
+              </a:rPr>
+              <a:t>	</a:t>
+            </a:r>
+            <a:r>
+              <a:rPr lang="fr-FR" altLang="fr-FR" sz="1400" dirty="0" err="1">
+                <a:solidFill>
+                  <a:schemeClr val="accent1">
+                    <a:lumMod val="75000"/>
+                  </a:schemeClr>
+                </a:solidFill>
+                <a:latin typeface="Bookman Old Style" panose="02050604050505020204" pitchFamily="18" charset="0"/>
+              </a:rPr>
+              <a:t>private</a:t>
+            </a:r>
+            <a:r>
+              <a:rPr lang="fr-FR" altLang="fr-FR" sz="1400" dirty="0">
+                <a:solidFill>
+                  <a:schemeClr val="accent1">
+                    <a:lumMod val="75000"/>
+                  </a:schemeClr>
+                </a:solidFill>
+                <a:latin typeface="Bookman Old Style" panose="02050604050505020204" pitchFamily="18" charset="0"/>
+              </a:rPr>
+              <a:t> </a:t>
+            </a:r>
+            <a:r>
+              <a:rPr lang="fr-FR" altLang="fr-FR" sz="1400" dirty="0" err="1">
+                <a:solidFill>
+                  <a:schemeClr val="accent1">
+                    <a:lumMod val="75000"/>
+                  </a:schemeClr>
+                </a:solidFill>
+                <a:latin typeface="Bookman Old Style" panose="02050604050505020204" pitchFamily="18" charset="0"/>
+              </a:rPr>
+              <a:t>DispenseChain</a:t>
+            </a:r>
+            <a:r>
+              <a:rPr lang="fr-FR" altLang="fr-FR" sz="1400" dirty="0">
+                <a:solidFill>
+                  <a:schemeClr val="accent1">
+                    <a:lumMod val="75000"/>
+                  </a:schemeClr>
+                </a:solidFill>
+                <a:latin typeface="Bookman Old Style" panose="02050604050505020204" pitchFamily="18" charset="0"/>
+              </a:rPr>
+              <a:t> c1;</a:t>
+            </a:r>
+          </a:p>
+          <a:p>
+            <a:pPr marL="0" lvl="0" indent="0" defTabSz="346075" eaLnBrk="0" fontAlgn="base" hangingPunct="0">
+              <a:lnSpc>
+                <a:spcPct val="100000"/>
+              </a:lnSpc>
+              <a:spcBef>
+                <a:spcPct val="0"/>
+              </a:spcBef>
+              <a:spcAft>
+                <a:spcPct val="0"/>
+              </a:spcAft>
+              <a:buNone/>
+            </a:pPr>
+            <a:endParaRPr lang="fr-FR" altLang="fr-FR" sz="1400" dirty="0">
+              <a:solidFill>
+                <a:schemeClr val="accent1">
+                  <a:lumMod val="75000"/>
+                </a:schemeClr>
+              </a:solidFill>
+              <a:latin typeface="Bookman Old Style" panose="02050604050505020204" pitchFamily="18" charset="0"/>
+            </a:endParaRPr>
+          </a:p>
+          <a:p>
+            <a:pPr marL="0" lvl="0" indent="0" defTabSz="346075" eaLnBrk="0" fontAlgn="base" hangingPunct="0">
+              <a:lnSpc>
+                <a:spcPct val="100000"/>
+              </a:lnSpc>
+              <a:spcBef>
+                <a:spcPct val="0"/>
+              </a:spcBef>
+              <a:spcAft>
+                <a:spcPct val="0"/>
+              </a:spcAft>
+              <a:buNone/>
+            </a:pPr>
+            <a:r>
+              <a:rPr lang="fr-FR" altLang="fr-FR" sz="1400" dirty="0">
+                <a:solidFill>
+                  <a:schemeClr val="accent1">
+                    <a:lumMod val="75000"/>
+                  </a:schemeClr>
+                </a:solidFill>
+                <a:latin typeface="Bookman Old Style" panose="02050604050505020204" pitchFamily="18" charset="0"/>
+              </a:rPr>
+              <a:t>	public </a:t>
+            </a:r>
+            <a:r>
+              <a:rPr lang="fr-FR" altLang="fr-FR" sz="1400" dirty="0" err="1">
+                <a:solidFill>
+                  <a:schemeClr val="accent1">
+                    <a:lumMod val="75000"/>
+                  </a:schemeClr>
+                </a:solidFill>
+                <a:latin typeface="Bookman Old Style" panose="02050604050505020204" pitchFamily="18" charset="0"/>
+              </a:rPr>
+              <a:t>ATMDispenseChain</a:t>
+            </a:r>
+            <a:r>
+              <a:rPr lang="fr-FR" altLang="fr-FR" sz="1400" dirty="0">
+                <a:solidFill>
+                  <a:schemeClr val="accent1">
+                    <a:lumMod val="75000"/>
+                  </a:schemeClr>
+                </a:solidFill>
+                <a:latin typeface="Bookman Old Style" panose="02050604050505020204" pitchFamily="18" charset="0"/>
+              </a:rPr>
+              <a:t>() {</a:t>
+            </a:r>
+          </a:p>
+          <a:p>
+            <a:pPr marL="0" lvl="0" indent="0" defTabSz="346075" eaLnBrk="0" fontAlgn="base" hangingPunct="0">
+              <a:lnSpc>
+                <a:spcPct val="100000"/>
+              </a:lnSpc>
+              <a:spcBef>
+                <a:spcPct val="0"/>
+              </a:spcBef>
+              <a:spcAft>
+                <a:spcPct val="0"/>
+              </a:spcAft>
+              <a:buNone/>
+            </a:pPr>
+            <a:r>
+              <a:rPr lang="fr-FR" altLang="fr-FR" sz="1400" dirty="0">
+                <a:solidFill>
+                  <a:schemeClr val="accent1">
+                    <a:lumMod val="75000"/>
+                  </a:schemeClr>
+                </a:solidFill>
+                <a:latin typeface="Bookman Old Style" panose="02050604050505020204" pitchFamily="18" charset="0"/>
+              </a:rPr>
+              <a:t>		// </a:t>
+            </a:r>
+            <a:r>
+              <a:rPr lang="fr-FR" altLang="fr-FR" sz="1400" dirty="0" err="1">
+                <a:solidFill>
+                  <a:schemeClr val="accent1">
+                    <a:lumMod val="75000"/>
+                  </a:schemeClr>
+                </a:solidFill>
+                <a:latin typeface="Bookman Old Style" panose="02050604050505020204" pitchFamily="18" charset="0"/>
+              </a:rPr>
+              <a:t>initialize</a:t>
+            </a:r>
+            <a:r>
+              <a:rPr lang="fr-FR" altLang="fr-FR" sz="1400" dirty="0">
+                <a:solidFill>
+                  <a:schemeClr val="accent1">
+                    <a:lumMod val="75000"/>
+                  </a:schemeClr>
+                </a:solidFill>
+                <a:latin typeface="Bookman Old Style" panose="02050604050505020204" pitchFamily="18" charset="0"/>
+              </a:rPr>
+              <a:t> the </a:t>
+            </a:r>
+            <a:r>
+              <a:rPr lang="fr-FR" altLang="fr-FR" sz="1400" dirty="0" err="1">
+                <a:solidFill>
+                  <a:schemeClr val="accent1">
+                    <a:lumMod val="75000"/>
+                  </a:schemeClr>
+                </a:solidFill>
+                <a:latin typeface="Bookman Old Style" panose="02050604050505020204" pitchFamily="18" charset="0"/>
+              </a:rPr>
+              <a:t>chain</a:t>
+            </a:r>
+            <a:endParaRPr lang="fr-FR" altLang="fr-FR" sz="1400" dirty="0">
+              <a:solidFill>
+                <a:schemeClr val="accent1">
+                  <a:lumMod val="75000"/>
+                </a:schemeClr>
+              </a:solidFill>
+              <a:latin typeface="Bookman Old Style" panose="02050604050505020204" pitchFamily="18" charset="0"/>
+            </a:endParaRPr>
+          </a:p>
+          <a:p>
+            <a:pPr marL="0" lvl="0" indent="0" defTabSz="346075" eaLnBrk="0" fontAlgn="base" hangingPunct="0">
+              <a:lnSpc>
+                <a:spcPct val="100000"/>
+              </a:lnSpc>
+              <a:spcBef>
+                <a:spcPct val="0"/>
+              </a:spcBef>
+              <a:spcAft>
+                <a:spcPct val="0"/>
+              </a:spcAft>
+              <a:buNone/>
+            </a:pPr>
+            <a:r>
+              <a:rPr lang="fr-FR" altLang="fr-FR" sz="1400" dirty="0">
+                <a:solidFill>
+                  <a:schemeClr val="accent1">
+                    <a:lumMod val="75000"/>
+                  </a:schemeClr>
+                </a:solidFill>
+                <a:latin typeface="Bookman Old Style" panose="02050604050505020204" pitchFamily="18" charset="0"/>
+              </a:rPr>
+              <a:t>		this.c1 = new Dollar50Dispenser();</a:t>
+            </a:r>
+          </a:p>
+          <a:p>
+            <a:pPr marL="0" lvl="0" indent="0" defTabSz="346075" eaLnBrk="0" fontAlgn="base" hangingPunct="0">
+              <a:lnSpc>
+                <a:spcPct val="100000"/>
+              </a:lnSpc>
+              <a:spcBef>
+                <a:spcPct val="0"/>
+              </a:spcBef>
+              <a:spcAft>
+                <a:spcPct val="0"/>
+              </a:spcAft>
+              <a:buNone/>
+            </a:pPr>
+            <a:r>
+              <a:rPr lang="fr-FR" altLang="fr-FR" sz="1400" dirty="0">
+                <a:solidFill>
+                  <a:schemeClr val="accent1">
+                    <a:lumMod val="75000"/>
+                  </a:schemeClr>
+                </a:solidFill>
+                <a:latin typeface="Bookman Old Style" panose="02050604050505020204" pitchFamily="18" charset="0"/>
+              </a:rPr>
+              <a:t>		</a:t>
+            </a:r>
+            <a:r>
+              <a:rPr lang="fr-FR" altLang="fr-FR" sz="1400" dirty="0" err="1">
+                <a:solidFill>
+                  <a:schemeClr val="accent1">
+                    <a:lumMod val="75000"/>
+                  </a:schemeClr>
+                </a:solidFill>
+                <a:latin typeface="Bookman Old Style" panose="02050604050505020204" pitchFamily="18" charset="0"/>
+              </a:rPr>
+              <a:t>DispenseChain</a:t>
+            </a:r>
+            <a:r>
+              <a:rPr lang="fr-FR" altLang="fr-FR" sz="1400" dirty="0">
+                <a:solidFill>
+                  <a:schemeClr val="accent1">
+                    <a:lumMod val="75000"/>
+                  </a:schemeClr>
+                </a:solidFill>
+                <a:latin typeface="Bookman Old Style" panose="02050604050505020204" pitchFamily="18" charset="0"/>
+              </a:rPr>
+              <a:t> c2 = new Dollar20Dispenser();</a:t>
+            </a:r>
+          </a:p>
+          <a:p>
+            <a:pPr marL="0" lvl="0" indent="0" defTabSz="346075" eaLnBrk="0" fontAlgn="base" hangingPunct="0">
+              <a:lnSpc>
+                <a:spcPct val="100000"/>
+              </a:lnSpc>
+              <a:spcBef>
+                <a:spcPct val="0"/>
+              </a:spcBef>
+              <a:spcAft>
+                <a:spcPct val="0"/>
+              </a:spcAft>
+              <a:buNone/>
+            </a:pPr>
+            <a:r>
+              <a:rPr lang="fr-FR" altLang="fr-FR" sz="1400" dirty="0">
+                <a:solidFill>
+                  <a:schemeClr val="accent1">
+                    <a:lumMod val="75000"/>
+                  </a:schemeClr>
+                </a:solidFill>
+                <a:latin typeface="Bookman Old Style" panose="02050604050505020204" pitchFamily="18" charset="0"/>
+              </a:rPr>
+              <a:t>		</a:t>
+            </a:r>
+            <a:r>
+              <a:rPr lang="fr-FR" altLang="fr-FR" sz="1400" dirty="0" err="1">
+                <a:solidFill>
+                  <a:schemeClr val="accent1">
+                    <a:lumMod val="75000"/>
+                  </a:schemeClr>
+                </a:solidFill>
+                <a:latin typeface="Bookman Old Style" panose="02050604050505020204" pitchFamily="18" charset="0"/>
+              </a:rPr>
+              <a:t>DispenseChain</a:t>
+            </a:r>
+            <a:r>
+              <a:rPr lang="fr-FR" altLang="fr-FR" sz="1400" dirty="0">
+                <a:solidFill>
+                  <a:schemeClr val="accent1">
+                    <a:lumMod val="75000"/>
+                  </a:schemeClr>
+                </a:solidFill>
+                <a:latin typeface="Bookman Old Style" panose="02050604050505020204" pitchFamily="18" charset="0"/>
+              </a:rPr>
+              <a:t> c3 = new Dollar10Dispenser();</a:t>
+            </a:r>
+          </a:p>
+          <a:p>
+            <a:pPr marL="0" lvl="0" indent="0" defTabSz="346075" eaLnBrk="0" fontAlgn="base" hangingPunct="0">
+              <a:lnSpc>
+                <a:spcPct val="100000"/>
+              </a:lnSpc>
+              <a:spcBef>
+                <a:spcPct val="0"/>
+              </a:spcBef>
+              <a:spcAft>
+                <a:spcPct val="0"/>
+              </a:spcAft>
+              <a:buNone/>
+            </a:pPr>
+            <a:endParaRPr lang="fr-FR" altLang="fr-FR" sz="1400" dirty="0">
+              <a:solidFill>
+                <a:schemeClr val="accent1">
+                  <a:lumMod val="75000"/>
+                </a:schemeClr>
+              </a:solidFill>
+              <a:latin typeface="Bookman Old Style" panose="02050604050505020204" pitchFamily="18" charset="0"/>
+            </a:endParaRPr>
+          </a:p>
+          <a:p>
+            <a:pPr marL="0" lvl="0" indent="0" defTabSz="346075" eaLnBrk="0" fontAlgn="base" hangingPunct="0">
+              <a:lnSpc>
+                <a:spcPct val="100000"/>
+              </a:lnSpc>
+              <a:spcBef>
+                <a:spcPct val="0"/>
+              </a:spcBef>
+              <a:spcAft>
+                <a:spcPct val="0"/>
+              </a:spcAft>
+              <a:buNone/>
+            </a:pPr>
+            <a:r>
+              <a:rPr lang="fr-FR" altLang="fr-FR" sz="1400" dirty="0">
+                <a:solidFill>
+                  <a:schemeClr val="accent1">
+                    <a:lumMod val="75000"/>
+                  </a:schemeClr>
+                </a:solidFill>
+                <a:latin typeface="Bookman Old Style" panose="02050604050505020204" pitchFamily="18" charset="0"/>
+              </a:rPr>
+              <a:t>		// set the </a:t>
+            </a:r>
+            <a:r>
+              <a:rPr lang="fr-FR" altLang="fr-FR" sz="1400" dirty="0" err="1">
+                <a:solidFill>
+                  <a:schemeClr val="accent1">
+                    <a:lumMod val="75000"/>
+                  </a:schemeClr>
+                </a:solidFill>
+                <a:latin typeface="Bookman Old Style" panose="02050604050505020204" pitchFamily="18" charset="0"/>
+              </a:rPr>
+              <a:t>chain</a:t>
+            </a:r>
+            <a:r>
+              <a:rPr lang="fr-FR" altLang="fr-FR" sz="1400" dirty="0">
+                <a:solidFill>
+                  <a:schemeClr val="accent1">
+                    <a:lumMod val="75000"/>
+                  </a:schemeClr>
+                </a:solidFill>
+                <a:latin typeface="Bookman Old Style" panose="02050604050505020204" pitchFamily="18" charset="0"/>
+              </a:rPr>
+              <a:t> of </a:t>
+            </a:r>
+            <a:r>
+              <a:rPr lang="fr-FR" altLang="fr-FR" sz="1400" dirty="0" err="1">
+                <a:solidFill>
+                  <a:schemeClr val="accent1">
+                    <a:lumMod val="75000"/>
+                  </a:schemeClr>
+                </a:solidFill>
+                <a:latin typeface="Bookman Old Style" panose="02050604050505020204" pitchFamily="18" charset="0"/>
+              </a:rPr>
+              <a:t>responsibility</a:t>
+            </a:r>
+            <a:endParaRPr lang="fr-FR" altLang="fr-FR" sz="1400" dirty="0">
+              <a:solidFill>
+                <a:schemeClr val="accent1">
+                  <a:lumMod val="75000"/>
+                </a:schemeClr>
+              </a:solidFill>
+              <a:latin typeface="Bookman Old Style" panose="02050604050505020204" pitchFamily="18" charset="0"/>
+            </a:endParaRPr>
+          </a:p>
+          <a:p>
+            <a:pPr marL="0" lvl="0" indent="0" defTabSz="346075" eaLnBrk="0" fontAlgn="base" hangingPunct="0">
+              <a:lnSpc>
+                <a:spcPct val="100000"/>
+              </a:lnSpc>
+              <a:spcBef>
+                <a:spcPct val="0"/>
+              </a:spcBef>
+              <a:spcAft>
+                <a:spcPct val="0"/>
+              </a:spcAft>
+              <a:buNone/>
+            </a:pPr>
+            <a:r>
+              <a:rPr lang="fr-FR" altLang="fr-FR" sz="1400" dirty="0">
+                <a:solidFill>
+                  <a:schemeClr val="accent1">
+                    <a:lumMod val="75000"/>
+                  </a:schemeClr>
+                </a:solidFill>
+                <a:latin typeface="Bookman Old Style" panose="02050604050505020204" pitchFamily="18" charset="0"/>
+              </a:rPr>
+              <a:t>		c1.setNextChain(c2);</a:t>
+            </a:r>
+          </a:p>
+          <a:p>
+            <a:pPr marL="0" lvl="0" indent="0" defTabSz="346075" eaLnBrk="0" fontAlgn="base" hangingPunct="0">
+              <a:lnSpc>
+                <a:spcPct val="100000"/>
+              </a:lnSpc>
+              <a:spcBef>
+                <a:spcPct val="0"/>
+              </a:spcBef>
+              <a:spcAft>
+                <a:spcPct val="0"/>
+              </a:spcAft>
+              <a:buNone/>
+            </a:pPr>
+            <a:r>
+              <a:rPr lang="fr-FR" altLang="fr-FR" sz="1400" dirty="0">
+                <a:solidFill>
+                  <a:schemeClr val="accent1">
+                    <a:lumMod val="75000"/>
+                  </a:schemeClr>
+                </a:solidFill>
+                <a:latin typeface="Bookman Old Style" panose="02050604050505020204" pitchFamily="18" charset="0"/>
+              </a:rPr>
+              <a:t>		c2.setNextChain(c3);</a:t>
+            </a:r>
+          </a:p>
+          <a:p>
+            <a:pPr marL="0" lvl="0" indent="0" defTabSz="346075" eaLnBrk="0" fontAlgn="base" hangingPunct="0">
+              <a:lnSpc>
+                <a:spcPct val="100000"/>
+              </a:lnSpc>
+              <a:spcBef>
+                <a:spcPct val="0"/>
+              </a:spcBef>
+              <a:spcAft>
+                <a:spcPct val="0"/>
+              </a:spcAft>
+              <a:buNone/>
+            </a:pPr>
+            <a:r>
+              <a:rPr lang="fr-FR" altLang="fr-FR" sz="1400" dirty="0">
+                <a:solidFill>
+                  <a:schemeClr val="accent1">
+                    <a:lumMod val="75000"/>
+                  </a:schemeClr>
+                </a:solidFill>
+                <a:latin typeface="Bookman Old Style" panose="02050604050505020204" pitchFamily="18" charset="0"/>
+              </a:rPr>
+              <a:t>	}</a:t>
+            </a:r>
+          </a:p>
+          <a:p>
+            <a:pPr marL="0" lvl="0" indent="0" defTabSz="346075" eaLnBrk="0" fontAlgn="base" hangingPunct="0">
+              <a:lnSpc>
+                <a:spcPct val="100000"/>
+              </a:lnSpc>
+              <a:spcBef>
+                <a:spcPct val="0"/>
+              </a:spcBef>
+              <a:spcAft>
+                <a:spcPct val="0"/>
+              </a:spcAft>
+              <a:buNone/>
+            </a:pPr>
+            <a:endParaRPr lang="fr-FR" altLang="fr-FR" sz="1400" dirty="0">
+              <a:solidFill>
+                <a:schemeClr val="accent1">
+                  <a:lumMod val="75000"/>
+                </a:schemeClr>
+              </a:solidFill>
+              <a:latin typeface="Bookman Old Style" panose="02050604050505020204" pitchFamily="18" charset="0"/>
+            </a:endParaRPr>
+          </a:p>
+          <a:p>
+            <a:pPr marL="0" lvl="0" indent="0" defTabSz="346075" eaLnBrk="0" fontAlgn="base" hangingPunct="0">
+              <a:lnSpc>
+                <a:spcPct val="100000"/>
+              </a:lnSpc>
+              <a:spcBef>
+                <a:spcPct val="0"/>
+              </a:spcBef>
+              <a:spcAft>
+                <a:spcPct val="0"/>
+              </a:spcAft>
+              <a:buNone/>
+            </a:pPr>
+            <a:r>
+              <a:rPr lang="fr-FR" altLang="fr-FR" sz="1400" dirty="0">
+                <a:solidFill>
+                  <a:schemeClr val="accent1">
+                    <a:lumMod val="75000"/>
+                  </a:schemeClr>
+                </a:solidFill>
+                <a:latin typeface="Bookman Old Style" panose="02050604050505020204" pitchFamily="18" charset="0"/>
+              </a:rPr>
+              <a:t>	public </a:t>
+            </a:r>
+            <a:r>
+              <a:rPr lang="fr-FR" altLang="fr-FR" sz="1400" dirty="0" err="1">
+                <a:solidFill>
+                  <a:schemeClr val="accent1">
+                    <a:lumMod val="75000"/>
+                  </a:schemeClr>
+                </a:solidFill>
+                <a:latin typeface="Bookman Old Style" panose="02050604050505020204" pitchFamily="18" charset="0"/>
+              </a:rPr>
+              <a:t>static</a:t>
+            </a:r>
+            <a:r>
+              <a:rPr lang="fr-FR" altLang="fr-FR" sz="1400" dirty="0">
+                <a:solidFill>
+                  <a:schemeClr val="accent1">
+                    <a:lumMod val="75000"/>
+                  </a:schemeClr>
+                </a:solidFill>
+                <a:latin typeface="Bookman Old Style" panose="02050604050505020204" pitchFamily="18" charset="0"/>
+              </a:rPr>
+              <a:t> </a:t>
+            </a:r>
+            <a:r>
+              <a:rPr lang="fr-FR" altLang="fr-FR" sz="1400" dirty="0" err="1">
+                <a:solidFill>
+                  <a:schemeClr val="accent1">
+                    <a:lumMod val="75000"/>
+                  </a:schemeClr>
+                </a:solidFill>
+                <a:latin typeface="Bookman Old Style" panose="02050604050505020204" pitchFamily="18" charset="0"/>
+              </a:rPr>
+              <a:t>void</a:t>
+            </a:r>
+            <a:r>
+              <a:rPr lang="fr-FR" altLang="fr-FR" sz="1400" dirty="0">
+                <a:solidFill>
+                  <a:schemeClr val="accent1">
+                    <a:lumMod val="75000"/>
+                  </a:schemeClr>
+                </a:solidFill>
+                <a:latin typeface="Bookman Old Style" panose="02050604050505020204" pitchFamily="18" charset="0"/>
+              </a:rPr>
+              <a:t> main(String[] </a:t>
+            </a:r>
+            <a:r>
+              <a:rPr lang="fr-FR" altLang="fr-FR" sz="1400" dirty="0" err="1">
+                <a:solidFill>
+                  <a:schemeClr val="accent1">
+                    <a:lumMod val="75000"/>
+                  </a:schemeClr>
+                </a:solidFill>
+                <a:latin typeface="Bookman Old Style" panose="02050604050505020204" pitchFamily="18" charset="0"/>
+              </a:rPr>
+              <a:t>args</a:t>
+            </a:r>
+            <a:r>
+              <a:rPr lang="fr-FR" altLang="fr-FR" sz="1400" dirty="0">
+                <a:solidFill>
+                  <a:schemeClr val="accent1">
+                    <a:lumMod val="75000"/>
+                  </a:schemeClr>
+                </a:solidFill>
+                <a:latin typeface="Bookman Old Style" panose="02050604050505020204" pitchFamily="18" charset="0"/>
+              </a:rPr>
+              <a:t>) </a:t>
+            </a:r>
+            <a:r>
+              <a:rPr lang="fr-FR" altLang="fr-FR" sz="1400" dirty="0" smtClean="0">
+                <a:solidFill>
+                  <a:schemeClr val="accent1">
+                    <a:lumMod val="75000"/>
+                  </a:schemeClr>
+                </a:solidFill>
+                <a:latin typeface="Bookman Old Style" panose="02050604050505020204" pitchFamily="18" charset="0"/>
+              </a:rPr>
+              <a:t>{</a:t>
+            </a:r>
+          </a:p>
+          <a:p>
+            <a:pPr marL="0" lvl="0" indent="0" defTabSz="346075" eaLnBrk="0" fontAlgn="base" hangingPunct="0">
+              <a:lnSpc>
+                <a:spcPct val="100000"/>
+              </a:lnSpc>
+              <a:spcBef>
+                <a:spcPct val="0"/>
+              </a:spcBef>
+              <a:spcAft>
+                <a:spcPct val="0"/>
+              </a:spcAft>
+              <a:buNone/>
+            </a:pPr>
+            <a:r>
+              <a:rPr lang="fr-FR" altLang="fr-FR" sz="1400" dirty="0">
+                <a:solidFill>
+                  <a:schemeClr val="accent1">
+                    <a:lumMod val="75000"/>
+                  </a:schemeClr>
+                </a:solidFill>
+                <a:latin typeface="Bookman Old Style" panose="02050604050505020204" pitchFamily="18" charset="0"/>
+              </a:rPr>
+              <a:t>	</a:t>
+            </a:r>
+            <a:r>
+              <a:rPr lang="fr-FR" altLang="fr-FR" sz="1400" dirty="0" smtClean="0">
+                <a:solidFill>
+                  <a:schemeClr val="accent1">
+                    <a:lumMod val="75000"/>
+                  </a:schemeClr>
+                </a:solidFill>
+                <a:latin typeface="Bookman Old Style" panose="02050604050505020204" pitchFamily="18" charset="0"/>
+              </a:rPr>
+              <a:t>	/* </a:t>
+            </a:r>
+            <a:r>
+              <a:rPr lang="fr-FR" altLang="fr-FR" sz="1400" dirty="0" err="1" smtClean="0">
+                <a:solidFill>
+                  <a:schemeClr val="accent1">
+                    <a:lumMod val="75000"/>
+                  </a:schemeClr>
+                </a:solidFill>
+                <a:latin typeface="Bookman Old Style" panose="02050604050505020204" pitchFamily="18" charset="0"/>
+              </a:rPr>
+              <a:t>some</a:t>
+            </a:r>
+            <a:r>
+              <a:rPr lang="fr-FR" altLang="fr-FR" sz="1400" dirty="0" smtClean="0">
+                <a:solidFill>
+                  <a:schemeClr val="accent1">
+                    <a:lumMod val="75000"/>
+                  </a:schemeClr>
+                </a:solidFill>
+                <a:latin typeface="Bookman Old Style" panose="02050604050505020204" pitchFamily="18" charset="0"/>
+              </a:rPr>
+              <a:t> code to </a:t>
+            </a:r>
+            <a:r>
+              <a:rPr lang="fr-FR" altLang="fr-FR" sz="1400" dirty="0" err="1" smtClean="0">
+                <a:solidFill>
+                  <a:schemeClr val="accent1">
+                    <a:lumMod val="75000"/>
+                  </a:schemeClr>
+                </a:solidFill>
+                <a:latin typeface="Bookman Old Style" panose="02050604050505020204" pitchFamily="18" charset="0"/>
+              </a:rPr>
+              <a:t>make</a:t>
+            </a:r>
+            <a:r>
+              <a:rPr lang="fr-FR" altLang="fr-FR" sz="1400" dirty="0" smtClean="0">
+                <a:solidFill>
+                  <a:schemeClr val="accent1">
+                    <a:lumMod val="75000"/>
+                  </a:schemeClr>
+                </a:solidFill>
+                <a:latin typeface="Bookman Old Style" panose="02050604050505020204" pitchFamily="18" charset="0"/>
+              </a:rPr>
+              <a:t> </a:t>
+            </a:r>
+            <a:r>
+              <a:rPr lang="fr-FR" altLang="fr-FR" sz="1400" dirty="0" err="1" smtClean="0">
+                <a:solidFill>
+                  <a:schemeClr val="accent1">
+                    <a:lumMod val="75000"/>
+                  </a:schemeClr>
+                </a:solidFill>
+                <a:latin typeface="Bookman Old Style" panose="02050604050505020204" pitchFamily="18" charset="0"/>
+              </a:rPr>
+              <a:t>it</a:t>
+            </a:r>
+            <a:r>
+              <a:rPr lang="fr-FR" altLang="fr-FR" sz="1400" dirty="0" smtClean="0">
+                <a:solidFill>
+                  <a:schemeClr val="accent1">
+                    <a:lumMod val="75000"/>
+                  </a:schemeClr>
+                </a:solidFill>
+                <a:latin typeface="Bookman Old Style" panose="02050604050505020204" pitchFamily="18" charset="0"/>
+              </a:rPr>
+              <a:t> </a:t>
+            </a:r>
+            <a:r>
+              <a:rPr lang="fr-FR" altLang="fr-FR" sz="1400" dirty="0" err="1" smtClean="0">
+                <a:solidFill>
+                  <a:schemeClr val="accent1">
+                    <a:lumMod val="75000"/>
+                  </a:schemeClr>
+                </a:solidFill>
+                <a:latin typeface="Bookman Old Style" panose="02050604050505020204" pitchFamily="18" charset="0"/>
+              </a:rPr>
+              <a:t>work</a:t>
+            </a:r>
+            <a:r>
+              <a:rPr lang="fr-FR" altLang="fr-FR" sz="1400" dirty="0" smtClean="0">
+                <a:solidFill>
+                  <a:schemeClr val="accent1">
+                    <a:lumMod val="75000"/>
+                  </a:schemeClr>
+                </a:solidFill>
+                <a:latin typeface="Bookman Old Style" panose="02050604050505020204" pitchFamily="18" charset="0"/>
+              </a:rPr>
+              <a:t> */</a:t>
+            </a:r>
+          </a:p>
+          <a:p>
+            <a:pPr marL="0" lvl="0" indent="0" defTabSz="346075" eaLnBrk="0" fontAlgn="base" hangingPunct="0">
+              <a:lnSpc>
+                <a:spcPct val="100000"/>
+              </a:lnSpc>
+              <a:spcBef>
+                <a:spcPct val="0"/>
+              </a:spcBef>
+              <a:spcAft>
+                <a:spcPct val="0"/>
+              </a:spcAft>
+              <a:buNone/>
+            </a:pPr>
+            <a:r>
+              <a:rPr lang="fr-FR" altLang="fr-FR" sz="1400" dirty="0">
+                <a:solidFill>
+                  <a:schemeClr val="accent1">
+                    <a:lumMod val="75000"/>
+                  </a:schemeClr>
+                </a:solidFill>
+                <a:latin typeface="Bookman Old Style" panose="02050604050505020204" pitchFamily="18" charset="0"/>
+              </a:rPr>
+              <a:t>	</a:t>
+            </a:r>
+            <a:r>
+              <a:rPr lang="fr-FR" altLang="fr-FR" sz="1400" dirty="0" smtClean="0">
+                <a:solidFill>
+                  <a:schemeClr val="accent1">
+                    <a:lumMod val="75000"/>
+                  </a:schemeClr>
+                </a:solidFill>
+                <a:latin typeface="Bookman Old Style" panose="02050604050505020204" pitchFamily="18" charset="0"/>
+              </a:rPr>
+              <a:t>}</a:t>
+            </a:r>
+          </a:p>
+          <a:p>
+            <a:pPr marL="0" lvl="0" indent="0" defTabSz="346075" eaLnBrk="0" fontAlgn="base" hangingPunct="0">
+              <a:lnSpc>
+                <a:spcPct val="100000"/>
+              </a:lnSpc>
+              <a:spcBef>
+                <a:spcPct val="0"/>
+              </a:spcBef>
+              <a:spcAft>
+                <a:spcPct val="0"/>
+              </a:spcAft>
+              <a:buNone/>
+            </a:pPr>
+            <a:r>
+              <a:rPr lang="fr-FR" altLang="fr-FR" sz="1400" dirty="0">
+                <a:solidFill>
+                  <a:schemeClr val="accent1">
+                    <a:lumMod val="75000"/>
+                  </a:schemeClr>
+                </a:solidFill>
+                <a:latin typeface="Bookman Old Style" panose="02050604050505020204" pitchFamily="18" charset="0"/>
+              </a:rPr>
+              <a:t>}</a:t>
+            </a:r>
+          </a:p>
+        </p:txBody>
+      </p:sp>
+    </p:spTree>
+    <p:extLst>
+      <p:ext uri="{BB962C8B-B14F-4D97-AF65-F5344CB8AC3E}">
+        <p14:creationId xmlns:p14="http://schemas.microsoft.com/office/powerpoint/2010/main" val="3815491493"/>
+      </p:ext>
+    </p:extLst>
+  </p:cSld>
+  <p:clrMapOvr>
+    <a:masterClrMapping/>
+  </p:clrMapOvr>
+</p:sld>
+</file>
+
 <file path=ppt/slides/slide2.xml><?xml version="1.0" encoding="utf-8"?>
 <p:sld xmlns:a="http://schemas.openxmlformats.org/drawingml/2006/main" xmlns:r="http://schemas.openxmlformats.org/officeDocument/2006/relationships" xmlns:p="http://schemas.openxmlformats.org/presentationml/2006/main">
   <p:cSld>
@@ -4478,36 +7013,20 @@
               <a:rPr lang="fr-CH" dirty="0" smtClean="0"/>
               <a:t> -&gt; [Objet, Comportemental]</a:t>
             </a:r>
-            <a:endParaRPr lang="fr-CH" dirty="0" smtClean="0"/>
           </a:p>
           <a:p>
             <a:r>
               <a:rPr lang="fr-CH" dirty="0" smtClean="0"/>
-              <a:t>Éviter </a:t>
-            </a:r>
+              <a:t>Éviter d'associer l'expéditeur d'une requête à son récepteur en donnant plus d'un objet pour traiter la demande.</a:t>
+            </a:r>
+          </a:p>
+          <a:p>
             <a:r>
               <a:rPr lang="fr-CH" dirty="0" smtClean="0"/>
-              <a:t>d'associer l'expéditeur d'une requête à son récepteur en donnant plus d'un objet pour traiter la demande.</a:t>
-            </a:r>
-          </a:p>
-          <a:p>
-            <a:r>
-              <a:rPr lang="fr-CH" dirty="0" smtClean="0"/>
-              <a:t>Chaîner les objets récepteurs et passer la requête le long de la chaîne jusqu'à ce qu'un objet la traite</a:t>
-            </a:r>
-            <a:r>
-              <a:rPr lang="fr-CH" dirty="0" smtClean="0"/>
-              <a:t>.</a:t>
-            </a:r>
-          </a:p>
-          <a:p>
-            <a:endParaRPr lang="fr-CH" dirty="0"/>
-          </a:p>
-          <a:p>
-            <a:r>
-              <a:rPr lang="fr-CH" dirty="0" smtClean="0"/>
-              <a:t>Ne pas confondre délégation et chaine de responsabilité</a:t>
-            </a:r>
+              <a:t>Chaîner les objets récepteurs et passer la requête le long de la chaîne jusqu'à ce qu'un objet la traite.</a:t>
+            </a:r>
+          </a:p>
+          <a:p>
             <a:endParaRPr lang="fr-CH" dirty="0"/>
           </a:p>
         </p:txBody>
@@ -4559,6 +7078,710 @@
           <a:p>
             <a:r>
               <a:rPr lang="fr-CH" dirty="0" smtClean="0"/>
+              <a:t>Motivation</a:t>
+            </a:r>
+            <a:endParaRPr lang="fr-CH" dirty="0"/>
+          </a:p>
+        </p:txBody>
+      </p:sp>
+      <p:sp>
+        <p:nvSpPr>
+          <p:cNvPr id="3" name="Espace réservé du contenu 2"/>
+          <p:cNvSpPr>
+            <a:spLocks noGrp="1"/>
+          </p:cNvSpPr>
+          <p:nvPr>
+            <p:ph idx="1"/>
+          </p:nvPr>
+        </p:nvSpPr>
+        <p:spPr/>
+        <p:txBody>
+          <a:bodyPr/>
+          <a:lstStyle/>
+          <a:p>
+            <a:r>
+              <a:rPr lang="fr-CH" dirty="0" smtClean="0"/>
+              <a:t>L’objet «L’HEIG-VD» fait la requête qu’une présentation sur le modèle «chaîne de responsabilité» doit être créée et présentée à une classe.</a:t>
+            </a:r>
+          </a:p>
+          <a:p>
+            <a:r>
+              <a:rPr lang="fr-CH" dirty="0" smtClean="0"/>
+              <a:t>La requête est traitée par l’un des nombreux objets «professeurs», mais qui dépend du contexte et de la spécificité de la requête.</a:t>
+            </a:r>
+          </a:p>
+          <a:p>
+            <a:r>
+              <a:rPr lang="fr-CH" dirty="0" smtClean="0"/>
+              <a:t>Le problème est que «HEIG-VD» ne sait pas quel «professeur» va traiter la requête.</a:t>
+            </a:r>
+          </a:p>
+          <a:p>
+            <a:endParaRPr lang="fr-CH" dirty="0"/>
+          </a:p>
+        </p:txBody>
+      </p:sp>
+    </p:spTree>
+    <p:extLst>
+      <p:ext uri="{BB962C8B-B14F-4D97-AF65-F5344CB8AC3E}">
+        <p14:creationId xmlns:p14="http://schemas.microsoft.com/office/powerpoint/2010/main" val="4207821772"/>
+      </p:ext>
+    </p:extLst>
+  </p:cSld>
+  <p:clrMapOvr>
+    <a:masterClrMapping/>
+  </p:clrMapOvr>
+</p:sld>
+</file>
+
+<file path=ppt/slides/slide4.xml><?xml version="1.0" encoding="utf-8"?>
+<p:sld xmlns:a="http://schemas.openxmlformats.org/drawingml/2006/main" xmlns:r="http://schemas.openxmlformats.org/officeDocument/2006/relationships" xmlns:p="http://schemas.openxmlformats.org/presentationml/2006/main">
+  <p:cSld>
+    <p:spTree>
+      <p:nvGrpSpPr>
+        <p:cNvPr id="1" name=""/>
+        <p:cNvGrpSpPr/>
+        <p:nvPr/>
+      </p:nvGrpSpPr>
+      <p:grpSpPr>
+        <a:xfrm>
+          <a:off x="0" y="0"/>
+          <a:ext cx="0" cy="0"/>
+          <a:chOff x="0" y="0"/>
+          <a:chExt cx="0" cy="0"/>
+        </a:xfrm>
+      </p:grpSpPr>
+      <p:sp>
+        <p:nvSpPr>
+          <p:cNvPr id="2" name="Titre 1"/>
+          <p:cNvSpPr>
+            <a:spLocks noGrp="1"/>
+          </p:cNvSpPr>
+          <p:nvPr>
+            <p:ph type="title"/>
+          </p:nvPr>
+        </p:nvSpPr>
+        <p:spPr/>
+        <p:txBody>
+          <a:bodyPr/>
+          <a:lstStyle/>
+          <a:p>
+            <a:r>
+              <a:rPr lang="fr-CH" dirty="0" smtClean="0"/>
+              <a:t>Approche intuitive</a:t>
+            </a:r>
+            <a:endParaRPr lang="fr-CH" dirty="0"/>
+          </a:p>
+        </p:txBody>
+      </p:sp>
+      <p:sp>
+        <p:nvSpPr>
+          <p:cNvPr id="5" name="Rectangle 4"/>
+          <p:cNvSpPr/>
+          <p:nvPr/>
+        </p:nvSpPr>
+        <p:spPr>
+          <a:xfrm>
+            <a:off x="1864360" y="3312696"/>
+            <a:ext cx="2157469" cy="576000"/>
+          </a:xfrm>
+          <a:prstGeom prst="rect">
+            <a:avLst/>
+          </a:prstGeom>
+          <a:ln>
+            <a:solidFill>
+              <a:schemeClr val="tx1"/>
+            </a:solidFill>
+          </a:ln>
+        </p:spPr>
+        <p:style>
+          <a:lnRef idx="1">
+            <a:schemeClr val="accent4"/>
+          </a:lnRef>
+          <a:fillRef idx="2">
+            <a:schemeClr val="accent4"/>
+          </a:fillRef>
+          <a:effectRef idx="1">
+            <a:schemeClr val="accent4"/>
+          </a:effectRef>
+          <a:fontRef idx="minor">
+            <a:schemeClr val="dk1"/>
+          </a:fontRef>
+        </p:style>
+        <p:txBody>
+          <a:bodyPr rtlCol="0" anchor="ctr"/>
+          <a:lstStyle/>
+          <a:p>
+            <a:pPr algn="ctr"/>
+            <a:r>
+              <a:rPr lang="fr-CH" dirty="0" smtClean="0"/>
+              <a:t>Manager</a:t>
+            </a:r>
+            <a:endParaRPr lang="fr-CH" dirty="0" smtClean="0"/>
+          </a:p>
+        </p:txBody>
+      </p:sp>
+      <p:sp>
+        <p:nvSpPr>
+          <p:cNvPr id="13" name="Rectangle 12"/>
+          <p:cNvSpPr/>
+          <p:nvPr/>
+        </p:nvSpPr>
+        <p:spPr>
+          <a:xfrm>
+            <a:off x="6535587" y="1979035"/>
+            <a:ext cx="1368000" cy="576000"/>
+          </a:xfrm>
+          <a:prstGeom prst="rect">
+            <a:avLst/>
+          </a:prstGeom>
+          <a:ln>
+            <a:solidFill>
+              <a:schemeClr val="tx1"/>
+            </a:solidFill>
+          </a:ln>
+        </p:spPr>
+        <p:style>
+          <a:lnRef idx="1">
+            <a:schemeClr val="accent4"/>
+          </a:lnRef>
+          <a:fillRef idx="2">
+            <a:schemeClr val="accent4"/>
+          </a:fillRef>
+          <a:effectRef idx="1">
+            <a:schemeClr val="accent4"/>
+          </a:effectRef>
+          <a:fontRef idx="minor">
+            <a:schemeClr val="dk1"/>
+          </a:fontRef>
+        </p:style>
+        <p:txBody>
+          <a:bodyPr rtlCol="0" anchor="ctr"/>
+          <a:lstStyle/>
+          <a:p>
+            <a:pPr algn="ctr"/>
+            <a:r>
+              <a:rPr lang="fr-CH" dirty="0" err="1" smtClean="0"/>
+              <a:t>P</a:t>
+            </a:r>
+            <a:r>
+              <a:rPr lang="fr-CH" dirty="0" err="1" smtClean="0"/>
+              <a:t>rofMCR</a:t>
+            </a:r>
+            <a:endParaRPr lang="fr-CH" dirty="0"/>
+          </a:p>
+        </p:txBody>
+      </p:sp>
+      <p:sp>
+        <p:nvSpPr>
+          <p:cNvPr id="14" name="Rectangle 13"/>
+          <p:cNvSpPr/>
+          <p:nvPr/>
+        </p:nvSpPr>
+        <p:spPr>
+          <a:xfrm>
+            <a:off x="6535587" y="3312696"/>
+            <a:ext cx="1368000" cy="576000"/>
+          </a:xfrm>
+          <a:prstGeom prst="rect">
+            <a:avLst/>
+          </a:prstGeom>
+          <a:ln>
+            <a:solidFill>
+              <a:schemeClr val="tx1"/>
+            </a:solidFill>
+          </a:ln>
+        </p:spPr>
+        <p:style>
+          <a:lnRef idx="1">
+            <a:schemeClr val="accent4"/>
+          </a:lnRef>
+          <a:fillRef idx="2">
+            <a:schemeClr val="accent4"/>
+          </a:fillRef>
+          <a:effectRef idx="1">
+            <a:schemeClr val="accent4"/>
+          </a:effectRef>
+          <a:fontRef idx="minor">
+            <a:schemeClr val="dk1"/>
+          </a:fontRef>
+        </p:style>
+        <p:txBody>
+          <a:bodyPr rtlCol="0" anchor="ctr"/>
+          <a:lstStyle/>
+          <a:p>
+            <a:pPr algn="ctr"/>
+            <a:r>
+              <a:rPr lang="fr-CH" dirty="0" err="1"/>
+              <a:t>P</a:t>
+            </a:r>
+            <a:r>
+              <a:rPr lang="fr-CH" dirty="0" err="1" smtClean="0"/>
+              <a:t>rofRES</a:t>
+            </a:r>
+            <a:endParaRPr lang="fr-CH" dirty="0"/>
+          </a:p>
+        </p:txBody>
+      </p:sp>
+      <p:sp>
+        <p:nvSpPr>
+          <p:cNvPr id="16" name="Rectangle 15"/>
+          <p:cNvSpPr/>
+          <p:nvPr/>
+        </p:nvSpPr>
+        <p:spPr>
+          <a:xfrm>
+            <a:off x="6535587" y="4646358"/>
+            <a:ext cx="1368000" cy="576000"/>
+          </a:xfrm>
+          <a:prstGeom prst="rect">
+            <a:avLst/>
+          </a:prstGeom>
+          <a:ln>
+            <a:solidFill>
+              <a:schemeClr val="tx1"/>
+            </a:solidFill>
+          </a:ln>
+        </p:spPr>
+        <p:style>
+          <a:lnRef idx="1">
+            <a:schemeClr val="accent4"/>
+          </a:lnRef>
+          <a:fillRef idx="2">
+            <a:schemeClr val="accent4"/>
+          </a:fillRef>
+          <a:effectRef idx="1">
+            <a:schemeClr val="accent4"/>
+          </a:effectRef>
+          <a:fontRef idx="minor">
+            <a:schemeClr val="dk1"/>
+          </a:fontRef>
+        </p:style>
+        <p:txBody>
+          <a:bodyPr rtlCol="0" anchor="ctr"/>
+          <a:lstStyle/>
+          <a:p>
+            <a:pPr algn="ctr"/>
+            <a:r>
+              <a:rPr lang="fr-CH" dirty="0"/>
+              <a:t>C</a:t>
+            </a:r>
+            <a:r>
+              <a:rPr lang="fr-CH" dirty="0" smtClean="0"/>
+              <a:t>oncierge</a:t>
+            </a:r>
+            <a:endParaRPr lang="fr-CH" dirty="0"/>
+          </a:p>
+        </p:txBody>
+      </p:sp>
+      <p:cxnSp>
+        <p:nvCxnSpPr>
+          <p:cNvPr id="20" name="Connecteur droit avec flèche 19"/>
+          <p:cNvCxnSpPr>
+            <a:stCxn id="5" idx="3"/>
+            <a:endCxn id="13" idx="1"/>
+          </p:cNvCxnSpPr>
+          <p:nvPr/>
+        </p:nvCxnSpPr>
+        <p:spPr>
+          <a:xfrm flipV="1">
+            <a:off x="4021829" y="2267035"/>
+            <a:ext cx="2513758" cy="1333661"/>
+          </a:xfrm>
+          <a:prstGeom prst="straightConnector1">
+            <a:avLst/>
+          </a:prstGeom>
+          <a:ln w="28575">
+            <a:solidFill>
+              <a:schemeClr val="tx1"/>
+            </a:solidFill>
+            <a:tailEnd type="triangle"/>
+          </a:ln>
+        </p:spPr>
+        <p:style>
+          <a:lnRef idx="1">
+            <a:schemeClr val="accent1"/>
+          </a:lnRef>
+          <a:fillRef idx="0">
+            <a:schemeClr val="accent1"/>
+          </a:fillRef>
+          <a:effectRef idx="0">
+            <a:schemeClr val="accent1"/>
+          </a:effectRef>
+          <a:fontRef idx="minor">
+            <a:schemeClr val="tx1"/>
+          </a:fontRef>
+        </p:style>
+      </p:cxnSp>
+      <p:cxnSp>
+        <p:nvCxnSpPr>
+          <p:cNvPr id="22" name="Connecteur droit avec flèche 21"/>
+          <p:cNvCxnSpPr>
+            <a:stCxn id="5" idx="3"/>
+            <a:endCxn id="14" idx="1"/>
+          </p:cNvCxnSpPr>
+          <p:nvPr/>
+        </p:nvCxnSpPr>
+        <p:spPr>
+          <a:xfrm>
+            <a:off x="4021829" y="3600696"/>
+            <a:ext cx="2513758" cy="0"/>
+          </a:xfrm>
+          <a:prstGeom prst="straightConnector1">
+            <a:avLst/>
+          </a:prstGeom>
+          <a:ln w="28575">
+            <a:solidFill>
+              <a:schemeClr val="tx1"/>
+            </a:solidFill>
+            <a:tailEnd type="triangle"/>
+          </a:ln>
+        </p:spPr>
+        <p:style>
+          <a:lnRef idx="1">
+            <a:schemeClr val="accent1"/>
+          </a:lnRef>
+          <a:fillRef idx="0">
+            <a:schemeClr val="accent1"/>
+          </a:fillRef>
+          <a:effectRef idx="0">
+            <a:schemeClr val="accent1"/>
+          </a:effectRef>
+          <a:fontRef idx="minor">
+            <a:schemeClr val="tx1"/>
+          </a:fontRef>
+        </p:style>
+      </p:cxnSp>
+      <p:cxnSp>
+        <p:nvCxnSpPr>
+          <p:cNvPr id="24" name="Connecteur droit avec flèche 23"/>
+          <p:cNvCxnSpPr>
+            <a:stCxn id="5" idx="3"/>
+            <a:endCxn id="16" idx="1"/>
+          </p:cNvCxnSpPr>
+          <p:nvPr/>
+        </p:nvCxnSpPr>
+        <p:spPr>
+          <a:xfrm>
+            <a:off x="4021829" y="3600696"/>
+            <a:ext cx="2513758" cy="1333662"/>
+          </a:xfrm>
+          <a:prstGeom prst="straightConnector1">
+            <a:avLst/>
+          </a:prstGeom>
+          <a:ln w="28575">
+            <a:solidFill>
+              <a:schemeClr val="tx1"/>
+            </a:solidFill>
+            <a:tailEnd type="triangle"/>
+          </a:ln>
+        </p:spPr>
+        <p:style>
+          <a:lnRef idx="1">
+            <a:schemeClr val="accent1"/>
+          </a:lnRef>
+          <a:fillRef idx="0">
+            <a:schemeClr val="accent1"/>
+          </a:fillRef>
+          <a:effectRef idx="0">
+            <a:schemeClr val="accent1"/>
+          </a:effectRef>
+          <a:fontRef idx="minor">
+            <a:schemeClr val="tx1"/>
+          </a:fontRef>
+        </p:style>
+      </p:cxnSp>
+      <p:sp>
+        <p:nvSpPr>
+          <p:cNvPr id="28" name="Rectangle 27"/>
+          <p:cNvSpPr/>
+          <p:nvPr/>
+        </p:nvSpPr>
+        <p:spPr>
+          <a:xfrm>
+            <a:off x="6535585" y="5222357"/>
+            <a:ext cx="1367999" cy="181663"/>
+          </a:xfrm>
+          <a:prstGeom prst="rect">
+            <a:avLst/>
+          </a:prstGeom>
+          <a:ln>
+            <a:solidFill>
+              <a:schemeClr val="tx1"/>
+            </a:solidFill>
+          </a:ln>
+        </p:spPr>
+        <p:style>
+          <a:lnRef idx="1">
+            <a:schemeClr val="accent4"/>
+          </a:lnRef>
+          <a:fillRef idx="2">
+            <a:schemeClr val="accent4"/>
+          </a:fillRef>
+          <a:effectRef idx="1">
+            <a:schemeClr val="accent4"/>
+          </a:effectRef>
+          <a:fontRef idx="minor">
+            <a:schemeClr val="dk1"/>
+          </a:fontRef>
+        </p:style>
+        <p:txBody>
+          <a:bodyPr rtlCol="0" anchor="ctr"/>
+          <a:lstStyle/>
+          <a:p>
+            <a:pPr algn="ctr"/>
+            <a:r>
+              <a:rPr lang="fr-CH" sz="1200" dirty="0" smtClean="0"/>
+              <a:t>+ </a:t>
+            </a:r>
+            <a:r>
+              <a:rPr lang="fr-CH" sz="1200" dirty="0" err="1" smtClean="0"/>
+              <a:t>handle</a:t>
+            </a:r>
+            <a:r>
+              <a:rPr lang="fr-CH" sz="1200" dirty="0" smtClean="0"/>
+              <a:t>() + </a:t>
+            </a:r>
+            <a:r>
+              <a:rPr lang="fr-CH" sz="1200" dirty="0" err="1" smtClean="0"/>
+              <a:t>void</a:t>
+            </a:r>
+            <a:endParaRPr lang="fr-CH" sz="1200" dirty="0" smtClean="0"/>
+          </a:p>
+        </p:txBody>
+      </p:sp>
+      <p:sp>
+        <p:nvSpPr>
+          <p:cNvPr id="29" name="Rectangle 28"/>
+          <p:cNvSpPr/>
+          <p:nvPr/>
+        </p:nvSpPr>
+        <p:spPr>
+          <a:xfrm>
+            <a:off x="6535584" y="3889008"/>
+            <a:ext cx="1367999" cy="181663"/>
+          </a:xfrm>
+          <a:prstGeom prst="rect">
+            <a:avLst/>
+          </a:prstGeom>
+          <a:ln>
+            <a:solidFill>
+              <a:schemeClr val="tx1"/>
+            </a:solidFill>
+          </a:ln>
+        </p:spPr>
+        <p:style>
+          <a:lnRef idx="1">
+            <a:schemeClr val="accent4"/>
+          </a:lnRef>
+          <a:fillRef idx="2">
+            <a:schemeClr val="accent4"/>
+          </a:fillRef>
+          <a:effectRef idx="1">
+            <a:schemeClr val="accent4"/>
+          </a:effectRef>
+          <a:fontRef idx="minor">
+            <a:schemeClr val="dk1"/>
+          </a:fontRef>
+        </p:style>
+        <p:txBody>
+          <a:bodyPr rtlCol="0" anchor="ctr"/>
+          <a:lstStyle/>
+          <a:p>
+            <a:pPr algn="ctr"/>
+            <a:r>
+              <a:rPr lang="fr-CH" sz="1200" dirty="0" smtClean="0"/>
+              <a:t>+ </a:t>
+            </a:r>
+            <a:r>
+              <a:rPr lang="fr-CH" sz="1200" dirty="0" err="1" smtClean="0"/>
+              <a:t>handle</a:t>
+            </a:r>
+            <a:r>
+              <a:rPr lang="fr-CH" sz="1200" dirty="0"/>
+              <a:t>() </a:t>
+            </a:r>
+            <a:r>
+              <a:rPr lang="fr-CH" sz="1200" dirty="0" smtClean="0"/>
+              <a:t>: </a:t>
+            </a:r>
+            <a:r>
+              <a:rPr lang="fr-CH" sz="1200" dirty="0" err="1" smtClean="0"/>
+              <a:t>void</a:t>
+            </a:r>
+            <a:endParaRPr lang="fr-CH" sz="1200" dirty="0" smtClean="0"/>
+          </a:p>
+        </p:txBody>
+      </p:sp>
+      <p:sp>
+        <p:nvSpPr>
+          <p:cNvPr id="30" name="Rectangle 29"/>
+          <p:cNvSpPr/>
+          <p:nvPr/>
+        </p:nvSpPr>
+        <p:spPr>
+          <a:xfrm>
+            <a:off x="6535585" y="2549462"/>
+            <a:ext cx="1367999" cy="181663"/>
+          </a:xfrm>
+          <a:prstGeom prst="rect">
+            <a:avLst/>
+          </a:prstGeom>
+          <a:ln>
+            <a:solidFill>
+              <a:schemeClr val="tx1"/>
+            </a:solidFill>
+          </a:ln>
+        </p:spPr>
+        <p:style>
+          <a:lnRef idx="1">
+            <a:schemeClr val="accent4"/>
+          </a:lnRef>
+          <a:fillRef idx="2">
+            <a:schemeClr val="accent4"/>
+          </a:fillRef>
+          <a:effectRef idx="1">
+            <a:schemeClr val="accent4"/>
+          </a:effectRef>
+          <a:fontRef idx="minor">
+            <a:schemeClr val="dk1"/>
+          </a:fontRef>
+        </p:style>
+        <p:txBody>
+          <a:bodyPr rtlCol="0" anchor="ctr"/>
+          <a:lstStyle/>
+          <a:p>
+            <a:pPr algn="ctr"/>
+            <a:r>
+              <a:rPr lang="fr-CH" sz="1200" dirty="0" smtClean="0"/>
+              <a:t>+ </a:t>
+            </a:r>
+            <a:r>
+              <a:rPr lang="fr-CH" sz="1200" dirty="0" err="1" smtClean="0"/>
+              <a:t>handle</a:t>
+            </a:r>
+            <a:r>
+              <a:rPr lang="fr-CH" sz="1200" dirty="0" smtClean="0"/>
+              <a:t>() : </a:t>
+            </a:r>
+            <a:r>
+              <a:rPr lang="fr-CH" sz="1200" dirty="0" err="1" smtClean="0"/>
+              <a:t>void</a:t>
+            </a:r>
+            <a:endParaRPr lang="fr-CH" sz="1200" dirty="0" smtClean="0"/>
+          </a:p>
+        </p:txBody>
+      </p:sp>
+      <p:sp>
+        <p:nvSpPr>
+          <p:cNvPr id="31" name="Rectangle 30"/>
+          <p:cNvSpPr/>
+          <p:nvPr/>
+        </p:nvSpPr>
+        <p:spPr>
+          <a:xfrm>
+            <a:off x="1864356" y="3888696"/>
+            <a:ext cx="2157469" cy="185150"/>
+          </a:xfrm>
+          <a:prstGeom prst="rect">
+            <a:avLst/>
+          </a:prstGeom>
+          <a:ln>
+            <a:solidFill>
+              <a:schemeClr val="tx1"/>
+            </a:solidFill>
+          </a:ln>
+        </p:spPr>
+        <p:style>
+          <a:lnRef idx="1">
+            <a:schemeClr val="accent4"/>
+          </a:lnRef>
+          <a:fillRef idx="2">
+            <a:schemeClr val="accent4"/>
+          </a:fillRef>
+          <a:effectRef idx="1">
+            <a:schemeClr val="accent4"/>
+          </a:effectRef>
+          <a:fontRef idx="minor">
+            <a:schemeClr val="dk1"/>
+          </a:fontRef>
+        </p:style>
+        <p:txBody>
+          <a:bodyPr rtlCol="0" anchor="ctr"/>
+          <a:lstStyle/>
+          <a:p>
+            <a:pPr algn="ctr"/>
+            <a:r>
+              <a:rPr lang="fr-CH" sz="1200" dirty="0" smtClean="0"/>
+              <a:t>+</a:t>
+            </a:r>
+            <a:r>
+              <a:rPr lang="fr-CH" sz="1200" dirty="0" smtClean="0"/>
+              <a:t> </a:t>
+            </a:r>
+            <a:r>
+              <a:rPr lang="fr-CH" sz="1200" dirty="0" err="1"/>
+              <a:t>processRequest</a:t>
+            </a:r>
+            <a:r>
+              <a:rPr lang="fr-CH" sz="1200" dirty="0"/>
+              <a:t>() : </a:t>
+            </a:r>
+            <a:r>
+              <a:rPr lang="fr-CH" sz="1200" dirty="0" err="1" smtClean="0"/>
+              <a:t>void</a:t>
+            </a:r>
+            <a:endParaRPr lang="fr-CH" sz="1200" dirty="0"/>
+          </a:p>
+        </p:txBody>
+      </p:sp>
+    </p:spTree>
+    <p:extLst>
+      <p:ext uri="{BB962C8B-B14F-4D97-AF65-F5344CB8AC3E}">
+        <p14:creationId xmlns:p14="http://schemas.microsoft.com/office/powerpoint/2010/main" val="2259983328"/>
+      </p:ext>
+    </p:extLst>
+  </p:cSld>
+  <p:clrMapOvr>
+    <a:masterClrMapping/>
+  </p:clrMapOvr>
+</p:sld>
+</file>
+
+<file path=ppt/slides/slide5.xml><?xml version="1.0" encoding="utf-8"?>
+<p:sld xmlns:a="http://schemas.openxmlformats.org/drawingml/2006/main" xmlns:r="http://schemas.openxmlformats.org/officeDocument/2006/relationships" xmlns:p="http://schemas.openxmlformats.org/presentationml/2006/main">
+  <p:cSld>
+    <p:spTree>
+      <p:nvGrpSpPr>
+        <p:cNvPr id="1" name=""/>
+        <p:cNvGrpSpPr/>
+        <p:nvPr/>
+      </p:nvGrpSpPr>
+      <p:grpSpPr>
+        <a:xfrm>
+          <a:off x="0" y="0"/>
+          <a:ext cx="0" cy="0"/>
+          <a:chOff x="0" y="0"/>
+          <a:chExt cx="0" cy="0"/>
+        </a:xfrm>
+      </p:grpSpPr>
+      <p:sp>
+        <p:nvSpPr>
+          <p:cNvPr id="2" name="Titre 1"/>
+          <p:cNvSpPr>
+            <a:spLocks noGrp="1"/>
+          </p:cNvSpPr>
+          <p:nvPr>
+            <p:ph type="title"/>
+          </p:nvPr>
+        </p:nvSpPr>
+        <p:spPr/>
+        <p:txBody>
+          <a:bodyPr/>
+          <a:lstStyle/>
+          <a:p>
+            <a:r>
+              <a:rPr lang="fr-CH" dirty="0" smtClean="0"/>
               <a:t>Exemple</a:t>
             </a:r>
             <a:endParaRPr lang="fr-CH" dirty="0"/>
@@ -4608,7 +7831,6 @@
               <a:rPr lang="fr-CH" dirty="0" smtClean="0"/>
               <a:t>HEIG-VD</a:t>
             </a:r>
-            <a:endParaRPr lang="fr-CH" dirty="0" smtClean="0"/>
           </a:p>
         </p:txBody>
       </p:sp>
@@ -5268,7 +8490,10 @@
             <a:ext cx="1622401" cy="878121"/>
           </a:xfrm>
           <a:prstGeom prst="wedgeEllipseCallout">
-            <a:avLst/>
+            <a:avLst>
+              <a:gd name="adj1" fmla="val -21224"/>
+              <a:gd name="adj2" fmla="val 66839"/>
+            </a:avLst>
           </a:prstGeom>
         </p:spPr>
         <p:style>
@@ -5477,8 +8702,8 @@
           </a:xfrm>
           <a:prstGeom prst="wedgeEllipseCallout">
             <a:avLst>
-              <a:gd name="adj1" fmla="val 29265"/>
-              <a:gd name="adj2" fmla="val -70557"/>
+              <a:gd name="adj1" fmla="val 30831"/>
+              <a:gd name="adj2" fmla="val -73450"/>
             </a:avLst>
           </a:prstGeom>
         </p:spPr>
@@ -5598,8 +8823,8 @@
           </a:xfrm>
           <a:prstGeom prst="wedgeEllipseCallout">
             <a:avLst>
-              <a:gd name="adj1" fmla="val -72498"/>
-              <a:gd name="adj2" fmla="val -18491"/>
+              <a:gd name="adj1" fmla="val -71006"/>
+              <a:gd name="adj2" fmla="val -17768"/>
             </a:avLst>
           </a:prstGeom>
         </p:spPr>
@@ -5643,7 +8868,7 @@
 </p:sld>
 </file>
 
-<file path=ppt/slides/slide4.xml><?xml version="1.0" encoding="utf-8"?>
+<file path=ppt/slides/slide6.xml><?xml version="1.0" encoding="utf-8"?>
 <p:sld xmlns:a="http://schemas.openxmlformats.org/drawingml/2006/main" xmlns:r="http://schemas.openxmlformats.org/officeDocument/2006/relationships" xmlns:p="http://schemas.openxmlformats.org/presentationml/2006/main">
   <p:cSld>
     <p:spTree>
@@ -5754,7 +8979,15 @@
             <a:pPr lvl="1"/>
             <a:r>
               <a:rPr lang="fr-CH" dirty="0" smtClean="0"/>
-              <a:t>La structure de la chaîne et la responsabilité donnée au membre de la chaîne peuvent être modifiés durant l’exécution.</a:t>
+              <a:t>La structure de la chaîne et la responsabilité donnée au membre de la chaîne peuvent être </a:t>
+            </a:r>
+            <a:r>
+              <a:rPr lang="fr-CH" dirty="0" smtClean="0"/>
+              <a:t>modifiées </a:t>
+            </a:r>
+            <a:r>
+              <a:rPr lang="fr-CH" dirty="0" smtClean="0"/>
+              <a:t>durant l’exécution.</a:t>
             </a:r>
           </a:p>
           <a:p>
@@ -5802,7 +9035,7 @@
 </p:sld>
 </file>
 
-<file path=ppt/slides/slide5.xml><?xml version="1.0" encoding="utf-8"?>
+<file path=ppt/slides/slide7.xml><?xml version="1.0" encoding="utf-8"?>
 <p:sld xmlns:a="http://schemas.openxmlformats.org/drawingml/2006/main" xmlns:r="http://schemas.openxmlformats.org/officeDocument/2006/relationships" xmlns:p="http://schemas.openxmlformats.org/presentationml/2006/main">
   <p:cSld>
     <p:spTree>
@@ -5871,7 +9104,21 @@
           <a:p>
             <a:r>
               <a:rPr lang="fr-CH" dirty="0" smtClean="0"/>
-              <a:t>Lorsque l’ensemble d’objets qui pourrait traiter la requête peut être spécifier dynamiquement.</a:t>
+              <a:t>Lorsque l’ensemble d’objets qui pourrait traiter la requête peut être spécifier dynamiquement</a:t>
+            </a:r>
+            <a:r>
+              <a:rPr lang="fr-CH" dirty="0" smtClean="0"/>
+              <a:t>.</a:t>
+            </a:r>
+          </a:p>
+          <a:p>
+            <a:r>
+              <a:rPr lang="fr-CH" dirty="0"/>
+              <a:t>Ne pas confondre délégation et chaine de </a:t>
+            </a:r>
+            <a:r>
+              <a:rPr lang="fr-CH" dirty="0" smtClean="0"/>
+              <a:t>responsabilité</a:t>
             </a:r>
             <a:endParaRPr lang="fr-CH" dirty="0"/>
           </a:p>
@@ -5881,6 +9128,2368 @@
     <p:extLst>
       <p:ext uri="{BB962C8B-B14F-4D97-AF65-F5344CB8AC3E}">
         <p14:creationId xmlns:p14="http://schemas.microsoft.com/office/powerpoint/2010/main" val="2252449702"/>
+      </p:ext>
+    </p:extLst>
+  </p:cSld>
+  <p:clrMapOvr>
+    <a:masterClrMapping/>
+  </p:clrMapOvr>
+</p:sld>
+</file>
+
+<file path=ppt/slides/slide8.xml><?xml version="1.0" encoding="utf-8"?>
+<p:sld xmlns:a="http://schemas.openxmlformats.org/drawingml/2006/main" xmlns:r="http://schemas.openxmlformats.org/officeDocument/2006/relationships" xmlns:p="http://schemas.openxmlformats.org/presentationml/2006/main">
+  <p:cSld>
+    <p:spTree>
+      <p:nvGrpSpPr>
+        <p:cNvPr id="1" name=""/>
+        <p:cNvGrpSpPr/>
+        <p:nvPr/>
+      </p:nvGrpSpPr>
+      <p:grpSpPr>
+        <a:xfrm>
+          <a:off x="0" y="0"/>
+          <a:ext cx="0" cy="0"/>
+          <a:chOff x="0" y="0"/>
+          <a:chExt cx="0" cy="0"/>
+        </a:xfrm>
+      </p:grpSpPr>
+      <p:sp>
+        <p:nvSpPr>
+          <p:cNvPr id="2" name="Titre 1"/>
+          <p:cNvSpPr>
+            <a:spLocks noGrp="1"/>
+          </p:cNvSpPr>
+          <p:nvPr>
+            <p:ph type="title"/>
+          </p:nvPr>
+        </p:nvSpPr>
+        <p:spPr/>
+        <p:txBody>
+          <a:bodyPr/>
+          <a:lstStyle/>
+          <a:p>
+            <a:r>
+              <a:rPr lang="fr-CH" dirty="0" smtClean="0"/>
+              <a:t>Exemple d’implémentation (0)</a:t>
+            </a:r>
+            <a:endParaRPr lang="fr-CH" dirty="0"/>
+          </a:p>
+        </p:txBody>
+      </p:sp>
+      <p:sp>
+        <p:nvSpPr>
+          <p:cNvPr id="5" name="Rectangle 2"/>
+          <p:cNvSpPr>
+            <a:spLocks noGrp="1" noChangeArrowheads="1"/>
+          </p:cNvSpPr>
+          <p:nvPr>
+            <p:ph idx="1"/>
+          </p:nvPr>
+        </p:nvSpPr>
+        <p:spPr bwMode="auto">
+          <a:xfrm>
+            <a:off x="838200" y="1739868"/>
+            <a:ext cx="10515600" cy="4185761"/>
+          </a:xfrm>
+          <a:prstGeom prst="rect">
+            <a:avLst/>
+          </a:prstGeom>
+          <a:ln w="19050"/>
+        </p:spPr>
+        <p:style>
+          <a:lnRef idx="2">
+            <a:schemeClr val="dk1"/>
+          </a:lnRef>
+          <a:fillRef idx="1">
+            <a:schemeClr val="lt1"/>
+          </a:fillRef>
+          <a:effectRef idx="0">
+            <a:schemeClr val="dk1"/>
+          </a:effectRef>
+          <a:fontRef idx="minor">
+            <a:schemeClr val="dk1"/>
+          </a:fontRef>
+        </p:style>
+        <p:txBody>
+          <a:bodyPr vert="horz" wrap="square" lIns="91440" tIns="45720" rIns="91440" bIns="45720" numCol="1" anchor="ctr" anchorCtr="0" compatLnSpc="1">
+            <a:prstTxWarp prst="textNoShape">
+              <a:avLst/>
+            </a:prstTxWarp>
+            <a:spAutoFit/>
+          </a:bodyPr>
+          <a:lstStyle/>
+          <a:p>
+            <a:pPr marL="0" lvl="0" indent="0" defTabSz="357188" eaLnBrk="0" fontAlgn="base" hangingPunct="0">
+              <a:lnSpc>
+                <a:spcPct val="100000"/>
+              </a:lnSpc>
+              <a:spcBef>
+                <a:spcPct val="0"/>
+              </a:spcBef>
+              <a:spcAft>
+                <a:spcPct val="0"/>
+              </a:spcAft>
+              <a:buNone/>
+            </a:pPr>
+            <a:r>
+              <a:rPr lang="en-US" altLang="fr-FR" sz="1400" dirty="0" smtClean="0">
+                <a:solidFill>
+                  <a:schemeClr val="accent1">
+                    <a:lumMod val="75000"/>
+                  </a:schemeClr>
+                </a:solidFill>
+                <a:latin typeface="Bookman Old Style" panose="02050604050505020204" pitchFamily="18" charset="0"/>
+              </a:rPr>
+              <a:t>public </a:t>
+            </a:r>
+            <a:r>
+              <a:rPr lang="en-US" altLang="fr-FR" sz="1400" dirty="0">
+                <a:solidFill>
+                  <a:schemeClr val="accent1">
+                    <a:lumMod val="75000"/>
+                  </a:schemeClr>
+                </a:solidFill>
+                <a:latin typeface="Bookman Old Style" panose="02050604050505020204" pitchFamily="18" charset="0"/>
+              </a:rPr>
+              <a:t>class Currency </a:t>
+            </a:r>
+            <a:r>
+              <a:rPr lang="en-US" altLang="fr-FR" sz="1400" dirty="0" smtClean="0">
+                <a:solidFill>
+                  <a:schemeClr val="accent1">
+                    <a:lumMod val="75000"/>
+                  </a:schemeClr>
+                </a:solidFill>
+                <a:latin typeface="Bookman Old Style" panose="02050604050505020204" pitchFamily="18" charset="0"/>
+              </a:rPr>
+              <a:t>{</a:t>
+            </a:r>
+            <a:endParaRPr lang="en-US" altLang="fr-FR" sz="1400" dirty="0">
+              <a:solidFill>
+                <a:schemeClr val="accent1">
+                  <a:lumMod val="75000"/>
+                </a:schemeClr>
+              </a:solidFill>
+              <a:latin typeface="Bookman Old Style" panose="02050604050505020204" pitchFamily="18" charset="0"/>
+            </a:endParaRPr>
+          </a:p>
+          <a:p>
+            <a:pPr marL="0" lvl="0" indent="0" defTabSz="357188" eaLnBrk="0" fontAlgn="base" hangingPunct="0">
+              <a:lnSpc>
+                <a:spcPct val="100000"/>
+              </a:lnSpc>
+              <a:spcBef>
+                <a:spcPct val="0"/>
+              </a:spcBef>
+              <a:spcAft>
+                <a:spcPct val="0"/>
+              </a:spcAft>
+              <a:buNone/>
+            </a:pPr>
+            <a:r>
+              <a:rPr lang="en-US" altLang="fr-FR" sz="1400" dirty="0">
+                <a:solidFill>
+                  <a:schemeClr val="accent1">
+                    <a:lumMod val="75000"/>
+                  </a:schemeClr>
+                </a:solidFill>
+                <a:latin typeface="Bookman Old Style" panose="02050604050505020204" pitchFamily="18" charset="0"/>
+              </a:rPr>
+              <a:t>	private </a:t>
+            </a:r>
+            <a:r>
+              <a:rPr lang="en-US" altLang="fr-FR" sz="1400" dirty="0" err="1">
+                <a:solidFill>
+                  <a:schemeClr val="accent1">
+                    <a:lumMod val="75000"/>
+                  </a:schemeClr>
+                </a:solidFill>
+                <a:latin typeface="Bookman Old Style" panose="02050604050505020204" pitchFamily="18" charset="0"/>
+              </a:rPr>
+              <a:t>int</a:t>
+            </a:r>
+            <a:r>
+              <a:rPr lang="en-US" altLang="fr-FR" sz="1400" dirty="0">
+                <a:solidFill>
+                  <a:schemeClr val="accent1">
+                    <a:lumMod val="75000"/>
+                  </a:schemeClr>
+                </a:solidFill>
+                <a:latin typeface="Bookman Old Style" panose="02050604050505020204" pitchFamily="18" charset="0"/>
+              </a:rPr>
+              <a:t> amount</a:t>
+            </a:r>
+            <a:r>
+              <a:rPr lang="en-US" altLang="fr-FR" sz="1400" dirty="0" smtClean="0">
+                <a:solidFill>
+                  <a:schemeClr val="accent1">
+                    <a:lumMod val="75000"/>
+                  </a:schemeClr>
+                </a:solidFill>
+                <a:latin typeface="Bookman Old Style" panose="02050604050505020204" pitchFamily="18" charset="0"/>
+              </a:rPr>
+              <a:t>;</a:t>
+            </a:r>
+            <a:endParaRPr lang="en-US" altLang="fr-FR" sz="1400" dirty="0">
+              <a:solidFill>
+                <a:schemeClr val="accent1">
+                  <a:lumMod val="75000"/>
+                </a:schemeClr>
+              </a:solidFill>
+              <a:latin typeface="Bookman Old Style" panose="02050604050505020204" pitchFamily="18" charset="0"/>
+            </a:endParaRPr>
+          </a:p>
+          <a:p>
+            <a:pPr marL="0" lvl="0" indent="0" defTabSz="357188" eaLnBrk="0" fontAlgn="base" hangingPunct="0">
+              <a:lnSpc>
+                <a:spcPct val="100000"/>
+              </a:lnSpc>
+              <a:spcBef>
+                <a:spcPct val="0"/>
+              </a:spcBef>
+              <a:spcAft>
+                <a:spcPct val="0"/>
+              </a:spcAft>
+              <a:buNone/>
+            </a:pPr>
+            <a:r>
+              <a:rPr lang="en-US" altLang="fr-FR" sz="1400" dirty="0">
+                <a:solidFill>
+                  <a:schemeClr val="accent1">
+                    <a:lumMod val="75000"/>
+                  </a:schemeClr>
+                </a:solidFill>
+                <a:latin typeface="Bookman Old Style" panose="02050604050505020204" pitchFamily="18" charset="0"/>
+              </a:rPr>
+              <a:t>	public Currency(</a:t>
+            </a:r>
+            <a:r>
+              <a:rPr lang="en-US" altLang="fr-FR" sz="1400" dirty="0" err="1">
+                <a:solidFill>
+                  <a:schemeClr val="accent1">
+                    <a:lumMod val="75000"/>
+                  </a:schemeClr>
+                </a:solidFill>
+                <a:latin typeface="Bookman Old Style" panose="02050604050505020204" pitchFamily="18" charset="0"/>
+              </a:rPr>
+              <a:t>int</a:t>
+            </a:r>
+            <a:r>
+              <a:rPr lang="en-US" altLang="fr-FR" sz="1400" dirty="0">
+                <a:solidFill>
+                  <a:schemeClr val="accent1">
+                    <a:lumMod val="75000"/>
+                  </a:schemeClr>
+                </a:solidFill>
+                <a:latin typeface="Bookman Old Style" panose="02050604050505020204" pitchFamily="18" charset="0"/>
+              </a:rPr>
+              <a:t> </a:t>
+            </a:r>
+            <a:r>
+              <a:rPr lang="en-US" altLang="fr-FR" sz="1400" dirty="0" err="1">
+                <a:solidFill>
+                  <a:schemeClr val="accent1">
+                    <a:lumMod val="75000"/>
+                  </a:schemeClr>
+                </a:solidFill>
+                <a:latin typeface="Bookman Old Style" panose="02050604050505020204" pitchFamily="18" charset="0"/>
+              </a:rPr>
+              <a:t>amt</a:t>
+            </a:r>
+            <a:r>
+              <a:rPr lang="en-US" altLang="fr-FR" sz="1400" dirty="0">
+                <a:solidFill>
+                  <a:schemeClr val="accent1">
+                    <a:lumMod val="75000"/>
+                  </a:schemeClr>
+                </a:solidFill>
+                <a:latin typeface="Bookman Old Style" panose="02050604050505020204" pitchFamily="18" charset="0"/>
+              </a:rPr>
+              <a:t>){</a:t>
+            </a:r>
+          </a:p>
+          <a:p>
+            <a:pPr marL="0" lvl="0" indent="0" defTabSz="357188" eaLnBrk="0" fontAlgn="base" hangingPunct="0">
+              <a:lnSpc>
+                <a:spcPct val="100000"/>
+              </a:lnSpc>
+              <a:spcBef>
+                <a:spcPct val="0"/>
+              </a:spcBef>
+              <a:spcAft>
+                <a:spcPct val="0"/>
+              </a:spcAft>
+              <a:buNone/>
+            </a:pPr>
+            <a:r>
+              <a:rPr lang="en-US" altLang="fr-FR" sz="1400" dirty="0">
+                <a:solidFill>
+                  <a:schemeClr val="accent1">
+                    <a:lumMod val="75000"/>
+                  </a:schemeClr>
+                </a:solidFill>
+                <a:latin typeface="Bookman Old Style" panose="02050604050505020204" pitchFamily="18" charset="0"/>
+              </a:rPr>
+              <a:t>		</a:t>
+            </a:r>
+            <a:r>
+              <a:rPr lang="en-US" altLang="fr-FR" sz="1400" dirty="0" err="1">
+                <a:solidFill>
+                  <a:schemeClr val="accent1">
+                    <a:lumMod val="75000"/>
+                  </a:schemeClr>
+                </a:solidFill>
+                <a:latin typeface="Bookman Old Style" panose="02050604050505020204" pitchFamily="18" charset="0"/>
+              </a:rPr>
+              <a:t>this.amount</a:t>
+            </a:r>
+            <a:r>
+              <a:rPr lang="en-US" altLang="fr-FR" sz="1400" dirty="0">
+                <a:solidFill>
+                  <a:schemeClr val="accent1">
+                    <a:lumMod val="75000"/>
+                  </a:schemeClr>
+                </a:solidFill>
+                <a:latin typeface="Bookman Old Style" panose="02050604050505020204" pitchFamily="18" charset="0"/>
+              </a:rPr>
+              <a:t>=</a:t>
+            </a:r>
+            <a:r>
+              <a:rPr lang="en-US" altLang="fr-FR" sz="1400" dirty="0" err="1">
+                <a:solidFill>
+                  <a:schemeClr val="accent1">
+                    <a:lumMod val="75000"/>
+                  </a:schemeClr>
+                </a:solidFill>
+                <a:latin typeface="Bookman Old Style" panose="02050604050505020204" pitchFamily="18" charset="0"/>
+              </a:rPr>
+              <a:t>amt</a:t>
+            </a:r>
+            <a:r>
+              <a:rPr lang="en-US" altLang="fr-FR" sz="1400" dirty="0">
+                <a:solidFill>
+                  <a:schemeClr val="accent1">
+                    <a:lumMod val="75000"/>
+                  </a:schemeClr>
+                </a:solidFill>
+                <a:latin typeface="Bookman Old Style" panose="02050604050505020204" pitchFamily="18" charset="0"/>
+              </a:rPr>
+              <a:t>;</a:t>
+            </a:r>
+          </a:p>
+          <a:p>
+            <a:pPr marL="0" lvl="0" indent="0" defTabSz="357188" eaLnBrk="0" fontAlgn="base" hangingPunct="0">
+              <a:lnSpc>
+                <a:spcPct val="100000"/>
+              </a:lnSpc>
+              <a:spcBef>
+                <a:spcPct val="0"/>
+              </a:spcBef>
+              <a:spcAft>
+                <a:spcPct val="0"/>
+              </a:spcAft>
+              <a:buNone/>
+            </a:pPr>
+            <a:r>
+              <a:rPr lang="en-US" altLang="fr-FR" sz="1400" dirty="0">
+                <a:solidFill>
+                  <a:schemeClr val="accent1">
+                    <a:lumMod val="75000"/>
+                  </a:schemeClr>
+                </a:solidFill>
+                <a:latin typeface="Bookman Old Style" panose="02050604050505020204" pitchFamily="18" charset="0"/>
+              </a:rPr>
+              <a:t>	</a:t>
+            </a:r>
+            <a:r>
+              <a:rPr lang="en-US" altLang="fr-FR" sz="1400" dirty="0" smtClean="0">
+                <a:solidFill>
+                  <a:schemeClr val="accent1">
+                    <a:lumMod val="75000"/>
+                  </a:schemeClr>
+                </a:solidFill>
+                <a:latin typeface="Bookman Old Style" panose="02050604050505020204" pitchFamily="18" charset="0"/>
+              </a:rPr>
+              <a:t>}</a:t>
+            </a:r>
+            <a:endParaRPr lang="en-US" altLang="fr-FR" sz="1400" dirty="0">
+              <a:solidFill>
+                <a:schemeClr val="accent1">
+                  <a:lumMod val="75000"/>
+                </a:schemeClr>
+              </a:solidFill>
+              <a:latin typeface="Bookman Old Style" panose="02050604050505020204" pitchFamily="18" charset="0"/>
+            </a:endParaRPr>
+          </a:p>
+          <a:p>
+            <a:pPr marL="0" lvl="0" indent="0" defTabSz="357188" eaLnBrk="0" fontAlgn="base" hangingPunct="0">
+              <a:lnSpc>
+                <a:spcPct val="100000"/>
+              </a:lnSpc>
+              <a:spcBef>
+                <a:spcPct val="0"/>
+              </a:spcBef>
+              <a:spcAft>
+                <a:spcPct val="0"/>
+              </a:spcAft>
+              <a:buNone/>
+            </a:pPr>
+            <a:r>
+              <a:rPr lang="en-US" altLang="fr-FR" sz="1400" dirty="0">
+                <a:solidFill>
+                  <a:schemeClr val="accent1">
+                    <a:lumMod val="75000"/>
+                  </a:schemeClr>
+                </a:solidFill>
+                <a:latin typeface="Bookman Old Style" panose="02050604050505020204" pitchFamily="18" charset="0"/>
+              </a:rPr>
+              <a:t>	public </a:t>
+            </a:r>
+            <a:r>
+              <a:rPr lang="en-US" altLang="fr-FR" sz="1400" dirty="0" err="1">
+                <a:solidFill>
+                  <a:schemeClr val="accent1">
+                    <a:lumMod val="75000"/>
+                  </a:schemeClr>
+                </a:solidFill>
+                <a:latin typeface="Bookman Old Style" panose="02050604050505020204" pitchFamily="18" charset="0"/>
+              </a:rPr>
+              <a:t>int</a:t>
+            </a:r>
+            <a:r>
+              <a:rPr lang="en-US" altLang="fr-FR" sz="1400" dirty="0">
+                <a:solidFill>
+                  <a:schemeClr val="accent1">
+                    <a:lumMod val="75000"/>
+                  </a:schemeClr>
+                </a:solidFill>
+                <a:latin typeface="Bookman Old Style" panose="02050604050505020204" pitchFamily="18" charset="0"/>
+              </a:rPr>
+              <a:t> </a:t>
+            </a:r>
+            <a:r>
+              <a:rPr lang="en-US" altLang="fr-FR" sz="1400" dirty="0" err="1">
+                <a:solidFill>
+                  <a:schemeClr val="accent1">
+                    <a:lumMod val="75000"/>
+                  </a:schemeClr>
+                </a:solidFill>
+                <a:latin typeface="Bookman Old Style" panose="02050604050505020204" pitchFamily="18" charset="0"/>
+              </a:rPr>
+              <a:t>getAmount</a:t>
+            </a:r>
+            <a:r>
+              <a:rPr lang="en-US" altLang="fr-FR" sz="1400" dirty="0">
+                <a:solidFill>
+                  <a:schemeClr val="accent1">
+                    <a:lumMod val="75000"/>
+                  </a:schemeClr>
+                </a:solidFill>
+                <a:latin typeface="Bookman Old Style" panose="02050604050505020204" pitchFamily="18" charset="0"/>
+              </a:rPr>
+              <a:t>(){</a:t>
+            </a:r>
+          </a:p>
+          <a:p>
+            <a:pPr marL="0" lvl="0" indent="0" defTabSz="357188" eaLnBrk="0" fontAlgn="base" hangingPunct="0">
+              <a:lnSpc>
+                <a:spcPct val="100000"/>
+              </a:lnSpc>
+              <a:spcBef>
+                <a:spcPct val="0"/>
+              </a:spcBef>
+              <a:spcAft>
+                <a:spcPct val="0"/>
+              </a:spcAft>
+              <a:buNone/>
+            </a:pPr>
+            <a:r>
+              <a:rPr lang="en-US" altLang="fr-FR" sz="1400" dirty="0">
+                <a:solidFill>
+                  <a:schemeClr val="accent1">
+                    <a:lumMod val="75000"/>
+                  </a:schemeClr>
+                </a:solidFill>
+                <a:latin typeface="Bookman Old Style" panose="02050604050505020204" pitchFamily="18" charset="0"/>
+              </a:rPr>
+              <a:t>		return </a:t>
+            </a:r>
+            <a:r>
+              <a:rPr lang="en-US" altLang="fr-FR" sz="1400" dirty="0" err="1">
+                <a:solidFill>
+                  <a:schemeClr val="accent1">
+                    <a:lumMod val="75000"/>
+                  </a:schemeClr>
+                </a:solidFill>
+                <a:latin typeface="Bookman Old Style" panose="02050604050505020204" pitchFamily="18" charset="0"/>
+              </a:rPr>
+              <a:t>this.amount</a:t>
+            </a:r>
+            <a:r>
+              <a:rPr lang="en-US" altLang="fr-FR" sz="1400" dirty="0">
+                <a:solidFill>
+                  <a:schemeClr val="accent1">
+                    <a:lumMod val="75000"/>
+                  </a:schemeClr>
+                </a:solidFill>
+                <a:latin typeface="Bookman Old Style" panose="02050604050505020204" pitchFamily="18" charset="0"/>
+              </a:rPr>
+              <a:t>;</a:t>
+            </a:r>
+          </a:p>
+          <a:p>
+            <a:pPr marL="0" lvl="0" indent="0" defTabSz="357188" eaLnBrk="0" fontAlgn="base" hangingPunct="0">
+              <a:lnSpc>
+                <a:spcPct val="100000"/>
+              </a:lnSpc>
+              <a:spcBef>
+                <a:spcPct val="0"/>
+              </a:spcBef>
+              <a:spcAft>
+                <a:spcPct val="0"/>
+              </a:spcAft>
+              <a:buNone/>
+            </a:pPr>
+            <a:r>
+              <a:rPr lang="en-US" altLang="fr-FR" sz="1400" dirty="0">
+                <a:solidFill>
+                  <a:schemeClr val="accent1">
+                    <a:lumMod val="75000"/>
+                  </a:schemeClr>
+                </a:solidFill>
+                <a:latin typeface="Bookman Old Style" panose="02050604050505020204" pitchFamily="18" charset="0"/>
+              </a:rPr>
+              <a:t>	}</a:t>
+            </a:r>
+          </a:p>
+          <a:p>
+            <a:pPr marL="0" lvl="0" indent="0" defTabSz="357188" eaLnBrk="0" fontAlgn="base" hangingPunct="0">
+              <a:lnSpc>
+                <a:spcPct val="100000"/>
+              </a:lnSpc>
+              <a:spcBef>
+                <a:spcPct val="0"/>
+              </a:spcBef>
+              <a:spcAft>
+                <a:spcPct val="0"/>
+              </a:spcAft>
+              <a:buNone/>
+            </a:pPr>
+            <a:r>
+              <a:rPr lang="en-US" altLang="fr-FR" sz="1400" dirty="0" smtClean="0">
+                <a:solidFill>
+                  <a:schemeClr val="accent1">
+                    <a:lumMod val="75000"/>
+                  </a:schemeClr>
+                </a:solidFill>
+                <a:latin typeface="Bookman Old Style" panose="02050604050505020204" pitchFamily="18" charset="0"/>
+              </a:rPr>
+              <a:t>}</a:t>
+            </a:r>
+          </a:p>
+          <a:p>
+            <a:pPr marL="0" lvl="0" indent="0" defTabSz="357188" eaLnBrk="0" fontAlgn="base" hangingPunct="0">
+              <a:lnSpc>
+                <a:spcPct val="100000"/>
+              </a:lnSpc>
+              <a:spcBef>
+                <a:spcPct val="0"/>
+              </a:spcBef>
+              <a:spcAft>
+                <a:spcPct val="0"/>
+              </a:spcAft>
+              <a:buNone/>
+            </a:pPr>
+            <a:endParaRPr lang="fr-FR" altLang="fr-FR" sz="1400" dirty="0" smtClean="0">
+              <a:solidFill>
+                <a:schemeClr val="accent1">
+                  <a:lumMod val="75000"/>
+                </a:schemeClr>
+              </a:solidFill>
+              <a:latin typeface="Bookman Old Style" panose="02050604050505020204" pitchFamily="18" charset="0"/>
+            </a:endParaRPr>
+          </a:p>
+          <a:p>
+            <a:pPr marL="0" lvl="0" indent="0" defTabSz="357188" eaLnBrk="0" fontAlgn="base" hangingPunct="0">
+              <a:lnSpc>
+                <a:spcPct val="100000"/>
+              </a:lnSpc>
+              <a:spcBef>
+                <a:spcPct val="0"/>
+              </a:spcBef>
+              <a:spcAft>
+                <a:spcPct val="0"/>
+              </a:spcAft>
+              <a:buNone/>
+            </a:pPr>
+            <a:r>
+              <a:rPr lang="fr-FR" altLang="fr-FR" sz="1400" dirty="0">
+                <a:solidFill>
+                  <a:schemeClr val="accent1">
+                    <a:lumMod val="75000"/>
+                  </a:schemeClr>
+                </a:solidFill>
+                <a:latin typeface="Bookman Old Style" panose="02050604050505020204" pitchFamily="18" charset="0"/>
+              </a:rPr>
+              <a:t>public interface </a:t>
+            </a:r>
+            <a:r>
+              <a:rPr lang="fr-FR" altLang="fr-FR" sz="1400" dirty="0" err="1">
+                <a:solidFill>
+                  <a:schemeClr val="accent1">
+                    <a:lumMod val="75000"/>
+                  </a:schemeClr>
+                </a:solidFill>
+                <a:latin typeface="Bookman Old Style" panose="02050604050505020204" pitchFamily="18" charset="0"/>
+              </a:rPr>
+              <a:t>DispenseChain</a:t>
+            </a:r>
+            <a:r>
+              <a:rPr lang="fr-FR" altLang="fr-FR" sz="1400" dirty="0">
+                <a:solidFill>
+                  <a:schemeClr val="accent1">
+                    <a:lumMod val="75000"/>
+                  </a:schemeClr>
+                </a:solidFill>
+                <a:latin typeface="Bookman Old Style" panose="02050604050505020204" pitchFamily="18" charset="0"/>
+              </a:rPr>
+              <a:t> </a:t>
+            </a:r>
+            <a:r>
+              <a:rPr lang="fr-FR" altLang="fr-FR" sz="1400" dirty="0" smtClean="0">
+                <a:solidFill>
+                  <a:schemeClr val="accent1">
+                    <a:lumMod val="75000"/>
+                  </a:schemeClr>
+                </a:solidFill>
+                <a:latin typeface="Bookman Old Style" panose="02050604050505020204" pitchFamily="18" charset="0"/>
+              </a:rPr>
+              <a:t>{</a:t>
+            </a:r>
+          </a:p>
+          <a:p>
+            <a:pPr marL="0" lvl="0" indent="0" defTabSz="357188" eaLnBrk="0" fontAlgn="base" hangingPunct="0">
+              <a:lnSpc>
+                <a:spcPct val="100000"/>
+              </a:lnSpc>
+              <a:spcBef>
+                <a:spcPct val="0"/>
+              </a:spcBef>
+              <a:spcAft>
+                <a:spcPct val="0"/>
+              </a:spcAft>
+              <a:buNone/>
+            </a:pPr>
+            <a:r>
+              <a:rPr lang="fr-FR" altLang="fr-FR" sz="1400" dirty="0">
+                <a:solidFill>
+                  <a:schemeClr val="accent1">
+                    <a:lumMod val="75000"/>
+                  </a:schemeClr>
+                </a:solidFill>
+                <a:latin typeface="Bookman Old Style" panose="02050604050505020204" pitchFamily="18" charset="0"/>
+              </a:rPr>
+              <a:t>	</a:t>
+            </a:r>
+            <a:r>
+              <a:rPr lang="fr-FR" altLang="fr-FR" sz="1400" dirty="0" err="1">
+                <a:solidFill>
+                  <a:schemeClr val="accent1">
+                    <a:lumMod val="75000"/>
+                  </a:schemeClr>
+                </a:solidFill>
+                <a:latin typeface="Bookman Old Style" panose="02050604050505020204" pitchFamily="18" charset="0"/>
+              </a:rPr>
+              <a:t>void</a:t>
+            </a:r>
+            <a:r>
+              <a:rPr lang="fr-FR" altLang="fr-FR" sz="1400" dirty="0">
+                <a:solidFill>
+                  <a:schemeClr val="accent1">
+                    <a:lumMod val="75000"/>
+                  </a:schemeClr>
+                </a:solidFill>
+                <a:latin typeface="Bookman Old Style" panose="02050604050505020204" pitchFamily="18" charset="0"/>
+              </a:rPr>
+              <a:t> </a:t>
+            </a:r>
+            <a:r>
+              <a:rPr lang="fr-FR" altLang="fr-FR" sz="1400" dirty="0" err="1">
+                <a:solidFill>
+                  <a:schemeClr val="accent1">
+                    <a:lumMod val="75000"/>
+                  </a:schemeClr>
+                </a:solidFill>
+                <a:latin typeface="Bookman Old Style" panose="02050604050505020204" pitchFamily="18" charset="0"/>
+              </a:rPr>
+              <a:t>setNextChain</a:t>
+            </a:r>
+            <a:r>
+              <a:rPr lang="fr-FR" altLang="fr-FR" sz="1400" dirty="0">
+                <a:solidFill>
+                  <a:schemeClr val="accent1">
+                    <a:lumMod val="75000"/>
+                  </a:schemeClr>
+                </a:solidFill>
+                <a:latin typeface="Bookman Old Style" panose="02050604050505020204" pitchFamily="18" charset="0"/>
+              </a:rPr>
+              <a:t>(</a:t>
+            </a:r>
+            <a:r>
+              <a:rPr lang="fr-FR" altLang="fr-FR" sz="1400" dirty="0" err="1">
+                <a:solidFill>
+                  <a:schemeClr val="accent1">
+                    <a:lumMod val="75000"/>
+                  </a:schemeClr>
+                </a:solidFill>
+                <a:latin typeface="Bookman Old Style" panose="02050604050505020204" pitchFamily="18" charset="0"/>
+              </a:rPr>
+              <a:t>DispenseChain</a:t>
+            </a:r>
+            <a:r>
+              <a:rPr lang="fr-FR" altLang="fr-FR" sz="1400" dirty="0">
+                <a:solidFill>
+                  <a:schemeClr val="accent1">
+                    <a:lumMod val="75000"/>
+                  </a:schemeClr>
+                </a:solidFill>
+                <a:latin typeface="Bookman Old Style" panose="02050604050505020204" pitchFamily="18" charset="0"/>
+              </a:rPr>
+              <a:t> </a:t>
+            </a:r>
+            <a:r>
+              <a:rPr lang="fr-FR" altLang="fr-FR" sz="1400" dirty="0" err="1">
+                <a:solidFill>
+                  <a:schemeClr val="accent1">
+                    <a:lumMod val="75000"/>
+                  </a:schemeClr>
+                </a:solidFill>
+                <a:latin typeface="Bookman Old Style" panose="02050604050505020204" pitchFamily="18" charset="0"/>
+              </a:rPr>
+              <a:t>nextChain</a:t>
+            </a:r>
+            <a:r>
+              <a:rPr lang="fr-FR" altLang="fr-FR" sz="1400" dirty="0" smtClean="0">
+                <a:solidFill>
+                  <a:schemeClr val="accent1">
+                    <a:lumMod val="75000"/>
+                  </a:schemeClr>
+                </a:solidFill>
+                <a:latin typeface="Bookman Old Style" panose="02050604050505020204" pitchFamily="18" charset="0"/>
+              </a:rPr>
+              <a:t>);</a:t>
+            </a:r>
+            <a:endParaRPr lang="fr-FR" altLang="fr-FR" sz="1400" dirty="0">
+              <a:solidFill>
+                <a:schemeClr val="accent1">
+                  <a:lumMod val="75000"/>
+                </a:schemeClr>
+              </a:solidFill>
+              <a:latin typeface="Bookman Old Style" panose="02050604050505020204" pitchFamily="18" charset="0"/>
+            </a:endParaRPr>
+          </a:p>
+          <a:p>
+            <a:pPr marL="0" lvl="0" indent="0" defTabSz="357188" eaLnBrk="0" fontAlgn="base" hangingPunct="0">
+              <a:lnSpc>
+                <a:spcPct val="100000"/>
+              </a:lnSpc>
+              <a:spcBef>
+                <a:spcPct val="0"/>
+              </a:spcBef>
+              <a:spcAft>
+                <a:spcPct val="0"/>
+              </a:spcAft>
+              <a:buNone/>
+            </a:pPr>
+            <a:r>
+              <a:rPr lang="fr-FR" altLang="fr-FR" sz="1400" dirty="0">
+                <a:solidFill>
+                  <a:schemeClr val="accent1">
+                    <a:lumMod val="75000"/>
+                  </a:schemeClr>
+                </a:solidFill>
+                <a:latin typeface="Bookman Old Style" panose="02050604050505020204" pitchFamily="18" charset="0"/>
+              </a:rPr>
+              <a:t>	</a:t>
+            </a:r>
+            <a:r>
+              <a:rPr lang="fr-FR" altLang="fr-FR" sz="1400" dirty="0" err="1">
+                <a:solidFill>
+                  <a:schemeClr val="accent1">
+                    <a:lumMod val="75000"/>
+                  </a:schemeClr>
+                </a:solidFill>
+                <a:latin typeface="Bookman Old Style" panose="02050604050505020204" pitchFamily="18" charset="0"/>
+              </a:rPr>
+              <a:t>void</a:t>
+            </a:r>
+            <a:r>
+              <a:rPr lang="fr-FR" altLang="fr-FR" sz="1400" dirty="0">
+                <a:solidFill>
+                  <a:schemeClr val="accent1">
+                    <a:lumMod val="75000"/>
+                  </a:schemeClr>
+                </a:solidFill>
+                <a:latin typeface="Bookman Old Style" panose="02050604050505020204" pitchFamily="18" charset="0"/>
+              </a:rPr>
+              <a:t> dispense(</a:t>
+            </a:r>
+            <a:r>
+              <a:rPr lang="fr-FR" altLang="fr-FR" sz="1400" dirty="0" err="1">
+                <a:solidFill>
+                  <a:schemeClr val="accent1">
+                    <a:lumMod val="75000"/>
+                  </a:schemeClr>
+                </a:solidFill>
+                <a:latin typeface="Bookman Old Style" panose="02050604050505020204" pitchFamily="18" charset="0"/>
+              </a:rPr>
+              <a:t>Currency</a:t>
+            </a:r>
+            <a:r>
+              <a:rPr lang="fr-FR" altLang="fr-FR" sz="1400" dirty="0">
+                <a:solidFill>
+                  <a:schemeClr val="accent1">
+                    <a:lumMod val="75000"/>
+                  </a:schemeClr>
+                </a:solidFill>
+                <a:latin typeface="Bookman Old Style" panose="02050604050505020204" pitchFamily="18" charset="0"/>
+              </a:rPr>
+              <a:t> </a:t>
+            </a:r>
+            <a:r>
+              <a:rPr lang="fr-FR" altLang="fr-FR" sz="1400" dirty="0" err="1">
+                <a:solidFill>
+                  <a:schemeClr val="accent1">
+                    <a:lumMod val="75000"/>
+                  </a:schemeClr>
+                </a:solidFill>
+                <a:latin typeface="Bookman Old Style" panose="02050604050505020204" pitchFamily="18" charset="0"/>
+              </a:rPr>
+              <a:t>cur</a:t>
+            </a:r>
+            <a:r>
+              <a:rPr lang="fr-FR" altLang="fr-FR" sz="1400" dirty="0">
+                <a:solidFill>
+                  <a:schemeClr val="accent1">
+                    <a:lumMod val="75000"/>
+                  </a:schemeClr>
+                </a:solidFill>
+                <a:latin typeface="Bookman Old Style" panose="02050604050505020204" pitchFamily="18" charset="0"/>
+              </a:rPr>
+              <a:t>);</a:t>
+            </a:r>
+          </a:p>
+          <a:p>
+            <a:pPr marL="0" lvl="0" indent="0" defTabSz="357188" eaLnBrk="0" fontAlgn="base" hangingPunct="0">
+              <a:lnSpc>
+                <a:spcPct val="100000"/>
+              </a:lnSpc>
+              <a:spcBef>
+                <a:spcPct val="0"/>
+              </a:spcBef>
+              <a:spcAft>
+                <a:spcPct val="0"/>
+              </a:spcAft>
+              <a:buNone/>
+            </a:pPr>
+            <a:r>
+              <a:rPr lang="fr-FR" altLang="fr-FR" sz="1400" dirty="0">
+                <a:solidFill>
+                  <a:schemeClr val="accent1">
+                    <a:lumMod val="75000"/>
+                  </a:schemeClr>
+                </a:solidFill>
+                <a:latin typeface="Bookman Old Style" panose="02050604050505020204" pitchFamily="18" charset="0"/>
+              </a:rPr>
+              <a:t>}</a:t>
+            </a:r>
+          </a:p>
+          <a:p>
+            <a:pPr marL="0" lvl="0" indent="0" defTabSz="273050" eaLnBrk="0" fontAlgn="base" hangingPunct="0">
+              <a:lnSpc>
+                <a:spcPct val="100000"/>
+              </a:lnSpc>
+              <a:spcBef>
+                <a:spcPct val="0"/>
+              </a:spcBef>
+              <a:spcAft>
+                <a:spcPct val="0"/>
+              </a:spcAft>
+              <a:buNone/>
+            </a:pPr>
+            <a:endParaRPr lang="fr-FR" altLang="fr-FR" sz="1400" dirty="0" smtClean="0">
+              <a:solidFill>
+                <a:schemeClr val="accent1">
+                  <a:lumMod val="75000"/>
+                </a:schemeClr>
+              </a:solidFill>
+              <a:latin typeface="Bookman Old Style" panose="02050604050505020204" pitchFamily="18" charset="0"/>
+            </a:endParaRPr>
+          </a:p>
+          <a:p>
+            <a:pPr marL="0" lvl="0" indent="0" defTabSz="273050" eaLnBrk="0" fontAlgn="base" hangingPunct="0">
+              <a:lnSpc>
+                <a:spcPct val="100000"/>
+              </a:lnSpc>
+              <a:spcBef>
+                <a:spcPct val="0"/>
+              </a:spcBef>
+              <a:spcAft>
+                <a:spcPct val="0"/>
+              </a:spcAft>
+              <a:buNone/>
+            </a:pPr>
+            <a:endParaRPr lang="fr-FR" altLang="fr-FR" sz="1400" dirty="0" smtClean="0">
+              <a:solidFill>
+                <a:schemeClr val="accent1">
+                  <a:lumMod val="75000"/>
+                </a:schemeClr>
+              </a:solidFill>
+              <a:latin typeface="Bookman Old Style" panose="02050604050505020204" pitchFamily="18" charset="0"/>
+            </a:endParaRPr>
+          </a:p>
+          <a:p>
+            <a:pPr marL="0" lvl="0" indent="0" defTabSz="273050" eaLnBrk="0" fontAlgn="base" hangingPunct="0">
+              <a:lnSpc>
+                <a:spcPct val="100000"/>
+              </a:lnSpc>
+              <a:spcBef>
+                <a:spcPct val="0"/>
+              </a:spcBef>
+              <a:spcAft>
+                <a:spcPct val="0"/>
+              </a:spcAft>
+              <a:buNone/>
+            </a:pPr>
+            <a:endParaRPr lang="fr-FR" altLang="fr-FR" sz="1400" dirty="0" smtClean="0">
+              <a:solidFill>
+                <a:schemeClr val="accent1">
+                  <a:lumMod val="75000"/>
+                </a:schemeClr>
+              </a:solidFill>
+              <a:latin typeface="Bookman Old Style" panose="02050604050505020204" pitchFamily="18" charset="0"/>
+            </a:endParaRPr>
+          </a:p>
+          <a:p>
+            <a:pPr marL="0" lvl="0" indent="0" defTabSz="273050" eaLnBrk="0" fontAlgn="base" hangingPunct="0">
+              <a:lnSpc>
+                <a:spcPct val="100000"/>
+              </a:lnSpc>
+              <a:spcBef>
+                <a:spcPct val="0"/>
+              </a:spcBef>
+              <a:spcAft>
+                <a:spcPct val="0"/>
+              </a:spcAft>
+              <a:buNone/>
+            </a:pPr>
+            <a:endParaRPr lang="fr-FR" altLang="fr-FR" sz="1400" dirty="0" smtClean="0">
+              <a:solidFill>
+                <a:schemeClr val="accent1">
+                  <a:lumMod val="75000"/>
+                </a:schemeClr>
+              </a:solidFill>
+              <a:latin typeface="Bookman Old Style" panose="02050604050505020204" pitchFamily="18" charset="0"/>
+            </a:endParaRPr>
+          </a:p>
+          <a:p>
+            <a:pPr marL="0" lvl="0" indent="0" defTabSz="273050" eaLnBrk="0" fontAlgn="base" hangingPunct="0">
+              <a:lnSpc>
+                <a:spcPct val="100000"/>
+              </a:lnSpc>
+              <a:spcBef>
+                <a:spcPct val="0"/>
+              </a:spcBef>
+              <a:spcAft>
+                <a:spcPct val="0"/>
+              </a:spcAft>
+              <a:buNone/>
+            </a:pPr>
+            <a:endParaRPr lang="fr-FR" altLang="fr-FR" sz="1400" dirty="0">
+              <a:solidFill>
+                <a:schemeClr val="accent1">
+                  <a:lumMod val="75000"/>
+                </a:schemeClr>
+              </a:solidFill>
+              <a:latin typeface="Bookman Old Style" panose="02050604050505020204" pitchFamily="18" charset="0"/>
+            </a:endParaRPr>
+          </a:p>
+        </p:txBody>
+      </p:sp>
+    </p:spTree>
+    <p:extLst>
+      <p:ext uri="{BB962C8B-B14F-4D97-AF65-F5344CB8AC3E}">
+        <p14:creationId xmlns:p14="http://schemas.microsoft.com/office/powerpoint/2010/main" val="2560503678"/>
+      </p:ext>
+    </p:extLst>
+  </p:cSld>
+  <p:clrMapOvr>
+    <a:masterClrMapping/>
+  </p:clrMapOvr>
+</p:sld>
+</file>
+
+<file path=ppt/slides/slide9.xml><?xml version="1.0" encoding="utf-8"?>
+<p:sld xmlns:a="http://schemas.openxmlformats.org/drawingml/2006/main" xmlns:r="http://schemas.openxmlformats.org/officeDocument/2006/relationships" xmlns:p="http://schemas.openxmlformats.org/presentationml/2006/main">
+  <p:cSld>
+    <p:spTree>
+      <p:nvGrpSpPr>
+        <p:cNvPr id="1" name=""/>
+        <p:cNvGrpSpPr/>
+        <p:nvPr/>
+      </p:nvGrpSpPr>
+      <p:grpSpPr>
+        <a:xfrm>
+          <a:off x="0" y="0"/>
+          <a:ext cx="0" cy="0"/>
+          <a:chOff x="0" y="0"/>
+          <a:chExt cx="0" cy="0"/>
+        </a:xfrm>
+      </p:grpSpPr>
+      <p:sp>
+        <p:nvSpPr>
+          <p:cNvPr id="2" name="Titre 1"/>
+          <p:cNvSpPr>
+            <a:spLocks noGrp="1"/>
+          </p:cNvSpPr>
+          <p:nvPr>
+            <p:ph type="title"/>
+          </p:nvPr>
+        </p:nvSpPr>
+        <p:spPr/>
+        <p:txBody>
+          <a:bodyPr/>
+          <a:lstStyle/>
+          <a:p>
+            <a:r>
+              <a:rPr lang="fr-CH" dirty="0"/>
+              <a:t>Exemple </a:t>
+            </a:r>
+            <a:r>
+              <a:rPr lang="fr-CH" dirty="0" smtClean="0"/>
+              <a:t>d’implémentation (2)</a:t>
+            </a:r>
+            <a:endParaRPr lang="fr-CH" dirty="0"/>
+          </a:p>
+        </p:txBody>
+      </p:sp>
+      <p:sp>
+        <p:nvSpPr>
+          <p:cNvPr id="5" name="Rectangle 2"/>
+          <p:cNvSpPr>
+            <a:spLocks noGrp="1" noChangeArrowheads="1"/>
+          </p:cNvSpPr>
+          <p:nvPr>
+            <p:ph idx="1"/>
+          </p:nvPr>
+        </p:nvSpPr>
+        <p:spPr bwMode="auto">
+          <a:xfrm>
+            <a:off x="838200" y="1739868"/>
+            <a:ext cx="10515600" cy="4185761"/>
+          </a:xfrm>
+          <a:prstGeom prst="rect">
+            <a:avLst/>
+          </a:prstGeom>
+          <a:ln w="19050"/>
+        </p:spPr>
+        <p:style>
+          <a:lnRef idx="2">
+            <a:schemeClr val="dk1"/>
+          </a:lnRef>
+          <a:fillRef idx="1">
+            <a:schemeClr val="lt1"/>
+          </a:fillRef>
+          <a:effectRef idx="0">
+            <a:schemeClr val="dk1"/>
+          </a:effectRef>
+          <a:fontRef idx="minor">
+            <a:schemeClr val="dk1"/>
+          </a:fontRef>
+        </p:style>
+        <p:txBody>
+          <a:bodyPr vert="horz" wrap="square" lIns="91440" tIns="45720" rIns="91440" bIns="45720" numCol="1" anchor="ctr" anchorCtr="0" compatLnSpc="1">
+            <a:prstTxWarp prst="textNoShape">
+              <a:avLst/>
+            </a:prstTxWarp>
+            <a:spAutoFit/>
+          </a:bodyPr>
+          <a:lstStyle/>
+          <a:p>
+            <a:pPr marL="0" lvl="0" indent="0" eaLnBrk="0" fontAlgn="base" hangingPunct="0">
+              <a:lnSpc>
+                <a:spcPct val="100000"/>
+              </a:lnSpc>
+              <a:spcBef>
+                <a:spcPct val="0"/>
+              </a:spcBef>
+              <a:spcAft>
+                <a:spcPct val="0"/>
+              </a:spcAft>
+              <a:buNone/>
+            </a:pPr>
+            <a:r>
+              <a:rPr lang="fr-FR" altLang="fr-FR" sz="1400" dirty="0" smtClean="0">
+                <a:solidFill>
+                  <a:schemeClr val="accent1">
+                    <a:lumMod val="75000"/>
+                  </a:schemeClr>
+                </a:solidFill>
+                <a:latin typeface="Bookman Old Style" panose="02050604050505020204" pitchFamily="18" charset="0"/>
+              </a:rPr>
+              <a:t>public </a:t>
+            </a:r>
+            <a:r>
+              <a:rPr lang="fr-FR" altLang="fr-FR" sz="1400" dirty="0">
+                <a:solidFill>
+                  <a:schemeClr val="accent1">
+                    <a:lumMod val="75000"/>
+                  </a:schemeClr>
+                </a:solidFill>
+                <a:latin typeface="Bookman Old Style" panose="02050604050505020204" pitchFamily="18" charset="0"/>
+              </a:rPr>
+              <a:t>class </a:t>
+            </a:r>
+            <a:r>
+              <a:rPr lang="fr-FR" altLang="fr-FR" sz="1400" dirty="0" smtClean="0">
+                <a:solidFill>
+                  <a:schemeClr val="accent1">
+                    <a:lumMod val="75000"/>
+                  </a:schemeClr>
+                </a:solidFill>
+                <a:latin typeface="Bookman Old Style" panose="02050604050505020204" pitchFamily="18" charset="0"/>
+              </a:rPr>
+              <a:t>Dollar50Dispenser </a:t>
+            </a:r>
+            <a:r>
+              <a:rPr lang="fr-FR" altLang="fr-FR" sz="1400" dirty="0" err="1">
+                <a:solidFill>
+                  <a:schemeClr val="accent1">
+                    <a:lumMod val="75000"/>
+                  </a:schemeClr>
+                </a:solidFill>
+                <a:latin typeface="Bookman Old Style" panose="02050604050505020204" pitchFamily="18" charset="0"/>
+              </a:rPr>
+              <a:t>implements</a:t>
+            </a:r>
+            <a:r>
+              <a:rPr lang="fr-FR" altLang="fr-FR" sz="1400" dirty="0">
+                <a:solidFill>
+                  <a:schemeClr val="accent1">
+                    <a:lumMod val="75000"/>
+                  </a:schemeClr>
+                </a:solidFill>
+                <a:latin typeface="Bookman Old Style" panose="02050604050505020204" pitchFamily="18" charset="0"/>
+              </a:rPr>
+              <a:t> </a:t>
+            </a:r>
+            <a:r>
+              <a:rPr lang="fr-FR" altLang="fr-FR" sz="1400" dirty="0" err="1" smtClean="0">
+                <a:solidFill>
+                  <a:schemeClr val="accent1">
+                    <a:lumMod val="75000"/>
+                  </a:schemeClr>
+                </a:solidFill>
+                <a:latin typeface="Bookman Old Style" panose="02050604050505020204" pitchFamily="18" charset="0"/>
+              </a:rPr>
+              <a:t>DispenseChain</a:t>
+            </a:r>
+            <a:r>
+              <a:rPr lang="fr-FR" altLang="fr-FR" sz="1400" dirty="0" smtClean="0">
+                <a:solidFill>
+                  <a:schemeClr val="accent1">
+                    <a:lumMod val="75000"/>
+                  </a:schemeClr>
+                </a:solidFill>
+                <a:latin typeface="Bookman Old Style" panose="02050604050505020204" pitchFamily="18" charset="0"/>
+              </a:rPr>
+              <a:t> {</a:t>
+            </a:r>
+            <a:endParaRPr lang="fr-FR" altLang="fr-FR" sz="1400" dirty="0">
+              <a:solidFill>
+                <a:schemeClr val="accent1">
+                  <a:lumMod val="75000"/>
+                </a:schemeClr>
+              </a:solidFill>
+              <a:latin typeface="Bookman Old Style" panose="02050604050505020204" pitchFamily="18" charset="0"/>
+            </a:endParaRPr>
+          </a:p>
+          <a:p>
+            <a:pPr marL="0" lvl="0" indent="0" defTabSz="346075" eaLnBrk="0" fontAlgn="base" hangingPunct="0">
+              <a:lnSpc>
+                <a:spcPct val="100000"/>
+              </a:lnSpc>
+              <a:spcBef>
+                <a:spcPct val="0"/>
+              </a:spcBef>
+              <a:spcAft>
+                <a:spcPct val="0"/>
+              </a:spcAft>
+              <a:buNone/>
+            </a:pPr>
+            <a:r>
+              <a:rPr lang="fr-FR" altLang="fr-FR" sz="1400" dirty="0">
+                <a:solidFill>
+                  <a:schemeClr val="accent1">
+                    <a:lumMod val="75000"/>
+                  </a:schemeClr>
+                </a:solidFill>
+                <a:latin typeface="Bookman Old Style" panose="02050604050505020204" pitchFamily="18" charset="0"/>
+              </a:rPr>
+              <a:t>	</a:t>
+            </a:r>
+            <a:r>
+              <a:rPr lang="fr-FR" altLang="fr-FR" sz="1400" dirty="0" err="1">
+                <a:solidFill>
+                  <a:schemeClr val="accent1">
+                    <a:lumMod val="75000"/>
+                  </a:schemeClr>
+                </a:solidFill>
+                <a:latin typeface="Bookman Old Style" panose="02050604050505020204" pitchFamily="18" charset="0"/>
+              </a:rPr>
+              <a:t>private</a:t>
+            </a:r>
+            <a:r>
+              <a:rPr lang="fr-FR" altLang="fr-FR" sz="1400" dirty="0">
+                <a:solidFill>
+                  <a:schemeClr val="accent1">
+                    <a:lumMod val="75000"/>
+                  </a:schemeClr>
+                </a:solidFill>
+                <a:latin typeface="Bookman Old Style" panose="02050604050505020204" pitchFamily="18" charset="0"/>
+              </a:rPr>
+              <a:t> </a:t>
+            </a:r>
+            <a:r>
+              <a:rPr lang="fr-FR" altLang="fr-FR" sz="1400" dirty="0" err="1" smtClean="0">
+                <a:solidFill>
+                  <a:schemeClr val="accent1">
+                    <a:lumMod val="75000"/>
+                  </a:schemeClr>
+                </a:solidFill>
+                <a:latin typeface="Bookman Old Style" panose="02050604050505020204" pitchFamily="18" charset="0"/>
+              </a:rPr>
+              <a:t>DispenseChain</a:t>
+            </a:r>
+            <a:r>
+              <a:rPr lang="fr-FR" altLang="fr-FR" sz="1400" dirty="0" smtClean="0">
+                <a:solidFill>
+                  <a:schemeClr val="accent1">
+                    <a:lumMod val="75000"/>
+                  </a:schemeClr>
+                </a:solidFill>
+                <a:latin typeface="Bookman Old Style" panose="02050604050505020204" pitchFamily="18" charset="0"/>
+              </a:rPr>
+              <a:t> </a:t>
+            </a:r>
+            <a:r>
+              <a:rPr lang="fr-FR" altLang="fr-FR" sz="1400" dirty="0" err="1" smtClean="0">
+                <a:solidFill>
+                  <a:schemeClr val="accent1">
+                    <a:lumMod val="75000"/>
+                  </a:schemeClr>
+                </a:solidFill>
+                <a:latin typeface="Bookman Old Style" panose="02050604050505020204" pitchFamily="18" charset="0"/>
+              </a:rPr>
+              <a:t>chain</a:t>
+            </a:r>
+            <a:r>
+              <a:rPr lang="fr-FR" altLang="fr-FR" sz="1400" dirty="0" smtClean="0">
+                <a:solidFill>
+                  <a:schemeClr val="accent1">
+                    <a:lumMod val="75000"/>
+                  </a:schemeClr>
+                </a:solidFill>
+                <a:latin typeface="Bookman Old Style" panose="02050604050505020204" pitchFamily="18" charset="0"/>
+              </a:rPr>
+              <a:t>;</a:t>
+            </a:r>
+            <a:endParaRPr lang="fr-FR" altLang="fr-FR" sz="1400" dirty="0">
+              <a:solidFill>
+                <a:schemeClr val="accent1">
+                  <a:lumMod val="75000"/>
+                </a:schemeClr>
+              </a:solidFill>
+              <a:latin typeface="Bookman Old Style" panose="02050604050505020204" pitchFamily="18" charset="0"/>
+            </a:endParaRPr>
+          </a:p>
+          <a:p>
+            <a:pPr marL="0" lvl="0" indent="0" defTabSz="346075" eaLnBrk="0" fontAlgn="base" hangingPunct="0">
+              <a:lnSpc>
+                <a:spcPct val="100000"/>
+              </a:lnSpc>
+              <a:spcBef>
+                <a:spcPct val="0"/>
+              </a:spcBef>
+              <a:spcAft>
+                <a:spcPct val="0"/>
+              </a:spcAft>
+              <a:buNone/>
+            </a:pPr>
+            <a:r>
+              <a:rPr lang="fr-FR" altLang="fr-FR" sz="1400" dirty="0">
+                <a:solidFill>
+                  <a:schemeClr val="accent1">
+                    <a:lumMod val="75000"/>
+                  </a:schemeClr>
+                </a:solidFill>
+                <a:latin typeface="Bookman Old Style" panose="02050604050505020204" pitchFamily="18" charset="0"/>
+              </a:rPr>
+              <a:t>	@</a:t>
+            </a:r>
+            <a:r>
+              <a:rPr lang="fr-FR" altLang="fr-FR" sz="1400" dirty="0" err="1">
+                <a:solidFill>
+                  <a:schemeClr val="accent1">
+                    <a:lumMod val="75000"/>
+                  </a:schemeClr>
+                </a:solidFill>
+                <a:latin typeface="Bookman Old Style" panose="02050604050505020204" pitchFamily="18" charset="0"/>
+              </a:rPr>
+              <a:t>Override</a:t>
+            </a:r>
+            <a:endParaRPr lang="fr-FR" altLang="fr-FR" sz="1400" dirty="0">
+              <a:solidFill>
+                <a:schemeClr val="accent1">
+                  <a:lumMod val="75000"/>
+                </a:schemeClr>
+              </a:solidFill>
+              <a:latin typeface="Bookman Old Style" panose="02050604050505020204" pitchFamily="18" charset="0"/>
+            </a:endParaRPr>
+          </a:p>
+          <a:p>
+            <a:pPr marL="0" lvl="0" indent="0" defTabSz="346075" eaLnBrk="0" fontAlgn="base" hangingPunct="0">
+              <a:lnSpc>
+                <a:spcPct val="100000"/>
+              </a:lnSpc>
+              <a:spcBef>
+                <a:spcPct val="0"/>
+              </a:spcBef>
+              <a:spcAft>
+                <a:spcPct val="0"/>
+              </a:spcAft>
+              <a:buNone/>
+            </a:pPr>
+            <a:r>
+              <a:rPr lang="fr-FR" altLang="fr-FR" sz="1400" dirty="0">
+                <a:solidFill>
+                  <a:schemeClr val="accent1">
+                    <a:lumMod val="75000"/>
+                  </a:schemeClr>
+                </a:solidFill>
+                <a:latin typeface="Bookman Old Style" panose="02050604050505020204" pitchFamily="18" charset="0"/>
+              </a:rPr>
+              <a:t>	public </a:t>
+            </a:r>
+            <a:r>
+              <a:rPr lang="fr-FR" altLang="fr-FR" sz="1400" dirty="0" err="1">
+                <a:solidFill>
+                  <a:schemeClr val="accent1">
+                    <a:lumMod val="75000"/>
+                  </a:schemeClr>
+                </a:solidFill>
+                <a:latin typeface="Bookman Old Style" panose="02050604050505020204" pitchFamily="18" charset="0"/>
+              </a:rPr>
+              <a:t>void</a:t>
+            </a:r>
+            <a:r>
+              <a:rPr lang="fr-FR" altLang="fr-FR" sz="1400" dirty="0">
+                <a:solidFill>
+                  <a:schemeClr val="accent1">
+                    <a:lumMod val="75000"/>
+                  </a:schemeClr>
+                </a:solidFill>
+                <a:latin typeface="Bookman Old Style" panose="02050604050505020204" pitchFamily="18" charset="0"/>
+              </a:rPr>
+              <a:t> </a:t>
+            </a:r>
+            <a:r>
+              <a:rPr lang="fr-FR" altLang="fr-FR" sz="1400" dirty="0" err="1">
+                <a:solidFill>
+                  <a:schemeClr val="accent1">
+                    <a:lumMod val="75000"/>
+                  </a:schemeClr>
+                </a:solidFill>
+                <a:latin typeface="Bookman Old Style" panose="02050604050505020204" pitchFamily="18" charset="0"/>
+              </a:rPr>
+              <a:t>setNextChain</a:t>
+            </a:r>
+            <a:r>
+              <a:rPr lang="fr-FR" altLang="fr-FR" sz="1400" dirty="0">
+                <a:solidFill>
+                  <a:schemeClr val="accent1">
+                    <a:lumMod val="75000"/>
+                  </a:schemeClr>
+                </a:solidFill>
+                <a:latin typeface="Bookman Old Style" panose="02050604050505020204" pitchFamily="18" charset="0"/>
+              </a:rPr>
+              <a:t>(</a:t>
+            </a:r>
+            <a:r>
+              <a:rPr lang="fr-FR" altLang="fr-FR" sz="1400" dirty="0" err="1">
+                <a:solidFill>
+                  <a:schemeClr val="accent1">
+                    <a:lumMod val="75000"/>
+                  </a:schemeClr>
+                </a:solidFill>
+                <a:latin typeface="Bookman Old Style" panose="02050604050505020204" pitchFamily="18" charset="0"/>
+              </a:rPr>
+              <a:t>DispenseChain</a:t>
+            </a:r>
+            <a:r>
+              <a:rPr lang="fr-FR" altLang="fr-FR" sz="1400" dirty="0">
+                <a:solidFill>
+                  <a:schemeClr val="accent1">
+                    <a:lumMod val="75000"/>
+                  </a:schemeClr>
+                </a:solidFill>
+                <a:latin typeface="Bookman Old Style" panose="02050604050505020204" pitchFamily="18" charset="0"/>
+              </a:rPr>
+              <a:t> </a:t>
+            </a:r>
+            <a:r>
+              <a:rPr lang="fr-FR" altLang="fr-FR" sz="1400" dirty="0" err="1">
+                <a:solidFill>
+                  <a:schemeClr val="accent1">
+                    <a:lumMod val="75000"/>
+                  </a:schemeClr>
+                </a:solidFill>
+                <a:latin typeface="Bookman Old Style" panose="02050604050505020204" pitchFamily="18" charset="0"/>
+              </a:rPr>
+              <a:t>nextChain</a:t>
+            </a:r>
+            <a:r>
+              <a:rPr lang="fr-FR" altLang="fr-FR" sz="1400" dirty="0">
+                <a:solidFill>
+                  <a:schemeClr val="accent1">
+                    <a:lumMod val="75000"/>
+                  </a:schemeClr>
+                </a:solidFill>
+                <a:latin typeface="Bookman Old Style" panose="02050604050505020204" pitchFamily="18" charset="0"/>
+              </a:rPr>
+              <a:t>) {</a:t>
+            </a:r>
+          </a:p>
+          <a:p>
+            <a:pPr marL="0" lvl="0" indent="0" defTabSz="346075" eaLnBrk="0" fontAlgn="base" hangingPunct="0">
+              <a:lnSpc>
+                <a:spcPct val="100000"/>
+              </a:lnSpc>
+              <a:spcBef>
+                <a:spcPct val="0"/>
+              </a:spcBef>
+              <a:spcAft>
+                <a:spcPct val="0"/>
+              </a:spcAft>
+              <a:buNone/>
+            </a:pPr>
+            <a:r>
+              <a:rPr lang="fr-FR" altLang="fr-FR" sz="1400" dirty="0">
+                <a:solidFill>
+                  <a:schemeClr val="accent1">
+                    <a:lumMod val="75000"/>
+                  </a:schemeClr>
+                </a:solidFill>
+                <a:latin typeface="Bookman Old Style" panose="02050604050505020204" pitchFamily="18" charset="0"/>
+              </a:rPr>
+              <a:t>		</a:t>
+            </a:r>
+            <a:r>
+              <a:rPr lang="fr-FR" altLang="fr-FR" sz="1400" dirty="0" err="1">
+                <a:solidFill>
+                  <a:schemeClr val="accent1">
+                    <a:lumMod val="75000"/>
+                  </a:schemeClr>
+                </a:solidFill>
+                <a:latin typeface="Bookman Old Style" panose="02050604050505020204" pitchFamily="18" charset="0"/>
+              </a:rPr>
+              <a:t>this.chain</a:t>
+            </a:r>
+            <a:r>
+              <a:rPr lang="fr-FR" altLang="fr-FR" sz="1400" dirty="0">
+                <a:solidFill>
+                  <a:schemeClr val="accent1">
+                    <a:lumMod val="75000"/>
+                  </a:schemeClr>
+                </a:solidFill>
+                <a:latin typeface="Bookman Old Style" panose="02050604050505020204" pitchFamily="18" charset="0"/>
+              </a:rPr>
+              <a:t>=</a:t>
+            </a:r>
+            <a:r>
+              <a:rPr lang="fr-FR" altLang="fr-FR" sz="1400" dirty="0" err="1">
+                <a:solidFill>
+                  <a:schemeClr val="accent1">
+                    <a:lumMod val="75000"/>
+                  </a:schemeClr>
+                </a:solidFill>
+                <a:latin typeface="Bookman Old Style" panose="02050604050505020204" pitchFamily="18" charset="0"/>
+              </a:rPr>
+              <a:t>nextChain</a:t>
+            </a:r>
+            <a:r>
+              <a:rPr lang="fr-FR" altLang="fr-FR" sz="1400" dirty="0">
+                <a:solidFill>
+                  <a:schemeClr val="accent1">
+                    <a:lumMod val="75000"/>
+                  </a:schemeClr>
+                </a:solidFill>
+                <a:latin typeface="Bookman Old Style" panose="02050604050505020204" pitchFamily="18" charset="0"/>
+              </a:rPr>
+              <a:t>;</a:t>
+            </a:r>
+          </a:p>
+          <a:p>
+            <a:pPr marL="0" lvl="0" indent="0" defTabSz="346075" eaLnBrk="0" fontAlgn="base" hangingPunct="0">
+              <a:lnSpc>
+                <a:spcPct val="100000"/>
+              </a:lnSpc>
+              <a:spcBef>
+                <a:spcPct val="0"/>
+              </a:spcBef>
+              <a:spcAft>
+                <a:spcPct val="0"/>
+              </a:spcAft>
+              <a:buNone/>
+            </a:pPr>
+            <a:r>
+              <a:rPr lang="fr-FR" altLang="fr-FR" sz="1400" dirty="0">
+                <a:solidFill>
+                  <a:schemeClr val="accent1">
+                    <a:lumMod val="75000"/>
+                  </a:schemeClr>
+                </a:solidFill>
+                <a:latin typeface="Bookman Old Style" panose="02050604050505020204" pitchFamily="18" charset="0"/>
+              </a:rPr>
+              <a:t>	</a:t>
+            </a:r>
+            <a:r>
+              <a:rPr lang="fr-FR" altLang="fr-FR" sz="1400" dirty="0" smtClean="0">
+                <a:solidFill>
+                  <a:schemeClr val="accent1">
+                    <a:lumMod val="75000"/>
+                  </a:schemeClr>
+                </a:solidFill>
+                <a:latin typeface="Bookman Old Style" panose="02050604050505020204" pitchFamily="18" charset="0"/>
+              </a:rPr>
+              <a:t>}</a:t>
+            </a:r>
+            <a:endParaRPr lang="fr-FR" altLang="fr-FR" sz="1400" dirty="0">
+              <a:solidFill>
+                <a:schemeClr val="accent1">
+                  <a:lumMod val="75000"/>
+                </a:schemeClr>
+              </a:solidFill>
+              <a:latin typeface="Bookman Old Style" panose="02050604050505020204" pitchFamily="18" charset="0"/>
+            </a:endParaRPr>
+          </a:p>
+          <a:p>
+            <a:pPr marL="0" lvl="0" indent="0" defTabSz="346075" eaLnBrk="0" fontAlgn="base" hangingPunct="0">
+              <a:lnSpc>
+                <a:spcPct val="100000"/>
+              </a:lnSpc>
+              <a:spcBef>
+                <a:spcPct val="0"/>
+              </a:spcBef>
+              <a:spcAft>
+                <a:spcPct val="0"/>
+              </a:spcAft>
+              <a:buNone/>
+            </a:pPr>
+            <a:r>
+              <a:rPr lang="fr-FR" altLang="fr-FR" sz="1400" dirty="0">
+                <a:solidFill>
+                  <a:schemeClr val="accent1">
+                    <a:lumMod val="75000"/>
+                  </a:schemeClr>
+                </a:solidFill>
+                <a:latin typeface="Bookman Old Style" panose="02050604050505020204" pitchFamily="18" charset="0"/>
+              </a:rPr>
+              <a:t>	@</a:t>
+            </a:r>
+            <a:r>
+              <a:rPr lang="fr-FR" altLang="fr-FR" sz="1400" dirty="0" err="1">
+                <a:solidFill>
+                  <a:schemeClr val="accent1">
+                    <a:lumMod val="75000"/>
+                  </a:schemeClr>
+                </a:solidFill>
+                <a:latin typeface="Bookman Old Style" panose="02050604050505020204" pitchFamily="18" charset="0"/>
+              </a:rPr>
+              <a:t>Override</a:t>
+            </a:r>
+            <a:endParaRPr lang="fr-FR" altLang="fr-FR" sz="1400" dirty="0">
+              <a:solidFill>
+                <a:schemeClr val="accent1">
+                  <a:lumMod val="75000"/>
+                </a:schemeClr>
+              </a:solidFill>
+              <a:latin typeface="Bookman Old Style" panose="02050604050505020204" pitchFamily="18" charset="0"/>
+            </a:endParaRPr>
+          </a:p>
+          <a:p>
+            <a:pPr marL="0" lvl="0" indent="0" defTabSz="346075" eaLnBrk="0" fontAlgn="base" hangingPunct="0">
+              <a:lnSpc>
+                <a:spcPct val="100000"/>
+              </a:lnSpc>
+              <a:spcBef>
+                <a:spcPct val="0"/>
+              </a:spcBef>
+              <a:spcAft>
+                <a:spcPct val="0"/>
+              </a:spcAft>
+              <a:buNone/>
+            </a:pPr>
+            <a:r>
+              <a:rPr lang="fr-FR" altLang="fr-FR" sz="1400" dirty="0">
+                <a:solidFill>
+                  <a:schemeClr val="accent1">
+                    <a:lumMod val="75000"/>
+                  </a:schemeClr>
+                </a:solidFill>
+                <a:latin typeface="Bookman Old Style" panose="02050604050505020204" pitchFamily="18" charset="0"/>
+              </a:rPr>
+              <a:t>	public </a:t>
+            </a:r>
+            <a:r>
+              <a:rPr lang="fr-FR" altLang="fr-FR" sz="1400" dirty="0" err="1">
+                <a:solidFill>
+                  <a:schemeClr val="accent1">
+                    <a:lumMod val="75000"/>
+                  </a:schemeClr>
+                </a:solidFill>
+                <a:latin typeface="Bookman Old Style" panose="02050604050505020204" pitchFamily="18" charset="0"/>
+              </a:rPr>
+              <a:t>void</a:t>
+            </a:r>
+            <a:r>
+              <a:rPr lang="fr-FR" altLang="fr-FR" sz="1400" dirty="0">
+                <a:solidFill>
+                  <a:schemeClr val="accent1">
+                    <a:lumMod val="75000"/>
+                  </a:schemeClr>
+                </a:solidFill>
+                <a:latin typeface="Bookman Old Style" panose="02050604050505020204" pitchFamily="18" charset="0"/>
+              </a:rPr>
+              <a:t> dispense(</a:t>
+            </a:r>
+            <a:r>
+              <a:rPr lang="fr-FR" altLang="fr-FR" sz="1400" dirty="0" err="1">
+                <a:solidFill>
+                  <a:schemeClr val="accent1">
+                    <a:lumMod val="75000"/>
+                  </a:schemeClr>
+                </a:solidFill>
+                <a:latin typeface="Bookman Old Style" panose="02050604050505020204" pitchFamily="18" charset="0"/>
+              </a:rPr>
+              <a:t>Currency</a:t>
+            </a:r>
+            <a:r>
+              <a:rPr lang="fr-FR" altLang="fr-FR" sz="1400" dirty="0">
+                <a:solidFill>
+                  <a:schemeClr val="accent1">
+                    <a:lumMod val="75000"/>
+                  </a:schemeClr>
+                </a:solidFill>
+                <a:latin typeface="Bookman Old Style" panose="02050604050505020204" pitchFamily="18" charset="0"/>
+              </a:rPr>
+              <a:t> </a:t>
+            </a:r>
+            <a:r>
+              <a:rPr lang="fr-FR" altLang="fr-FR" sz="1400" dirty="0" err="1">
+                <a:solidFill>
+                  <a:schemeClr val="accent1">
+                    <a:lumMod val="75000"/>
+                  </a:schemeClr>
+                </a:solidFill>
+                <a:latin typeface="Bookman Old Style" panose="02050604050505020204" pitchFamily="18" charset="0"/>
+              </a:rPr>
+              <a:t>cur</a:t>
+            </a:r>
+            <a:r>
+              <a:rPr lang="fr-FR" altLang="fr-FR" sz="1400" dirty="0">
+                <a:solidFill>
+                  <a:schemeClr val="accent1">
+                    <a:lumMod val="75000"/>
+                  </a:schemeClr>
+                </a:solidFill>
+                <a:latin typeface="Bookman Old Style" panose="02050604050505020204" pitchFamily="18" charset="0"/>
+              </a:rPr>
+              <a:t>) {</a:t>
+            </a:r>
+          </a:p>
+          <a:p>
+            <a:pPr marL="0" lvl="0" indent="0" defTabSz="346075" eaLnBrk="0" fontAlgn="base" hangingPunct="0">
+              <a:lnSpc>
+                <a:spcPct val="100000"/>
+              </a:lnSpc>
+              <a:spcBef>
+                <a:spcPct val="0"/>
+              </a:spcBef>
+              <a:spcAft>
+                <a:spcPct val="0"/>
+              </a:spcAft>
+              <a:buNone/>
+            </a:pPr>
+            <a:r>
+              <a:rPr lang="fr-FR" altLang="fr-FR" sz="1400" dirty="0">
+                <a:solidFill>
+                  <a:schemeClr val="accent1">
+                    <a:lumMod val="75000"/>
+                  </a:schemeClr>
+                </a:solidFill>
+                <a:latin typeface="Bookman Old Style" panose="02050604050505020204" pitchFamily="18" charset="0"/>
+              </a:rPr>
+              <a:t>		if(</a:t>
+            </a:r>
+            <a:r>
+              <a:rPr lang="fr-FR" altLang="fr-FR" sz="1400" dirty="0" err="1">
+                <a:solidFill>
+                  <a:schemeClr val="accent1">
+                    <a:lumMod val="75000"/>
+                  </a:schemeClr>
+                </a:solidFill>
+                <a:latin typeface="Bookman Old Style" panose="02050604050505020204" pitchFamily="18" charset="0"/>
+              </a:rPr>
+              <a:t>cur.getAmount</a:t>
+            </a:r>
+            <a:r>
+              <a:rPr lang="fr-FR" altLang="fr-FR" sz="1400" dirty="0">
+                <a:solidFill>
+                  <a:schemeClr val="accent1">
+                    <a:lumMod val="75000"/>
+                  </a:schemeClr>
+                </a:solidFill>
+                <a:latin typeface="Bookman Old Style" panose="02050604050505020204" pitchFamily="18" charset="0"/>
+              </a:rPr>
+              <a:t>() &gt;= 50){</a:t>
+            </a:r>
+          </a:p>
+          <a:p>
+            <a:pPr marL="0" lvl="0" indent="0" defTabSz="346075" eaLnBrk="0" fontAlgn="base" hangingPunct="0">
+              <a:lnSpc>
+                <a:spcPct val="100000"/>
+              </a:lnSpc>
+              <a:spcBef>
+                <a:spcPct val="0"/>
+              </a:spcBef>
+              <a:spcAft>
+                <a:spcPct val="0"/>
+              </a:spcAft>
+              <a:buNone/>
+            </a:pPr>
+            <a:r>
+              <a:rPr lang="fr-FR" altLang="fr-FR" sz="1400" dirty="0">
+                <a:solidFill>
+                  <a:schemeClr val="accent1">
+                    <a:lumMod val="75000"/>
+                  </a:schemeClr>
+                </a:solidFill>
+                <a:latin typeface="Bookman Old Style" panose="02050604050505020204" pitchFamily="18" charset="0"/>
+              </a:rPr>
+              <a:t>			</a:t>
+            </a:r>
+            <a:r>
+              <a:rPr lang="fr-FR" altLang="fr-FR" sz="1400" dirty="0" err="1">
+                <a:solidFill>
+                  <a:schemeClr val="accent1">
+                    <a:lumMod val="75000"/>
+                  </a:schemeClr>
+                </a:solidFill>
+                <a:latin typeface="Bookman Old Style" panose="02050604050505020204" pitchFamily="18" charset="0"/>
+              </a:rPr>
+              <a:t>int</a:t>
+            </a:r>
+            <a:r>
+              <a:rPr lang="fr-FR" altLang="fr-FR" sz="1400" dirty="0">
+                <a:solidFill>
+                  <a:schemeClr val="accent1">
+                    <a:lumMod val="75000"/>
+                  </a:schemeClr>
+                </a:solidFill>
+                <a:latin typeface="Bookman Old Style" panose="02050604050505020204" pitchFamily="18" charset="0"/>
+              </a:rPr>
+              <a:t> </a:t>
+            </a:r>
+            <a:r>
+              <a:rPr lang="fr-FR" altLang="fr-FR" sz="1400" dirty="0" err="1">
+                <a:solidFill>
+                  <a:schemeClr val="accent1">
+                    <a:lumMod val="75000"/>
+                  </a:schemeClr>
+                </a:solidFill>
+                <a:latin typeface="Bookman Old Style" panose="02050604050505020204" pitchFamily="18" charset="0"/>
+              </a:rPr>
+              <a:t>num</a:t>
+            </a:r>
+            <a:r>
+              <a:rPr lang="fr-FR" altLang="fr-FR" sz="1400" dirty="0">
+                <a:solidFill>
+                  <a:schemeClr val="accent1">
+                    <a:lumMod val="75000"/>
+                  </a:schemeClr>
+                </a:solidFill>
+                <a:latin typeface="Bookman Old Style" panose="02050604050505020204" pitchFamily="18" charset="0"/>
+              </a:rPr>
+              <a:t> = </a:t>
+            </a:r>
+            <a:r>
+              <a:rPr lang="fr-FR" altLang="fr-FR" sz="1400" dirty="0" err="1">
+                <a:solidFill>
+                  <a:schemeClr val="accent1">
+                    <a:lumMod val="75000"/>
+                  </a:schemeClr>
+                </a:solidFill>
+                <a:latin typeface="Bookman Old Style" panose="02050604050505020204" pitchFamily="18" charset="0"/>
+              </a:rPr>
+              <a:t>cur.getAmount</a:t>
+            </a:r>
+            <a:r>
+              <a:rPr lang="fr-FR" altLang="fr-FR" sz="1400" dirty="0">
+                <a:solidFill>
+                  <a:schemeClr val="accent1">
+                    <a:lumMod val="75000"/>
+                  </a:schemeClr>
+                </a:solidFill>
+                <a:latin typeface="Bookman Old Style" panose="02050604050505020204" pitchFamily="18" charset="0"/>
+              </a:rPr>
+              <a:t>()/50;</a:t>
+            </a:r>
+          </a:p>
+          <a:p>
+            <a:pPr marL="0" lvl="0" indent="0" defTabSz="346075" eaLnBrk="0" fontAlgn="base" hangingPunct="0">
+              <a:lnSpc>
+                <a:spcPct val="100000"/>
+              </a:lnSpc>
+              <a:spcBef>
+                <a:spcPct val="0"/>
+              </a:spcBef>
+              <a:spcAft>
+                <a:spcPct val="0"/>
+              </a:spcAft>
+              <a:buNone/>
+            </a:pPr>
+            <a:r>
+              <a:rPr lang="fr-FR" altLang="fr-FR" sz="1400" dirty="0">
+                <a:solidFill>
+                  <a:schemeClr val="accent1">
+                    <a:lumMod val="75000"/>
+                  </a:schemeClr>
+                </a:solidFill>
+                <a:latin typeface="Bookman Old Style" panose="02050604050505020204" pitchFamily="18" charset="0"/>
+              </a:rPr>
+              <a:t>			</a:t>
+            </a:r>
+            <a:r>
+              <a:rPr lang="fr-FR" altLang="fr-FR" sz="1400" dirty="0" err="1">
+                <a:solidFill>
+                  <a:schemeClr val="accent1">
+                    <a:lumMod val="75000"/>
+                  </a:schemeClr>
+                </a:solidFill>
+                <a:latin typeface="Bookman Old Style" panose="02050604050505020204" pitchFamily="18" charset="0"/>
+              </a:rPr>
+              <a:t>int</a:t>
+            </a:r>
+            <a:r>
+              <a:rPr lang="fr-FR" altLang="fr-FR" sz="1400" dirty="0">
+                <a:solidFill>
+                  <a:schemeClr val="accent1">
+                    <a:lumMod val="75000"/>
+                  </a:schemeClr>
+                </a:solidFill>
+                <a:latin typeface="Bookman Old Style" panose="02050604050505020204" pitchFamily="18" charset="0"/>
+              </a:rPr>
+              <a:t> </a:t>
+            </a:r>
+            <a:r>
+              <a:rPr lang="fr-FR" altLang="fr-FR" sz="1400" dirty="0" err="1">
+                <a:solidFill>
+                  <a:schemeClr val="accent1">
+                    <a:lumMod val="75000"/>
+                  </a:schemeClr>
+                </a:solidFill>
+                <a:latin typeface="Bookman Old Style" panose="02050604050505020204" pitchFamily="18" charset="0"/>
+              </a:rPr>
+              <a:t>remainder</a:t>
+            </a:r>
+            <a:r>
+              <a:rPr lang="fr-FR" altLang="fr-FR" sz="1400" dirty="0">
+                <a:solidFill>
+                  <a:schemeClr val="accent1">
+                    <a:lumMod val="75000"/>
+                  </a:schemeClr>
+                </a:solidFill>
+                <a:latin typeface="Bookman Old Style" panose="02050604050505020204" pitchFamily="18" charset="0"/>
+              </a:rPr>
+              <a:t> = </a:t>
+            </a:r>
+            <a:r>
+              <a:rPr lang="fr-FR" altLang="fr-FR" sz="1400" dirty="0" err="1">
+                <a:solidFill>
+                  <a:schemeClr val="accent1">
+                    <a:lumMod val="75000"/>
+                  </a:schemeClr>
+                </a:solidFill>
+                <a:latin typeface="Bookman Old Style" panose="02050604050505020204" pitchFamily="18" charset="0"/>
+              </a:rPr>
+              <a:t>cur.getAmount</a:t>
+            </a:r>
+            <a:r>
+              <a:rPr lang="fr-FR" altLang="fr-FR" sz="1400" dirty="0">
+                <a:solidFill>
+                  <a:schemeClr val="accent1">
+                    <a:lumMod val="75000"/>
+                  </a:schemeClr>
+                </a:solidFill>
+                <a:latin typeface="Bookman Old Style" panose="02050604050505020204" pitchFamily="18" charset="0"/>
+              </a:rPr>
+              <a:t>() % 50;</a:t>
+            </a:r>
+          </a:p>
+          <a:p>
+            <a:pPr marL="0" lvl="0" indent="0" defTabSz="346075" eaLnBrk="0" fontAlgn="base" hangingPunct="0">
+              <a:lnSpc>
+                <a:spcPct val="100000"/>
+              </a:lnSpc>
+              <a:spcBef>
+                <a:spcPct val="0"/>
+              </a:spcBef>
+              <a:spcAft>
+                <a:spcPct val="0"/>
+              </a:spcAft>
+              <a:buNone/>
+            </a:pPr>
+            <a:r>
+              <a:rPr lang="fr-FR" altLang="fr-FR" sz="1400" dirty="0">
+                <a:solidFill>
+                  <a:schemeClr val="accent1">
+                    <a:lumMod val="75000"/>
+                  </a:schemeClr>
+                </a:solidFill>
+                <a:latin typeface="Bookman Old Style" panose="02050604050505020204" pitchFamily="18" charset="0"/>
+              </a:rPr>
+              <a:t>			</a:t>
+            </a:r>
+            <a:r>
+              <a:rPr lang="fr-FR" altLang="fr-FR" sz="1400" dirty="0" err="1">
+                <a:solidFill>
+                  <a:schemeClr val="accent1">
+                    <a:lumMod val="75000"/>
+                  </a:schemeClr>
+                </a:solidFill>
+                <a:latin typeface="Bookman Old Style" panose="02050604050505020204" pitchFamily="18" charset="0"/>
+              </a:rPr>
+              <a:t>System.out.println</a:t>
+            </a:r>
+            <a:r>
+              <a:rPr lang="fr-FR" altLang="fr-FR" sz="1400" dirty="0">
+                <a:solidFill>
+                  <a:schemeClr val="accent1">
+                    <a:lumMod val="75000"/>
+                  </a:schemeClr>
+                </a:solidFill>
+                <a:latin typeface="Bookman Old Style" panose="02050604050505020204" pitchFamily="18" charset="0"/>
+              </a:rPr>
+              <a:t>("</a:t>
+            </a:r>
+            <a:r>
+              <a:rPr lang="fr-FR" altLang="fr-FR" sz="1400" dirty="0" err="1">
+                <a:solidFill>
+                  <a:schemeClr val="accent1">
+                    <a:lumMod val="75000"/>
+                  </a:schemeClr>
+                </a:solidFill>
+                <a:latin typeface="Bookman Old Style" panose="02050604050505020204" pitchFamily="18" charset="0"/>
+              </a:rPr>
+              <a:t>Dispensing</a:t>
+            </a:r>
+            <a:r>
+              <a:rPr lang="fr-FR" altLang="fr-FR" sz="1400" dirty="0">
+                <a:solidFill>
+                  <a:schemeClr val="accent1">
+                    <a:lumMod val="75000"/>
+                  </a:schemeClr>
+                </a:solidFill>
+                <a:latin typeface="Bookman Old Style" panose="02050604050505020204" pitchFamily="18" charset="0"/>
+              </a:rPr>
+              <a:t> "+</a:t>
+            </a:r>
+            <a:r>
+              <a:rPr lang="fr-FR" altLang="fr-FR" sz="1400" dirty="0" err="1">
+                <a:solidFill>
+                  <a:schemeClr val="accent1">
+                    <a:lumMod val="75000"/>
+                  </a:schemeClr>
+                </a:solidFill>
+                <a:latin typeface="Bookman Old Style" panose="02050604050505020204" pitchFamily="18" charset="0"/>
+              </a:rPr>
+              <a:t>num</a:t>
+            </a:r>
+            <a:r>
+              <a:rPr lang="fr-FR" altLang="fr-FR" sz="1400" dirty="0">
+                <a:solidFill>
+                  <a:schemeClr val="accent1">
+                    <a:lumMod val="75000"/>
+                  </a:schemeClr>
+                </a:solidFill>
+                <a:latin typeface="Bookman Old Style" panose="02050604050505020204" pitchFamily="18" charset="0"/>
+              </a:rPr>
+              <a:t>+" 50$ note");</a:t>
+            </a:r>
+          </a:p>
+          <a:p>
+            <a:pPr marL="0" lvl="0" indent="0" defTabSz="346075" eaLnBrk="0" fontAlgn="base" hangingPunct="0">
+              <a:lnSpc>
+                <a:spcPct val="100000"/>
+              </a:lnSpc>
+              <a:spcBef>
+                <a:spcPct val="0"/>
+              </a:spcBef>
+              <a:spcAft>
+                <a:spcPct val="0"/>
+              </a:spcAft>
+              <a:buNone/>
+            </a:pPr>
+            <a:r>
+              <a:rPr lang="fr-FR" altLang="fr-FR" sz="1400" dirty="0">
+                <a:solidFill>
+                  <a:schemeClr val="accent1">
+                    <a:lumMod val="75000"/>
+                  </a:schemeClr>
+                </a:solidFill>
+                <a:latin typeface="Bookman Old Style" panose="02050604050505020204" pitchFamily="18" charset="0"/>
+              </a:rPr>
+              <a:t>			if(</a:t>
+            </a:r>
+            <a:r>
+              <a:rPr lang="fr-FR" altLang="fr-FR" sz="1400" dirty="0" err="1">
+                <a:solidFill>
+                  <a:schemeClr val="accent1">
+                    <a:lumMod val="75000"/>
+                  </a:schemeClr>
+                </a:solidFill>
+                <a:latin typeface="Bookman Old Style" panose="02050604050505020204" pitchFamily="18" charset="0"/>
+              </a:rPr>
+              <a:t>remainder</a:t>
+            </a:r>
+            <a:r>
+              <a:rPr lang="fr-FR" altLang="fr-FR" sz="1400" dirty="0">
+                <a:solidFill>
+                  <a:schemeClr val="accent1">
+                    <a:lumMod val="75000"/>
+                  </a:schemeClr>
+                </a:solidFill>
+                <a:latin typeface="Bookman Old Style" panose="02050604050505020204" pitchFamily="18" charset="0"/>
+              </a:rPr>
+              <a:t> !=0) </a:t>
+            </a:r>
+            <a:r>
+              <a:rPr lang="fr-FR" altLang="fr-FR" sz="1400" dirty="0" err="1">
+                <a:solidFill>
+                  <a:schemeClr val="accent1">
+                    <a:lumMod val="75000"/>
+                  </a:schemeClr>
+                </a:solidFill>
+                <a:latin typeface="Bookman Old Style" panose="02050604050505020204" pitchFamily="18" charset="0"/>
+              </a:rPr>
+              <a:t>this.chain.dispense</a:t>
+            </a:r>
+            <a:r>
+              <a:rPr lang="fr-FR" altLang="fr-FR" sz="1400" dirty="0">
+                <a:solidFill>
+                  <a:schemeClr val="accent1">
+                    <a:lumMod val="75000"/>
+                  </a:schemeClr>
+                </a:solidFill>
+                <a:latin typeface="Bookman Old Style" panose="02050604050505020204" pitchFamily="18" charset="0"/>
+              </a:rPr>
+              <a:t>(new </a:t>
+            </a:r>
+            <a:r>
+              <a:rPr lang="fr-FR" altLang="fr-FR" sz="1400" dirty="0" err="1">
+                <a:solidFill>
+                  <a:schemeClr val="accent1">
+                    <a:lumMod val="75000"/>
+                  </a:schemeClr>
+                </a:solidFill>
+                <a:latin typeface="Bookman Old Style" panose="02050604050505020204" pitchFamily="18" charset="0"/>
+              </a:rPr>
+              <a:t>Currency</a:t>
+            </a:r>
+            <a:r>
+              <a:rPr lang="fr-FR" altLang="fr-FR" sz="1400" dirty="0">
+                <a:solidFill>
+                  <a:schemeClr val="accent1">
+                    <a:lumMod val="75000"/>
+                  </a:schemeClr>
+                </a:solidFill>
+                <a:latin typeface="Bookman Old Style" panose="02050604050505020204" pitchFamily="18" charset="0"/>
+              </a:rPr>
+              <a:t>(</a:t>
+            </a:r>
+            <a:r>
+              <a:rPr lang="fr-FR" altLang="fr-FR" sz="1400" dirty="0" err="1">
+                <a:solidFill>
+                  <a:schemeClr val="accent1">
+                    <a:lumMod val="75000"/>
+                  </a:schemeClr>
+                </a:solidFill>
+                <a:latin typeface="Bookman Old Style" panose="02050604050505020204" pitchFamily="18" charset="0"/>
+              </a:rPr>
+              <a:t>remainder</a:t>
+            </a:r>
+            <a:r>
+              <a:rPr lang="fr-FR" altLang="fr-FR" sz="1400" dirty="0">
+                <a:solidFill>
+                  <a:schemeClr val="accent1">
+                    <a:lumMod val="75000"/>
+                  </a:schemeClr>
+                </a:solidFill>
+                <a:latin typeface="Bookman Old Style" panose="02050604050505020204" pitchFamily="18" charset="0"/>
+              </a:rPr>
+              <a:t>));</a:t>
+            </a:r>
+          </a:p>
+          <a:p>
+            <a:pPr marL="0" lvl="0" indent="0" defTabSz="346075" eaLnBrk="0" fontAlgn="base" hangingPunct="0">
+              <a:lnSpc>
+                <a:spcPct val="100000"/>
+              </a:lnSpc>
+              <a:spcBef>
+                <a:spcPct val="0"/>
+              </a:spcBef>
+              <a:spcAft>
+                <a:spcPct val="0"/>
+              </a:spcAft>
+              <a:buNone/>
+            </a:pPr>
+            <a:r>
+              <a:rPr lang="fr-FR" altLang="fr-FR" sz="1400" dirty="0">
+                <a:solidFill>
+                  <a:schemeClr val="accent1">
+                    <a:lumMod val="75000"/>
+                  </a:schemeClr>
+                </a:solidFill>
+                <a:latin typeface="Bookman Old Style" panose="02050604050505020204" pitchFamily="18" charset="0"/>
+              </a:rPr>
+              <a:t>		}</a:t>
+            </a:r>
+            <a:r>
+              <a:rPr lang="fr-FR" altLang="fr-FR" sz="1400" dirty="0" err="1">
+                <a:solidFill>
+                  <a:schemeClr val="accent1">
+                    <a:lumMod val="75000"/>
+                  </a:schemeClr>
+                </a:solidFill>
+                <a:latin typeface="Bookman Old Style" panose="02050604050505020204" pitchFamily="18" charset="0"/>
+              </a:rPr>
+              <a:t>else</a:t>
+            </a:r>
+            <a:r>
+              <a:rPr lang="fr-FR" altLang="fr-FR" sz="1400" dirty="0">
+                <a:solidFill>
+                  <a:schemeClr val="accent1">
+                    <a:lumMod val="75000"/>
+                  </a:schemeClr>
+                </a:solidFill>
+                <a:latin typeface="Bookman Old Style" panose="02050604050505020204" pitchFamily="18" charset="0"/>
+              </a:rPr>
+              <a:t>{</a:t>
+            </a:r>
+          </a:p>
+          <a:p>
+            <a:pPr marL="0" lvl="0" indent="0" defTabSz="346075" eaLnBrk="0" fontAlgn="base" hangingPunct="0">
+              <a:lnSpc>
+                <a:spcPct val="100000"/>
+              </a:lnSpc>
+              <a:spcBef>
+                <a:spcPct val="0"/>
+              </a:spcBef>
+              <a:spcAft>
+                <a:spcPct val="0"/>
+              </a:spcAft>
+              <a:buNone/>
+            </a:pPr>
+            <a:r>
+              <a:rPr lang="fr-FR" altLang="fr-FR" sz="1400" dirty="0">
+                <a:solidFill>
+                  <a:schemeClr val="accent1">
+                    <a:lumMod val="75000"/>
+                  </a:schemeClr>
+                </a:solidFill>
+                <a:latin typeface="Bookman Old Style" panose="02050604050505020204" pitchFamily="18" charset="0"/>
+              </a:rPr>
+              <a:t>			</a:t>
+            </a:r>
+            <a:r>
+              <a:rPr lang="fr-FR" altLang="fr-FR" sz="1400" dirty="0" err="1">
+                <a:solidFill>
+                  <a:schemeClr val="accent1">
+                    <a:lumMod val="75000"/>
+                  </a:schemeClr>
+                </a:solidFill>
+                <a:latin typeface="Bookman Old Style" panose="02050604050505020204" pitchFamily="18" charset="0"/>
+              </a:rPr>
+              <a:t>this.chain.dispense</a:t>
+            </a:r>
+            <a:r>
+              <a:rPr lang="fr-FR" altLang="fr-FR" sz="1400" dirty="0">
+                <a:solidFill>
+                  <a:schemeClr val="accent1">
+                    <a:lumMod val="75000"/>
+                  </a:schemeClr>
+                </a:solidFill>
+                <a:latin typeface="Bookman Old Style" panose="02050604050505020204" pitchFamily="18" charset="0"/>
+              </a:rPr>
+              <a:t>(</a:t>
+            </a:r>
+            <a:r>
+              <a:rPr lang="fr-FR" altLang="fr-FR" sz="1400" dirty="0" err="1">
+                <a:solidFill>
+                  <a:schemeClr val="accent1">
+                    <a:lumMod val="75000"/>
+                  </a:schemeClr>
+                </a:solidFill>
+                <a:latin typeface="Bookman Old Style" panose="02050604050505020204" pitchFamily="18" charset="0"/>
+              </a:rPr>
+              <a:t>cur</a:t>
+            </a:r>
+            <a:r>
+              <a:rPr lang="fr-FR" altLang="fr-FR" sz="1400" dirty="0">
+                <a:solidFill>
+                  <a:schemeClr val="accent1">
+                    <a:lumMod val="75000"/>
+                  </a:schemeClr>
+                </a:solidFill>
+                <a:latin typeface="Bookman Old Style" panose="02050604050505020204" pitchFamily="18" charset="0"/>
+              </a:rPr>
+              <a:t>);</a:t>
+            </a:r>
+          </a:p>
+          <a:p>
+            <a:pPr marL="0" lvl="0" indent="0" defTabSz="346075" eaLnBrk="0" fontAlgn="base" hangingPunct="0">
+              <a:lnSpc>
+                <a:spcPct val="100000"/>
+              </a:lnSpc>
+              <a:spcBef>
+                <a:spcPct val="0"/>
+              </a:spcBef>
+              <a:spcAft>
+                <a:spcPct val="0"/>
+              </a:spcAft>
+              <a:buNone/>
+            </a:pPr>
+            <a:r>
+              <a:rPr lang="fr-FR" altLang="fr-FR" sz="1400" dirty="0">
+                <a:solidFill>
+                  <a:schemeClr val="accent1">
+                    <a:lumMod val="75000"/>
+                  </a:schemeClr>
+                </a:solidFill>
+                <a:latin typeface="Bookman Old Style" panose="02050604050505020204" pitchFamily="18" charset="0"/>
+              </a:rPr>
+              <a:t>		}</a:t>
+            </a:r>
+          </a:p>
+          <a:p>
+            <a:pPr marL="0" lvl="0" indent="0" defTabSz="346075" eaLnBrk="0" fontAlgn="base" hangingPunct="0">
+              <a:lnSpc>
+                <a:spcPct val="100000"/>
+              </a:lnSpc>
+              <a:spcBef>
+                <a:spcPct val="0"/>
+              </a:spcBef>
+              <a:spcAft>
+                <a:spcPct val="0"/>
+              </a:spcAft>
+              <a:buNone/>
+            </a:pPr>
+            <a:r>
+              <a:rPr lang="fr-FR" altLang="fr-FR" sz="1400" dirty="0">
+                <a:solidFill>
+                  <a:schemeClr val="accent1">
+                    <a:lumMod val="75000"/>
+                  </a:schemeClr>
+                </a:solidFill>
+                <a:latin typeface="Bookman Old Style" panose="02050604050505020204" pitchFamily="18" charset="0"/>
+              </a:rPr>
+              <a:t>	</a:t>
+            </a:r>
+            <a:r>
+              <a:rPr lang="fr-FR" altLang="fr-FR" sz="1400" dirty="0" smtClean="0">
+                <a:solidFill>
+                  <a:schemeClr val="accent1">
+                    <a:lumMod val="75000"/>
+                  </a:schemeClr>
+                </a:solidFill>
+                <a:latin typeface="Bookman Old Style" panose="02050604050505020204" pitchFamily="18" charset="0"/>
+              </a:rPr>
+              <a:t>}</a:t>
+            </a:r>
+            <a:endParaRPr lang="fr-FR" altLang="fr-FR" sz="1400" dirty="0">
+              <a:solidFill>
+                <a:schemeClr val="accent1">
+                  <a:lumMod val="75000"/>
+                </a:schemeClr>
+              </a:solidFill>
+              <a:latin typeface="Bookman Old Style" panose="02050604050505020204" pitchFamily="18" charset="0"/>
+            </a:endParaRPr>
+          </a:p>
+          <a:p>
+            <a:pPr marL="0" lvl="0" indent="0" eaLnBrk="0" fontAlgn="base" hangingPunct="0">
+              <a:lnSpc>
+                <a:spcPct val="100000"/>
+              </a:lnSpc>
+              <a:spcBef>
+                <a:spcPct val="0"/>
+              </a:spcBef>
+              <a:spcAft>
+                <a:spcPct val="0"/>
+              </a:spcAft>
+              <a:buNone/>
+            </a:pPr>
+            <a:r>
+              <a:rPr lang="fr-FR" altLang="fr-FR" sz="1400" dirty="0" smtClean="0">
+                <a:solidFill>
+                  <a:schemeClr val="accent1">
+                    <a:lumMod val="75000"/>
+                  </a:schemeClr>
+                </a:solidFill>
+                <a:latin typeface="Bookman Old Style" panose="02050604050505020204" pitchFamily="18" charset="0"/>
+              </a:rPr>
+              <a:t>}</a:t>
+            </a:r>
+          </a:p>
+          <a:p>
+            <a:pPr marL="0" lvl="0" indent="0" eaLnBrk="0" fontAlgn="base" hangingPunct="0">
+              <a:lnSpc>
+                <a:spcPct val="100000"/>
+              </a:lnSpc>
+              <a:spcBef>
+                <a:spcPct val="0"/>
+              </a:spcBef>
+              <a:spcAft>
+                <a:spcPct val="0"/>
+              </a:spcAft>
+              <a:buNone/>
+            </a:pPr>
+            <a:endParaRPr lang="fr-FR" altLang="fr-FR" sz="1400" dirty="0">
+              <a:solidFill>
+                <a:schemeClr val="accent1">
+                  <a:lumMod val="75000"/>
+                </a:schemeClr>
+              </a:solidFill>
+              <a:latin typeface="Bookman Old Style" panose="02050604050505020204" pitchFamily="18" charset="0"/>
+            </a:endParaRPr>
+          </a:p>
+        </p:txBody>
+      </p:sp>
+    </p:spTree>
+    <p:extLst>
+      <p:ext uri="{BB962C8B-B14F-4D97-AF65-F5344CB8AC3E}">
+        <p14:creationId xmlns:p14="http://schemas.microsoft.com/office/powerpoint/2010/main" val="511333651"/>
       </p:ext>
     </p:extLst>
   </p:cSld>

--- a/presentation/chaine_responsabilite.pptx
+++ b/presentation/chaine_responsabilite.pptx
@@ -5,7 +5,7 @@
     <p:sldMasterId id="2147483708" r:id="rId1"/>
   </p:sldMasterIdLst>
   <p:notesMasterIdLst>
-    <p:notesMasterId r:id="rId13"/>
+    <p:notesMasterId r:id="rId11"/>
   </p:notesMasterIdLst>
   <p:sldIdLst>
     <p:sldId id="259" r:id="rId2"/>
@@ -15,10 +15,8 @@
     <p:sldId id="262" r:id="rId6"/>
     <p:sldId id="257" r:id="rId7"/>
     <p:sldId id="260" r:id="rId8"/>
-    <p:sldId id="265" r:id="rId9"/>
-    <p:sldId id="266" r:id="rId10"/>
-    <p:sldId id="267" r:id="rId11"/>
-    <p:sldId id="268" r:id="rId12"/>
+    <p:sldId id="266" r:id="rId9"/>
+    <p:sldId id="265" r:id="rId10"/>
   </p:sldIdLst>
   <p:sldSz cx="12192000" cy="6858000"/>
   <p:notesSz cx="6858000" cy="9144000"/>
@@ -207,7 +205,7 @@
           <a:p>
             <a:fld id="{67CBF77A-1B13-4F13-91AF-F4AE82D802B6}" type="datetimeFigureOut">
               <a:rPr lang="fr-CH" smtClean="0"/>
-              <a:t>08.05.2017</a:t>
+              <a:t>09.05.2017</a:t>
             </a:fld>
             <a:endParaRPr lang="fr-CH"/>
           </a:p>
@@ -886,90 +884,6 @@
 </p:notes>
 </file>
 
-<file path=ppt/notesSlides/notesSlide5.xml><?xml version="1.0" encoding="utf-8"?>
-<p:notes xmlns:a="http://schemas.openxmlformats.org/drawingml/2006/main" xmlns:r="http://schemas.openxmlformats.org/officeDocument/2006/relationships" xmlns:p="http://schemas.openxmlformats.org/presentationml/2006/main">
-  <p:cSld>
-    <p:spTree>
-      <p:nvGrpSpPr>
-        <p:cNvPr id="1" name=""/>
-        <p:cNvGrpSpPr/>
-        <p:nvPr/>
-      </p:nvGrpSpPr>
-      <p:grpSpPr>
-        <a:xfrm>
-          <a:off x="0" y="0"/>
-          <a:ext cx="0" cy="0"/>
-          <a:chOff x="0" y="0"/>
-          <a:chExt cx="0" cy="0"/>
-        </a:xfrm>
-      </p:grpSpPr>
-      <p:sp>
-        <p:nvSpPr>
-          <p:cNvPr id="2" name="Espace réservé de l'image des diapositives 1"/>
-          <p:cNvSpPr>
-            <a:spLocks noGrp="1" noRot="1" noChangeAspect="1"/>
-          </p:cNvSpPr>
-          <p:nvPr>
-            <p:ph type="sldImg"/>
-          </p:nvPr>
-        </p:nvSpPr>
-        <p:spPr/>
-      </p:sp>
-      <p:sp>
-        <p:nvSpPr>
-          <p:cNvPr id="3" name="Espace réservé des commentaires 2"/>
-          <p:cNvSpPr>
-            <a:spLocks noGrp="1"/>
-          </p:cNvSpPr>
-          <p:nvPr>
-            <p:ph type="body" idx="1"/>
-          </p:nvPr>
-        </p:nvSpPr>
-        <p:spPr/>
-        <p:txBody>
-          <a:bodyPr/>
-          <a:lstStyle/>
-          <a:p>
-            <a:endParaRPr lang="fr-CH" dirty="0"/>
-          </a:p>
-        </p:txBody>
-      </p:sp>
-      <p:sp>
-        <p:nvSpPr>
-          <p:cNvPr id="4" name="Espace réservé du numéro de diapositive 3"/>
-          <p:cNvSpPr>
-            <a:spLocks noGrp="1"/>
-          </p:cNvSpPr>
-          <p:nvPr>
-            <p:ph type="sldNum" sz="quarter" idx="10"/>
-          </p:nvPr>
-        </p:nvSpPr>
-        <p:spPr/>
-        <p:txBody>
-          <a:bodyPr/>
-          <a:lstStyle/>
-          <a:p>
-            <a:fld id="{6DC36483-72C3-4FB1-890C-5D459F544987}" type="slidenum">
-              <a:rPr lang="fr-CH" smtClean="0"/>
-              <a:t>8</a:t>
-            </a:fld>
-            <a:endParaRPr lang="fr-CH"/>
-          </a:p>
-        </p:txBody>
-      </p:sp>
-    </p:spTree>
-    <p:extLst>
-      <p:ext uri="{BB962C8B-B14F-4D97-AF65-F5344CB8AC3E}">
-        <p14:creationId xmlns:p14="http://schemas.microsoft.com/office/powerpoint/2010/main" val="2835863595"/>
-      </p:ext>
-    </p:extLst>
-  </p:cSld>
-  <p:clrMapOvr>
-    <a:masterClrMapping/>
-  </p:clrMapOvr>
-</p:notes>
-</file>
-
 <file path=ppt/slideLayouts/slideLayout1.xml><?xml version="1.0" encoding="utf-8"?>
 <p:sldLayout xmlns:a="http://schemas.openxmlformats.org/drawingml/2006/main" xmlns:r="http://schemas.openxmlformats.org/officeDocument/2006/relationships" xmlns:p="http://schemas.openxmlformats.org/presentationml/2006/main" type="title" preserve="1">
   <p:cSld name="Diapositive de titre">
@@ -1101,7 +1015,7 @@
           <a:p>
             <a:fld id="{F042435E-AFEA-46C7-B6F4-2DF35AF77AFB}" type="datetimeFigureOut">
               <a:rPr lang="fr-CH" smtClean="0"/>
-              <a:t>08.05.2017</a:t>
+              <a:t>09.05.2017</a:t>
             </a:fld>
             <a:endParaRPr lang="fr-CH"/>
           </a:p>
@@ -1271,7 +1185,7 @@
           <a:p>
             <a:fld id="{F042435E-AFEA-46C7-B6F4-2DF35AF77AFB}" type="datetimeFigureOut">
               <a:rPr lang="fr-CH" smtClean="0"/>
-              <a:t>08.05.2017</a:t>
+              <a:t>09.05.2017</a:t>
             </a:fld>
             <a:endParaRPr lang="fr-CH"/>
           </a:p>
@@ -1451,7 +1365,7 @@
           <a:p>
             <a:fld id="{F042435E-AFEA-46C7-B6F4-2DF35AF77AFB}" type="datetimeFigureOut">
               <a:rPr lang="fr-CH" smtClean="0"/>
-              <a:t>08.05.2017</a:t>
+              <a:t>09.05.2017</a:t>
             </a:fld>
             <a:endParaRPr lang="fr-CH"/>
           </a:p>
@@ -1621,7 +1535,7 @@
           <a:p>
             <a:fld id="{F042435E-AFEA-46C7-B6F4-2DF35AF77AFB}" type="datetimeFigureOut">
               <a:rPr lang="fr-CH" smtClean="0"/>
-              <a:t>08.05.2017</a:t>
+              <a:t>09.05.2017</a:t>
             </a:fld>
             <a:endParaRPr lang="fr-CH"/>
           </a:p>
@@ -1867,7 +1781,7 @@
           <a:p>
             <a:fld id="{F042435E-AFEA-46C7-B6F4-2DF35AF77AFB}" type="datetimeFigureOut">
               <a:rPr lang="fr-CH" smtClean="0"/>
-              <a:t>08.05.2017</a:t>
+              <a:t>09.05.2017</a:t>
             </a:fld>
             <a:endParaRPr lang="fr-CH"/>
           </a:p>
@@ -2099,7 +2013,7 @@
           <a:p>
             <a:fld id="{F042435E-AFEA-46C7-B6F4-2DF35AF77AFB}" type="datetimeFigureOut">
               <a:rPr lang="fr-CH" smtClean="0"/>
-              <a:t>08.05.2017</a:t>
+              <a:t>09.05.2017</a:t>
             </a:fld>
             <a:endParaRPr lang="fr-CH"/>
           </a:p>
@@ -2466,7 +2380,7 @@
           <a:p>
             <a:fld id="{F042435E-AFEA-46C7-B6F4-2DF35AF77AFB}" type="datetimeFigureOut">
               <a:rPr lang="fr-CH" smtClean="0"/>
-              <a:t>08.05.2017</a:t>
+              <a:t>09.05.2017</a:t>
             </a:fld>
             <a:endParaRPr lang="fr-CH"/>
           </a:p>
@@ -2584,7 +2498,7 @@
           <a:p>
             <a:fld id="{F042435E-AFEA-46C7-B6F4-2DF35AF77AFB}" type="datetimeFigureOut">
               <a:rPr lang="fr-CH" smtClean="0"/>
-              <a:t>08.05.2017</a:t>
+              <a:t>09.05.2017</a:t>
             </a:fld>
             <a:endParaRPr lang="fr-CH"/>
           </a:p>
@@ -2679,7 +2593,7 @@
           <a:p>
             <a:fld id="{F042435E-AFEA-46C7-B6F4-2DF35AF77AFB}" type="datetimeFigureOut">
               <a:rPr lang="fr-CH" smtClean="0"/>
-              <a:t>08.05.2017</a:t>
+              <a:t>09.05.2017</a:t>
             </a:fld>
             <a:endParaRPr lang="fr-CH"/>
           </a:p>
@@ -2956,7 +2870,7 @@
           <a:p>
             <a:fld id="{F042435E-AFEA-46C7-B6F4-2DF35AF77AFB}" type="datetimeFigureOut">
               <a:rPr lang="fr-CH" smtClean="0"/>
-              <a:t>08.05.2017</a:t>
+              <a:t>09.05.2017</a:t>
             </a:fld>
             <a:endParaRPr lang="fr-CH"/>
           </a:p>
@@ -3209,7 +3123,7 @@
           <a:p>
             <a:fld id="{F042435E-AFEA-46C7-B6F4-2DF35AF77AFB}" type="datetimeFigureOut">
               <a:rPr lang="fr-CH" smtClean="0"/>
-              <a:t>08.05.2017</a:t>
+              <a:t>09.05.2017</a:t>
             </a:fld>
             <a:endParaRPr lang="fr-CH"/>
           </a:p>
@@ -3422,7 +3336,7 @@
           <a:p>
             <a:fld id="{F042435E-AFEA-46C7-B6F4-2DF35AF77AFB}" type="datetimeFigureOut">
               <a:rPr lang="fr-CH" smtClean="0"/>
-              <a:t>08.05.2017</a:t>
+              <a:t>09.05.2017</a:t>
             </a:fld>
             <a:endParaRPr lang="fr-CH"/>
           </a:p>
@@ -4597,2359 +4511,6 @@
 </p:sld>
 </file>
 
-<file path=ppt/slides/slide10.xml><?xml version="1.0" encoding="utf-8"?>
-<p:sld xmlns:a="http://schemas.openxmlformats.org/drawingml/2006/main" xmlns:r="http://schemas.openxmlformats.org/officeDocument/2006/relationships" xmlns:p="http://schemas.openxmlformats.org/presentationml/2006/main">
-  <p:cSld>
-    <p:spTree>
-      <p:nvGrpSpPr>
-        <p:cNvPr id="1" name=""/>
-        <p:cNvGrpSpPr/>
-        <p:nvPr/>
-      </p:nvGrpSpPr>
-      <p:grpSpPr>
-        <a:xfrm>
-          <a:off x="0" y="0"/>
-          <a:ext cx="0" cy="0"/>
-          <a:chOff x="0" y="0"/>
-          <a:chExt cx="0" cy="0"/>
-        </a:xfrm>
-      </p:grpSpPr>
-      <p:sp>
-        <p:nvSpPr>
-          <p:cNvPr id="2" name="Titre 1"/>
-          <p:cNvSpPr>
-            <a:spLocks noGrp="1"/>
-          </p:cNvSpPr>
-          <p:nvPr>
-            <p:ph type="title"/>
-          </p:nvPr>
-        </p:nvSpPr>
-        <p:spPr/>
-        <p:txBody>
-          <a:bodyPr/>
-          <a:lstStyle/>
-          <a:p>
-            <a:r>
-              <a:rPr lang="fr-CH" dirty="0"/>
-              <a:t>Exemple d’implémentation </a:t>
-            </a:r>
-            <a:r>
-              <a:rPr lang="fr-CH" dirty="0" smtClean="0"/>
-              <a:t>(3)</a:t>
-            </a:r>
-            <a:endParaRPr lang="fr-CH" dirty="0"/>
-          </a:p>
-        </p:txBody>
-      </p:sp>
-      <p:sp>
-        <p:nvSpPr>
-          <p:cNvPr id="4" name="Rectangle 2"/>
-          <p:cNvSpPr>
-            <a:spLocks noGrp="1" noChangeArrowheads="1"/>
-          </p:cNvSpPr>
-          <p:nvPr>
-            <p:ph idx="1"/>
-          </p:nvPr>
-        </p:nvSpPr>
-        <p:spPr bwMode="auto">
-          <a:xfrm>
-            <a:off x="838200" y="1739868"/>
-            <a:ext cx="10515600" cy="4185761"/>
-          </a:xfrm>
-          <a:prstGeom prst="rect">
-            <a:avLst/>
-          </a:prstGeom>
-          <a:ln w="19050"/>
-        </p:spPr>
-        <p:style>
-          <a:lnRef idx="2">
-            <a:schemeClr val="dk1"/>
-          </a:lnRef>
-          <a:fillRef idx="1">
-            <a:schemeClr val="lt1"/>
-          </a:fillRef>
-          <a:effectRef idx="0">
-            <a:schemeClr val="dk1"/>
-          </a:effectRef>
-          <a:fontRef idx="minor">
-            <a:schemeClr val="dk1"/>
-          </a:fontRef>
-        </p:style>
-        <p:txBody>
-          <a:bodyPr vert="horz" wrap="square" lIns="91440" tIns="45720" rIns="91440" bIns="45720" numCol="1" anchor="ctr" anchorCtr="0" compatLnSpc="1">
-            <a:prstTxWarp prst="textNoShape">
-              <a:avLst/>
-            </a:prstTxWarp>
-            <a:spAutoFit/>
-          </a:bodyPr>
-          <a:lstStyle/>
-          <a:p>
-            <a:pPr marL="0" lvl="0" indent="0" defTabSz="346075" eaLnBrk="0" fontAlgn="base" hangingPunct="0">
-              <a:lnSpc>
-                <a:spcPct val="100000"/>
-              </a:lnSpc>
-              <a:spcBef>
-                <a:spcPct val="0"/>
-              </a:spcBef>
-              <a:spcAft>
-                <a:spcPct val="0"/>
-              </a:spcAft>
-              <a:buNone/>
-            </a:pPr>
-            <a:r>
-              <a:rPr lang="fr-FR" altLang="fr-FR" sz="1400" dirty="0" smtClean="0">
-                <a:solidFill>
-                  <a:schemeClr val="accent1">
-                    <a:lumMod val="75000"/>
-                  </a:schemeClr>
-                </a:solidFill>
-                <a:latin typeface="Bookman Old Style" panose="02050604050505020204" pitchFamily="18" charset="0"/>
-              </a:rPr>
-              <a:t>public </a:t>
-            </a:r>
-            <a:r>
-              <a:rPr lang="fr-FR" altLang="fr-FR" sz="1400" dirty="0">
-                <a:solidFill>
-                  <a:schemeClr val="accent1">
-                    <a:lumMod val="75000"/>
-                  </a:schemeClr>
-                </a:solidFill>
-                <a:latin typeface="Bookman Old Style" panose="02050604050505020204" pitchFamily="18" charset="0"/>
-              </a:rPr>
-              <a:t>class Dollar20Dispenser </a:t>
-            </a:r>
-            <a:r>
-              <a:rPr lang="fr-FR" altLang="fr-FR" sz="1400" dirty="0" err="1">
-                <a:solidFill>
-                  <a:schemeClr val="accent1">
-                    <a:lumMod val="75000"/>
-                  </a:schemeClr>
-                </a:solidFill>
-                <a:latin typeface="Bookman Old Style" panose="02050604050505020204" pitchFamily="18" charset="0"/>
-              </a:rPr>
-              <a:t>implements</a:t>
-            </a:r>
-            <a:r>
-              <a:rPr lang="fr-FR" altLang="fr-FR" sz="1400" dirty="0">
-                <a:solidFill>
-                  <a:schemeClr val="accent1">
-                    <a:lumMod val="75000"/>
-                  </a:schemeClr>
-                </a:solidFill>
-                <a:latin typeface="Bookman Old Style" panose="02050604050505020204" pitchFamily="18" charset="0"/>
-              </a:rPr>
-              <a:t> </a:t>
-            </a:r>
-            <a:r>
-              <a:rPr lang="fr-FR" altLang="fr-FR" sz="1400" dirty="0" err="1">
-                <a:solidFill>
-                  <a:schemeClr val="accent1">
-                    <a:lumMod val="75000"/>
-                  </a:schemeClr>
-                </a:solidFill>
-                <a:latin typeface="Bookman Old Style" panose="02050604050505020204" pitchFamily="18" charset="0"/>
-              </a:rPr>
-              <a:t>DispenseChain</a:t>
-            </a:r>
-            <a:r>
-              <a:rPr lang="fr-FR" altLang="fr-FR" sz="1400" dirty="0" smtClean="0">
-                <a:solidFill>
-                  <a:schemeClr val="accent1">
-                    <a:lumMod val="75000"/>
-                  </a:schemeClr>
-                </a:solidFill>
-                <a:latin typeface="Bookman Old Style" panose="02050604050505020204" pitchFamily="18" charset="0"/>
-              </a:rPr>
-              <a:t>{</a:t>
-            </a:r>
-            <a:endParaRPr lang="fr-FR" altLang="fr-FR" sz="1400" dirty="0">
-              <a:solidFill>
-                <a:schemeClr val="accent1">
-                  <a:lumMod val="75000"/>
-                </a:schemeClr>
-              </a:solidFill>
-              <a:latin typeface="Bookman Old Style" panose="02050604050505020204" pitchFamily="18" charset="0"/>
-            </a:endParaRPr>
-          </a:p>
-          <a:p>
-            <a:pPr marL="0" lvl="0" indent="0" defTabSz="346075" eaLnBrk="0" fontAlgn="base" hangingPunct="0">
-              <a:lnSpc>
-                <a:spcPct val="100000"/>
-              </a:lnSpc>
-              <a:spcBef>
-                <a:spcPct val="0"/>
-              </a:spcBef>
-              <a:spcAft>
-                <a:spcPct val="0"/>
-              </a:spcAft>
-              <a:buNone/>
-            </a:pPr>
-            <a:r>
-              <a:rPr lang="fr-FR" altLang="fr-FR" sz="1400" dirty="0">
-                <a:solidFill>
-                  <a:schemeClr val="accent1">
-                    <a:lumMod val="75000"/>
-                  </a:schemeClr>
-                </a:solidFill>
-                <a:latin typeface="Bookman Old Style" panose="02050604050505020204" pitchFamily="18" charset="0"/>
-              </a:rPr>
-              <a:t>	</a:t>
-            </a:r>
-            <a:r>
-              <a:rPr lang="fr-FR" altLang="fr-FR" sz="1400" dirty="0" err="1">
-                <a:solidFill>
-                  <a:schemeClr val="accent1">
-                    <a:lumMod val="75000"/>
-                  </a:schemeClr>
-                </a:solidFill>
-                <a:latin typeface="Bookman Old Style" panose="02050604050505020204" pitchFamily="18" charset="0"/>
-              </a:rPr>
-              <a:t>private</a:t>
-            </a:r>
-            <a:r>
-              <a:rPr lang="fr-FR" altLang="fr-FR" sz="1400" dirty="0">
-                <a:solidFill>
-                  <a:schemeClr val="accent1">
-                    <a:lumMod val="75000"/>
-                  </a:schemeClr>
-                </a:solidFill>
-                <a:latin typeface="Bookman Old Style" panose="02050604050505020204" pitchFamily="18" charset="0"/>
-              </a:rPr>
-              <a:t> </a:t>
-            </a:r>
-            <a:r>
-              <a:rPr lang="fr-FR" altLang="fr-FR" sz="1400" dirty="0" err="1">
-                <a:solidFill>
-                  <a:schemeClr val="accent1">
-                    <a:lumMod val="75000"/>
-                  </a:schemeClr>
-                </a:solidFill>
-                <a:latin typeface="Bookman Old Style" panose="02050604050505020204" pitchFamily="18" charset="0"/>
-              </a:rPr>
-              <a:t>DispenseChain</a:t>
-            </a:r>
-            <a:r>
-              <a:rPr lang="fr-FR" altLang="fr-FR" sz="1400" dirty="0">
-                <a:solidFill>
-                  <a:schemeClr val="accent1">
-                    <a:lumMod val="75000"/>
-                  </a:schemeClr>
-                </a:solidFill>
-                <a:latin typeface="Bookman Old Style" panose="02050604050505020204" pitchFamily="18" charset="0"/>
-              </a:rPr>
-              <a:t> </a:t>
-            </a:r>
-            <a:r>
-              <a:rPr lang="fr-FR" altLang="fr-FR" sz="1400" dirty="0" err="1">
-                <a:solidFill>
-                  <a:schemeClr val="accent1">
-                    <a:lumMod val="75000"/>
-                  </a:schemeClr>
-                </a:solidFill>
-                <a:latin typeface="Bookman Old Style" panose="02050604050505020204" pitchFamily="18" charset="0"/>
-              </a:rPr>
-              <a:t>chain</a:t>
-            </a:r>
-            <a:r>
-              <a:rPr lang="fr-FR" altLang="fr-FR" sz="1400" dirty="0" smtClean="0">
-                <a:solidFill>
-                  <a:schemeClr val="accent1">
-                    <a:lumMod val="75000"/>
-                  </a:schemeClr>
-                </a:solidFill>
-                <a:latin typeface="Bookman Old Style" panose="02050604050505020204" pitchFamily="18" charset="0"/>
-              </a:rPr>
-              <a:t>;</a:t>
-            </a:r>
-            <a:endParaRPr lang="fr-FR" altLang="fr-FR" sz="1400" dirty="0">
-              <a:solidFill>
-                <a:schemeClr val="accent1">
-                  <a:lumMod val="75000"/>
-                </a:schemeClr>
-              </a:solidFill>
-              <a:latin typeface="Bookman Old Style" panose="02050604050505020204" pitchFamily="18" charset="0"/>
-            </a:endParaRPr>
-          </a:p>
-          <a:p>
-            <a:pPr marL="0" lvl="0" indent="0" defTabSz="346075" eaLnBrk="0" fontAlgn="base" hangingPunct="0">
-              <a:lnSpc>
-                <a:spcPct val="100000"/>
-              </a:lnSpc>
-              <a:spcBef>
-                <a:spcPct val="0"/>
-              </a:spcBef>
-              <a:spcAft>
-                <a:spcPct val="0"/>
-              </a:spcAft>
-              <a:buNone/>
-            </a:pPr>
-            <a:r>
-              <a:rPr lang="fr-FR" altLang="fr-FR" sz="1400" dirty="0">
-                <a:solidFill>
-                  <a:schemeClr val="accent1">
-                    <a:lumMod val="75000"/>
-                  </a:schemeClr>
-                </a:solidFill>
-                <a:latin typeface="Bookman Old Style" panose="02050604050505020204" pitchFamily="18" charset="0"/>
-              </a:rPr>
-              <a:t>	@</a:t>
-            </a:r>
-            <a:r>
-              <a:rPr lang="fr-FR" altLang="fr-FR" sz="1400" dirty="0" err="1">
-                <a:solidFill>
-                  <a:schemeClr val="accent1">
-                    <a:lumMod val="75000"/>
-                  </a:schemeClr>
-                </a:solidFill>
-                <a:latin typeface="Bookman Old Style" panose="02050604050505020204" pitchFamily="18" charset="0"/>
-              </a:rPr>
-              <a:t>Override</a:t>
-            </a:r>
-            <a:endParaRPr lang="fr-FR" altLang="fr-FR" sz="1400" dirty="0">
-              <a:solidFill>
-                <a:schemeClr val="accent1">
-                  <a:lumMod val="75000"/>
-                </a:schemeClr>
-              </a:solidFill>
-              <a:latin typeface="Bookman Old Style" panose="02050604050505020204" pitchFamily="18" charset="0"/>
-            </a:endParaRPr>
-          </a:p>
-          <a:p>
-            <a:pPr marL="0" lvl="0" indent="0" defTabSz="346075" eaLnBrk="0" fontAlgn="base" hangingPunct="0">
-              <a:lnSpc>
-                <a:spcPct val="100000"/>
-              </a:lnSpc>
-              <a:spcBef>
-                <a:spcPct val="0"/>
-              </a:spcBef>
-              <a:spcAft>
-                <a:spcPct val="0"/>
-              </a:spcAft>
-              <a:buNone/>
-            </a:pPr>
-            <a:r>
-              <a:rPr lang="fr-FR" altLang="fr-FR" sz="1400" dirty="0">
-                <a:solidFill>
-                  <a:schemeClr val="accent1">
-                    <a:lumMod val="75000"/>
-                  </a:schemeClr>
-                </a:solidFill>
-                <a:latin typeface="Bookman Old Style" panose="02050604050505020204" pitchFamily="18" charset="0"/>
-              </a:rPr>
-              <a:t>	public </a:t>
-            </a:r>
-            <a:r>
-              <a:rPr lang="fr-FR" altLang="fr-FR" sz="1400" dirty="0" err="1">
-                <a:solidFill>
-                  <a:schemeClr val="accent1">
-                    <a:lumMod val="75000"/>
-                  </a:schemeClr>
-                </a:solidFill>
-                <a:latin typeface="Bookman Old Style" panose="02050604050505020204" pitchFamily="18" charset="0"/>
-              </a:rPr>
-              <a:t>void</a:t>
-            </a:r>
-            <a:r>
-              <a:rPr lang="fr-FR" altLang="fr-FR" sz="1400" dirty="0">
-                <a:solidFill>
-                  <a:schemeClr val="accent1">
-                    <a:lumMod val="75000"/>
-                  </a:schemeClr>
-                </a:solidFill>
-                <a:latin typeface="Bookman Old Style" panose="02050604050505020204" pitchFamily="18" charset="0"/>
-              </a:rPr>
-              <a:t> </a:t>
-            </a:r>
-            <a:r>
-              <a:rPr lang="fr-FR" altLang="fr-FR" sz="1400" dirty="0" err="1">
-                <a:solidFill>
-                  <a:schemeClr val="accent1">
-                    <a:lumMod val="75000"/>
-                  </a:schemeClr>
-                </a:solidFill>
-                <a:latin typeface="Bookman Old Style" panose="02050604050505020204" pitchFamily="18" charset="0"/>
-              </a:rPr>
-              <a:t>setNextChain</a:t>
-            </a:r>
-            <a:r>
-              <a:rPr lang="fr-FR" altLang="fr-FR" sz="1400" dirty="0">
-                <a:solidFill>
-                  <a:schemeClr val="accent1">
-                    <a:lumMod val="75000"/>
-                  </a:schemeClr>
-                </a:solidFill>
-                <a:latin typeface="Bookman Old Style" panose="02050604050505020204" pitchFamily="18" charset="0"/>
-              </a:rPr>
-              <a:t>(</a:t>
-            </a:r>
-            <a:r>
-              <a:rPr lang="fr-FR" altLang="fr-FR" sz="1400" dirty="0" err="1">
-                <a:solidFill>
-                  <a:schemeClr val="accent1">
-                    <a:lumMod val="75000"/>
-                  </a:schemeClr>
-                </a:solidFill>
-                <a:latin typeface="Bookman Old Style" panose="02050604050505020204" pitchFamily="18" charset="0"/>
-              </a:rPr>
-              <a:t>DispenseChain</a:t>
-            </a:r>
-            <a:r>
-              <a:rPr lang="fr-FR" altLang="fr-FR" sz="1400" dirty="0">
-                <a:solidFill>
-                  <a:schemeClr val="accent1">
-                    <a:lumMod val="75000"/>
-                  </a:schemeClr>
-                </a:solidFill>
-                <a:latin typeface="Bookman Old Style" panose="02050604050505020204" pitchFamily="18" charset="0"/>
-              </a:rPr>
-              <a:t> </a:t>
-            </a:r>
-            <a:r>
-              <a:rPr lang="fr-FR" altLang="fr-FR" sz="1400" dirty="0" err="1">
-                <a:solidFill>
-                  <a:schemeClr val="accent1">
-                    <a:lumMod val="75000"/>
-                  </a:schemeClr>
-                </a:solidFill>
-                <a:latin typeface="Bookman Old Style" panose="02050604050505020204" pitchFamily="18" charset="0"/>
-              </a:rPr>
-              <a:t>nextChain</a:t>
-            </a:r>
-            <a:r>
-              <a:rPr lang="fr-FR" altLang="fr-FR" sz="1400" dirty="0">
-                <a:solidFill>
-                  <a:schemeClr val="accent1">
-                    <a:lumMod val="75000"/>
-                  </a:schemeClr>
-                </a:solidFill>
-                <a:latin typeface="Bookman Old Style" panose="02050604050505020204" pitchFamily="18" charset="0"/>
-              </a:rPr>
-              <a:t>) {</a:t>
-            </a:r>
-          </a:p>
-          <a:p>
-            <a:pPr marL="0" lvl="0" indent="0" defTabSz="346075" eaLnBrk="0" fontAlgn="base" hangingPunct="0">
-              <a:lnSpc>
-                <a:spcPct val="100000"/>
-              </a:lnSpc>
-              <a:spcBef>
-                <a:spcPct val="0"/>
-              </a:spcBef>
-              <a:spcAft>
-                <a:spcPct val="0"/>
-              </a:spcAft>
-              <a:buNone/>
-            </a:pPr>
-            <a:r>
-              <a:rPr lang="fr-FR" altLang="fr-FR" sz="1400" dirty="0">
-                <a:solidFill>
-                  <a:schemeClr val="accent1">
-                    <a:lumMod val="75000"/>
-                  </a:schemeClr>
-                </a:solidFill>
-                <a:latin typeface="Bookman Old Style" panose="02050604050505020204" pitchFamily="18" charset="0"/>
-              </a:rPr>
-              <a:t>		</a:t>
-            </a:r>
-            <a:r>
-              <a:rPr lang="fr-FR" altLang="fr-FR" sz="1400" dirty="0" err="1" smtClean="0">
-                <a:solidFill>
-                  <a:schemeClr val="accent1">
-                    <a:lumMod val="75000"/>
-                  </a:schemeClr>
-                </a:solidFill>
-                <a:latin typeface="Bookman Old Style" panose="02050604050505020204" pitchFamily="18" charset="0"/>
-              </a:rPr>
-              <a:t>this.chain</a:t>
-            </a:r>
-            <a:r>
-              <a:rPr lang="fr-FR" altLang="fr-FR" sz="1400" dirty="0" smtClean="0">
-                <a:solidFill>
-                  <a:schemeClr val="accent1">
-                    <a:lumMod val="75000"/>
-                  </a:schemeClr>
-                </a:solidFill>
-                <a:latin typeface="Bookman Old Style" panose="02050604050505020204" pitchFamily="18" charset="0"/>
-              </a:rPr>
-              <a:t> = </a:t>
-            </a:r>
-            <a:r>
-              <a:rPr lang="fr-FR" altLang="fr-FR" sz="1400" dirty="0" err="1" smtClean="0">
-                <a:solidFill>
-                  <a:schemeClr val="accent1">
-                    <a:lumMod val="75000"/>
-                  </a:schemeClr>
-                </a:solidFill>
-                <a:latin typeface="Bookman Old Style" panose="02050604050505020204" pitchFamily="18" charset="0"/>
-              </a:rPr>
-              <a:t>nextChain</a:t>
-            </a:r>
-            <a:r>
-              <a:rPr lang="fr-FR" altLang="fr-FR" sz="1400" dirty="0">
-                <a:solidFill>
-                  <a:schemeClr val="accent1">
-                    <a:lumMod val="75000"/>
-                  </a:schemeClr>
-                </a:solidFill>
-                <a:latin typeface="Bookman Old Style" panose="02050604050505020204" pitchFamily="18" charset="0"/>
-              </a:rPr>
-              <a:t>;</a:t>
-            </a:r>
-          </a:p>
-          <a:p>
-            <a:pPr marL="0" lvl="0" indent="0" defTabSz="346075" eaLnBrk="0" fontAlgn="base" hangingPunct="0">
-              <a:lnSpc>
-                <a:spcPct val="100000"/>
-              </a:lnSpc>
-              <a:spcBef>
-                <a:spcPct val="0"/>
-              </a:spcBef>
-              <a:spcAft>
-                <a:spcPct val="0"/>
-              </a:spcAft>
-              <a:buNone/>
-            </a:pPr>
-            <a:r>
-              <a:rPr lang="fr-FR" altLang="fr-FR" sz="1400" dirty="0">
-                <a:solidFill>
-                  <a:schemeClr val="accent1">
-                    <a:lumMod val="75000"/>
-                  </a:schemeClr>
-                </a:solidFill>
-                <a:latin typeface="Bookman Old Style" panose="02050604050505020204" pitchFamily="18" charset="0"/>
-              </a:rPr>
-              <a:t>	</a:t>
-            </a:r>
-            <a:r>
-              <a:rPr lang="fr-FR" altLang="fr-FR" sz="1400" dirty="0" smtClean="0">
-                <a:solidFill>
-                  <a:schemeClr val="accent1">
-                    <a:lumMod val="75000"/>
-                  </a:schemeClr>
-                </a:solidFill>
-                <a:latin typeface="Bookman Old Style" panose="02050604050505020204" pitchFamily="18" charset="0"/>
-              </a:rPr>
-              <a:t>}</a:t>
-            </a:r>
-            <a:endParaRPr lang="fr-FR" altLang="fr-FR" sz="1400" dirty="0">
-              <a:solidFill>
-                <a:schemeClr val="accent1">
-                  <a:lumMod val="75000"/>
-                </a:schemeClr>
-              </a:solidFill>
-              <a:latin typeface="Bookman Old Style" panose="02050604050505020204" pitchFamily="18" charset="0"/>
-            </a:endParaRPr>
-          </a:p>
-          <a:p>
-            <a:pPr marL="0" lvl="0" indent="0" defTabSz="346075" eaLnBrk="0" fontAlgn="base" hangingPunct="0">
-              <a:lnSpc>
-                <a:spcPct val="100000"/>
-              </a:lnSpc>
-              <a:spcBef>
-                <a:spcPct val="0"/>
-              </a:spcBef>
-              <a:spcAft>
-                <a:spcPct val="0"/>
-              </a:spcAft>
-              <a:buNone/>
-            </a:pPr>
-            <a:r>
-              <a:rPr lang="fr-FR" altLang="fr-FR" sz="1400" dirty="0">
-                <a:solidFill>
-                  <a:schemeClr val="accent1">
-                    <a:lumMod val="75000"/>
-                  </a:schemeClr>
-                </a:solidFill>
-                <a:latin typeface="Bookman Old Style" panose="02050604050505020204" pitchFamily="18" charset="0"/>
-              </a:rPr>
-              <a:t>	@</a:t>
-            </a:r>
-            <a:r>
-              <a:rPr lang="fr-FR" altLang="fr-FR" sz="1400" dirty="0" err="1">
-                <a:solidFill>
-                  <a:schemeClr val="accent1">
-                    <a:lumMod val="75000"/>
-                  </a:schemeClr>
-                </a:solidFill>
-                <a:latin typeface="Bookman Old Style" panose="02050604050505020204" pitchFamily="18" charset="0"/>
-              </a:rPr>
-              <a:t>Override</a:t>
-            </a:r>
-            <a:endParaRPr lang="fr-FR" altLang="fr-FR" sz="1400" dirty="0">
-              <a:solidFill>
-                <a:schemeClr val="accent1">
-                  <a:lumMod val="75000"/>
-                </a:schemeClr>
-              </a:solidFill>
-              <a:latin typeface="Bookman Old Style" panose="02050604050505020204" pitchFamily="18" charset="0"/>
-            </a:endParaRPr>
-          </a:p>
-          <a:p>
-            <a:pPr marL="0" lvl="0" indent="0" defTabSz="346075" eaLnBrk="0" fontAlgn="base" hangingPunct="0">
-              <a:lnSpc>
-                <a:spcPct val="100000"/>
-              </a:lnSpc>
-              <a:spcBef>
-                <a:spcPct val="0"/>
-              </a:spcBef>
-              <a:spcAft>
-                <a:spcPct val="0"/>
-              </a:spcAft>
-              <a:buNone/>
-            </a:pPr>
-            <a:r>
-              <a:rPr lang="fr-FR" altLang="fr-FR" sz="1400" dirty="0">
-                <a:solidFill>
-                  <a:schemeClr val="accent1">
-                    <a:lumMod val="75000"/>
-                  </a:schemeClr>
-                </a:solidFill>
-                <a:latin typeface="Bookman Old Style" panose="02050604050505020204" pitchFamily="18" charset="0"/>
-              </a:rPr>
-              <a:t>	public </a:t>
-            </a:r>
-            <a:r>
-              <a:rPr lang="fr-FR" altLang="fr-FR" sz="1400" dirty="0" err="1">
-                <a:solidFill>
-                  <a:schemeClr val="accent1">
-                    <a:lumMod val="75000"/>
-                  </a:schemeClr>
-                </a:solidFill>
-                <a:latin typeface="Bookman Old Style" panose="02050604050505020204" pitchFamily="18" charset="0"/>
-              </a:rPr>
-              <a:t>void</a:t>
-            </a:r>
-            <a:r>
-              <a:rPr lang="fr-FR" altLang="fr-FR" sz="1400" dirty="0">
-                <a:solidFill>
-                  <a:schemeClr val="accent1">
-                    <a:lumMod val="75000"/>
-                  </a:schemeClr>
-                </a:solidFill>
-                <a:latin typeface="Bookman Old Style" panose="02050604050505020204" pitchFamily="18" charset="0"/>
-              </a:rPr>
-              <a:t> dispense(</a:t>
-            </a:r>
-            <a:r>
-              <a:rPr lang="fr-FR" altLang="fr-FR" sz="1400" dirty="0" err="1">
-                <a:solidFill>
-                  <a:schemeClr val="accent1">
-                    <a:lumMod val="75000"/>
-                  </a:schemeClr>
-                </a:solidFill>
-                <a:latin typeface="Bookman Old Style" panose="02050604050505020204" pitchFamily="18" charset="0"/>
-              </a:rPr>
-              <a:t>Currency</a:t>
-            </a:r>
-            <a:r>
-              <a:rPr lang="fr-FR" altLang="fr-FR" sz="1400" dirty="0">
-                <a:solidFill>
-                  <a:schemeClr val="accent1">
-                    <a:lumMod val="75000"/>
-                  </a:schemeClr>
-                </a:solidFill>
-                <a:latin typeface="Bookman Old Style" panose="02050604050505020204" pitchFamily="18" charset="0"/>
-              </a:rPr>
-              <a:t> </a:t>
-            </a:r>
-            <a:r>
-              <a:rPr lang="fr-FR" altLang="fr-FR" sz="1400" dirty="0" err="1">
-                <a:solidFill>
-                  <a:schemeClr val="accent1">
-                    <a:lumMod val="75000"/>
-                  </a:schemeClr>
-                </a:solidFill>
-                <a:latin typeface="Bookman Old Style" panose="02050604050505020204" pitchFamily="18" charset="0"/>
-              </a:rPr>
-              <a:t>cur</a:t>
-            </a:r>
-            <a:r>
-              <a:rPr lang="fr-FR" altLang="fr-FR" sz="1400" dirty="0">
-                <a:solidFill>
-                  <a:schemeClr val="accent1">
-                    <a:lumMod val="75000"/>
-                  </a:schemeClr>
-                </a:solidFill>
-                <a:latin typeface="Bookman Old Style" panose="02050604050505020204" pitchFamily="18" charset="0"/>
-              </a:rPr>
-              <a:t>) {</a:t>
-            </a:r>
-          </a:p>
-          <a:p>
-            <a:pPr marL="0" lvl="0" indent="0" defTabSz="346075" eaLnBrk="0" fontAlgn="base" hangingPunct="0">
-              <a:lnSpc>
-                <a:spcPct val="100000"/>
-              </a:lnSpc>
-              <a:spcBef>
-                <a:spcPct val="0"/>
-              </a:spcBef>
-              <a:spcAft>
-                <a:spcPct val="0"/>
-              </a:spcAft>
-              <a:buNone/>
-            </a:pPr>
-            <a:r>
-              <a:rPr lang="fr-FR" altLang="fr-FR" sz="1400" dirty="0">
-                <a:solidFill>
-                  <a:schemeClr val="accent1">
-                    <a:lumMod val="75000"/>
-                  </a:schemeClr>
-                </a:solidFill>
-                <a:latin typeface="Bookman Old Style" panose="02050604050505020204" pitchFamily="18" charset="0"/>
-              </a:rPr>
-              <a:t>		if(</a:t>
-            </a:r>
-            <a:r>
-              <a:rPr lang="fr-FR" altLang="fr-FR" sz="1400" dirty="0" err="1">
-                <a:solidFill>
-                  <a:schemeClr val="accent1">
-                    <a:lumMod val="75000"/>
-                  </a:schemeClr>
-                </a:solidFill>
-                <a:latin typeface="Bookman Old Style" panose="02050604050505020204" pitchFamily="18" charset="0"/>
-              </a:rPr>
-              <a:t>cur.getAmount</a:t>
-            </a:r>
-            <a:r>
-              <a:rPr lang="fr-FR" altLang="fr-FR" sz="1400" dirty="0">
-                <a:solidFill>
-                  <a:schemeClr val="accent1">
-                    <a:lumMod val="75000"/>
-                  </a:schemeClr>
-                </a:solidFill>
-                <a:latin typeface="Bookman Old Style" panose="02050604050505020204" pitchFamily="18" charset="0"/>
-              </a:rPr>
-              <a:t>() &gt;= 20){</a:t>
-            </a:r>
-          </a:p>
-          <a:p>
-            <a:pPr marL="0" lvl="0" indent="0" defTabSz="346075" eaLnBrk="0" fontAlgn="base" hangingPunct="0">
-              <a:lnSpc>
-                <a:spcPct val="100000"/>
-              </a:lnSpc>
-              <a:spcBef>
-                <a:spcPct val="0"/>
-              </a:spcBef>
-              <a:spcAft>
-                <a:spcPct val="0"/>
-              </a:spcAft>
-              <a:buNone/>
-            </a:pPr>
-            <a:r>
-              <a:rPr lang="fr-FR" altLang="fr-FR" sz="1400" dirty="0">
-                <a:solidFill>
-                  <a:schemeClr val="accent1">
-                    <a:lumMod val="75000"/>
-                  </a:schemeClr>
-                </a:solidFill>
-                <a:latin typeface="Bookman Old Style" panose="02050604050505020204" pitchFamily="18" charset="0"/>
-              </a:rPr>
-              <a:t>			</a:t>
-            </a:r>
-            <a:r>
-              <a:rPr lang="fr-FR" altLang="fr-FR" sz="1400" dirty="0" err="1">
-                <a:solidFill>
-                  <a:schemeClr val="accent1">
-                    <a:lumMod val="75000"/>
-                  </a:schemeClr>
-                </a:solidFill>
-                <a:latin typeface="Bookman Old Style" panose="02050604050505020204" pitchFamily="18" charset="0"/>
-              </a:rPr>
-              <a:t>int</a:t>
-            </a:r>
-            <a:r>
-              <a:rPr lang="fr-FR" altLang="fr-FR" sz="1400" dirty="0">
-                <a:solidFill>
-                  <a:schemeClr val="accent1">
-                    <a:lumMod val="75000"/>
-                  </a:schemeClr>
-                </a:solidFill>
-                <a:latin typeface="Bookman Old Style" panose="02050604050505020204" pitchFamily="18" charset="0"/>
-              </a:rPr>
-              <a:t> </a:t>
-            </a:r>
-            <a:r>
-              <a:rPr lang="fr-FR" altLang="fr-FR" sz="1400" dirty="0" err="1">
-                <a:solidFill>
-                  <a:schemeClr val="accent1">
-                    <a:lumMod val="75000"/>
-                  </a:schemeClr>
-                </a:solidFill>
-                <a:latin typeface="Bookman Old Style" panose="02050604050505020204" pitchFamily="18" charset="0"/>
-              </a:rPr>
-              <a:t>num</a:t>
-            </a:r>
-            <a:r>
-              <a:rPr lang="fr-FR" altLang="fr-FR" sz="1400" dirty="0">
-                <a:solidFill>
-                  <a:schemeClr val="accent1">
-                    <a:lumMod val="75000"/>
-                  </a:schemeClr>
-                </a:solidFill>
-                <a:latin typeface="Bookman Old Style" panose="02050604050505020204" pitchFamily="18" charset="0"/>
-              </a:rPr>
-              <a:t> = </a:t>
-            </a:r>
-            <a:r>
-              <a:rPr lang="fr-FR" altLang="fr-FR" sz="1400" dirty="0" err="1">
-                <a:solidFill>
-                  <a:schemeClr val="accent1">
-                    <a:lumMod val="75000"/>
-                  </a:schemeClr>
-                </a:solidFill>
-                <a:latin typeface="Bookman Old Style" panose="02050604050505020204" pitchFamily="18" charset="0"/>
-              </a:rPr>
-              <a:t>cur.getAmount</a:t>
-            </a:r>
-            <a:r>
-              <a:rPr lang="fr-FR" altLang="fr-FR" sz="1400" dirty="0">
-                <a:solidFill>
-                  <a:schemeClr val="accent1">
-                    <a:lumMod val="75000"/>
-                  </a:schemeClr>
-                </a:solidFill>
-                <a:latin typeface="Bookman Old Style" panose="02050604050505020204" pitchFamily="18" charset="0"/>
-              </a:rPr>
-              <a:t>()/20;</a:t>
-            </a:r>
-          </a:p>
-          <a:p>
-            <a:pPr marL="0" lvl="0" indent="0" defTabSz="346075" eaLnBrk="0" fontAlgn="base" hangingPunct="0">
-              <a:lnSpc>
-                <a:spcPct val="100000"/>
-              </a:lnSpc>
-              <a:spcBef>
-                <a:spcPct val="0"/>
-              </a:spcBef>
-              <a:spcAft>
-                <a:spcPct val="0"/>
-              </a:spcAft>
-              <a:buNone/>
-            </a:pPr>
-            <a:r>
-              <a:rPr lang="fr-FR" altLang="fr-FR" sz="1400" dirty="0">
-                <a:solidFill>
-                  <a:schemeClr val="accent1">
-                    <a:lumMod val="75000"/>
-                  </a:schemeClr>
-                </a:solidFill>
-                <a:latin typeface="Bookman Old Style" panose="02050604050505020204" pitchFamily="18" charset="0"/>
-              </a:rPr>
-              <a:t>			</a:t>
-            </a:r>
-            <a:r>
-              <a:rPr lang="fr-FR" altLang="fr-FR" sz="1400" dirty="0" err="1">
-                <a:solidFill>
-                  <a:schemeClr val="accent1">
-                    <a:lumMod val="75000"/>
-                  </a:schemeClr>
-                </a:solidFill>
-                <a:latin typeface="Bookman Old Style" panose="02050604050505020204" pitchFamily="18" charset="0"/>
-              </a:rPr>
-              <a:t>int</a:t>
-            </a:r>
-            <a:r>
-              <a:rPr lang="fr-FR" altLang="fr-FR" sz="1400" dirty="0">
-                <a:solidFill>
-                  <a:schemeClr val="accent1">
-                    <a:lumMod val="75000"/>
-                  </a:schemeClr>
-                </a:solidFill>
-                <a:latin typeface="Bookman Old Style" panose="02050604050505020204" pitchFamily="18" charset="0"/>
-              </a:rPr>
-              <a:t> </a:t>
-            </a:r>
-            <a:r>
-              <a:rPr lang="fr-FR" altLang="fr-FR" sz="1400" dirty="0" err="1">
-                <a:solidFill>
-                  <a:schemeClr val="accent1">
-                    <a:lumMod val="75000"/>
-                  </a:schemeClr>
-                </a:solidFill>
-                <a:latin typeface="Bookman Old Style" panose="02050604050505020204" pitchFamily="18" charset="0"/>
-              </a:rPr>
-              <a:t>remainder</a:t>
-            </a:r>
-            <a:r>
-              <a:rPr lang="fr-FR" altLang="fr-FR" sz="1400" dirty="0">
-                <a:solidFill>
-                  <a:schemeClr val="accent1">
-                    <a:lumMod val="75000"/>
-                  </a:schemeClr>
-                </a:solidFill>
-                <a:latin typeface="Bookman Old Style" panose="02050604050505020204" pitchFamily="18" charset="0"/>
-              </a:rPr>
-              <a:t> = </a:t>
-            </a:r>
-            <a:r>
-              <a:rPr lang="fr-FR" altLang="fr-FR" sz="1400" dirty="0" err="1">
-                <a:solidFill>
-                  <a:schemeClr val="accent1">
-                    <a:lumMod val="75000"/>
-                  </a:schemeClr>
-                </a:solidFill>
-                <a:latin typeface="Bookman Old Style" panose="02050604050505020204" pitchFamily="18" charset="0"/>
-              </a:rPr>
-              <a:t>cur.getAmount</a:t>
-            </a:r>
-            <a:r>
-              <a:rPr lang="fr-FR" altLang="fr-FR" sz="1400" dirty="0">
-                <a:solidFill>
-                  <a:schemeClr val="accent1">
-                    <a:lumMod val="75000"/>
-                  </a:schemeClr>
-                </a:solidFill>
-                <a:latin typeface="Bookman Old Style" panose="02050604050505020204" pitchFamily="18" charset="0"/>
-              </a:rPr>
-              <a:t>() % 20;</a:t>
-            </a:r>
-          </a:p>
-          <a:p>
-            <a:pPr marL="0" lvl="0" indent="0" defTabSz="346075" eaLnBrk="0" fontAlgn="base" hangingPunct="0">
-              <a:lnSpc>
-                <a:spcPct val="100000"/>
-              </a:lnSpc>
-              <a:spcBef>
-                <a:spcPct val="0"/>
-              </a:spcBef>
-              <a:spcAft>
-                <a:spcPct val="0"/>
-              </a:spcAft>
-              <a:buNone/>
-            </a:pPr>
-            <a:r>
-              <a:rPr lang="fr-FR" altLang="fr-FR" sz="1400" dirty="0">
-                <a:solidFill>
-                  <a:schemeClr val="accent1">
-                    <a:lumMod val="75000"/>
-                  </a:schemeClr>
-                </a:solidFill>
-                <a:latin typeface="Bookman Old Style" panose="02050604050505020204" pitchFamily="18" charset="0"/>
-              </a:rPr>
-              <a:t>			</a:t>
-            </a:r>
-            <a:r>
-              <a:rPr lang="fr-FR" altLang="fr-FR" sz="1400" dirty="0" err="1">
-                <a:solidFill>
-                  <a:schemeClr val="accent1">
-                    <a:lumMod val="75000"/>
-                  </a:schemeClr>
-                </a:solidFill>
-                <a:latin typeface="Bookman Old Style" panose="02050604050505020204" pitchFamily="18" charset="0"/>
-              </a:rPr>
-              <a:t>System.out.println</a:t>
-            </a:r>
-            <a:r>
-              <a:rPr lang="fr-FR" altLang="fr-FR" sz="1400" dirty="0">
-                <a:solidFill>
-                  <a:schemeClr val="accent1">
-                    <a:lumMod val="75000"/>
-                  </a:schemeClr>
-                </a:solidFill>
-                <a:latin typeface="Bookman Old Style" panose="02050604050505020204" pitchFamily="18" charset="0"/>
-              </a:rPr>
-              <a:t>("</a:t>
-            </a:r>
-            <a:r>
-              <a:rPr lang="fr-FR" altLang="fr-FR" sz="1400" dirty="0" err="1">
-                <a:solidFill>
-                  <a:schemeClr val="accent1">
-                    <a:lumMod val="75000"/>
-                  </a:schemeClr>
-                </a:solidFill>
-                <a:latin typeface="Bookman Old Style" panose="02050604050505020204" pitchFamily="18" charset="0"/>
-              </a:rPr>
-              <a:t>Dispensing</a:t>
-            </a:r>
-            <a:r>
-              <a:rPr lang="fr-FR" altLang="fr-FR" sz="1400" dirty="0">
-                <a:solidFill>
-                  <a:schemeClr val="accent1">
-                    <a:lumMod val="75000"/>
-                  </a:schemeClr>
-                </a:solidFill>
-                <a:latin typeface="Bookman Old Style" panose="02050604050505020204" pitchFamily="18" charset="0"/>
-              </a:rPr>
-              <a:t> "+</a:t>
-            </a:r>
-            <a:r>
-              <a:rPr lang="fr-FR" altLang="fr-FR" sz="1400" dirty="0" err="1">
-                <a:solidFill>
-                  <a:schemeClr val="accent1">
-                    <a:lumMod val="75000"/>
-                  </a:schemeClr>
-                </a:solidFill>
-                <a:latin typeface="Bookman Old Style" panose="02050604050505020204" pitchFamily="18" charset="0"/>
-              </a:rPr>
-              <a:t>num</a:t>
-            </a:r>
-            <a:r>
-              <a:rPr lang="fr-FR" altLang="fr-FR" sz="1400" dirty="0">
-                <a:solidFill>
-                  <a:schemeClr val="accent1">
-                    <a:lumMod val="75000"/>
-                  </a:schemeClr>
-                </a:solidFill>
-                <a:latin typeface="Bookman Old Style" panose="02050604050505020204" pitchFamily="18" charset="0"/>
-              </a:rPr>
-              <a:t>+" 20$ note");</a:t>
-            </a:r>
-          </a:p>
-          <a:p>
-            <a:pPr marL="0" lvl="0" indent="0" defTabSz="346075" eaLnBrk="0" fontAlgn="base" hangingPunct="0">
-              <a:lnSpc>
-                <a:spcPct val="100000"/>
-              </a:lnSpc>
-              <a:spcBef>
-                <a:spcPct val="0"/>
-              </a:spcBef>
-              <a:spcAft>
-                <a:spcPct val="0"/>
-              </a:spcAft>
-              <a:buNone/>
-            </a:pPr>
-            <a:r>
-              <a:rPr lang="fr-FR" altLang="fr-FR" sz="1400" dirty="0">
-                <a:solidFill>
-                  <a:schemeClr val="accent1">
-                    <a:lumMod val="75000"/>
-                  </a:schemeClr>
-                </a:solidFill>
-                <a:latin typeface="Bookman Old Style" panose="02050604050505020204" pitchFamily="18" charset="0"/>
-              </a:rPr>
-              <a:t>			if(</a:t>
-            </a:r>
-            <a:r>
-              <a:rPr lang="fr-FR" altLang="fr-FR" sz="1400" dirty="0" err="1">
-                <a:solidFill>
-                  <a:schemeClr val="accent1">
-                    <a:lumMod val="75000"/>
-                  </a:schemeClr>
-                </a:solidFill>
-                <a:latin typeface="Bookman Old Style" panose="02050604050505020204" pitchFamily="18" charset="0"/>
-              </a:rPr>
-              <a:t>remainder</a:t>
-            </a:r>
-            <a:r>
-              <a:rPr lang="fr-FR" altLang="fr-FR" sz="1400" dirty="0">
-                <a:solidFill>
-                  <a:schemeClr val="accent1">
-                    <a:lumMod val="75000"/>
-                  </a:schemeClr>
-                </a:solidFill>
-                <a:latin typeface="Bookman Old Style" panose="02050604050505020204" pitchFamily="18" charset="0"/>
-              </a:rPr>
-              <a:t> !=0) </a:t>
-            </a:r>
-            <a:r>
-              <a:rPr lang="fr-FR" altLang="fr-FR" sz="1400" dirty="0" smtClean="0">
-                <a:solidFill>
-                  <a:schemeClr val="accent1">
-                    <a:lumMod val="75000"/>
-                  </a:schemeClr>
-                </a:solidFill>
-                <a:latin typeface="Bookman Old Style" panose="02050604050505020204" pitchFamily="18" charset="0"/>
-              </a:rPr>
-              <a:t>{ </a:t>
-            </a:r>
-            <a:r>
-              <a:rPr lang="fr-FR" altLang="fr-FR" sz="1400" dirty="0" err="1" smtClean="0">
-                <a:solidFill>
-                  <a:schemeClr val="accent1">
-                    <a:lumMod val="75000"/>
-                  </a:schemeClr>
-                </a:solidFill>
-                <a:latin typeface="Bookman Old Style" panose="02050604050505020204" pitchFamily="18" charset="0"/>
-              </a:rPr>
-              <a:t>this.chain.dispense</a:t>
-            </a:r>
-            <a:r>
-              <a:rPr lang="fr-FR" altLang="fr-FR" sz="1400" dirty="0" smtClean="0">
-                <a:solidFill>
-                  <a:schemeClr val="accent1">
-                    <a:lumMod val="75000"/>
-                  </a:schemeClr>
-                </a:solidFill>
-                <a:latin typeface="Bookman Old Style" panose="02050604050505020204" pitchFamily="18" charset="0"/>
-              </a:rPr>
-              <a:t>(new </a:t>
-            </a:r>
-            <a:r>
-              <a:rPr lang="fr-FR" altLang="fr-FR" sz="1400" dirty="0" err="1">
-                <a:solidFill>
-                  <a:schemeClr val="accent1">
-                    <a:lumMod val="75000"/>
-                  </a:schemeClr>
-                </a:solidFill>
-                <a:latin typeface="Bookman Old Style" panose="02050604050505020204" pitchFamily="18" charset="0"/>
-              </a:rPr>
-              <a:t>Currency</a:t>
-            </a:r>
-            <a:r>
-              <a:rPr lang="fr-FR" altLang="fr-FR" sz="1400" dirty="0">
-                <a:solidFill>
-                  <a:schemeClr val="accent1">
-                    <a:lumMod val="75000"/>
-                  </a:schemeClr>
-                </a:solidFill>
-                <a:latin typeface="Bookman Old Style" panose="02050604050505020204" pitchFamily="18" charset="0"/>
-              </a:rPr>
-              <a:t>(</a:t>
-            </a:r>
-            <a:r>
-              <a:rPr lang="fr-FR" altLang="fr-FR" sz="1400" dirty="0" err="1">
-                <a:solidFill>
-                  <a:schemeClr val="accent1">
-                    <a:lumMod val="75000"/>
-                  </a:schemeClr>
-                </a:solidFill>
-                <a:latin typeface="Bookman Old Style" panose="02050604050505020204" pitchFamily="18" charset="0"/>
-              </a:rPr>
-              <a:t>remainder</a:t>
-            </a:r>
-            <a:r>
-              <a:rPr lang="fr-FR" altLang="fr-FR" sz="1400" dirty="0" smtClean="0">
-                <a:solidFill>
-                  <a:schemeClr val="accent1">
-                    <a:lumMod val="75000"/>
-                  </a:schemeClr>
-                </a:solidFill>
-                <a:latin typeface="Bookman Old Style" panose="02050604050505020204" pitchFamily="18" charset="0"/>
-              </a:rPr>
-              <a:t>)); }</a:t>
-            </a:r>
-            <a:endParaRPr lang="fr-FR" altLang="fr-FR" sz="1400" dirty="0">
-              <a:solidFill>
-                <a:schemeClr val="accent1">
-                  <a:lumMod val="75000"/>
-                </a:schemeClr>
-              </a:solidFill>
-              <a:latin typeface="Bookman Old Style" panose="02050604050505020204" pitchFamily="18" charset="0"/>
-            </a:endParaRPr>
-          </a:p>
-          <a:p>
-            <a:pPr marL="0" lvl="0" indent="0" defTabSz="346075" eaLnBrk="0" fontAlgn="base" hangingPunct="0">
-              <a:lnSpc>
-                <a:spcPct val="100000"/>
-              </a:lnSpc>
-              <a:spcBef>
-                <a:spcPct val="0"/>
-              </a:spcBef>
-              <a:spcAft>
-                <a:spcPct val="0"/>
-              </a:spcAft>
-              <a:buNone/>
-            </a:pPr>
-            <a:r>
-              <a:rPr lang="fr-FR" altLang="fr-FR" sz="1400" dirty="0">
-                <a:solidFill>
-                  <a:schemeClr val="accent1">
-                    <a:lumMod val="75000"/>
-                  </a:schemeClr>
-                </a:solidFill>
-                <a:latin typeface="Bookman Old Style" panose="02050604050505020204" pitchFamily="18" charset="0"/>
-              </a:rPr>
-              <a:t>		}</a:t>
-            </a:r>
-            <a:r>
-              <a:rPr lang="fr-FR" altLang="fr-FR" sz="1400" dirty="0" err="1">
-                <a:solidFill>
-                  <a:schemeClr val="accent1">
-                    <a:lumMod val="75000"/>
-                  </a:schemeClr>
-                </a:solidFill>
-                <a:latin typeface="Bookman Old Style" panose="02050604050505020204" pitchFamily="18" charset="0"/>
-              </a:rPr>
-              <a:t>else</a:t>
-            </a:r>
-            <a:r>
-              <a:rPr lang="fr-FR" altLang="fr-FR" sz="1400" dirty="0">
-                <a:solidFill>
-                  <a:schemeClr val="accent1">
-                    <a:lumMod val="75000"/>
-                  </a:schemeClr>
-                </a:solidFill>
-                <a:latin typeface="Bookman Old Style" panose="02050604050505020204" pitchFamily="18" charset="0"/>
-              </a:rPr>
-              <a:t>{</a:t>
-            </a:r>
-          </a:p>
-          <a:p>
-            <a:pPr marL="0" lvl="0" indent="0" defTabSz="346075" eaLnBrk="0" fontAlgn="base" hangingPunct="0">
-              <a:lnSpc>
-                <a:spcPct val="100000"/>
-              </a:lnSpc>
-              <a:spcBef>
-                <a:spcPct val="0"/>
-              </a:spcBef>
-              <a:spcAft>
-                <a:spcPct val="0"/>
-              </a:spcAft>
-              <a:buNone/>
-            </a:pPr>
-            <a:r>
-              <a:rPr lang="fr-FR" altLang="fr-FR" sz="1400" dirty="0">
-                <a:solidFill>
-                  <a:schemeClr val="accent1">
-                    <a:lumMod val="75000"/>
-                  </a:schemeClr>
-                </a:solidFill>
-                <a:latin typeface="Bookman Old Style" panose="02050604050505020204" pitchFamily="18" charset="0"/>
-              </a:rPr>
-              <a:t>			</a:t>
-            </a:r>
-            <a:r>
-              <a:rPr lang="fr-FR" altLang="fr-FR" sz="1400" dirty="0" err="1">
-                <a:solidFill>
-                  <a:schemeClr val="accent1">
-                    <a:lumMod val="75000"/>
-                  </a:schemeClr>
-                </a:solidFill>
-                <a:latin typeface="Bookman Old Style" panose="02050604050505020204" pitchFamily="18" charset="0"/>
-              </a:rPr>
-              <a:t>this.chain.dispense</a:t>
-            </a:r>
-            <a:r>
-              <a:rPr lang="fr-FR" altLang="fr-FR" sz="1400" dirty="0">
-                <a:solidFill>
-                  <a:schemeClr val="accent1">
-                    <a:lumMod val="75000"/>
-                  </a:schemeClr>
-                </a:solidFill>
-                <a:latin typeface="Bookman Old Style" panose="02050604050505020204" pitchFamily="18" charset="0"/>
-              </a:rPr>
-              <a:t>(</a:t>
-            </a:r>
-            <a:r>
-              <a:rPr lang="fr-FR" altLang="fr-FR" sz="1400" dirty="0" err="1">
-                <a:solidFill>
-                  <a:schemeClr val="accent1">
-                    <a:lumMod val="75000"/>
-                  </a:schemeClr>
-                </a:solidFill>
-                <a:latin typeface="Bookman Old Style" panose="02050604050505020204" pitchFamily="18" charset="0"/>
-              </a:rPr>
-              <a:t>cur</a:t>
-            </a:r>
-            <a:r>
-              <a:rPr lang="fr-FR" altLang="fr-FR" sz="1400" dirty="0">
-                <a:solidFill>
-                  <a:schemeClr val="accent1">
-                    <a:lumMod val="75000"/>
-                  </a:schemeClr>
-                </a:solidFill>
-                <a:latin typeface="Bookman Old Style" panose="02050604050505020204" pitchFamily="18" charset="0"/>
-              </a:rPr>
-              <a:t>);</a:t>
-            </a:r>
-          </a:p>
-          <a:p>
-            <a:pPr marL="0" lvl="0" indent="0" defTabSz="346075" eaLnBrk="0" fontAlgn="base" hangingPunct="0">
-              <a:lnSpc>
-                <a:spcPct val="100000"/>
-              </a:lnSpc>
-              <a:spcBef>
-                <a:spcPct val="0"/>
-              </a:spcBef>
-              <a:spcAft>
-                <a:spcPct val="0"/>
-              </a:spcAft>
-              <a:buNone/>
-            </a:pPr>
-            <a:r>
-              <a:rPr lang="fr-FR" altLang="fr-FR" sz="1400" dirty="0">
-                <a:solidFill>
-                  <a:schemeClr val="accent1">
-                    <a:lumMod val="75000"/>
-                  </a:schemeClr>
-                </a:solidFill>
-                <a:latin typeface="Bookman Old Style" panose="02050604050505020204" pitchFamily="18" charset="0"/>
-              </a:rPr>
-              <a:t>		}</a:t>
-            </a:r>
-          </a:p>
-          <a:p>
-            <a:pPr marL="0" lvl="0" indent="0" defTabSz="346075" eaLnBrk="0" fontAlgn="base" hangingPunct="0">
-              <a:lnSpc>
-                <a:spcPct val="100000"/>
-              </a:lnSpc>
-              <a:spcBef>
-                <a:spcPct val="0"/>
-              </a:spcBef>
-              <a:spcAft>
-                <a:spcPct val="0"/>
-              </a:spcAft>
-              <a:buNone/>
-            </a:pPr>
-            <a:r>
-              <a:rPr lang="fr-FR" altLang="fr-FR" sz="1400" dirty="0">
-                <a:solidFill>
-                  <a:schemeClr val="accent1">
-                    <a:lumMod val="75000"/>
-                  </a:schemeClr>
-                </a:solidFill>
-                <a:latin typeface="Bookman Old Style" panose="02050604050505020204" pitchFamily="18" charset="0"/>
-              </a:rPr>
-              <a:t>	</a:t>
-            </a:r>
-            <a:r>
-              <a:rPr lang="fr-FR" altLang="fr-FR" sz="1400" dirty="0" smtClean="0">
-                <a:solidFill>
-                  <a:schemeClr val="accent1">
-                    <a:lumMod val="75000"/>
-                  </a:schemeClr>
-                </a:solidFill>
-                <a:latin typeface="Bookman Old Style" panose="02050604050505020204" pitchFamily="18" charset="0"/>
-              </a:rPr>
-              <a:t>}</a:t>
-            </a:r>
-            <a:endParaRPr lang="fr-FR" altLang="fr-FR" sz="1400" dirty="0">
-              <a:solidFill>
-                <a:schemeClr val="accent1">
-                  <a:lumMod val="75000"/>
-                </a:schemeClr>
-              </a:solidFill>
-              <a:latin typeface="Bookman Old Style" panose="02050604050505020204" pitchFamily="18" charset="0"/>
-            </a:endParaRPr>
-          </a:p>
-          <a:p>
-            <a:pPr marL="0" lvl="0" indent="0" defTabSz="346075" eaLnBrk="0" fontAlgn="base" hangingPunct="0">
-              <a:lnSpc>
-                <a:spcPct val="100000"/>
-              </a:lnSpc>
-              <a:spcBef>
-                <a:spcPct val="0"/>
-              </a:spcBef>
-              <a:spcAft>
-                <a:spcPct val="0"/>
-              </a:spcAft>
-              <a:buNone/>
-            </a:pPr>
-            <a:r>
-              <a:rPr lang="fr-FR" altLang="fr-FR" sz="1400" dirty="0" smtClean="0">
-                <a:solidFill>
-                  <a:schemeClr val="accent1">
-                    <a:lumMod val="75000"/>
-                  </a:schemeClr>
-                </a:solidFill>
-                <a:latin typeface="Bookman Old Style" panose="02050604050505020204" pitchFamily="18" charset="0"/>
-              </a:rPr>
-              <a:t>}</a:t>
-            </a:r>
-          </a:p>
-          <a:p>
-            <a:pPr marL="0" lvl="0" indent="0" defTabSz="346075" eaLnBrk="0" fontAlgn="base" hangingPunct="0">
-              <a:lnSpc>
-                <a:spcPct val="100000"/>
-              </a:lnSpc>
-              <a:spcBef>
-                <a:spcPct val="0"/>
-              </a:spcBef>
-              <a:spcAft>
-                <a:spcPct val="0"/>
-              </a:spcAft>
-              <a:buNone/>
-            </a:pPr>
-            <a:endParaRPr lang="fr-FR" altLang="fr-FR" sz="1400" dirty="0">
-              <a:solidFill>
-                <a:schemeClr val="accent1">
-                  <a:lumMod val="75000"/>
-                </a:schemeClr>
-              </a:solidFill>
-              <a:latin typeface="Bookman Old Style" panose="02050604050505020204" pitchFamily="18" charset="0"/>
-            </a:endParaRPr>
-          </a:p>
-        </p:txBody>
-      </p:sp>
-    </p:spTree>
-    <p:extLst>
-      <p:ext uri="{BB962C8B-B14F-4D97-AF65-F5344CB8AC3E}">
-        <p14:creationId xmlns:p14="http://schemas.microsoft.com/office/powerpoint/2010/main" val="2654447209"/>
-      </p:ext>
-    </p:extLst>
-  </p:cSld>
-  <p:clrMapOvr>
-    <a:masterClrMapping/>
-  </p:clrMapOvr>
-</p:sld>
-</file>
-
-<file path=ppt/slides/slide11.xml><?xml version="1.0" encoding="utf-8"?>
-<p:sld xmlns:a="http://schemas.openxmlformats.org/drawingml/2006/main" xmlns:r="http://schemas.openxmlformats.org/officeDocument/2006/relationships" xmlns:p="http://schemas.openxmlformats.org/presentationml/2006/main">
-  <p:cSld>
-    <p:spTree>
-      <p:nvGrpSpPr>
-        <p:cNvPr id="1" name=""/>
-        <p:cNvGrpSpPr/>
-        <p:nvPr/>
-      </p:nvGrpSpPr>
-      <p:grpSpPr>
-        <a:xfrm>
-          <a:off x="0" y="0"/>
-          <a:ext cx="0" cy="0"/>
-          <a:chOff x="0" y="0"/>
-          <a:chExt cx="0" cy="0"/>
-        </a:xfrm>
-      </p:grpSpPr>
-      <p:sp>
-        <p:nvSpPr>
-          <p:cNvPr id="2" name="Titre 1"/>
-          <p:cNvSpPr>
-            <a:spLocks noGrp="1"/>
-          </p:cNvSpPr>
-          <p:nvPr>
-            <p:ph type="title"/>
-          </p:nvPr>
-        </p:nvSpPr>
-        <p:spPr/>
-        <p:txBody>
-          <a:bodyPr/>
-          <a:lstStyle/>
-          <a:p>
-            <a:r>
-              <a:rPr lang="fr-CH" dirty="0"/>
-              <a:t>Exemple d’implémentation </a:t>
-            </a:r>
-            <a:r>
-              <a:rPr lang="fr-CH" dirty="0" smtClean="0"/>
-              <a:t>(4)</a:t>
-            </a:r>
-            <a:endParaRPr lang="fr-CH" dirty="0"/>
-          </a:p>
-        </p:txBody>
-      </p:sp>
-      <p:sp>
-        <p:nvSpPr>
-          <p:cNvPr id="5" name="Rectangle 2"/>
-          <p:cNvSpPr>
-            <a:spLocks noGrp="1" noChangeArrowheads="1"/>
-          </p:cNvSpPr>
-          <p:nvPr>
-            <p:ph idx="1"/>
-          </p:nvPr>
-        </p:nvSpPr>
-        <p:spPr bwMode="auto">
-          <a:xfrm>
-            <a:off x="838200" y="1739868"/>
-            <a:ext cx="10515600" cy="4185761"/>
-          </a:xfrm>
-          <a:prstGeom prst="rect">
-            <a:avLst/>
-          </a:prstGeom>
-          <a:ln w="19050"/>
-        </p:spPr>
-        <p:style>
-          <a:lnRef idx="2">
-            <a:schemeClr val="dk1"/>
-          </a:lnRef>
-          <a:fillRef idx="1">
-            <a:schemeClr val="lt1"/>
-          </a:fillRef>
-          <a:effectRef idx="0">
-            <a:schemeClr val="dk1"/>
-          </a:effectRef>
-          <a:fontRef idx="minor">
-            <a:schemeClr val="dk1"/>
-          </a:fontRef>
-        </p:style>
-        <p:txBody>
-          <a:bodyPr vert="horz" wrap="square" lIns="91440" tIns="45720" rIns="91440" bIns="45720" numCol="1" anchor="ctr" anchorCtr="0" compatLnSpc="1">
-            <a:prstTxWarp prst="textNoShape">
-              <a:avLst/>
-            </a:prstTxWarp>
-            <a:spAutoFit/>
-          </a:bodyPr>
-          <a:lstStyle/>
-          <a:p>
-            <a:pPr marL="0" lvl="0" indent="0" defTabSz="346075" eaLnBrk="0" fontAlgn="base" hangingPunct="0">
-              <a:lnSpc>
-                <a:spcPct val="100000"/>
-              </a:lnSpc>
-              <a:spcBef>
-                <a:spcPct val="0"/>
-              </a:spcBef>
-              <a:spcAft>
-                <a:spcPct val="0"/>
-              </a:spcAft>
-              <a:buNone/>
-            </a:pPr>
-            <a:r>
-              <a:rPr lang="fr-FR" altLang="fr-FR" sz="1400" dirty="0" smtClean="0">
-                <a:solidFill>
-                  <a:schemeClr val="accent1">
-                    <a:lumMod val="75000"/>
-                  </a:schemeClr>
-                </a:solidFill>
-                <a:latin typeface="Bookman Old Style" panose="02050604050505020204" pitchFamily="18" charset="0"/>
-              </a:rPr>
-              <a:t>public </a:t>
-            </a:r>
-            <a:r>
-              <a:rPr lang="fr-FR" altLang="fr-FR" sz="1400" dirty="0">
-                <a:solidFill>
-                  <a:schemeClr val="accent1">
-                    <a:lumMod val="75000"/>
-                  </a:schemeClr>
-                </a:solidFill>
-                <a:latin typeface="Bookman Old Style" panose="02050604050505020204" pitchFamily="18" charset="0"/>
-              </a:rPr>
-              <a:t>class </a:t>
-            </a:r>
-            <a:r>
-              <a:rPr lang="fr-FR" altLang="fr-FR" sz="1400" dirty="0" err="1">
-                <a:solidFill>
-                  <a:schemeClr val="accent1">
-                    <a:lumMod val="75000"/>
-                  </a:schemeClr>
-                </a:solidFill>
-                <a:latin typeface="Bookman Old Style" panose="02050604050505020204" pitchFamily="18" charset="0"/>
-              </a:rPr>
-              <a:t>ATMDispenseChain</a:t>
-            </a:r>
-            <a:r>
-              <a:rPr lang="fr-FR" altLang="fr-FR" sz="1400" dirty="0">
-                <a:solidFill>
-                  <a:schemeClr val="accent1">
-                    <a:lumMod val="75000"/>
-                  </a:schemeClr>
-                </a:solidFill>
-                <a:latin typeface="Bookman Old Style" panose="02050604050505020204" pitchFamily="18" charset="0"/>
-              </a:rPr>
-              <a:t> {</a:t>
-            </a:r>
-          </a:p>
-          <a:p>
-            <a:pPr marL="0" lvl="0" indent="0" defTabSz="346075" eaLnBrk="0" fontAlgn="base" hangingPunct="0">
-              <a:lnSpc>
-                <a:spcPct val="100000"/>
-              </a:lnSpc>
-              <a:spcBef>
-                <a:spcPct val="0"/>
-              </a:spcBef>
-              <a:spcAft>
-                <a:spcPct val="0"/>
-              </a:spcAft>
-              <a:buNone/>
-            </a:pPr>
-            <a:endParaRPr lang="fr-FR" altLang="fr-FR" sz="1400" dirty="0">
-              <a:solidFill>
-                <a:schemeClr val="accent1">
-                  <a:lumMod val="75000"/>
-                </a:schemeClr>
-              </a:solidFill>
-              <a:latin typeface="Bookman Old Style" panose="02050604050505020204" pitchFamily="18" charset="0"/>
-            </a:endParaRPr>
-          </a:p>
-          <a:p>
-            <a:pPr marL="0" lvl="0" indent="0" defTabSz="346075" eaLnBrk="0" fontAlgn="base" hangingPunct="0">
-              <a:lnSpc>
-                <a:spcPct val="100000"/>
-              </a:lnSpc>
-              <a:spcBef>
-                <a:spcPct val="0"/>
-              </a:spcBef>
-              <a:spcAft>
-                <a:spcPct val="0"/>
-              </a:spcAft>
-              <a:buNone/>
-            </a:pPr>
-            <a:r>
-              <a:rPr lang="fr-FR" altLang="fr-FR" sz="1400" dirty="0">
-                <a:solidFill>
-                  <a:schemeClr val="accent1">
-                    <a:lumMod val="75000"/>
-                  </a:schemeClr>
-                </a:solidFill>
-                <a:latin typeface="Bookman Old Style" panose="02050604050505020204" pitchFamily="18" charset="0"/>
-              </a:rPr>
-              <a:t>	</a:t>
-            </a:r>
-            <a:r>
-              <a:rPr lang="fr-FR" altLang="fr-FR" sz="1400" dirty="0" err="1">
-                <a:solidFill>
-                  <a:schemeClr val="accent1">
-                    <a:lumMod val="75000"/>
-                  </a:schemeClr>
-                </a:solidFill>
-                <a:latin typeface="Bookman Old Style" panose="02050604050505020204" pitchFamily="18" charset="0"/>
-              </a:rPr>
-              <a:t>private</a:t>
-            </a:r>
-            <a:r>
-              <a:rPr lang="fr-FR" altLang="fr-FR" sz="1400" dirty="0">
-                <a:solidFill>
-                  <a:schemeClr val="accent1">
-                    <a:lumMod val="75000"/>
-                  </a:schemeClr>
-                </a:solidFill>
-                <a:latin typeface="Bookman Old Style" panose="02050604050505020204" pitchFamily="18" charset="0"/>
-              </a:rPr>
-              <a:t> </a:t>
-            </a:r>
-            <a:r>
-              <a:rPr lang="fr-FR" altLang="fr-FR" sz="1400" dirty="0" err="1">
-                <a:solidFill>
-                  <a:schemeClr val="accent1">
-                    <a:lumMod val="75000"/>
-                  </a:schemeClr>
-                </a:solidFill>
-                <a:latin typeface="Bookman Old Style" panose="02050604050505020204" pitchFamily="18" charset="0"/>
-              </a:rPr>
-              <a:t>DispenseChain</a:t>
-            </a:r>
-            <a:r>
-              <a:rPr lang="fr-FR" altLang="fr-FR" sz="1400" dirty="0">
-                <a:solidFill>
-                  <a:schemeClr val="accent1">
-                    <a:lumMod val="75000"/>
-                  </a:schemeClr>
-                </a:solidFill>
-                <a:latin typeface="Bookman Old Style" panose="02050604050505020204" pitchFamily="18" charset="0"/>
-              </a:rPr>
-              <a:t> c1;</a:t>
-            </a:r>
-          </a:p>
-          <a:p>
-            <a:pPr marL="0" lvl="0" indent="0" defTabSz="346075" eaLnBrk="0" fontAlgn="base" hangingPunct="0">
-              <a:lnSpc>
-                <a:spcPct val="100000"/>
-              </a:lnSpc>
-              <a:spcBef>
-                <a:spcPct val="0"/>
-              </a:spcBef>
-              <a:spcAft>
-                <a:spcPct val="0"/>
-              </a:spcAft>
-              <a:buNone/>
-            </a:pPr>
-            <a:endParaRPr lang="fr-FR" altLang="fr-FR" sz="1400" dirty="0">
-              <a:solidFill>
-                <a:schemeClr val="accent1">
-                  <a:lumMod val="75000"/>
-                </a:schemeClr>
-              </a:solidFill>
-              <a:latin typeface="Bookman Old Style" panose="02050604050505020204" pitchFamily="18" charset="0"/>
-            </a:endParaRPr>
-          </a:p>
-          <a:p>
-            <a:pPr marL="0" lvl="0" indent="0" defTabSz="346075" eaLnBrk="0" fontAlgn="base" hangingPunct="0">
-              <a:lnSpc>
-                <a:spcPct val="100000"/>
-              </a:lnSpc>
-              <a:spcBef>
-                <a:spcPct val="0"/>
-              </a:spcBef>
-              <a:spcAft>
-                <a:spcPct val="0"/>
-              </a:spcAft>
-              <a:buNone/>
-            </a:pPr>
-            <a:r>
-              <a:rPr lang="fr-FR" altLang="fr-FR" sz="1400" dirty="0">
-                <a:solidFill>
-                  <a:schemeClr val="accent1">
-                    <a:lumMod val="75000"/>
-                  </a:schemeClr>
-                </a:solidFill>
-                <a:latin typeface="Bookman Old Style" panose="02050604050505020204" pitchFamily="18" charset="0"/>
-              </a:rPr>
-              <a:t>	public </a:t>
-            </a:r>
-            <a:r>
-              <a:rPr lang="fr-FR" altLang="fr-FR" sz="1400" dirty="0" err="1">
-                <a:solidFill>
-                  <a:schemeClr val="accent1">
-                    <a:lumMod val="75000"/>
-                  </a:schemeClr>
-                </a:solidFill>
-                <a:latin typeface="Bookman Old Style" panose="02050604050505020204" pitchFamily="18" charset="0"/>
-              </a:rPr>
-              <a:t>ATMDispenseChain</a:t>
-            </a:r>
-            <a:r>
-              <a:rPr lang="fr-FR" altLang="fr-FR" sz="1400" dirty="0">
-                <a:solidFill>
-                  <a:schemeClr val="accent1">
-                    <a:lumMod val="75000"/>
-                  </a:schemeClr>
-                </a:solidFill>
-                <a:latin typeface="Bookman Old Style" panose="02050604050505020204" pitchFamily="18" charset="0"/>
-              </a:rPr>
-              <a:t>() {</a:t>
-            </a:r>
-          </a:p>
-          <a:p>
-            <a:pPr marL="0" lvl="0" indent="0" defTabSz="346075" eaLnBrk="0" fontAlgn="base" hangingPunct="0">
-              <a:lnSpc>
-                <a:spcPct val="100000"/>
-              </a:lnSpc>
-              <a:spcBef>
-                <a:spcPct val="0"/>
-              </a:spcBef>
-              <a:spcAft>
-                <a:spcPct val="0"/>
-              </a:spcAft>
-              <a:buNone/>
-            </a:pPr>
-            <a:r>
-              <a:rPr lang="fr-FR" altLang="fr-FR" sz="1400" dirty="0">
-                <a:solidFill>
-                  <a:schemeClr val="accent1">
-                    <a:lumMod val="75000"/>
-                  </a:schemeClr>
-                </a:solidFill>
-                <a:latin typeface="Bookman Old Style" panose="02050604050505020204" pitchFamily="18" charset="0"/>
-              </a:rPr>
-              <a:t>		// </a:t>
-            </a:r>
-            <a:r>
-              <a:rPr lang="fr-FR" altLang="fr-FR" sz="1400" dirty="0" err="1">
-                <a:solidFill>
-                  <a:schemeClr val="accent1">
-                    <a:lumMod val="75000"/>
-                  </a:schemeClr>
-                </a:solidFill>
-                <a:latin typeface="Bookman Old Style" panose="02050604050505020204" pitchFamily="18" charset="0"/>
-              </a:rPr>
-              <a:t>initialize</a:t>
-            </a:r>
-            <a:r>
-              <a:rPr lang="fr-FR" altLang="fr-FR" sz="1400" dirty="0">
-                <a:solidFill>
-                  <a:schemeClr val="accent1">
-                    <a:lumMod val="75000"/>
-                  </a:schemeClr>
-                </a:solidFill>
-                <a:latin typeface="Bookman Old Style" panose="02050604050505020204" pitchFamily="18" charset="0"/>
-              </a:rPr>
-              <a:t> the </a:t>
-            </a:r>
-            <a:r>
-              <a:rPr lang="fr-FR" altLang="fr-FR" sz="1400" dirty="0" err="1">
-                <a:solidFill>
-                  <a:schemeClr val="accent1">
-                    <a:lumMod val="75000"/>
-                  </a:schemeClr>
-                </a:solidFill>
-                <a:latin typeface="Bookman Old Style" panose="02050604050505020204" pitchFamily="18" charset="0"/>
-              </a:rPr>
-              <a:t>chain</a:t>
-            </a:r>
-            <a:endParaRPr lang="fr-FR" altLang="fr-FR" sz="1400" dirty="0">
-              <a:solidFill>
-                <a:schemeClr val="accent1">
-                  <a:lumMod val="75000"/>
-                </a:schemeClr>
-              </a:solidFill>
-              <a:latin typeface="Bookman Old Style" panose="02050604050505020204" pitchFamily="18" charset="0"/>
-            </a:endParaRPr>
-          </a:p>
-          <a:p>
-            <a:pPr marL="0" lvl="0" indent="0" defTabSz="346075" eaLnBrk="0" fontAlgn="base" hangingPunct="0">
-              <a:lnSpc>
-                <a:spcPct val="100000"/>
-              </a:lnSpc>
-              <a:spcBef>
-                <a:spcPct val="0"/>
-              </a:spcBef>
-              <a:spcAft>
-                <a:spcPct val="0"/>
-              </a:spcAft>
-              <a:buNone/>
-            </a:pPr>
-            <a:r>
-              <a:rPr lang="fr-FR" altLang="fr-FR" sz="1400" dirty="0">
-                <a:solidFill>
-                  <a:schemeClr val="accent1">
-                    <a:lumMod val="75000"/>
-                  </a:schemeClr>
-                </a:solidFill>
-                <a:latin typeface="Bookman Old Style" panose="02050604050505020204" pitchFamily="18" charset="0"/>
-              </a:rPr>
-              <a:t>		this.c1 = new Dollar50Dispenser();</a:t>
-            </a:r>
-          </a:p>
-          <a:p>
-            <a:pPr marL="0" lvl="0" indent="0" defTabSz="346075" eaLnBrk="0" fontAlgn="base" hangingPunct="0">
-              <a:lnSpc>
-                <a:spcPct val="100000"/>
-              </a:lnSpc>
-              <a:spcBef>
-                <a:spcPct val="0"/>
-              </a:spcBef>
-              <a:spcAft>
-                <a:spcPct val="0"/>
-              </a:spcAft>
-              <a:buNone/>
-            </a:pPr>
-            <a:r>
-              <a:rPr lang="fr-FR" altLang="fr-FR" sz="1400" dirty="0">
-                <a:solidFill>
-                  <a:schemeClr val="accent1">
-                    <a:lumMod val="75000"/>
-                  </a:schemeClr>
-                </a:solidFill>
-                <a:latin typeface="Bookman Old Style" panose="02050604050505020204" pitchFamily="18" charset="0"/>
-              </a:rPr>
-              <a:t>		</a:t>
-            </a:r>
-            <a:r>
-              <a:rPr lang="fr-FR" altLang="fr-FR" sz="1400" dirty="0" err="1">
-                <a:solidFill>
-                  <a:schemeClr val="accent1">
-                    <a:lumMod val="75000"/>
-                  </a:schemeClr>
-                </a:solidFill>
-                <a:latin typeface="Bookman Old Style" panose="02050604050505020204" pitchFamily="18" charset="0"/>
-              </a:rPr>
-              <a:t>DispenseChain</a:t>
-            </a:r>
-            <a:r>
-              <a:rPr lang="fr-FR" altLang="fr-FR" sz="1400" dirty="0">
-                <a:solidFill>
-                  <a:schemeClr val="accent1">
-                    <a:lumMod val="75000"/>
-                  </a:schemeClr>
-                </a:solidFill>
-                <a:latin typeface="Bookman Old Style" panose="02050604050505020204" pitchFamily="18" charset="0"/>
-              </a:rPr>
-              <a:t> c2 = new Dollar20Dispenser();</a:t>
-            </a:r>
-          </a:p>
-          <a:p>
-            <a:pPr marL="0" lvl="0" indent="0" defTabSz="346075" eaLnBrk="0" fontAlgn="base" hangingPunct="0">
-              <a:lnSpc>
-                <a:spcPct val="100000"/>
-              </a:lnSpc>
-              <a:spcBef>
-                <a:spcPct val="0"/>
-              </a:spcBef>
-              <a:spcAft>
-                <a:spcPct val="0"/>
-              </a:spcAft>
-              <a:buNone/>
-            </a:pPr>
-            <a:r>
-              <a:rPr lang="fr-FR" altLang="fr-FR" sz="1400" dirty="0">
-                <a:solidFill>
-                  <a:schemeClr val="accent1">
-                    <a:lumMod val="75000"/>
-                  </a:schemeClr>
-                </a:solidFill>
-                <a:latin typeface="Bookman Old Style" panose="02050604050505020204" pitchFamily="18" charset="0"/>
-              </a:rPr>
-              <a:t>		</a:t>
-            </a:r>
-            <a:r>
-              <a:rPr lang="fr-FR" altLang="fr-FR" sz="1400" dirty="0" err="1">
-                <a:solidFill>
-                  <a:schemeClr val="accent1">
-                    <a:lumMod val="75000"/>
-                  </a:schemeClr>
-                </a:solidFill>
-                <a:latin typeface="Bookman Old Style" panose="02050604050505020204" pitchFamily="18" charset="0"/>
-              </a:rPr>
-              <a:t>DispenseChain</a:t>
-            </a:r>
-            <a:r>
-              <a:rPr lang="fr-FR" altLang="fr-FR" sz="1400" dirty="0">
-                <a:solidFill>
-                  <a:schemeClr val="accent1">
-                    <a:lumMod val="75000"/>
-                  </a:schemeClr>
-                </a:solidFill>
-                <a:latin typeface="Bookman Old Style" panose="02050604050505020204" pitchFamily="18" charset="0"/>
-              </a:rPr>
-              <a:t> c3 = new Dollar10Dispenser();</a:t>
-            </a:r>
-          </a:p>
-          <a:p>
-            <a:pPr marL="0" lvl="0" indent="0" defTabSz="346075" eaLnBrk="0" fontAlgn="base" hangingPunct="0">
-              <a:lnSpc>
-                <a:spcPct val="100000"/>
-              </a:lnSpc>
-              <a:spcBef>
-                <a:spcPct val="0"/>
-              </a:spcBef>
-              <a:spcAft>
-                <a:spcPct val="0"/>
-              </a:spcAft>
-              <a:buNone/>
-            </a:pPr>
-            <a:endParaRPr lang="fr-FR" altLang="fr-FR" sz="1400" dirty="0">
-              <a:solidFill>
-                <a:schemeClr val="accent1">
-                  <a:lumMod val="75000"/>
-                </a:schemeClr>
-              </a:solidFill>
-              <a:latin typeface="Bookman Old Style" panose="02050604050505020204" pitchFamily="18" charset="0"/>
-            </a:endParaRPr>
-          </a:p>
-          <a:p>
-            <a:pPr marL="0" lvl="0" indent="0" defTabSz="346075" eaLnBrk="0" fontAlgn="base" hangingPunct="0">
-              <a:lnSpc>
-                <a:spcPct val="100000"/>
-              </a:lnSpc>
-              <a:spcBef>
-                <a:spcPct val="0"/>
-              </a:spcBef>
-              <a:spcAft>
-                <a:spcPct val="0"/>
-              </a:spcAft>
-              <a:buNone/>
-            </a:pPr>
-            <a:r>
-              <a:rPr lang="fr-FR" altLang="fr-FR" sz="1400" dirty="0">
-                <a:solidFill>
-                  <a:schemeClr val="accent1">
-                    <a:lumMod val="75000"/>
-                  </a:schemeClr>
-                </a:solidFill>
-                <a:latin typeface="Bookman Old Style" panose="02050604050505020204" pitchFamily="18" charset="0"/>
-              </a:rPr>
-              <a:t>		// set the </a:t>
-            </a:r>
-            <a:r>
-              <a:rPr lang="fr-FR" altLang="fr-FR" sz="1400" dirty="0" err="1">
-                <a:solidFill>
-                  <a:schemeClr val="accent1">
-                    <a:lumMod val="75000"/>
-                  </a:schemeClr>
-                </a:solidFill>
-                <a:latin typeface="Bookman Old Style" panose="02050604050505020204" pitchFamily="18" charset="0"/>
-              </a:rPr>
-              <a:t>chain</a:t>
-            </a:r>
-            <a:r>
-              <a:rPr lang="fr-FR" altLang="fr-FR" sz="1400" dirty="0">
-                <a:solidFill>
-                  <a:schemeClr val="accent1">
-                    <a:lumMod val="75000"/>
-                  </a:schemeClr>
-                </a:solidFill>
-                <a:latin typeface="Bookman Old Style" panose="02050604050505020204" pitchFamily="18" charset="0"/>
-              </a:rPr>
-              <a:t> of </a:t>
-            </a:r>
-            <a:r>
-              <a:rPr lang="fr-FR" altLang="fr-FR" sz="1400" dirty="0" err="1">
-                <a:solidFill>
-                  <a:schemeClr val="accent1">
-                    <a:lumMod val="75000"/>
-                  </a:schemeClr>
-                </a:solidFill>
-                <a:latin typeface="Bookman Old Style" panose="02050604050505020204" pitchFamily="18" charset="0"/>
-              </a:rPr>
-              <a:t>responsibility</a:t>
-            </a:r>
-            <a:endParaRPr lang="fr-FR" altLang="fr-FR" sz="1400" dirty="0">
-              <a:solidFill>
-                <a:schemeClr val="accent1">
-                  <a:lumMod val="75000"/>
-                </a:schemeClr>
-              </a:solidFill>
-              <a:latin typeface="Bookman Old Style" panose="02050604050505020204" pitchFamily="18" charset="0"/>
-            </a:endParaRPr>
-          </a:p>
-          <a:p>
-            <a:pPr marL="0" lvl="0" indent="0" defTabSz="346075" eaLnBrk="0" fontAlgn="base" hangingPunct="0">
-              <a:lnSpc>
-                <a:spcPct val="100000"/>
-              </a:lnSpc>
-              <a:spcBef>
-                <a:spcPct val="0"/>
-              </a:spcBef>
-              <a:spcAft>
-                <a:spcPct val="0"/>
-              </a:spcAft>
-              <a:buNone/>
-            </a:pPr>
-            <a:r>
-              <a:rPr lang="fr-FR" altLang="fr-FR" sz="1400" dirty="0">
-                <a:solidFill>
-                  <a:schemeClr val="accent1">
-                    <a:lumMod val="75000"/>
-                  </a:schemeClr>
-                </a:solidFill>
-                <a:latin typeface="Bookman Old Style" panose="02050604050505020204" pitchFamily="18" charset="0"/>
-              </a:rPr>
-              <a:t>		c1.setNextChain(c2);</a:t>
-            </a:r>
-          </a:p>
-          <a:p>
-            <a:pPr marL="0" lvl="0" indent="0" defTabSz="346075" eaLnBrk="0" fontAlgn="base" hangingPunct="0">
-              <a:lnSpc>
-                <a:spcPct val="100000"/>
-              </a:lnSpc>
-              <a:spcBef>
-                <a:spcPct val="0"/>
-              </a:spcBef>
-              <a:spcAft>
-                <a:spcPct val="0"/>
-              </a:spcAft>
-              <a:buNone/>
-            </a:pPr>
-            <a:r>
-              <a:rPr lang="fr-FR" altLang="fr-FR" sz="1400" dirty="0">
-                <a:solidFill>
-                  <a:schemeClr val="accent1">
-                    <a:lumMod val="75000"/>
-                  </a:schemeClr>
-                </a:solidFill>
-                <a:latin typeface="Bookman Old Style" panose="02050604050505020204" pitchFamily="18" charset="0"/>
-              </a:rPr>
-              <a:t>		c2.setNextChain(c3);</a:t>
-            </a:r>
-          </a:p>
-          <a:p>
-            <a:pPr marL="0" lvl="0" indent="0" defTabSz="346075" eaLnBrk="0" fontAlgn="base" hangingPunct="0">
-              <a:lnSpc>
-                <a:spcPct val="100000"/>
-              </a:lnSpc>
-              <a:spcBef>
-                <a:spcPct val="0"/>
-              </a:spcBef>
-              <a:spcAft>
-                <a:spcPct val="0"/>
-              </a:spcAft>
-              <a:buNone/>
-            </a:pPr>
-            <a:r>
-              <a:rPr lang="fr-FR" altLang="fr-FR" sz="1400" dirty="0">
-                <a:solidFill>
-                  <a:schemeClr val="accent1">
-                    <a:lumMod val="75000"/>
-                  </a:schemeClr>
-                </a:solidFill>
-                <a:latin typeface="Bookman Old Style" panose="02050604050505020204" pitchFamily="18" charset="0"/>
-              </a:rPr>
-              <a:t>	}</a:t>
-            </a:r>
-          </a:p>
-          <a:p>
-            <a:pPr marL="0" lvl="0" indent="0" defTabSz="346075" eaLnBrk="0" fontAlgn="base" hangingPunct="0">
-              <a:lnSpc>
-                <a:spcPct val="100000"/>
-              </a:lnSpc>
-              <a:spcBef>
-                <a:spcPct val="0"/>
-              </a:spcBef>
-              <a:spcAft>
-                <a:spcPct val="0"/>
-              </a:spcAft>
-              <a:buNone/>
-            </a:pPr>
-            <a:endParaRPr lang="fr-FR" altLang="fr-FR" sz="1400" dirty="0">
-              <a:solidFill>
-                <a:schemeClr val="accent1">
-                  <a:lumMod val="75000"/>
-                </a:schemeClr>
-              </a:solidFill>
-              <a:latin typeface="Bookman Old Style" panose="02050604050505020204" pitchFamily="18" charset="0"/>
-            </a:endParaRPr>
-          </a:p>
-          <a:p>
-            <a:pPr marL="0" lvl="0" indent="0" defTabSz="346075" eaLnBrk="0" fontAlgn="base" hangingPunct="0">
-              <a:lnSpc>
-                <a:spcPct val="100000"/>
-              </a:lnSpc>
-              <a:spcBef>
-                <a:spcPct val="0"/>
-              </a:spcBef>
-              <a:spcAft>
-                <a:spcPct val="0"/>
-              </a:spcAft>
-              <a:buNone/>
-            </a:pPr>
-            <a:r>
-              <a:rPr lang="fr-FR" altLang="fr-FR" sz="1400" dirty="0">
-                <a:solidFill>
-                  <a:schemeClr val="accent1">
-                    <a:lumMod val="75000"/>
-                  </a:schemeClr>
-                </a:solidFill>
-                <a:latin typeface="Bookman Old Style" panose="02050604050505020204" pitchFamily="18" charset="0"/>
-              </a:rPr>
-              <a:t>	public </a:t>
-            </a:r>
-            <a:r>
-              <a:rPr lang="fr-FR" altLang="fr-FR" sz="1400" dirty="0" err="1">
-                <a:solidFill>
-                  <a:schemeClr val="accent1">
-                    <a:lumMod val="75000"/>
-                  </a:schemeClr>
-                </a:solidFill>
-                <a:latin typeface="Bookman Old Style" panose="02050604050505020204" pitchFamily="18" charset="0"/>
-              </a:rPr>
-              <a:t>static</a:t>
-            </a:r>
-            <a:r>
-              <a:rPr lang="fr-FR" altLang="fr-FR" sz="1400" dirty="0">
-                <a:solidFill>
-                  <a:schemeClr val="accent1">
-                    <a:lumMod val="75000"/>
-                  </a:schemeClr>
-                </a:solidFill>
-                <a:latin typeface="Bookman Old Style" panose="02050604050505020204" pitchFamily="18" charset="0"/>
-              </a:rPr>
-              <a:t> </a:t>
-            </a:r>
-            <a:r>
-              <a:rPr lang="fr-FR" altLang="fr-FR" sz="1400" dirty="0" err="1">
-                <a:solidFill>
-                  <a:schemeClr val="accent1">
-                    <a:lumMod val="75000"/>
-                  </a:schemeClr>
-                </a:solidFill>
-                <a:latin typeface="Bookman Old Style" panose="02050604050505020204" pitchFamily="18" charset="0"/>
-              </a:rPr>
-              <a:t>void</a:t>
-            </a:r>
-            <a:r>
-              <a:rPr lang="fr-FR" altLang="fr-FR" sz="1400" dirty="0">
-                <a:solidFill>
-                  <a:schemeClr val="accent1">
-                    <a:lumMod val="75000"/>
-                  </a:schemeClr>
-                </a:solidFill>
-                <a:latin typeface="Bookman Old Style" panose="02050604050505020204" pitchFamily="18" charset="0"/>
-              </a:rPr>
-              <a:t> main(String[] </a:t>
-            </a:r>
-            <a:r>
-              <a:rPr lang="fr-FR" altLang="fr-FR" sz="1400" dirty="0" err="1">
-                <a:solidFill>
-                  <a:schemeClr val="accent1">
-                    <a:lumMod val="75000"/>
-                  </a:schemeClr>
-                </a:solidFill>
-                <a:latin typeface="Bookman Old Style" panose="02050604050505020204" pitchFamily="18" charset="0"/>
-              </a:rPr>
-              <a:t>args</a:t>
-            </a:r>
-            <a:r>
-              <a:rPr lang="fr-FR" altLang="fr-FR" sz="1400" dirty="0">
-                <a:solidFill>
-                  <a:schemeClr val="accent1">
-                    <a:lumMod val="75000"/>
-                  </a:schemeClr>
-                </a:solidFill>
-                <a:latin typeface="Bookman Old Style" panose="02050604050505020204" pitchFamily="18" charset="0"/>
-              </a:rPr>
-              <a:t>) </a:t>
-            </a:r>
-            <a:r>
-              <a:rPr lang="fr-FR" altLang="fr-FR" sz="1400" dirty="0" smtClean="0">
-                <a:solidFill>
-                  <a:schemeClr val="accent1">
-                    <a:lumMod val="75000"/>
-                  </a:schemeClr>
-                </a:solidFill>
-                <a:latin typeface="Bookman Old Style" panose="02050604050505020204" pitchFamily="18" charset="0"/>
-              </a:rPr>
-              <a:t>{</a:t>
-            </a:r>
-          </a:p>
-          <a:p>
-            <a:pPr marL="0" lvl="0" indent="0" defTabSz="346075" eaLnBrk="0" fontAlgn="base" hangingPunct="0">
-              <a:lnSpc>
-                <a:spcPct val="100000"/>
-              </a:lnSpc>
-              <a:spcBef>
-                <a:spcPct val="0"/>
-              </a:spcBef>
-              <a:spcAft>
-                <a:spcPct val="0"/>
-              </a:spcAft>
-              <a:buNone/>
-            </a:pPr>
-            <a:r>
-              <a:rPr lang="fr-FR" altLang="fr-FR" sz="1400" dirty="0">
-                <a:solidFill>
-                  <a:schemeClr val="accent1">
-                    <a:lumMod val="75000"/>
-                  </a:schemeClr>
-                </a:solidFill>
-                <a:latin typeface="Bookman Old Style" panose="02050604050505020204" pitchFamily="18" charset="0"/>
-              </a:rPr>
-              <a:t>	</a:t>
-            </a:r>
-            <a:r>
-              <a:rPr lang="fr-FR" altLang="fr-FR" sz="1400" dirty="0" smtClean="0">
-                <a:solidFill>
-                  <a:schemeClr val="accent1">
-                    <a:lumMod val="75000"/>
-                  </a:schemeClr>
-                </a:solidFill>
-                <a:latin typeface="Bookman Old Style" panose="02050604050505020204" pitchFamily="18" charset="0"/>
-              </a:rPr>
-              <a:t>	/* </a:t>
-            </a:r>
-            <a:r>
-              <a:rPr lang="fr-FR" altLang="fr-FR" sz="1400" dirty="0" err="1" smtClean="0">
-                <a:solidFill>
-                  <a:schemeClr val="accent1">
-                    <a:lumMod val="75000"/>
-                  </a:schemeClr>
-                </a:solidFill>
-                <a:latin typeface="Bookman Old Style" panose="02050604050505020204" pitchFamily="18" charset="0"/>
-              </a:rPr>
-              <a:t>some</a:t>
-            </a:r>
-            <a:r>
-              <a:rPr lang="fr-FR" altLang="fr-FR" sz="1400" dirty="0" smtClean="0">
-                <a:solidFill>
-                  <a:schemeClr val="accent1">
-                    <a:lumMod val="75000"/>
-                  </a:schemeClr>
-                </a:solidFill>
-                <a:latin typeface="Bookman Old Style" panose="02050604050505020204" pitchFamily="18" charset="0"/>
-              </a:rPr>
-              <a:t> code to </a:t>
-            </a:r>
-            <a:r>
-              <a:rPr lang="fr-FR" altLang="fr-FR" sz="1400" dirty="0" err="1" smtClean="0">
-                <a:solidFill>
-                  <a:schemeClr val="accent1">
-                    <a:lumMod val="75000"/>
-                  </a:schemeClr>
-                </a:solidFill>
-                <a:latin typeface="Bookman Old Style" panose="02050604050505020204" pitchFamily="18" charset="0"/>
-              </a:rPr>
-              <a:t>make</a:t>
-            </a:r>
-            <a:r>
-              <a:rPr lang="fr-FR" altLang="fr-FR" sz="1400" dirty="0" smtClean="0">
-                <a:solidFill>
-                  <a:schemeClr val="accent1">
-                    <a:lumMod val="75000"/>
-                  </a:schemeClr>
-                </a:solidFill>
-                <a:latin typeface="Bookman Old Style" panose="02050604050505020204" pitchFamily="18" charset="0"/>
-              </a:rPr>
-              <a:t> </a:t>
-            </a:r>
-            <a:r>
-              <a:rPr lang="fr-FR" altLang="fr-FR" sz="1400" dirty="0" err="1" smtClean="0">
-                <a:solidFill>
-                  <a:schemeClr val="accent1">
-                    <a:lumMod val="75000"/>
-                  </a:schemeClr>
-                </a:solidFill>
-                <a:latin typeface="Bookman Old Style" panose="02050604050505020204" pitchFamily="18" charset="0"/>
-              </a:rPr>
-              <a:t>it</a:t>
-            </a:r>
-            <a:r>
-              <a:rPr lang="fr-FR" altLang="fr-FR" sz="1400" dirty="0" smtClean="0">
-                <a:solidFill>
-                  <a:schemeClr val="accent1">
-                    <a:lumMod val="75000"/>
-                  </a:schemeClr>
-                </a:solidFill>
-                <a:latin typeface="Bookman Old Style" panose="02050604050505020204" pitchFamily="18" charset="0"/>
-              </a:rPr>
-              <a:t> </a:t>
-            </a:r>
-            <a:r>
-              <a:rPr lang="fr-FR" altLang="fr-FR" sz="1400" dirty="0" err="1" smtClean="0">
-                <a:solidFill>
-                  <a:schemeClr val="accent1">
-                    <a:lumMod val="75000"/>
-                  </a:schemeClr>
-                </a:solidFill>
-                <a:latin typeface="Bookman Old Style" panose="02050604050505020204" pitchFamily="18" charset="0"/>
-              </a:rPr>
-              <a:t>work</a:t>
-            </a:r>
-            <a:r>
-              <a:rPr lang="fr-FR" altLang="fr-FR" sz="1400" dirty="0" smtClean="0">
-                <a:solidFill>
-                  <a:schemeClr val="accent1">
-                    <a:lumMod val="75000"/>
-                  </a:schemeClr>
-                </a:solidFill>
-                <a:latin typeface="Bookman Old Style" panose="02050604050505020204" pitchFamily="18" charset="0"/>
-              </a:rPr>
-              <a:t> */</a:t>
-            </a:r>
-          </a:p>
-          <a:p>
-            <a:pPr marL="0" lvl="0" indent="0" defTabSz="346075" eaLnBrk="0" fontAlgn="base" hangingPunct="0">
-              <a:lnSpc>
-                <a:spcPct val="100000"/>
-              </a:lnSpc>
-              <a:spcBef>
-                <a:spcPct val="0"/>
-              </a:spcBef>
-              <a:spcAft>
-                <a:spcPct val="0"/>
-              </a:spcAft>
-              <a:buNone/>
-            </a:pPr>
-            <a:r>
-              <a:rPr lang="fr-FR" altLang="fr-FR" sz="1400" dirty="0">
-                <a:solidFill>
-                  <a:schemeClr val="accent1">
-                    <a:lumMod val="75000"/>
-                  </a:schemeClr>
-                </a:solidFill>
-                <a:latin typeface="Bookman Old Style" panose="02050604050505020204" pitchFamily="18" charset="0"/>
-              </a:rPr>
-              <a:t>	</a:t>
-            </a:r>
-            <a:r>
-              <a:rPr lang="fr-FR" altLang="fr-FR" sz="1400" dirty="0" smtClean="0">
-                <a:solidFill>
-                  <a:schemeClr val="accent1">
-                    <a:lumMod val="75000"/>
-                  </a:schemeClr>
-                </a:solidFill>
-                <a:latin typeface="Bookman Old Style" panose="02050604050505020204" pitchFamily="18" charset="0"/>
-              </a:rPr>
-              <a:t>}</a:t>
-            </a:r>
-          </a:p>
-          <a:p>
-            <a:pPr marL="0" lvl="0" indent="0" defTabSz="346075" eaLnBrk="0" fontAlgn="base" hangingPunct="0">
-              <a:lnSpc>
-                <a:spcPct val="100000"/>
-              </a:lnSpc>
-              <a:spcBef>
-                <a:spcPct val="0"/>
-              </a:spcBef>
-              <a:spcAft>
-                <a:spcPct val="0"/>
-              </a:spcAft>
-              <a:buNone/>
-            </a:pPr>
-            <a:r>
-              <a:rPr lang="fr-FR" altLang="fr-FR" sz="1400" dirty="0">
-                <a:solidFill>
-                  <a:schemeClr val="accent1">
-                    <a:lumMod val="75000"/>
-                  </a:schemeClr>
-                </a:solidFill>
-                <a:latin typeface="Bookman Old Style" panose="02050604050505020204" pitchFamily="18" charset="0"/>
-              </a:rPr>
-              <a:t>}</a:t>
-            </a:r>
-          </a:p>
-        </p:txBody>
-      </p:sp>
-    </p:spTree>
-    <p:extLst>
-      <p:ext uri="{BB962C8B-B14F-4D97-AF65-F5344CB8AC3E}">
-        <p14:creationId xmlns:p14="http://schemas.microsoft.com/office/powerpoint/2010/main" val="3815491493"/>
-      </p:ext>
-    </p:extLst>
-  </p:cSld>
-  <p:clrMapOvr>
-    <a:masterClrMapping/>
-  </p:clrMapOvr>
-</p:sld>
-</file>
-
 <file path=ppt/slides/slide2.xml><?xml version="1.0" encoding="utf-8"?>
 <p:sld xmlns:a="http://schemas.openxmlformats.org/drawingml/2006/main" xmlns:r="http://schemas.openxmlformats.org/officeDocument/2006/relationships" xmlns:p="http://schemas.openxmlformats.org/presentationml/2006/main">
   <p:cSld>
@@ -7217,7 +4778,6 @@
               <a:rPr lang="fr-CH" dirty="0" smtClean="0"/>
               <a:t>Manager</a:t>
             </a:r>
-            <a:endParaRPr lang="fr-CH" dirty="0" smtClean="0"/>
           </a:p>
         </p:txBody>
       </p:sp>
@@ -7262,11 +4822,7 @@
             <a:pPr algn="ctr"/>
             <a:r>
               <a:rPr lang="fr-CH" dirty="0" err="1" smtClean="0"/>
-              <a:t>P</a:t>
-            </a:r>
-            <a:r>
-              <a:rPr lang="fr-CH" dirty="0" err="1" smtClean="0"/>
-              <a:t>rofMCR</a:t>
+              <a:t>ProfMCR</a:t>
             </a:r>
             <a:endParaRPr lang="fr-CH" dirty="0"/>
           </a:p>
@@ -7713,11 +5269,7 @@
             <a:pPr algn="ctr"/>
             <a:r>
               <a:rPr lang="fr-CH" sz="1200" dirty="0" smtClean="0"/>
-              <a:t>+</a:t>
-            </a:r>
-            <a:r>
-              <a:rPr lang="fr-CH" sz="1200" dirty="0" smtClean="0"/>
-              <a:t> </a:t>
+              <a:t>+ </a:t>
             </a:r>
             <a:r>
               <a:rPr lang="fr-CH" sz="1200" dirty="0" err="1"/>
@@ -8020,7 +5572,7 @@
             <a:pPr algn="ctr"/>
             <a:r>
               <a:rPr lang="fr-CH" dirty="0" smtClean="0"/>
-              <a:t>Daniel Palumbo</a:t>
+              <a:t>Antoine Friant</a:t>
             </a:r>
             <a:endParaRPr lang="fr-CH" dirty="0"/>
           </a:p>
@@ -8067,7 +5619,7 @@
             <a:pPr algn="ctr"/>
             <a:r>
               <a:rPr lang="fr-CH" dirty="0" smtClean="0"/>
-              <a:t>Antoine Friant</a:t>
+              <a:t>Daniel Palumbo</a:t>
             </a:r>
             <a:endParaRPr lang="fr-CH" dirty="0"/>
           </a:p>
@@ -8728,7 +6280,15 @@
             <a:pPr algn="ctr"/>
             <a:r>
               <a:rPr lang="fr-CH" sz="1400" dirty="0" smtClean="0"/>
-              <a:t>J’explique les objectifs du projets</a:t>
+              <a:t>J’explique </a:t>
+            </a:r>
+            <a:r>
+              <a:rPr lang="fr-CH" sz="1400" dirty="0" smtClean="0"/>
+              <a:t>les objectifs du </a:t>
+            </a:r>
+            <a:r>
+              <a:rPr lang="fr-CH" sz="1400" dirty="0" smtClean="0"/>
+              <a:t>projet</a:t>
             </a:r>
             <a:endParaRPr lang="fr-CH" sz="1400" dirty="0"/>
           </a:p>
@@ -8979,15 +6539,7 @@
             <a:pPr lvl="1"/>
             <a:r>
               <a:rPr lang="fr-CH" dirty="0" smtClean="0"/>
-              <a:t>La structure de la chaîne et la responsabilité donnée au membre de la chaîne peuvent être </a:t>
-            </a:r>
-            <a:r>
-              <a:rPr lang="fr-CH" dirty="0" smtClean="0"/>
-              <a:t>modifiées </a:t>
-            </a:r>
-            <a:r>
-              <a:rPr lang="fr-CH" dirty="0" smtClean="0"/>
-              <a:t>durant l’exécution.</a:t>
+              <a:t>La structure de la chaîne et la responsabilité donnée au membre de la chaîne peuvent être modifiées durant l’exécution.</a:t>
             </a:r>
           </a:p>
           <a:p>
@@ -9104,11 +6656,7 @@
           <a:p>
             <a:r>
               <a:rPr lang="fr-CH" dirty="0" smtClean="0"/>
-              <a:t>Lorsque l’ensemble d’objets qui pourrait traiter la requête peut être spécifier dynamiquement</a:t>
-            </a:r>
-            <a:r>
-              <a:rPr lang="fr-CH" dirty="0" smtClean="0"/>
-              <a:t>.</a:t>
+              <a:t>Lorsque l’ensemble d’objets qui pourrait traiter la requête peut être spécifier dynamiquement.</a:t>
             </a:r>
           </a:p>
           <a:p>
@@ -9134,6 +6682,13 @@
   <p:clrMapOvr>
     <a:masterClrMapping/>
   </p:clrMapOvr>
+  <p:timing>
+    <p:tnLst>
+      <p:par>
+        <p:cTn id="1" dur="indefinite" restart="never" nodeType="tmRoot"/>
+      </p:par>
+    </p:tnLst>
+  </p:timing>
 </p:sld>
 </file>
 
@@ -9171,7 +6726,7 @@
           <a:p>
             <a:r>
               <a:rPr lang="fr-CH" dirty="0" smtClean="0"/>
-              <a:t>Exemple d’implémentation (0)</a:t>
+              <a:t>Exemple d’implémentation</a:t>
             </a:r>
             <a:endParaRPr lang="fr-CH" dirty="0"/>
           </a:p>
@@ -9179,954 +6734,74 @@
       </p:sp>
       <p:sp>
         <p:nvSpPr>
-          <p:cNvPr id="5" name="Rectangle 2"/>
-          <p:cNvSpPr>
-            <a:spLocks noGrp="1" noChangeArrowheads="1"/>
+          <p:cNvPr id="3" name="Espace réservé du contenu 2"/>
+          <p:cNvSpPr>
+            <a:spLocks noGrp="1"/>
           </p:cNvSpPr>
           <p:nvPr>
             <p:ph idx="1"/>
           </p:nvPr>
         </p:nvSpPr>
-        <p:spPr bwMode="auto">
+        <p:spPr/>
+        <p:txBody>
+          <a:bodyPr/>
+          <a:lstStyle/>
+          <a:p>
+            <a:r>
+              <a:rPr lang="fr-CH" dirty="0" smtClean="0"/>
+              <a:t>Alors, c’est 3 nains qui vont à la mine…</a:t>
+            </a:r>
+            <a:endParaRPr lang="fr-CH" dirty="0"/>
+          </a:p>
+        </p:txBody>
+      </p:sp>
+      <p:pic>
+        <p:nvPicPr>
+          <p:cNvPr id="4" name="Espace réservé du contenu 3"/>
+          <p:cNvPicPr>
+            <a:picLocks noChangeAspect="1"/>
+          </p:cNvPicPr>
+          <p:nvPr/>
+        </p:nvPicPr>
+        <p:blipFill>
+          <a:blip r:embed="rId2">
+            <a:extLst>
+              <a:ext uri="{28A0092B-C50C-407E-A947-70E740481C1C}">
+                <a14:useLocalDpi xmlns:a14="http://schemas.microsoft.com/office/drawing/2010/main" val="0"/>
+              </a:ext>
+            </a:extLst>
+          </a:blip>
+          <a:stretch>
+            <a:fillRect/>
+          </a:stretch>
+        </p:blipFill>
+        <p:spPr>
           <a:xfrm>
-            <a:off x="838200" y="1739868"/>
-            <a:ext cx="10515600" cy="4185761"/>
+            <a:off x="4380094" y="2955925"/>
+            <a:ext cx="2339473" cy="2301875"/>
           </a:xfrm>
           <a:prstGeom prst="rect">
             <a:avLst/>
           </a:prstGeom>
-          <a:ln w="19050"/>
         </p:spPr>
-        <p:style>
-          <a:lnRef idx="2">
-            <a:schemeClr val="dk1"/>
-          </a:lnRef>
-          <a:fillRef idx="1">
-            <a:schemeClr val="lt1"/>
-          </a:fillRef>
-          <a:effectRef idx="0">
-            <a:schemeClr val="dk1"/>
-          </a:effectRef>
-          <a:fontRef idx="minor">
-            <a:schemeClr val="dk1"/>
-          </a:fontRef>
-        </p:style>
-        <p:txBody>
-          <a:bodyPr vert="horz" wrap="square" lIns="91440" tIns="45720" rIns="91440" bIns="45720" numCol="1" anchor="ctr" anchorCtr="0" compatLnSpc="1">
-            <a:prstTxWarp prst="textNoShape">
-              <a:avLst/>
-            </a:prstTxWarp>
-            <a:spAutoFit/>
-          </a:bodyPr>
-          <a:lstStyle/>
-          <a:p>
-            <a:pPr marL="0" lvl="0" indent="0" defTabSz="357188" eaLnBrk="0" fontAlgn="base" hangingPunct="0">
-              <a:lnSpc>
-                <a:spcPct val="100000"/>
-              </a:lnSpc>
-              <a:spcBef>
-                <a:spcPct val="0"/>
-              </a:spcBef>
-              <a:spcAft>
-                <a:spcPct val="0"/>
-              </a:spcAft>
-              <a:buNone/>
-            </a:pPr>
-            <a:r>
-              <a:rPr lang="en-US" altLang="fr-FR" sz="1400" dirty="0" smtClean="0">
-                <a:solidFill>
-                  <a:schemeClr val="accent1">
-                    <a:lumMod val="75000"/>
-                  </a:schemeClr>
-                </a:solidFill>
-                <a:latin typeface="Bookman Old Style" panose="02050604050505020204" pitchFamily="18" charset="0"/>
-              </a:rPr>
-              <a:t>public </a:t>
-            </a:r>
-            <a:r>
-              <a:rPr lang="en-US" altLang="fr-FR" sz="1400" dirty="0">
-                <a:solidFill>
-                  <a:schemeClr val="accent1">
-                    <a:lumMod val="75000"/>
-                  </a:schemeClr>
-                </a:solidFill>
-                <a:latin typeface="Bookman Old Style" panose="02050604050505020204" pitchFamily="18" charset="0"/>
-              </a:rPr>
-              <a:t>class Currency </a:t>
-            </a:r>
-            <a:r>
-              <a:rPr lang="en-US" altLang="fr-FR" sz="1400" dirty="0" smtClean="0">
-                <a:solidFill>
-                  <a:schemeClr val="accent1">
-                    <a:lumMod val="75000"/>
-                  </a:schemeClr>
-                </a:solidFill>
-                <a:latin typeface="Bookman Old Style" panose="02050604050505020204" pitchFamily="18" charset="0"/>
-              </a:rPr>
-              <a:t>{</a:t>
-            </a:r>
-            <a:endParaRPr lang="en-US" altLang="fr-FR" sz="1400" dirty="0">
-              <a:solidFill>
-                <a:schemeClr val="accent1">
-                  <a:lumMod val="75000"/>
-                </a:schemeClr>
-              </a:solidFill>
-              <a:latin typeface="Bookman Old Style" panose="02050604050505020204" pitchFamily="18" charset="0"/>
-            </a:endParaRPr>
-          </a:p>
-          <a:p>
-            <a:pPr marL="0" lvl="0" indent="0" defTabSz="357188" eaLnBrk="0" fontAlgn="base" hangingPunct="0">
-              <a:lnSpc>
-                <a:spcPct val="100000"/>
-              </a:lnSpc>
-              <a:spcBef>
-                <a:spcPct val="0"/>
-              </a:spcBef>
-              <a:spcAft>
-                <a:spcPct val="0"/>
-              </a:spcAft>
-              <a:buNone/>
-            </a:pPr>
-            <a:r>
-              <a:rPr lang="en-US" altLang="fr-FR" sz="1400" dirty="0">
-                <a:solidFill>
-                  <a:schemeClr val="accent1">
-                    <a:lumMod val="75000"/>
-                  </a:schemeClr>
-                </a:solidFill>
-                <a:latin typeface="Bookman Old Style" panose="02050604050505020204" pitchFamily="18" charset="0"/>
-              </a:rPr>
-              <a:t>	private </a:t>
-            </a:r>
-            <a:r>
-              <a:rPr lang="en-US" altLang="fr-FR" sz="1400" dirty="0" err="1">
-                <a:solidFill>
-                  <a:schemeClr val="accent1">
-                    <a:lumMod val="75000"/>
-                  </a:schemeClr>
-                </a:solidFill>
-                <a:latin typeface="Bookman Old Style" panose="02050604050505020204" pitchFamily="18" charset="0"/>
-              </a:rPr>
-              <a:t>int</a:t>
-            </a:r>
-            <a:r>
-              <a:rPr lang="en-US" altLang="fr-FR" sz="1400" dirty="0">
-                <a:solidFill>
-                  <a:schemeClr val="accent1">
-                    <a:lumMod val="75000"/>
-                  </a:schemeClr>
-                </a:solidFill>
-                <a:latin typeface="Bookman Old Style" panose="02050604050505020204" pitchFamily="18" charset="0"/>
-              </a:rPr>
-              <a:t> amount</a:t>
-            </a:r>
-            <a:r>
-              <a:rPr lang="en-US" altLang="fr-FR" sz="1400" dirty="0" smtClean="0">
-                <a:solidFill>
-                  <a:schemeClr val="accent1">
-                    <a:lumMod val="75000"/>
-                  </a:schemeClr>
-                </a:solidFill>
-                <a:latin typeface="Bookman Old Style" panose="02050604050505020204" pitchFamily="18" charset="0"/>
-              </a:rPr>
-              <a:t>;</a:t>
-            </a:r>
-            <a:endParaRPr lang="en-US" altLang="fr-FR" sz="1400" dirty="0">
-              <a:solidFill>
-                <a:schemeClr val="accent1">
-                  <a:lumMod val="75000"/>
-                </a:schemeClr>
-              </a:solidFill>
-              <a:latin typeface="Bookman Old Style" panose="02050604050505020204" pitchFamily="18" charset="0"/>
-            </a:endParaRPr>
-          </a:p>
-          <a:p>
-            <a:pPr marL="0" lvl="0" indent="0" defTabSz="357188" eaLnBrk="0" fontAlgn="base" hangingPunct="0">
-              <a:lnSpc>
-                <a:spcPct val="100000"/>
-              </a:lnSpc>
-              <a:spcBef>
-                <a:spcPct val="0"/>
-              </a:spcBef>
-              <a:spcAft>
-                <a:spcPct val="0"/>
-              </a:spcAft>
-              <a:buNone/>
-            </a:pPr>
-            <a:r>
-              <a:rPr lang="en-US" altLang="fr-FR" sz="1400" dirty="0">
-                <a:solidFill>
-                  <a:schemeClr val="accent1">
-                    <a:lumMod val="75000"/>
-                  </a:schemeClr>
-                </a:solidFill>
-                <a:latin typeface="Bookman Old Style" panose="02050604050505020204" pitchFamily="18" charset="0"/>
-              </a:rPr>
-              <a:t>	public Currency(</a:t>
-            </a:r>
-            <a:r>
-              <a:rPr lang="en-US" altLang="fr-FR" sz="1400" dirty="0" err="1">
-                <a:solidFill>
-                  <a:schemeClr val="accent1">
-                    <a:lumMod val="75000"/>
-                  </a:schemeClr>
-                </a:solidFill>
-                <a:latin typeface="Bookman Old Style" panose="02050604050505020204" pitchFamily="18" charset="0"/>
-              </a:rPr>
-              <a:t>int</a:t>
-            </a:r>
-            <a:r>
-              <a:rPr lang="en-US" altLang="fr-FR" sz="1400" dirty="0">
-                <a:solidFill>
-                  <a:schemeClr val="accent1">
-                    <a:lumMod val="75000"/>
-                  </a:schemeClr>
-                </a:solidFill>
-                <a:latin typeface="Bookman Old Style" panose="02050604050505020204" pitchFamily="18" charset="0"/>
-              </a:rPr>
-              <a:t> </a:t>
-            </a:r>
-            <a:r>
-              <a:rPr lang="en-US" altLang="fr-FR" sz="1400" dirty="0" err="1">
-                <a:solidFill>
-                  <a:schemeClr val="accent1">
-                    <a:lumMod val="75000"/>
-                  </a:schemeClr>
-                </a:solidFill>
-                <a:latin typeface="Bookman Old Style" panose="02050604050505020204" pitchFamily="18" charset="0"/>
-              </a:rPr>
-              <a:t>amt</a:t>
-            </a:r>
-            <a:r>
-              <a:rPr lang="en-US" altLang="fr-FR" sz="1400" dirty="0">
-                <a:solidFill>
-                  <a:schemeClr val="accent1">
-                    <a:lumMod val="75000"/>
-                  </a:schemeClr>
-                </a:solidFill>
-                <a:latin typeface="Bookman Old Style" panose="02050604050505020204" pitchFamily="18" charset="0"/>
-              </a:rPr>
-              <a:t>){</a:t>
-            </a:r>
-          </a:p>
-          <a:p>
-            <a:pPr marL="0" lvl="0" indent="0" defTabSz="357188" eaLnBrk="0" fontAlgn="base" hangingPunct="0">
-              <a:lnSpc>
-                <a:spcPct val="100000"/>
-              </a:lnSpc>
-              <a:spcBef>
-                <a:spcPct val="0"/>
-              </a:spcBef>
-              <a:spcAft>
-                <a:spcPct val="0"/>
-              </a:spcAft>
-              <a:buNone/>
-            </a:pPr>
-            <a:r>
-              <a:rPr lang="en-US" altLang="fr-FR" sz="1400" dirty="0">
-                <a:solidFill>
-                  <a:schemeClr val="accent1">
-                    <a:lumMod val="75000"/>
-                  </a:schemeClr>
-                </a:solidFill>
-                <a:latin typeface="Bookman Old Style" panose="02050604050505020204" pitchFamily="18" charset="0"/>
-              </a:rPr>
-              <a:t>		</a:t>
-            </a:r>
-            <a:r>
-              <a:rPr lang="en-US" altLang="fr-FR" sz="1400" dirty="0" err="1">
-                <a:solidFill>
-                  <a:schemeClr val="accent1">
-                    <a:lumMod val="75000"/>
-                  </a:schemeClr>
-                </a:solidFill>
-                <a:latin typeface="Bookman Old Style" panose="02050604050505020204" pitchFamily="18" charset="0"/>
-              </a:rPr>
-              <a:t>this.amount</a:t>
-            </a:r>
-            <a:r>
-              <a:rPr lang="en-US" altLang="fr-FR" sz="1400" dirty="0">
-                <a:solidFill>
-                  <a:schemeClr val="accent1">
-                    <a:lumMod val="75000"/>
-                  </a:schemeClr>
-                </a:solidFill>
-                <a:latin typeface="Bookman Old Style" panose="02050604050505020204" pitchFamily="18" charset="0"/>
-              </a:rPr>
-              <a:t>=</a:t>
-            </a:r>
-            <a:r>
-              <a:rPr lang="en-US" altLang="fr-FR" sz="1400" dirty="0" err="1">
-                <a:solidFill>
-                  <a:schemeClr val="accent1">
-                    <a:lumMod val="75000"/>
-                  </a:schemeClr>
-                </a:solidFill>
-                <a:latin typeface="Bookman Old Style" panose="02050604050505020204" pitchFamily="18" charset="0"/>
-              </a:rPr>
-              <a:t>amt</a:t>
-            </a:r>
-            <a:r>
-              <a:rPr lang="en-US" altLang="fr-FR" sz="1400" dirty="0">
-                <a:solidFill>
-                  <a:schemeClr val="accent1">
-                    <a:lumMod val="75000"/>
-                  </a:schemeClr>
-                </a:solidFill>
-                <a:latin typeface="Bookman Old Style" panose="02050604050505020204" pitchFamily="18" charset="0"/>
-              </a:rPr>
-              <a:t>;</a:t>
-            </a:r>
-          </a:p>
-          <a:p>
-            <a:pPr marL="0" lvl="0" indent="0" defTabSz="357188" eaLnBrk="0" fontAlgn="base" hangingPunct="0">
-              <a:lnSpc>
-                <a:spcPct val="100000"/>
-              </a:lnSpc>
-              <a:spcBef>
-                <a:spcPct val="0"/>
-              </a:spcBef>
-              <a:spcAft>
-                <a:spcPct val="0"/>
-              </a:spcAft>
-              <a:buNone/>
-            </a:pPr>
-            <a:r>
-              <a:rPr lang="en-US" altLang="fr-FR" sz="1400" dirty="0">
-                <a:solidFill>
-                  <a:schemeClr val="accent1">
-                    <a:lumMod val="75000"/>
-                  </a:schemeClr>
-                </a:solidFill>
-                <a:latin typeface="Bookman Old Style" panose="02050604050505020204" pitchFamily="18" charset="0"/>
-              </a:rPr>
-              <a:t>	</a:t>
-            </a:r>
-            <a:r>
-              <a:rPr lang="en-US" altLang="fr-FR" sz="1400" dirty="0" smtClean="0">
-                <a:solidFill>
-                  <a:schemeClr val="accent1">
-                    <a:lumMod val="75000"/>
-                  </a:schemeClr>
-                </a:solidFill>
-                <a:latin typeface="Bookman Old Style" panose="02050604050505020204" pitchFamily="18" charset="0"/>
-              </a:rPr>
-              <a:t>}</a:t>
-            </a:r>
-            <a:endParaRPr lang="en-US" altLang="fr-FR" sz="1400" dirty="0">
-              <a:solidFill>
-                <a:schemeClr val="accent1">
-                  <a:lumMod val="75000"/>
-                </a:schemeClr>
-              </a:solidFill>
-              <a:latin typeface="Bookman Old Style" panose="02050604050505020204" pitchFamily="18" charset="0"/>
-            </a:endParaRPr>
-          </a:p>
-          <a:p>
-            <a:pPr marL="0" lvl="0" indent="0" defTabSz="357188" eaLnBrk="0" fontAlgn="base" hangingPunct="0">
-              <a:lnSpc>
-                <a:spcPct val="100000"/>
-              </a:lnSpc>
-              <a:spcBef>
-                <a:spcPct val="0"/>
-              </a:spcBef>
-              <a:spcAft>
-                <a:spcPct val="0"/>
-              </a:spcAft>
-              <a:buNone/>
-            </a:pPr>
-            <a:r>
-              <a:rPr lang="en-US" altLang="fr-FR" sz="1400" dirty="0">
-                <a:solidFill>
-                  <a:schemeClr val="accent1">
-                    <a:lumMod val="75000"/>
-                  </a:schemeClr>
-                </a:solidFill>
-                <a:latin typeface="Bookman Old Style" panose="02050604050505020204" pitchFamily="18" charset="0"/>
-              </a:rPr>
-              <a:t>	public </a:t>
-            </a:r>
-            <a:r>
-              <a:rPr lang="en-US" altLang="fr-FR" sz="1400" dirty="0" err="1">
-                <a:solidFill>
-                  <a:schemeClr val="accent1">
-                    <a:lumMod val="75000"/>
-                  </a:schemeClr>
-                </a:solidFill>
-                <a:latin typeface="Bookman Old Style" panose="02050604050505020204" pitchFamily="18" charset="0"/>
-              </a:rPr>
-              <a:t>int</a:t>
-            </a:r>
-            <a:r>
-              <a:rPr lang="en-US" altLang="fr-FR" sz="1400" dirty="0">
-                <a:solidFill>
-                  <a:schemeClr val="accent1">
-                    <a:lumMod val="75000"/>
-                  </a:schemeClr>
-                </a:solidFill>
-                <a:latin typeface="Bookman Old Style" panose="02050604050505020204" pitchFamily="18" charset="0"/>
-              </a:rPr>
-              <a:t> </a:t>
-            </a:r>
-            <a:r>
-              <a:rPr lang="en-US" altLang="fr-FR" sz="1400" dirty="0" err="1">
-                <a:solidFill>
-                  <a:schemeClr val="accent1">
-                    <a:lumMod val="75000"/>
-                  </a:schemeClr>
-                </a:solidFill>
-                <a:latin typeface="Bookman Old Style" panose="02050604050505020204" pitchFamily="18" charset="0"/>
-              </a:rPr>
-              <a:t>getAmount</a:t>
-            </a:r>
-            <a:r>
-              <a:rPr lang="en-US" altLang="fr-FR" sz="1400" dirty="0">
-                <a:solidFill>
-                  <a:schemeClr val="accent1">
-                    <a:lumMod val="75000"/>
-                  </a:schemeClr>
-                </a:solidFill>
-                <a:latin typeface="Bookman Old Style" panose="02050604050505020204" pitchFamily="18" charset="0"/>
-              </a:rPr>
-              <a:t>(){</a:t>
-            </a:r>
-          </a:p>
-          <a:p>
-            <a:pPr marL="0" lvl="0" indent="0" defTabSz="357188" eaLnBrk="0" fontAlgn="base" hangingPunct="0">
-              <a:lnSpc>
-                <a:spcPct val="100000"/>
-              </a:lnSpc>
-              <a:spcBef>
-                <a:spcPct val="0"/>
-              </a:spcBef>
-              <a:spcAft>
-                <a:spcPct val="0"/>
-              </a:spcAft>
-              <a:buNone/>
-            </a:pPr>
-            <a:r>
-              <a:rPr lang="en-US" altLang="fr-FR" sz="1400" dirty="0">
-                <a:solidFill>
-                  <a:schemeClr val="accent1">
-                    <a:lumMod val="75000"/>
-                  </a:schemeClr>
-                </a:solidFill>
-                <a:latin typeface="Bookman Old Style" panose="02050604050505020204" pitchFamily="18" charset="0"/>
-              </a:rPr>
-              <a:t>		return </a:t>
-            </a:r>
-            <a:r>
-              <a:rPr lang="en-US" altLang="fr-FR" sz="1400" dirty="0" err="1">
-                <a:solidFill>
-                  <a:schemeClr val="accent1">
-                    <a:lumMod val="75000"/>
-                  </a:schemeClr>
-                </a:solidFill>
-                <a:latin typeface="Bookman Old Style" panose="02050604050505020204" pitchFamily="18" charset="0"/>
-              </a:rPr>
-              <a:t>this.amount</a:t>
-            </a:r>
-            <a:r>
-              <a:rPr lang="en-US" altLang="fr-FR" sz="1400" dirty="0">
-                <a:solidFill>
-                  <a:schemeClr val="accent1">
-                    <a:lumMod val="75000"/>
-                  </a:schemeClr>
-                </a:solidFill>
-                <a:latin typeface="Bookman Old Style" panose="02050604050505020204" pitchFamily="18" charset="0"/>
-              </a:rPr>
-              <a:t>;</a:t>
-            </a:r>
-          </a:p>
-          <a:p>
-            <a:pPr marL="0" lvl="0" indent="0" defTabSz="357188" eaLnBrk="0" fontAlgn="base" hangingPunct="0">
-              <a:lnSpc>
-                <a:spcPct val="100000"/>
-              </a:lnSpc>
-              <a:spcBef>
-                <a:spcPct val="0"/>
-              </a:spcBef>
-              <a:spcAft>
-                <a:spcPct val="0"/>
-              </a:spcAft>
-              <a:buNone/>
-            </a:pPr>
-            <a:r>
-              <a:rPr lang="en-US" altLang="fr-FR" sz="1400" dirty="0">
-                <a:solidFill>
-                  <a:schemeClr val="accent1">
-                    <a:lumMod val="75000"/>
-                  </a:schemeClr>
-                </a:solidFill>
-                <a:latin typeface="Bookman Old Style" panose="02050604050505020204" pitchFamily="18" charset="0"/>
-              </a:rPr>
-              <a:t>	}</a:t>
-            </a:r>
-          </a:p>
-          <a:p>
-            <a:pPr marL="0" lvl="0" indent="0" defTabSz="357188" eaLnBrk="0" fontAlgn="base" hangingPunct="0">
-              <a:lnSpc>
-                <a:spcPct val="100000"/>
-              </a:lnSpc>
-              <a:spcBef>
-                <a:spcPct val="0"/>
-              </a:spcBef>
-              <a:spcAft>
-                <a:spcPct val="0"/>
-              </a:spcAft>
-              <a:buNone/>
-            </a:pPr>
-            <a:r>
-              <a:rPr lang="en-US" altLang="fr-FR" sz="1400" dirty="0" smtClean="0">
-                <a:solidFill>
-                  <a:schemeClr val="accent1">
-                    <a:lumMod val="75000"/>
-                  </a:schemeClr>
-                </a:solidFill>
-                <a:latin typeface="Bookman Old Style" panose="02050604050505020204" pitchFamily="18" charset="0"/>
-              </a:rPr>
-              <a:t>}</a:t>
-            </a:r>
-          </a:p>
-          <a:p>
-            <a:pPr marL="0" lvl="0" indent="0" defTabSz="357188" eaLnBrk="0" fontAlgn="base" hangingPunct="0">
-              <a:lnSpc>
-                <a:spcPct val="100000"/>
-              </a:lnSpc>
-              <a:spcBef>
-                <a:spcPct val="0"/>
-              </a:spcBef>
-              <a:spcAft>
-                <a:spcPct val="0"/>
-              </a:spcAft>
-              <a:buNone/>
-            </a:pPr>
-            <a:endParaRPr lang="fr-FR" altLang="fr-FR" sz="1400" dirty="0" smtClean="0">
-              <a:solidFill>
-                <a:schemeClr val="accent1">
-                  <a:lumMod val="75000"/>
-                </a:schemeClr>
-              </a:solidFill>
-              <a:latin typeface="Bookman Old Style" panose="02050604050505020204" pitchFamily="18" charset="0"/>
-            </a:endParaRPr>
-          </a:p>
-          <a:p>
-            <a:pPr marL="0" lvl="0" indent="0" defTabSz="357188" eaLnBrk="0" fontAlgn="base" hangingPunct="0">
-              <a:lnSpc>
-                <a:spcPct val="100000"/>
-              </a:lnSpc>
-              <a:spcBef>
-                <a:spcPct val="0"/>
-              </a:spcBef>
-              <a:spcAft>
-                <a:spcPct val="0"/>
-              </a:spcAft>
-              <a:buNone/>
-            </a:pPr>
-            <a:r>
-              <a:rPr lang="fr-FR" altLang="fr-FR" sz="1400" dirty="0">
-                <a:solidFill>
-                  <a:schemeClr val="accent1">
-                    <a:lumMod val="75000"/>
-                  </a:schemeClr>
-                </a:solidFill>
-                <a:latin typeface="Bookman Old Style" panose="02050604050505020204" pitchFamily="18" charset="0"/>
-              </a:rPr>
-              <a:t>public interface </a:t>
-            </a:r>
-            <a:r>
-              <a:rPr lang="fr-FR" altLang="fr-FR" sz="1400" dirty="0" err="1">
-                <a:solidFill>
-                  <a:schemeClr val="accent1">
-                    <a:lumMod val="75000"/>
-                  </a:schemeClr>
-                </a:solidFill>
-                <a:latin typeface="Bookman Old Style" panose="02050604050505020204" pitchFamily="18" charset="0"/>
-              </a:rPr>
-              <a:t>DispenseChain</a:t>
-            </a:r>
-            <a:r>
-              <a:rPr lang="fr-FR" altLang="fr-FR" sz="1400" dirty="0">
-                <a:solidFill>
-                  <a:schemeClr val="accent1">
-                    <a:lumMod val="75000"/>
-                  </a:schemeClr>
-                </a:solidFill>
-                <a:latin typeface="Bookman Old Style" panose="02050604050505020204" pitchFamily="18" charset="0"/>
-              </a:rPr>
-              <a:t> </a:t>
-            </a:r>
-            <a:r>
-              <a:rPr lang="fr-FR" altLang="fr-FR" sz="1400" dirty="0" smtClean="0">
-                <a:solidFill>
-                  <a:schemeClr val="accent1">
-                    <a:lumMod val="75000"/>
-                  </a:schemeClr>
-                </a:solidFill>
-                <a:latin typeface="Bookman Old Style" panose="02050604050505020204" pitchFamily="18" charset="0"/>
-              </a:rPr>
-              <a:t>{</a:t>
-            </a:r>
-          </a:p>
-          <a:p>
-            <a:pPr marL="0" lvl="0" indent="0" defTabSz="357188" eaLnBrk="0" fontAlgn="base" hangingPunct="0">
-              <a:lnSpc>
-                <a:spcPct val="100000"/>
-              </a:lnSpc>
-              <a:spcBef>
-                <a:spcPct val="0"/>
-              </a:spcBef>
-              <a:spcAft>
-                <a:spcPct val="0"/>
-              </a:spcAft>
-              <a:buNone/>
-            </a:pPr>
-            <a:r>
-              <a:rPr lang="fr-FR" altLang="fr-FR" sz="1400" dirty="0">
-                <a:solidFill>
-                  <a:schemeClr val="accent1">
-                    <a:lumMod val="75000"/>
-                  </a:schemeClr>
-                </a:solidFill>
-                <a:latin typeface="Bookman Old Style" panose="02050604050505020204" pitchFamily="18" charset="0"/>
-              </a:rPr>
-              <a:t>	</a:t>
-            </a:r>
-            <a:r>
-              <a:rPr lang="fr-FR" altLang="fr-FR" sz="1400" dirty="0" err="1">
-                <a:solidFill>
-                  <a:schemeClr val="accent1">
-                    <a:lumMod val="75000"/>
-                  </a:schemeClr>
-                </a:solidFill>
-                <a:latin typeface="Bookman Old Style" panose="02050604050505020204" pitchFamily="18" charset="0"/>
-              </a:rPr>
-              <a:t>void</a:t>
-            </a:r>
-            <a:r>
-              <a:rPr lang="fr-FR" altLang="fr-FR" sz="1400" dirty="0">
-                <a:solidFill>
-                  <a:schemeClr val="accent1">
-                    <a:lumMod val="75000"/>
-                  </a:schemeClr>
-                </a:solidFill>
-                <a:latin typeface="Bookman Old Style" panose="02050604050505020204" pitchFamily="18" charset="0"/>
-              </a:rPr>
-              <a:t> </a:t>
-            </a:r>
-            <a:r>
-              <a:rPr lang="fr-FR" altLang="fr-FR" sz="1400" dirty="0" err="1">
-                <a:solidFill>
-                  <a:schemeClr val="accent1">
-                    <a:lumMod val="75000"/>
-                  </a:schemeClr>
-                </a:solidFill>
-                <a:latin typeface="Bookman Old Style" panose="02050604050505020204" pitchFamily="18" charset="0"/>
-              </a:rPr>
-              <a:t>setNextChain</a:t>
-            </a:r>
-            <a:r>
-              <a:rPr lang="fr-FR" altLang="fr-FR" sz="1400" dirty="0">
-                <a:solidFill>
-                  <a:schemeClr val="accent1">
-                    <a:lumMod val="75000"/>
-                  </a:schemeClr>
-                </a:solidFill>
-                <a:latin typeface="Bookman Old Style" panose="02050604050505020204" pitchFamily="18" charset="0"/>
-              </a:rPr>
-              <a:t>(</a:t>
-            </a:r>
-            <a:r>
-              <a:rPr lang="fr-FR" altLang="fr-FR" sz="1400" dirty="0" err="1">
-                <a:solidFill>
-                  <a:schemeClr val="accent1">
-                    <a:lumMod val="75000"/>
-                  </a:schemeClr>
-                </a:solidFill>
-                <a:latin typeface="Bookman Old Style" panose="02050604050505020204" pitchFamily="18" charset="0"/>
-              </a:rPr>
-              <a:t>DispenseChain</a:t>
-            </a:r>
-            <a:r>
-              <a:rPr lang="fr-FR" altLang="fr-FR" sz="1400" dirty="0">
-                <a:solidFill>
-                  <a:schemeClr val="accent1">
-                    <a:lumMod val="75000"/>
-                  </a:schemeClr>
-                </a:solidFill>
-                <a:latin typeface="Bookman Old Style" panose="02050604050505020204" pitchFamily="18" charset="0"/>
-              </a:rPr>
-              <a:t> </a:t>
-            </a:r>
-            <a:r>
-              <a:rPr lang="fr-FR" altLang="fr-FR" sz="1400" dirty="0" err="1">
-                <a:solidFill>
-                  <a:schemeClr val="accent1">
-                    <a:lumMod val="75000"/>
-                  </a:schemeClr>
-                </a:solidFill>
-                <a:latin typeface="Bookman Old Style" panose="02050604050505020204" pitchFamily="18" charset="0"/>
-              </a:rPr>
-              <a:t>nextChain</a:t>
-            </a:r>
-            <a:r>
-              <a:rPr lang="fr-FR" altLang="fr-FR" sz="1400" dirty="0" smtClean="0">
-                <a:solidFill>
-                  <a:schemeClr val="accent1">
-                    <a:lumMod val="75000"/>
-                  </a:schemeClr>
-                </a:solidFill>
-                <a:latin typeface="Bookman Old Style" panose="02050604050505020204" pitchFamily="18" charset="0"/>
-              </a:rPr>
-              <a:t>);</a:t>
-            </a:r>
-            <a:endParaRPr lang="fr-FR" altLang="fr-FR" sz="1400" dirty="0">
-              <a:solidFill>
-                <a:schemeClr val="accent1">
-                  <a:lumMod val="75000"/>
-                </a:schemeClr>
-              </a:solidFill>
-              <a:latin typeface="Bookman Old Style" panose="02050604050505020204" pitchFamily="18" charset="0"/>
-            </a:endParaRPr>
-          </a:p>
-          <a:p>
-            <a:pPr marL="0" lvl="0" indent="0" defTabSz="357188" eaLnBrk="0" fontAlgn="base" hangingPunct="0">
-              <a:lnSpc>
-                <a:spcPct val="100000"/>
-              </a:lnSpc>
-              <a:spcBef>
-                <a:spcPct val="0"/>
-              </a:spcBef>
-              <a:spcAft>
-                <a:spcPct val="0"/>
-              </a:spcAft>
-              <a:buNone/>
-            </a:pPr>
-            <a:r>
-              <a:rPr lang="fr-FR" altLang="fr-FR" sz="1400" dirty="0">
-                <a:solidFill>
-                  <a:schemeClr val="accent1">
-                    <a:lumMod val="75000"/>
-                  </a:schemeClr>
-                </a:solidFill>
-                <a:latin typeface="Bookman Old Style" panose="02050604050505020204" pitchFamily="18" charset="0"/>
-              </a:rPr>
-              <a:t>	</a:t>
-            </a:r>
-            <a:r>
-              <a:rPr lang="fr-FR" altLang="fr-FR" sz="1400" dirty="0" err="1">
-                <a:solidFill>
-                  <a:schemeClr val="accent1">
-                    <a:lumMod val="75000"/>
-                  </a:schemeClr>
-                </a:solidFill>
-                <a:latin typeface="Bookman Old Style" panose="02050604050505020204" pitchFamily="18" charset="0"/>
-              </a:rPr>
-              <a:t>void</a:t>
-            </a:r>
-            <a:r>
-              <a:rPr lang="fr-FR" altLang="fr-FR" sz="1400" dirty="0">
-                <a:solidFill>
-                  <a:schemeClr val="accent1">
-                    <a:lumMod val="75000"/>
-                  </a:schemeClr>
-                </a:solidFill>
-                <a:latin typeface="Bookman Old Style" panose="02050604050505020204" pitchFamily="18" charset="0"/>
-              </a:rPr>
-              <a:t> dispense(</a:t>
-            </a:r>
-            <a:r>
-              <a:rPr lang="fr-FR" altLang="fr-FR" sz="1400" dirty="0" err="1">
-                <a:solidFill>
-                  <a:schemeClr val="accent1">
-                    <a:lumMod val="75000"/>
-                  </a:schemeClr>
-                </a:solidFill>
-                <a:latin typeface="Bookman Old Style" panose="02050604050505020204" pitchFamily="18" charset="0"/>
-              </a:rPr>
-              <a:t>Currency</a:t>
-            </a:r>
-            <a:r>
-              <a:rPr lang="fr-FR" altLang="fr-FR" sz="1400" dirty="0">
-                <a:solidFill>
-                  <a:schemeClr val="accent1">
-                    <a:lumMod val="75000"/>
-                  </a:schemeClr>
-                </a:solidFill>
-                <a:latin typeface="Bookman Old Style" panose="02050604050505020204" pitchFamily="18" charset="0"/>
-              </a:rPr>
-              <a:t> </a:t>
-            </a:r>
-            <a:r>
-              <a:rPr lang="fr-FR" altLang="fr-FR" sz="1400" dirty="0" err="1">
-                <a:solidFill>
-                  <a:schemeClr val="accent1">
-                    <a:lumMod val="75000"/>
-                  </a:schemeClr>
-                </a:solidFill>
-                <a:latin typeface="Bookman Old Style" panose="02050604050505020204" pitchFamily="18" charset="0"/>
-              </a:rPr>
-              <a:t>cur</a:t>
-            </a:r>
-            <a:r>
-              <a:rPr lang="fr-FR" altLang="fr-FR" sz="1400" dirty="0">
-                <a:solidFill>
-                  <a:schemeClr val="accent1">
-                    <a:lumMod val="75000"/>
-                  </a:schemeClr>
-                </a:solidFill>
-                <a:latin typeface="Bookman Old Style" panose="02050604050505020204" pitchFamily="18" charset="0"/>
-              </a:rPr>
-              <a:t>);</a:t>
-            </a:r>
-          </a:p>
-          <a:p>
-            <a:pPr marL="0" lvl="0" indent="0" defTabSz="357188" eaLnBrk="0" fontAlgn="base" hangingPunct="0">
-              <a:lnSpc>
-                <a:spcPct val="100000"/>
-              </a:lnSpc>
-              <a:spcBef>
-                <a:spcPct val="0"/>
-              </a:spcBef>
-              <a:spcAft>
-                <a:spcPct val="0"/>
-              </a:spcAft>
-              <a:buNone/>
-            </a:pPr>
-            <a:r>
-              <a:rPr lang="fr-FR" altLang="fr-FR" sz="1400" dirty="0">
-                <a:solidFill>
-                  <a:schemeClr val="accent1">
-                    <a:lumMod val="75000"/>
-                  </a:schemeClr>
-                </a:solidFill>
-                <a:latin typeface="Bookman Old Style" panose="02050604050505020204" pitchFamily="18" charset="0"/>
-              </a:rPr>
-              <a:t>}</a:t>
-            </a:r>
-          </a:p>
-          <a:p>
-            <a:pPr marL="0" lvl="0" indent="0" defTabSz="273050" eaLnBrk="0" fontAlgn="base" hangingPunct="0">
-              <a:lnSpc>
-                <a:spcPct val="100000"/>
-              </a:lnSpc>
-              <a:spcBef>
-                <a:spcPct val="0"/>
-              </a:spcBef>
-              <a:spcAft>
-                <a:spcPct val="0"/>
-              </a:spcAft>
-              <a:buNone/>
-            </a:pPr>
-            <a:endParaRPr lang="fr-FR" altLang="fr-FR" sz="1400" dirty="0" smtClean="0">
-              <a:solidFill>
-                <a:schemeClr val="accent1">
-                  <a:lumMod val="75000"/>
-                </a:schemeClr>
-              </a:solidFill>
-              <a:latin typeface="Bookman Old Style" panose="02050604050505020204" pitchFamily="18" charset="0"/>
-            </a:endParaRPr>
-          </a:p>
-          <a:p>
-            <a:pPr marL="0" lvl="0" indent="0" defTabSz="273050" eaLnBrk="0" fontAlgn="base" hangingPunct="0">
-              <a:lnSpc>
-                <a:spcPct val="100000"/>
-              </a:lnSpc>
-              <a:spcBef>
-                <a:spcPct val="0"/>
-              </a:spcBef>
-              <a:spcAft>
-                <a:spcPct val="0"/>
-              </a:spcAft>
-              <a:buNone/>
-            </a:pPr>
-            <a:endParaRPr lang="fr-FR" altLang="fr-FR" sz="1400" dirty="0" smtClean="0">
-              <a:solidFill>
-                <a:schemeClr val="accent1">
-                  <a:lumMod val="75000"/>
-                </a:schemeClr>
-              </a:solidFill>
-              <a:latin typeface="Bookman Old Style" panose="02050604050505020204" pitchFamily="18" charset="0"/>
-            </a:endParaRPr>
-          </a:p>
-          <a:p>
-            <a:pPr marL="0" lvl="0" indent="0" defTabSz="273050" eaLnBrk="0" fontAlgn="base" hangingPunct="0">
-              <a:lnSpc>
-                <a:spcPct val="100000"/>
-              </a:lnSpc>
-              <a:spcBef>
-                <a:spcPct val="0"/>
-              </a:spcBef>
-              <a:spcAft>
-                <a:spcPct val="0"/>
-              </a:spcAft>
-              <a:buNone/>
-            </a:pPr>
-            <a:endParaRPr lang="fr-FR" altLang="fr-FR" sz="1400" dirty="0" smtClean="0">
-              <a:solidFill>
-                <a:schemeClr val="accent1">
-                  <a:lumMod val="75000"/>
-                </a:schemeClr>
-              </a:solidFill>
-              <a:latin typeface="Bookman Old Style" panose="02050604050505020204" pitchFamily="18" charset="0"/>
-            </a:endParaRPr>
-          </a:p>
-          <a:p>
-            <a:pPr marL="0" lvl="0" indent="0" defTabSz="273050" eaLnBrk="0" fontAlgn="base" hangingPunct="0">
-              <a:lnSpc>
-                <a:spcPct val="100000"/>
-              </a:lnSpc>
-              <a:spcBef>
-                <a:spcPct val="0"/>
-              </a:spcBef>
-              <a:spcAft>
-                <a:spcPct val="0"/>
-              </a:spcAft>
-              <a:buNone/>
-            </a:pPr>
-            <a:endParaRPr lang="fr-FR" altLang="fr-FR" sz="1400" dirty="0" smtClean="0">
-              <a:solidFill>
-                <a:schemeClr val="accent1">
-                  <a:lumMod val="75000"/>
-                </a:schemeClr>
-              </a:solidFill>
-              <a:latin typeface="Bookman Old Style" panose="02050604050505020204" pitchFamily="18" charset="0"/>
-            </a:endParaRPr>
-          </a:p>
-          <a:p>
-            <a:pPr marL="0" lvl="0" indent="0" defTabSz="273050" eaLnBrk="0" fontAlgn="base" hangingPunct="0">
-              <a:lnSpc>
-                <a:spcPct val="100000"/>
-              </a:lnSpc>
-              <a:spcBef>
-                <a:spcPct val="0"/>
-              </a:spcBef>
-              <a:spcAft>
-                <a:spcPct val="0"/>
-              </a:spcAft>
-              <a:buNone/>
-            </a:pPr>
-            <a:endParaRPr lang="fr-FR" altLang="fr-FR" sz="1400" dirty="0">
-              <a:solidFill>
-                <a:schemeClr val="accent1">
-                  <a:lumMod val="75000"/>
-                </a:schemeClr>
-              </a:solidFill>
-              <a:latin typeface="Bookman Old Style" panose="02050604050505020204" pitchFamily="18" charset="0"/>
-            </a:endParaRPr>
-          </a:p>
-        </p:txBody>
-      </p:sp>
+      </p:pic>
     </p:spTree>
     <p:extLst>
       <p:ext uri="{BB962C8B-B14F-4D97-AF65-F5344CB8AC3E}">
-        <p14:creationId xmlns:p14="http://schemas.microsoft.com/office/powerpoint/2010/main" val="2560503678"/>
+        <p14:creationId xmlns:p14="http://schemas.microsoft.com/office/powerpoint/2010/main" val="2567049933"/>
       </p:ext>
     </p:extLst>
   </p:cSld>
   <p:clrMapOvr>
     <a:masterClrMapping/>
   </p:clrMapOvr>
+  <p:timing>
+    <p:tnLst>
+      <p:par>
+        <p:cTn id="1" dur="indefinite" restart="never" nodeType="tmRoot"/>
+      </p:par>
+    </p:tnLst>
+  </p:timing>
 </p:sld>
 </file>
 
@@ -10163,1339 +6838,59 @@
           <a:lstStyle/>
           <a:p>
             <a:r>
-              <a:rPr lang="fr-CH" dirty="0"/>
-              <a:t>Exemple </a:t>
-            </a:r>
-            <a:r>
               <a:rPr lang="fr-CH" dirty="0" smtClean="0"/>
-              <a:t>d’implémentation (2)</a:t>
+              <a:t>Projet</a:t>
             </a:r>
             <a:endParaRPr lang="fr-CH" dirty="0"/>
           </a:p>
         </p:txBody>
       </p:sp>
-      <p:sp>
-        <p:nvSpPr>
-          <p:cNvPr id="5" name="Rectangle 2"/>
-          <p:cNvSpPr>
-            <a:spLocks noGrp="1" noChangeArrowheads="1"/>
-          </p:cNvSpPr>
+      <p:pic>
+        <p:nvPicPr>
+          <p:cNvPr id="8" name="Espace réservé du contenu 5"/>
+          <p:cNvPicPr>
+            <a:picLocks noGrp="1" noChangeAspect="1"/>
+          </p:cNvPicPr>
           <p:nvPr>
             <p:ph idx="1"/>
           </p:nvPr>
-        </p:nvSpPr>
-        <p:spPr bwMode="auto">
+        </p:nvPicPr>
+        <p:blipFill>
+          <a:blip r:embed="rId2">
+            <a:extLst>
+              <a:ext uri="{28A0092B-C50C-407E-A947-70E740481C1C}">
+                <a14:useLocalDpi xmlns:a14="http://schemas.microsoft.com/office/drawing/2010/main" val="0"/>
+              </a:ext>
+            </a:extLst>
+          </a:blip>
+          <a:stretch>
+            <a:fillRect/>
+          </a:stretch>
+        </p:blipFill>
+        <p:spPr>
           <a:xfrm>
-            <a:off x="838200" y="1739868"/>
-            <a:ext cx="10515600" cy="4185761"/>
+            <a:off x="965200" y="1665288"/>
+            <a:ext cx="8440847" cy="4351338"/>
           </a:xfrm>
-          <a:prstGeom prst="rect">
-            <a:avLst/>
-          </a:prstGeom>
-          <a:ln w="19050"/>
         </p:spPr>
-        <p:style>
-          <a:lnRef idx="2">
-            <a:schemeClr val="dk1"/>
-          </a:lnRef>
-          <a:fillRef idx="1">
-            <a:schemeClr val="lt1"/>
-          </a:fillRef>
-          <a:effectRef idx="0">
-            <a:schemeClr val="dk1"/>
-          </a:effectRef>
-          <a:fontRef idx="minor">
-            <a:schemeClr val="dk1"/>
-          </a:fontRef>
-        </p:style>
-        <p:txBody>
-          <a:bodyPr vert="horz" wrap="square" lIns="91440" tIns="45720" rIns="91440" bIns="45720" numCol="1" anchor="ctr" anchorCtr="0" compatLnSpc="1">
-            <a:prstTxWarp prst="textNoShape">
-              <a:avLst/>
-            </a:prstTxWarp>
-            <a:spAutoFit/>
-          </a:bodyPr>
-          <a:lstStyle/>
-          <a:p>
-            <a:pPr marL="0" lvl="0" indent="0" eaLnBrk="0" fontAlgn="base" hangingPunct="0">
-              <a:lnSpc>
-                <a:spcPct val="100000"/>
-              </a:lnSpc>
-              <a:spcBef>
-                <a:spcPct val="0"/>
-              </a:spcBef>
-              <a:spcAft>
-                <a:spcPct val="0"/>
-              </a:spcAft>
-              <a:buNone/>
-            </a:pPr>
-            <a:r>
-              <a:rPr lang="fr-FR" altLang="fr-FR" sz="1400" dirty="0" smtClean="0">
-                <a:solidFill>
-                  <a:schemeClr val="accent1">
-                    <a:lumMod val="75000"/>
-                  </a:schemeClr>
-                </a:solidFill>
-                <a:latin typeface="Bookman Old Style" panose="02050604050505020204" pitchFamily="18" charset="0"/>
-              </a:rPr>
-              <a:t>public </a:t>
-            </a:r>
-            <a:r>
-              <a:rPr lang="fr-FR" altLang="fr-FR" sz="1400" dirty="0">
-                <a:solidFill>
-                  <a:schemeClr val="accent1">
-                    <a:lumMod val="75000"/>
-                  </a:schemeClr>
-                </a:solidFill>
-                <a:latin typeface="Bookman Old Style" panose="02050604050505020204" pitchFamily="18" charset="0"/>
-              </a:rPr>
-              <a:t>class </a:t>
-            </a:r>
-            <a:r>
-              <a:rPr lang="fr-FR" altLang="fr-FR" sz="1400" dirty="0" smtClean="0">
-                <a:solidFill>
-                  <a:schemeClr val="accent1">
-                    <a:lumMod val="75000"/>
-                  </a:schemeClr>
-                </a:solidFill>
-                <a:latin typeface="Bookman Old Style" panose="02050604050505020204" pitchFamily="18" charset="0"/>
-              </a:rPr>
-              <a:t>Dollar50Dispenser </a:t>
-            </a:r>
-            <a:r>
-              <a:rPr lang="fr-FR" altLang="fr-FR" sz="1400" dirty="0" err="1">
-                <a:solidFill>
-                  <a:schemeClr val="accent1">
-                    <a:lumMod val="75000"/>
-                  </a:schemeClr>
-                </a:solidFill>
-                <a:latin typeface="Bookman Old Style" panose="02050604050505020204" pitchFamily="18" charset="0"/>
-              </a:rPr>
-              <a:t>implements</a:t>
-            </a:r>
-            <a:r>
-              <a:rPr lang="fr-FR" altLang="fr-FR" sz="1400" dirty="0">
-                <a:solidFill>
-                  <a:schemeClr val="accent1">
-                    <a:lumMod val="75000"/>
-                  </a:schemeClr>
-                </a:solidFill>
-                <a:latin typeface="Bookman Old Style" panose="02050604050505020204" pitchFamily="18" charset="0"/>
-              </a:rPr>
-              <a:t> </a:t>
-            </a:r>
-            <a:r>
-              <a:rPr lang="fr-FR" altLang="fr-FR" sz="1400" dirty="0" err="1" smtClean="0">
-                <a:solidFill>
-                  <a:schemeClr val="accent1">
-                    <a:lumMod val="75000"/>
-                  </a:schemeClr>
-                </a:solidFill>
-                <a:latin typeface="Bookman Old Style" panose="02050604050505020204" pitchFamily="18" charset="0"/>
-              </a:rPr>
-              <a:t>DispenseChain</a:t>
-            </a:r>
-            <a:r>
-              <a:rPr lang="fr-FR" altLang="fr-FR" sz="1400" dirty="0" smtClean="0">
-                <a:solidFill>
-                  <a:schemeClr val="accent1">
-                    <a:lumMod val="75000"/>
-                  </a:schemeClr>
-                </a:solidFill>
-                <a:latin typeface="Bookman Old Style" panose="02050604050505020204" pitchFamily="18" charset="0"/>
-              </a:rPr>
-              <a:t> {</a:t>
-            </a:r>
-            <a:endParaRPr lang="fr-FR" altLang="fr-FR" sz="1400" dirty="0">
-              <a:solidFill>
-                <a:schemeClr val="accent1">
-                  <a:lumMod val="75000"/>
-                </a:schemeClr>
-              </a:solidFill>
-              <a:latin typeface="Bookman Old Style" panose="02050604050505020204" pitchFamily="18" charset="0"/>
-            </a:endParaRPr>
-          </a:p>
-          <a:p>
-            <a:pPr marL="0" lvl="0" indent="0" defTabSz="346075" eaLnBrk="0" fontAlgn="base" hangingPunct="0">
-              <a:lnSpc>
-                <a:spcPct val="100000"/>
-              </a:lnSpc>
-              <a:spcBef>
-                <a:spcPct val="0"/>
-              </a:spcBef>
-              <a:spcAft>
-                <a:spcPct val="0"/>
-              </a:spcAft>
-              <a:buNone/>
-            </a:pPr>
-            <a:r>
-              <a:rPr lang="fr-FR" altLang="fr-FR" sz="1400" dirty="0">
-                <a:solidFill>
-                  <a:schemeClr val="accent1">
-                    <a:lumMod val="75000"/>
-                  </a:schemeClr>
-                </a:solidFill>
-                <a:latin typeface="Bookman Old Style" panose="02050604050505020204" pitchFamily="18" charset="0"/>
-              </a:rPr>
-              <a:t>	</a:t>
-            </a:r>
-            <a:r>
-              <a:rPr lang="fr-FR" altLang="fr-FR" sz="1400" dirty="0" err="1">
-                <a:solidFill>
-                  <a:schemeClr val="accent1">
-                    <a:lumMod val="75000"/>
-                  </a:schemeClr>
-                </a:solidFill>
-                <a:latin typeface="Bookman Old Style" panose="02050604050505020204" pitchFamily="18" charset="0"/>
-              </a:rPr>
-              <a:t>private</a:t>
-            </a:r>
-            <a:r>
-              <a:rPr lang="fr-FR" altLang="fr-FR" sz="1400" dirty="0">
-                <a:solidFill>
-                  <a:schemeClr val="accent1">
-                    <a:lumMod val="75000"/>
-                  </a:schemeClr>
-                </a:solidFill>
-                <a:latin typeface="Bookman Old Style" panose="02050604050505020204" pitchFamily="18" charset="0"/>
-              </a:rPr>
-              <a:t> </a:t>
-            </a:r>
-            <a:r>
-              <a:rPr lang="fr-FR" altLang="fr-FR" sz="1400" dirty="0" err="1" smtClean="0">
-                <a:solidFill>
-                  <a:schemeClr val="accent1">
-                    <a:lumMod val="75000"/>
-                  </a:schemeClr>
-                </a:solidFill>
-                <a:latin typeface="Bookman Old Style" panose="02050604050505020204" pitchFamily="18" charset="0"/>
-              </a:rPr>
-              <a:t>DispenseChain</a:t>
-            </a:r>
-            <a:r>
-              <a:rPr lang="fr-FR" altLang="fr-FR" sz="1400" dirty="0" smtClean="0">
-                <a:solidFill>
-                  <a:schemeClr val="accent1">
-                    <a:lumMod val="75000"/>
-                  </a:schemeClr>
-                </a:solidFill>
-                <a:latin typeface="Bookman Old Style" panose="02050604050505020204" pitchFamily="18" charset="0"/>
-              </a:rPr>
-              <a:t> </a:t>
-            </a:r>
-            <a:r>
-              <a:rPr lang="fr-FR" altLang="fr-FR" sz="1400" dirty="0" err="1" smtClean="0">
-                <a:solidFill>
-                  <a:schemeClr val="accent1">
-                    <a:lumMod val="75000"/>
-                  </a:schemeClr>
-                </a:solidFill>
-                <a:latin typeface="Bookman Old Style" panose="02050604050505020204" pitchFamily="18" charset="0"/>
-              </a:rPr>
-              <a:t>chain</a:t>
-            </a:r>
-            <a:r>
-              <a:rPr lang="fr-FR" altLang="fr-FR" sz="1400" dirty="0" smtClean="0">
-                <a:solidFill>
-                  <a:schemeClr val="accent1">
-                    <a:lumMod val="75000"/>
-                  </a:schemeClr>
-                </a:solidFill>
-                <a:latin typeface="Bookman Old Style" panose="02050604050505020204" pitchFamily="18" charset="0"/>
-              </a:rPr>
-              <a:t>;</a:t>
-            </a:r>
-            <a:endParaRPr lang="fr-FR" altLang="fr-FR" sz="1400" dirty="0">
-              <a:solidFill>
-                <a:schemeClr val="accent1">
-                  <a:lumMod val="75000"/>
-                </a:schemeClr>
-              </a:solidFill>
-              <a:latin typeface="Bookman Old Style" panose="02050604050505020204" pitchFamily="18" charset="0"/>
-            </a:endParaRPr>
-          </a:p>
-          <a:p>
-            <a:pPr marL="0" lvl="0" indent="0" defTabSz="346075" eaLnBrk="0" fontAlgn="base" hangingPunct="0">
-              <a:lnSpc>
-                <a:spcPct val="100000"/>
-              </a:lnSpc>
-              <a:spcBef>
-                <a:spcPct val="0"/>
-              </a:spcBef>
-              <a:spcAft>
-                <a:spcPct val="0"/>
-              </a:spcAft>
-              <a:buNone/>
-            </a:pPr>
-            <a:r>
-              <a:rPr lang="fr-FR" altLang="fr-FR" sz="1400" dirty="0">
-                <a:solidFill>
-                  <a:schemeClr val="accent1">
-                    <a:lumMod val="75000"/>
-                  </a:schemeClr>
-                </a:solidFill>
-                <a:latin typeface="Bookman Old Style" panose="02050604050505020204" pitchFamily="18" charset="0"/>
-              </a:rPr>
-              <a:t>	@</a:t>
-            </a:r>
-            <a:r>
-              <a:rPr lang="fr-FR" altLang="fr-FR" sz="1400" dirty="0" err="1">
-                <a:solidFill>
-                  <a:schemeClr val="accent1">
-                    <a:lumMod val="75000"/>
-                  </a:schemeClr>
-                </a:solidFill>
-                <a:latin typeface="Bookman Old Style" panose="02050604050505020204" pitchFamily="18" charset="0"/>
-              </a:rPr>
-              <a:t>Override</a:t>
-            </a:r>
-            <a:endParaRPr lang="fr-FR" altLang="fr-FR" sz="1400" dirty="0">
-              <a:solidFill>
-                <a:schemeClr val="accent1">
-                  <a:lumMod val="75000"/>
-                </a:schemeClr>
-              </a:solidFill>
-              <a:latin typeface="Bookman Old Style" panose="02050604050505020204" pitchFamily="18" charset="0"/>
-            </a:endParaRPr>
-          </a:p>
-          <a:p>
-            <a:pPr marL="0" lvl="0" indent="0" defTabSz="346075" eaLnBrk="0" fontAlgn="base" hangingPunct="0">
-              <a:lnSpc>
-                <a:spcPct val="100000"/>
-              </a:lnSpc>
-              <a:spcBef>
-                <a:spcPct val="0"/>
-              </a:spcBef>
-              <a:spcAft>
-                <a:spcPct val="0"/>
-              </a:spcAft>
-              <a:buNone/>
-            </a:pPr>
-            <a:r>
-              <a:rPr lang="fr-FR" altLang="fr-FR" sz="1400" dirty="0">
-                <a:solidFill>
-                  <a:schemeClr val="accent1">
-                    <a:lumMod val="75000"/>
-                  </a:schemeClr>
-                </a:solidFill>
-                <a:latin typeface="Bookman Old Style" panose="02050604050505020204" pitchFamily="18" charset="0"/>
-              </a:rPr>
-              <a:t>	public </a:t>
-            </a:r>
-            <a:r>
-              <a:rPr lang="fr-FR" altLang="fr-FR" sz="1400" dirty="0" err="1">
-                <a:solidFill>
-                  <a:schemeClr val="accent1">
-                    <a:lumMod val="75000"/>
-                  </a:schemeClr>
-                </a:solidFill>
-                <a:latin typeface="Bookman Old Style" panose="02050604050505020204" pitchFamily="18" charset="0"/>
-              </a:rPr>
-              <a:t>void</a:t>
-            </a:r>
-            <a:r>
-              <a:rPr lang="fr-FR" altLang="fr-FR" sz="1400" dirty="0">
-                <a:solidFill>
-                  <a:schemeClr val="accent1">
-                    <a:lumMod val="75000"/>
-                  </a:schemeClr>
-                </a:solidFill>
-                <a:latin typeface="Bookman Old Style" panose="02050604050505020204" pitchFamily="18" charset="0"/>
-              </a:rPr>
-              <a:t> </a:t>
-            </a:r>
-            <a:r>
-              <a:rPr lang="fr-FR" altLang="fr-FR" sz="1400" dirty="0" err="1">
-                <a:solidFill>
-                  <a:schemeClr val="accent1">
-                    <a:lumMod val="75000"/>
-                  </a:schemeClr>
-                </a:solidFill>
-                <a:latin typeface="Bookman Old Style" panose="02050604050505020204" pitchFamily="18" charset="0"/>
-              </a:rPr>
-              <a:t>setNextChain</a:t>
-            </a:r>
-            <a:r>
-              <a:rPr lang="fr-FR" altLang="fr-FR" sz="1400" dirty="0">
-                <a:solidFill>
-                  <a:schemeClr val="accent1">
-                    <a:lumMod val="75000"/>
-                  </a:schemeClr>
-                </a:solidFill>
-                <a:latin typeface="Bookman Old Style" panose="02050604050505020204" pitchFamily="18" charset="0"/>
-              </a:rPr>
-              <a:t>(</a:t>
-            </a:r>
-            <a:r>
-              <a:rPr lang="fr-FR" altLang="fr-FR" sz="1400" dirty="0" err="1">
-                <a:solidFill>
-                  <a:schemeClr val="accent1">
-                    <a:lumMod val="75000"/>
-                  </a:schemeClr>
-                </a:solidFill>
-                <a:latin typeface="Bookman Old Style" panose="02050604050505020204" pitchFamily="18" charset="0"/>
-              </a:rPr>
-              <a:t>DispenseChain</a:t>
-            </a:r>
-            <a:r>
-              <a:rPr lang="fr-FR" altLang="fr-FR" sz="1400" dirty="0">
-                <a:solidFill>
-                  <a:schemeClr val="accent1">
-                    <a:lumMod val="75000"/>
-                  </a:schemeClr>
-                </a:solidFill>
-                <a:latin typeface="Bookman Old Style" panose="02050604050505020204" pitchFamily="18" charset="0"/>
-              </a:rPr>
-              <a:t> </a:t>
-            </a:r>
-            <a:r>
-              <a:rPr lang="fr-FR" altLang="fr-FR" sz="1400" dirty="0" err="1">
-                <a:solidFill>
-                  <a:schemeClr val="accent1">
-                    <a:lumMod val="75000"/>
-                  </a:schemeClr>
-                </a:solidFill>
-                <a:latin typeface="Bookman Old Style" panose="02050604050505020204" pitchFamily="18" charset="0"/>
-              </a:rPr>
-              <a:t>nextChain</a:t>
-            </a:r>
-            <a:r>
-              <a:rPr lang="fr-FR" altLang="fr-FR" sz="1400" dirty="0">
-                <a:solidFill>
-                  <a:schemeClr val="accent1">
-                    <a:lumMod val="75000"/>
-                  </a:schemeClr>
-                </a:solidFill>
-                <a:latin typeface="Bookman Old Style" panose="02050604050505020204" pitchFamily="18" charset="0"/>
-              </a:rPr>
-              <a:t>) {</a:t>
-            </a:r>
-          </a:p>
-          <a:p>
-            <a:pPr marL="0" lvl="0" indent="0" defTabSz="346075" eaLnBrk="0" fontAlgn="base" hangingPunct="0">
-              <a:lnSpc>
-                <a:spcPct val="100000"/>
-              </a:lnSpc>
-              <a:spcBef>
-                <a:spcPct val="0"/>
-              </a:spcBef>
-              <a:spcAft>
-                <a:spcPct val="0"/>
-              </a:spcAft>
-              <a:buNone/>
-            </a:pPr>
-            <a:r>
-              <a:rPr lang="fr-FR" altLang="fr-FR" sz="1400" dirty="0">
-                <a:solidFill>
-                  <a:schemeClr val="accent1">
-                    <a:lumMod val="75000"/>
-                  </a:schemeClr>
-                </a:solidFill>
-                <a:latin typeface="Bookman Old Style" panose="02050604050505020204" pitchFamily="18" charset="0"/>
-              </a:rPr>
-              <a:t>		</a:t>
-            </a:r>
-            <a:r>
-              <a:rPr lang="fr-FR" altLang="fr-FR" sz="1400" dirty="0" err="1">
-                <a:solidFill>
-                  <a:schemeClr val="accent1">
-                    <a:lumMod val="75000"/>
-                  </a:schemeClr>
-                </a:solidFill>
-                <a:latin typeface="Bookman Old Style" panose="02050604050505020204" pitchFamily="18" charset="0"/>
-              </a:rPr>
-              <a:t>this.chain</a:t>
-            </a:r>
-            <a:r>
-              <a:rPr lang="fr-FR" altLang="fr-FR" sz="1400" dirty="0">
-                <a:solidFill>
-                  <a:schemeClr val="accent1">
-                    <a:lumMod val="75000"/>
-                  </a:schemeClr>
-                </a:solidFill>
-                <a:latin typeface="Bookman Old Style" panose="02050604050505020204" pitchFamily="18" charset="0"/>
-              </a:rPr>
-              <a:t>=</a:t>
-            </a:r>
-            <a:r>
-              <a:rPr lang="fr-FR" altLang="fr-FR" sz="1400" dirty="0" err="1">
-                <a:solidFill>
-                  <a:schemeClr val="accent1">
-                    <a:lumMod val="75000"/>
-                  </a:schemeClr>
-                </a:solidFill>
-                <a:latin typeface="Bookman Old Style" panose="02050604050505020204" pitchFamily="18" charset="0"/>
-              </a:rPr>
-              <a:t>nextChain</a:t>
-            </a:r>
-            <a:r>
-              <a:rPr lang="fr-FR" altLang="fr-FR" sz="1400" dirty="0">
-                <a:solidFill>
-                  <a:schemeClr val="accent1">
-                    <a:lumMod val="75000"/>
-                  </a:schemeClr>
-                </a:solidFill>
-                <a:latin typeface="Bookman Old Style" panose="02050604050505020204" pitchFamily="18" charset="0"/>
-              </a:rPr>
-              <a:t>;</a:t>
-            </a:r>
-          </a:p>
-          <a:p>
-            <a:pPr marL="0" lvl="0" indent="0" defTabSz="346075" eaLnBrk="0" fontAlgn="base" hangingPunct="0">
-              <a:lnSpc>
-                <a:spcPct val="100000"/>
-              </a:lnSpc>
-              <a:spcBef>
-                <a:spcPct val="0"/>
-              </a:spcBef>
-              <a:spcAft>
-                <a:spcPct val="0"/>
-              </a:spcAft>
-              <a:buNone/>
-            </a:pPr>
-            <a:r>
-              <a:rPr lang="fr-FR" altLang="fr-FR" sz="1400" dirty="0">
-                <a:solidFill>
-                  <a:schemeClr val="accent1">
-                    <a:lumMod val="75000"/>
-                  </a:schemeClr>
-                </a:solidFill>
-                <a:latin typeface="Bookman Old Style" panose="02050604050505020204" pitchFamily="18" charset="0"/>
-              </a:rPr>
-              <a:t>	</a:t>
-            </a:r>
-            <a:r>
-              <a:rPr lang="fr-FR" altLang="fr-FR" sz="1400" dirty="0" smtClean="0">
-                <a:solidFill>
-                  <a:schemeClr val="accent1">
-                    <a:lumMod val="75000"/>
-                  </a:schemeClr>
-                </a:solidFill>
-                <a:latin typeface="Bookman Old Style" panose="02050604050505020204" pitchFamily="18" charset="0"/>
-              </a:rPr>
-              <a:t>}</a:t>
-            </a:r>
-            <a:endParaRPr lang="fr-FR" altLang="fr-FR" sz="1400" dirty="0">
-              <a:solidFill>
-                <a:schemeClr val="accent1">
-                  <a:lumMod val="75000"/>
-                </a:schemeClr>
-              </a:solidFill>
-              <a:latin typeface="Bookman Old Style" panose="02050604050505020204" pitchFamily="18" charset="0"/>
-            </a:endParaRPr>
-          </a:p>
-          <a:p>
-            <a:pPr marL="0" lvl="0" indent="0" defTabSz="346075" eaLnBrk="0" fontAlgn="base" hangingPunct="0">
-              <a:lnSpc>
-                <a:spcPct val="100000"/>
-              </a:lnSpc>
-              <a:spcBef>
-                <a:spcPct val="0"/>
-              </a:spcBef>
-              <a:spcAft>
-                <a:spcPct val="0"/>
-              </a:spcAft>
-              <a:buNone/>
-            </a:pPr>
-            <a:r>
-              <a:rPr lang="fr-FR" altLang="fr-FR" sz="1400" dirty="0">
-                <a:solidFill>
-                  <a:schemeClr val="accent1">
-                    <a:lumMod val="75000"/>
-                  </a:schemeClr>
-                </a:solidFill>
-                <a:latin typeface="Bookman Old Style" panose="02050604050505020204" pitchFamily="18" charset="0"/>
-              </a:rPr>
-              <a:t>	@</a:t>
-            </a:r>
-            <a:r>
-              <a:rPr lang="fr-FR" altLang="fr-FR" sz="1400" dirty="0" err="1">
-                <a:solidFill>
-                  <a:schemeClr val="accent1">
-                    <a:lumMod val="75000"/>
-                  </a:schemeClr>
-                </a:solidFill>
-                <a:latin typeface="Bookman Old Style" panose="02050604050505020204" pitchFamily="18" charset="0"/>
-              </a:rPr>
-              <a:t>Override</a:t>
-            </a:r>
-            <a:endParaRPr lang="fr-FR" altLang="fr-FR" sz="1400" dirty="0">
-              <a:solidFill>
-                <a:schemeClr val="accent1">
-                  <a:lumMod val="75000"/>
-                </a:schemeClr>
-              </a:solidFill>
-              <a:latin typeface="Bookman Old Style" panose="02050604050505020204" pitchFamily="18" charset="0"/>
-            </a:endParaRPr>
-          </a:p>
-          <a:p>
-            <a:pPr marL="0" lvl="0" indent="0" defTabSz="346075" eaLnBrk="0" fontAlgn="base" hangingPunct="0">
-              <a:lnSpc>
-                <a:spcPct val="100000"/>
-              </a:lnSpc>
-              <a:spcBef>
-                <a:spcPct val="0"/>
-              </a:spcBef>
-              <a:spcAft>
-                <a:spcPct val="0"/>
-              </a:spcAft>
-              <a:buNone/>
-            </a:pPr>
-            <a:r>
-              <a:rPr lang="fr-FR" altLang="fr-FR" sz="1400" dirty="0">
-                <a:solidFill>
-                  <a:schemeClr val="accent1">
-                    <a:lumMod val="75000"/>
-                  </a:schemeClr>
-                </a:solidFill>
-                <a:latin typeface="Bookman Old Style" panose="02050604050505020204" pitchFamily="18" charset="0"/>
-              </a:rPr>
-              <a:t>	public </a:t>
-            </a:r>
-            <a:r>
-              <a:rPr lang="fr-FR" altLang="fr-FR" sz="1400" dirty="0" err="1">
-                <a:solidFill>
-                  <a:schemeClr val="accent1">
-                    <a:lumMod val="75000"/>
-                  </a:schemeClr>
-                </a:solidFill>
-                <a:latin typeface="Bookman Old Style" panose="02050604050505020204" pitchFamily="18" charset="0"/>
-              </a:rPr>
-              <a:t>void</a:t>
-            </a:r>
-            <a:r>
-              <a:rPr lang="fr-FR" altLang="fr-FR" sz="1400" dirty="0">
-                <a:solidFill>
-                  <a:schemeClr val="accent1">
-                    <a:lumMod val="75000"/>
-                  </a:schemeClr>
-                </a:solidFill>
-                <a:latin typeface="Bookman Old Style" panose="02050604050505020204" pitchFamily="18" charset="0"/>
-              </a:rPr>
-              <a:t> dispense(</a:t>
-            </a:r>
-            <a:r>
-              <a:rPr lang="fr-FR" altLang="fr-FR" sz="1400" dirty="0" err="1">
-                <a:solidFill>
-                  <a:schemeClr val="accent1">
-                    <a:lumMod val="75000"/>
-                  </a:schemeClr>
-                </a:solidFill>
-                <a:latin typeface="Bookman Old Style" panose="02050604050505020204" pitchFamily="18" charset="0"/>
-              </a:rPr>
-              <a:t>Currency</a:t>
-            </a:r>
-            <a:r>
-              <a:rPr lang="fr-FR" altLang="fr-FR" sz="1400" dirty="0">
-                <a:solidFill>
-                  <a:schemeClr val="accent1">
-                    <a:lumMod val="75000"/>
-                  </a:schemeClr>
-                </a:solidFill>
-                <a:latin typeface="Bookman Old Style" panose="02050604050505020204" pitchFamily="18" charset="0"/>
-              </a:rPr>
-              <a:t> </a:t>
-            </a:r>
-            <a:r>
-              <a:rPr lang="fr-FR" altLang="fr-FR" sz="1400" dirty="0" err="1">
-                <a:solidFill>
-                  <a:schemeClr val="accent1">
-                    <a:lumMod val="75000"/>
-                  </a:schemeClr>
-                </a:solidFill>
-                <a:latin typeface="Bookman Old Style" panose="02050604050505020204" pitchFamily="18" charset="0"/>
-              </a:rPr>
-              <a:t>cur</a:t>
-            </a:r>
-            <a:r>
-              <a:rPr lang="fr-FR" altLang="fr-FR" sz="1400" dirty="0">
-                <a:solidFill>
-                  <a:schemeClr val="accent1">
-                    <a:lumMod val="75000"/>
-                  </a:schemeClr>
-                </a:solidFill>
-                <a:latin typeface="Bookman Old Style" panose="02050604050505020204" pitchFamily="18" charset="0"/>
-              </a:rPr>
-              <a:t>) {</a:t>
-            </a:r>
-          </a:p>
-          <a:p>
-            <a:pPr marL="0" lvl="0" indent="0" defTabSz="346075" eaLnBrk="0" fontAlgn="base" hangingPunct="0">
-              <a:lnSpc>
-                <a:spcPct val="100000"/>
-              </a:lnSpc>
-              <a:spcBef>
-                <a:spcPct val="0"/>
-              </a:spcBef>
-              <a:spcAft>
-                <a:spcPct val="0"/>
-              </a:spcAft>
-              <a:buNone/>
-            </a:pPr>
-            <a:r>
-              <a:rPr lang="fr-FR" altLang="fr-FR" sz="1400" dirty="0">
-                <a:solidFill>
-                  <a:schemeClr val="accent1">
-                    <a:lumMod val="75000"/>
-                  </a:schemeClr>
-                </a:solidFill>
-                <a:latin typeface="Bookman Old Style" panose="02050604050505020204" pitchFamily="18" charset="0"/>
-              </a:rPr>
-              <a:t>		if(</a:t>
-            </a:r>
-            <a:r>
-              <a:rPr lang="fr-FR" altLang="fr-FR" sz="1400" dirty="0" err="1">
-                <a:solidFill>
-                  <a:schemeClr val="accent1">
-                    <a:lumMod val="75000"/>
-                  </a:schemeClr>
-                </a:solidFill>
-                <a:latin typeface="Bookman Old Style" panose="02050604050505020204" pitchFamily="18" charset="0"/>
-              </a:rPr>
-              <a:t>cur.getAmount</a:t>
-            </a:r>
-            <a:r>
-              <a:rPr lang="fr-FR" altLang="fr-FR" sz="1400" dirty="0">
-                <a:solidFill>
-                  <a:schemeClr val="accent1">
-                    <a:lumMod val="75000"/>
-                  </a:schemeClr>
-                </a:solidFill>
-                <a:latin typeface="Bookman Old Style" panose="02050604050505020204" pitchFamily="18" charset="0"/>
-              </a:rPr>
-              <a:t>() &gt;= 50){</a:t>
-            </a:r>
-          </a:p>
-          <a:p>
-            <a:pPr marL="0" lvl="0" indent="0" defTabSz="346075" eaLnBrk="0" fontAlgn="base" hangingPunct="0">
-              <a:lnSpc>
-                <a:spcPct val="100000"/>
-              </a:lnSpc>
-              <a:spcBef>
-                <a:spcPct val="0"/>
-              </a:spcBef>
-              <a:spcAft>
-                <a:spcPct val="0"/>
-              </a:spcAft>
-              <a:buNone/>
-            </a:pPr>
-            <a:r>
-              <a:rPr lang="fr-FR" altLang="fr-FR" sz="1400" dirty="0">
-                <a:solidFill>
-                  <a:schemeClr val="accent1">
-                    <a:lumMod val="75000"/>
-                  </a:schemeClr>
-                </a:solidFill>
-                <a:latin typeface="Bookman Old Style" panose="02050604050505020204" pitchFamily="18" charset="0"/>
-              </a:rPr>
-              <a:t>			</a:t>
-            </a:r>
-            <a:r>
-              <a:rPr lang="fr-FR" altLang="fr-FR" sz="1400" dirty="0" err="1">
-                <a:solidFill>
-                  <a:schemeClr val="accent1">
-                    <a:lumMod val="75000"/>
-                  </a:schemeClr>
-                </a:solidFill>
-                <a:latin typeface="Bookman Old Style" panose="02050604050505020204" pitchFamily="18" charset="0"/>
-              </a:rPr>
-              <a:t>int</a:t>
-            </a:r>
-            <a:r>
-              <a:rPr lang="fr-FR" altLang="fr-FR" sz="1400" dirty="0">
-                <a:solidFill>
-                  <a:schemeClr val="accent1">
-                    <a:lumMod val="75000"/>
-                  </a:schemeClr>
-                </a:solidFill>
-                <a:latin typeface="Bookman Old Style" panose="02050604050505020204" pitchFamily="18" charset="0"/>
-              </a:rPr>
-              <a:t> </a:t>
-            </a:r>
-            <a:r>
-              <a:rPr lang="fr-FR" altLang="fr-FR" sz="1400" dirty="0" err="1">
-                <a:solidFill>
-                  <a:schemeClr val="accent1">
-                    <a:lumMod val="75000"/>
-                  </a:schemeClr>
-                </a:solidFill>
-                <a:latin typeface="Bookman Old Style" panose="02050604050505020204" pitchFamily="18" charset="0"/>
-              </a:rPr>
-              <a:t>num</a:t>
-            </a:r>
-            <a:r>
-              <a:rPr lang="fr-FR" altLang="fr-FR" sz="1400" dirty="0">
-                <a:solidFill>
-                  <a:schemeClr val="accent1">
-                    <a:lumMod val="75000"/>
-                  </a:schemeClr>
-                </a:solidFill>
-                <a:latin typeface="Bookman Old Style" panose="02050604050505020204" pitchFamily="18" charset="0"/>
-              </a:rPr>
-              <a:t> = </a:t>
-            </a:r>
-            <a:r>
-              <a:rPr lang="fr-FR" altLang="fr-FR" sz="1400" dirty="0" err="1">
-                <a:solidFill>
-                  <a:schemeClr val="accent1">
-                    <a:lumMod val="75000"/>
-                  </a:schemeClr>
-                </a:solidFill>
-                <a:latin typeface="Bookman Old Style" panose="02050604050505020204" pitchFamily="18" charset="0"/>
-              </a:rPr>
-              <a:t>cur.getAmount</a:t>
-            </a:r>
-            <a:r>
-              <a:rPr lang="fr-FR" altLang="fr-FR" sz="1400" dirty="0">
-                <a:solidFill>
-                  <a:schemeClr val="accent1">
-                    <a:lumMod val="75000"/>
-                  </a:schemeClr>
-                </a:solidFill>
-                <a:latin typeface="Bookman Old Style" panose="02050604050505020204" pitchFamily="18" charset="0"/>
-              </a:rPr>
-              <a:t>()/50;</a:t>
-            </a:r>
-          </a:p>
-          <a:p>
-            <a:pPr marL="0" lvl="0" indent="0" defTabSz="346075" eaLnBrk="0" fontAlgn="base" hangingPunct="0">
-              <a:lnSpc>
-                <a:spcPct val="100000"/>
-              </a:lnSpc>
-              <a:spcBef>
-                <a:spcPct val="0"/>
-              </a:spcBef>
-              <a:spcAft>
-                <a:spcPct val="0"/>
-              </a:spcAft>
-              <a:buNone/>
-            </a:pPr>
-            <a:r>
-              <a:rPr lang="fr-FR" altLang="fr-FR" sz="1400" dirty="0">
-                <a:solidFill>
-                  <a:schemeClr val="accent1">
-                    <a:lumMod val="75000"/>
-                  </a:schemeClr>
-                </a:solidFill>
-                <a:latin typeface="Bookman Old Style" panose="02050604050505020204" pitchFamily="18" charset="0"/>
-              </a:rPr>
-              <a:t>			</a:t>
-            </a:r>
-            <a:r>
-              <a:rPr lang="fr-FR" altLang="fr-FR" sz="1400" dirty="0" err="1">
-                <a:solidFill>
-                  <a:schemeClr val="accent1">
-                    <a:lumMod val="75000"/>
-                  </a:schemeClr>
-                </a:solidFill>
-                <a:latin typeface="Bookman Old Style" panose="02050604050505020204" pitchFamily="18" charset="0"/>
-              </a:rPr>
-              <a:t>int</a:t>
-            </a:r>
-            <a:r>
-              <a:rPr lang="fr-FR" altLang="fr-FR" sz="1400" dirty="0">
-                <a:solidFill>
-                  <a:schemeClr val="accent1">
-                    <a:lumMod val="75000"/>
-                  </a:schemeClr>
-                </a:solidFill>
-                <a:latin typeface="Bookman Old Style" panose="02050604050505020204" pitchFamily="18" charset="0"/>
-              </a:rPr>
-              <a:t> </a:t>
-            </a:r>
-            <a:r>
-              <a:rPr lang="fr-FR" altLang="fr-FR" sz="1400" dirty="0" err="1">
-                <a:solidFill>
-                  <a:schemeClr val="accent1">
-                    <a:lumMod val="75000"/>
-                  </a:schemeClr>
-                </a:solidFill>
-                <a:latin typeface="Bookman Old Style" panose="02050604050505020204" pitchFamily="18" charset="0"/>
-              </a:rPr>
-              <a:t>remainder</a:t>
-            </a:r>
-            <a:r>
-              <a:rPr lang="fr-FR" altLang="fr-FR" sz="1400" dirty="0">
-                <a:solidFill>
-                  <a:schemeClr val="accent1">
-                    <a:lumMod val="75000"/>
-                  </a:schemeClr>
-                </a:solidFill>
-                <a:latin typeface="Bookman Old Style" panose="02050604050505020204" pitchFamily="18" charset="0"/>
-              </a:rPr>
-              <a:t> = </a:t>
-            </a:r>
-            <a:r>
-              <a:rPr lang="fr-FR" altLang="fr-FR" sz="1400" dirty="0" err="1">
-                <a:solidFill>
-                  <a:schemeClr val="accent1">
-                    <a:lumMod val="75000"/>
-                  </a:schemeClr>
-                </a:solidFill>
-                <a:latin typeface="Bookman Old Style" panose="02050604050505020204" pitchFamily="18" charset="0"/>
-              </a:rPr>
-              <a:t>cur.getAmount</a:t>
-            </a:r>
-            <a:r>
-              <a:rPr lang="fr-FR" altLang="fr-FR" sz="1400" dirty="0">
-                <a:solidFill>
-                  <a:schemeClr val="accent1">
-                    <a:lumMod val="75000"/>
-                  </a:schemeClr>
-                </a:solidFill>
-                <a:latin typeface="Bookman Old Style" panose="02050604050505020204" pitchFamily="18" charset="0"/>
-              </a:rPr>
-              <a:t>() % 50;</a:t>
-            </a:r>
-          </a:p>
-          <a:p>
-            <a:pPr marL="0" lvl="0" indent="0" defTabSz="346075" eaLnBrk="0" fontAlgn="base" hangingPunct="0">
-              <a:lnSpc>
-                <a:spcPct val="100000"/>
-              </a:lnSpc>
-              <a:spcBef>
-                <a:spcPct val="0"/>
-              </a:spcBef>
-              <a:spcAft>
-                <a:spcPct val="0"/>
-              </a:spcAft>
-              <a:buNone/>
-            </a:pPr>
-            <a:r>
-              <a:rPr lang="fr-FR" altLang="fr-FR" sz="1400" dirty="0">
-                <a:solidFill>
-                  <a:schemeClr val="accent1">
-                    <a:lumMod val="75000"/>
-                  </a:schemeClr>
-                </a:solidFill>
-                <a:latin typeface="Bookman Old Style" panose="02050604050505020204" pitchFamily="18" charset="0"/>
-              </a:rPr>
-              <a:t>			</a:t>
-            </a:r>
-            <a:r>
-              <a:rPr lang="fr-FR" altLang="fr-FR" sz="1400" dirty="0" err="1">
-                <a:solidFill>
-                  <a:schemeClr val="accent1">
-                    <a:lumMod val="75000"/>
-                  </a:schemeClr>
-                </a:solidFill>
-                <a:latin typeface="Bookman Old Style" panose="02050604050505020204" pitchFamily="18" charset="0"/>
-              </a:rPr>
-              <a:t>System.out.println</a:t>
-            </a:r>
-            <a:r>
-              <a:rPr lang="fr-FR" altLang="fr-FR" sz="1400" dirty="0">
-                <a:solidFill>
-                  <a:schemeClr val="accent1">
-                    <a:lumMod val="75000"/>
-                  </a:schemeClr>
-                </a:solidFill>
-                <a:latin typeface="Bookman Old Style" panose="02050604050505020204" pitchFamily="18" charset="0"/>
-              </a:rPr>
-              <a:t>("</a:t>
-            </a:r>
-            <a:r>
-              <a:rPr lang="fr-FR" altLang="fr-FR" sz="1400" dirty="0" err="1">
-                <a:solidFill>
-                  <a:schemeClr val="accent1">
-                    <a:lumMod val="75000"/>
-                  </a:schemeClr>
-                </a:solidFill>
-                <a:latin typeface="Bookman Old Style" panose="02050604050505020204" pitchFamily="18" charset="0"/>
-              </a:rPr>
-              <a:t>Dispensing</a:t>
-            </a:r>
-            <a:r>
-              <a:rPr lang="fr-FR" altLang="fr-FR" sz="1400" dirty="0">
-                <a:solidFill>
-                  <a:schemeClr val="accent1">
-                    <a:lumMod val="75000"/>
-                  </a:schemeClr>
-                </a:solidFill>
-                <a:latin typeface="Bookman Old Style" panose="02050604050505020204" pitchFamily="18" charset="0"/>
-              </a:rPr>
-              <a:t> "+</a:t>
-            </a:r>
-            <a:r>
-              <a:rPr lang="fr-FR" altLang="fr-FR" sz="1400" dirty="0" err="1">
-                <a:solidFill>
-                  <a:schemeClr val="accent1">
-                    <a:lumMod val="75000"/>
-                  </a:schemeClr>
-                </a:solidFill>
-                <a:latin typeface="Bookman Old Style" panose="02050604050505020204" pitchFamily="18" charset="0"/>
-              </a:rPr>
-              <a:t>num</a:t>
-            </a:r>
-            <a:r>
-              <a:rPr lang="fr-FR" altLang="fr-FR" sz="1400" dirty="0">
-                <a:solidFill>
-                  <a:schemeClr val="accent1">
-                    <a:lumMod val="75000"/>
-                  </a:schemeClr>
-                </a:solidFill>
-                <a:latin typeface="Bookman Old Style" panose="02050604050505020204" pitchFamily="18" charset="0"/>
-              </a:rPr>
-              <a:t>+" 50$ note");</a:t>
-            </a:r>
-          </a:p>
-          <a:p>
-            <a:pPr marL="0" lvl="0" indent="0" defTabSz="346075" eaLnBrk="0" fontAlgn="base" hangingPunct="0">
-              <a:lnSpc>
-                <a:spcPct val="100000"/>
-              </a:lnSpc>
-              <a:spcBef>
-                <a:spcPct val="0"/>
-              </a:spcBef>
-              <a:spcAft>
-                <a:spcPct val="0"/>
-              </a:spcAft>
-              <a:buNone/>
-            </a:pPr>
-            <a:r>
-              <a:rPr lang="fr-FR" altLang="fr-FR" sz="1400" dirty="0">
-                <a:solidFill>
-                  <a:schemeClr val="accent1">
-                    <a:lumMod val="75000"/>
-                  </a:schemeClr>
-                </a:solidFill>
-                <a:latin typeface="Bookman Old Style" panose="02050604050505020204" pitchFamily="18" charset="0"/>
-              </a:rPr>
-              <a:t>			if(</a:t>
-            </a:r>
-            <a:r>
-              <a:rPr lang="fr-FR" altLang="fr-FR" sz="1400" dirty="0" err="1">
-                <a:solidFill>
-                  <a:schemeClr val="accent1">
-                    <a:lumMod val="75000"/>
-                  </a:schemeClr>
-                </a:solidFill>
-                <a:latin typeface="Bookman Old Style" panose="02050604050505020204" pitchFamily="18" charset="0"/>
-              </a:rPr>
-              <a:t>remainder</a:t>
-            </a:r>
-            <a:r>
-              <a:rPr lang="fr-FR" altLang="fr-FR" sz="1400" dirty="0">
-                <a:solidFill>
-                  <a:schemeClr val="accent1">
-                    <a:lumMod val="75000"/>
-                  </a:schemeClr>
-                </a:solidFill>
-                <a:latin typeface="Bookman Old Style" panose="02050604050505020204" pitchFamily="18" charset="0"/>
-              </a:rPr>
-              <a:t> !=0) </a:t>
-            </a:r>
-            <a:r>
-              <a:rPr lang="fr-FR" altLang="fr-FR" sz="1400" dirty="0" err="1">
-                <a:solidFill>
-                  <a:schemeClr val="accent1">
-                    <a:lumMod val="75000"/>
-                  </a:schemeClr>
-                </a:solidFill>
-                <a:latin typeface="Bookman Old Style" panose="02050604050505020204" pitchFamily="18" charset="0"/>
-              </a:rPr>
-              <a:t>this.chain.dispense</a:t>
-            </a:r>
-            <a:r>
-              <a:rPr lang="fr-FR" altLang="fr-FR" sz="1400" dirty="0">
-                <a:solidFill>
-                  <a:schemeClr val="accent1">
-                    <a:lumMod val="75000"/>
-                  </a:schemeClr>
-                </a:solidFill>
-                <a:latin typeface="Bookman Old Style" panose="02050604050505020204" pitchFamily="18" charset="0"/>
-              </a:rPr>
-              <a:t>(new </a:t>
-            </a:r>
-            <a:r>
-              <a:rPr lang="fr-FR" altLang="fr-FR" sz="1400" dirty="0" err="1">
-                <a:solidFill>
-                  <a:schemeClr val="accent1">
-                    <a:lumMod val="75000"/>
-                  </a:schemeClr>
-                </a:solidFill>
-                <a:latin typeface="Bookman Old Style" panose="02050604050505020204" pitchFamily="18" charset="0"/>
-              </a:rPr>
-              <a:t>Currency</a:t>
-            </a:r>
-            <a:r>
-              <a:rPr lang="fr-FR" altLang="fr-FR" sz="1400" dirty="0">
-                <a:solidFill>
-                  <a:schemeClr val="accent1">
-                    <a:lumMod val="75000"/>
-                  </a:schemeClr>
-                </a:solidFill>
-                <a:latin typeface="Bookman Old Style" panose="02050604050505020204" pitchFamily="18" charset="0"/>
-              </a:rPr>
-              <a:t>(</a:t>
-            </a:r>
-            <a:r>
-              <a:rPr lang="fr-FR" altLang="fr-FR" sz="1400" dirty="0" err="1">
-                <a:solidFill>
-                  <a:schemeClr val="accent1">
-                    <a:lumMod val="75000"/>
-                  </a:schemeClr>
-                </a:solidFill>
-                <a:latin typeface="Bookman Old Style" panose="02050604050505020204" pitchFamily="18" charset="0"/>
-              </a:rPr>
-              <a:t>remainder</a:t>
-            </a:r>
-            <a:r>
-              <a:rPr lang="fr-FR" altLang="fr-FR" sz="1400" dirty="0">
-                <a:solidFill>
-                  <a:schemeClr val="accent1">
-                    <a:lumMod val="75000"/>
-                  </a:schemeClr>
-                </a:solidFill>
-                <a:latin typeface="Bookman Old Style" panose="02050604050505020204" pitchFamily="18" charset="0"/>
-              </a:rPr>
-              <a:t>));</a:t>
-            </a:r>
-          </a:p>
-          <a:p>
-            <a:pPr marL="0" lvl="0" indent="0" defTabSz="346075" eaLnBrk="0" fontAlgn="base" hangingPunct="0">
-              <a:lnSpc>
-                <a:spcPct val="100000"/>
-              </a:lnSpc>
-              <a:spcBef>
-                <a:spcPct val="0"/>
-              </a:spcBef>
-              <a:spcAft>
-                <a:spcPct val="0"/>
-              </a:spcAft>
-              <a:buNone/>
-            </a:pPr>
-            <a:r>
-              <a:rPr lang="fr-FR" altLang="fr-FR" sz="1400" dirty="0">
-                <a:solidFill>
-                  <a:schemeClr val="accent1">
-                    <a:lumMod val="75000"/>
-                  </a:schemeClr>
-                </a:solidFill>
-                <a:latin typeface="Bookman Old Style" panose="02050604050505020204" pitchFamily="18" charset="0"/>
-              </a:rPr>
-              <a:t>		}</a:t>
-            </a:r>
-            <a:r>
-              <a:rPr lang="fr-FR" altLang="fr-FR" sz="1400" dirty="0" err="1">
-                <a:solidFill>
-                  <a:schemeClr val="accent1">
-                    <a:lumMod val="75000"/>
-                  </a:schemeClr>
-                </a:solidFill>
-                <a:latin typeface="Bookman Old Style" panose="02050604050505020204" pitchFamily="18" charset="0"/>
-              </a:rPr>
-              <a:t>else</a:t>
-            </a:r>
-            <a:r>
-              <a:rPr lang="fr-FR" altLang="fr-FR" sz="1400" dirty="0">
-                <a:solidFill>
-                  <a:schemeClr val="accent1">
-                    <a:lumMod val="75000"/>
-                  </a:schemeClr>
-                </a:solidFill>
-                <a:latin typeface="Bookman Old Style" panose="02050604050505020204" pitchFamily="18" charset="0"/>
-              </a:rPr>
-              <a:t>{</a:t>
-            </a:r>
-          </a:p>
-          <a:p>
-            <a:pPr marL="0" lvl="0" indent="0" defTabSz="346075" eaLnBrk="0" fontAlgn="base" hangingPunct="0">
-              <a:lnSpc>
-                <a:spcPct val="100000"/>
-              </a:lnSpc>
-              <a:spcBef>
-                <a:spcPct val="0"/>
-              </a:spcBef>
-              <a:spcAft>
-                <a:spcPct val="0"/>
-              </a:spcAft>
-              <a:buNone/>
-            </a:pPr>
-            <a:r>
-              <a:rPr lang="fr-FR" altLang="fr-FR" sz="1400" dirty="0">
-                <a:solidFill>
-                  <a:schemeClr val="accent1">
-                    <a:lumMod val="75000"/>
-                  </a:schemeClr>
-                </a:solidFill>
-                <a:latin typeface="Bookman Old Style" panose="02050604050505020204" pitchFamily="18" charset="0"/>
-              </a:rPr>
-              <a:t>			</a:t>
-            </a:r>
-            <a:r>
-              <a:rPr lang="fr-FR" altLang="fr-FR" sz="1400" dirty="0" err="1">
-                <a:solidFill>
-                  <a:schemeClr val="accent1">
-                    <a:lumMod val="75000"/>
-                  </a:schemeClr>
-                </a:solidFill>
-                <a:latin typeface="Bookman Old Style" panose="02050604050505020204" pitchFamily="18" charset="0"/>
-              </a:rPr>
-              <a:t>this.chain.dispense</a:t>
-            </a:r>
-            <a:r>
-              <a:rPr lang="fr-FR" altLang="fr-FR" sz="1400" dirty="0">
-                <a:solidFill>
-                  <a:schemeClr val="accent1">
-                    <a:lumMod val="75000"/>
-                  </a:schemeClr>
-                </a:solidFill>
-                <a:latin typeface="Bookman Old Style" panose="02050604050505020204" pitchFamily="18" charset="0"/>
-              </a:rPr>
-              <a:t>(</a:t>
-            </a:r>
-            <a:r>
-              <a:rPr lang="fr-FR" altLang="fr-FR" sz="1400" dirty="0" err="1">
-                <a:solidFill>
-                  <a:schemeClr val="accent1">
-                    <a:lumMod val="75000"/>
-                  </a:schemeClr>
-                </a:solidFill>
-                <a:latin typeface="Bookman Old Style" panose="02050604050505020204" pitchFamily="18" charset="0"/>
-              </a:rPr>
-              <a:t>cur</a:t>
-            </a:r>
-            <a:r>
-              <a:rPr lang="fr-FR" altLang="fr-FR" sz="1400" dirty="0">
-                <a:solidFill>
-                  <a:schemeClr val="accent1">
-                    <a:lumMod val="75000"/>
-                  </a:schemeClr>
-                </a:solidFill>
-                <a:latin typeface="Bookman Old Style" panose="02050604050505020204" pitchFamily="18" charset="0"/>
-              </a:rPr>
-              <a:t>);</a:t>
-            </a:r>
-          </a:p>
-          <a:p>
-            <a:pPr marL="0" lvl="0" indent="0" defTabSz="346075" eaLnBrk="0" fontAlgn="base" hangingPunct="0">
-              <a:lnSpc>
-                <a:spcPct val="100000"/>
-              </a:lnSpc>
-              <a:spcBef>
-                <a:spcPct val="0"/>
-              </a:spcBef>
-              <a:spcAft>
-                <a:spcPct val="0"/>
-              </a:spcAft>
-              <a:buNone/>
-            </a:pPr>
-            <a:r>
-              <a:rPr lang="fr-FR" altLang="fr-FR" sz="1400" dirty="0">
-                <a:solidFill>
-                  <a:schemeClr val="accent1">
-                    <a:lumMod val="75000"/>
-                  </a:schemeClr>
-                </a:solidFill>
-                <a:latin typeface="Bookman Old Style" panose="02050604050505020204" pitchFamily="18" charset="0"/>
-              </a:rPr>
-              <a:t>		}</a:t>
-            </a:r>
-          </a:p>
-          <a:p>
-            <a:pPr marL="0" lvl="0" indent="0" defTabSz="346075" eaLnBrk="0" fontAlgn="base" hangingPunct="0">
-              <a:lnSpc>
-                <a:spcPct val="100000"/>
-              </a:lnSpc>
-              <a:spcBef>
-                <a:spcPct val="0"/>
-              </a:spcBef>
-              <a:spcAft>
-                <a:spcPct val="0"/>
-              </a:spcAft>
-              <a:buNone/>
-            </a:pPr>
-            <a:r>
-              <a:rPr lang="fr-FR" altLang="fr-FR" sz="1400" dirty="0">
-                <a:solidFill>
-                  <a:schemeClr val="accent1">
-                    <a:lumMod val="75000"/>
-                  </a:schemeClr>
-                </a:solidFill>
-                <a:latin typeface="Bookman Old Style" panose="02050604050505020204" pitchFamily="18" charset="0"/>
-              </a:rPr>
-              <a:t>	</a:t>
-            </a:r>
-            <a:r>
-              <a:rPr lang="fr-FR" altLang="fr-FR" sz="1400" dirty="0" smtClean="0">
-                <a:solidFill>
-                  <a:schemeClr val="accent1">
-                    <a:lumMod val="75000"/>
-                  </a:schemeClr>
-                </a:solidFill>
-                <a:latin typeface="Bookman Old Style" panose="02050604050505020204" pitchFamily="18" charset="0"/>
-              </a:rPr>
-              <a:t>}</a:t>
-            </a:r>
-            <a:endParaRPr lang="fr-FR" altLang="fr-FR" sz="1400" dirty="0">
-              <a:solidFill>
-                <a:schemeClr val="accent1">
-                  <a:lumMod val="75000"/>
-                </a:schemeClr>
-              </a:solidFill>
-              <a:latin typeface="Bookman Old Style" panose="02050604050505020204" pitchFamily="18" charset="0"/>
-            </a:endParaRPr>
-          </a:p>
-          <a:p>
-            <a:pPr marL="0" lvl="0" indent="0" eaLnBrk="0" fontAlgn="base" hangingPunct="0">
-              <a:lnSpc>
-                <a:spcPct val="100000"/>
-              </a:lnSpc>
-              <a:spcBef>
-                <a:spcPct val="0"/>
-              </a:spcBef>
-              <a:spcAft>
-                <a:spcPct val="0"/>
-              </a:spcAft>
-              <a:buNone/>
-            </a:pPr>
-            <a:r>
-              <a:rPr lang="fr-FR" altLang="fr-FR" sz="1400" dirty="0" smtClean="0">
-                <a:solidFill>
-                  <a:schemeClr val="accent1">
-                    <a:lumMod val="75000"/>
-                  </a:schemeClr>
-                </a:solidFill>
-                <a:latin typeface="Bookman Old Style" panose="02050604050505020204" pitchFamily="18" charset="0"/>
-              </a:rPr>
-              <a:t>}</a:t>
-            </a:r>
-          </a:p>
-          <a:p>
-            <a:pPr marL="0" lvl="0" indent="0" eaLnBrk="0" fontAlgn="base" hangingPunct="0">
-              <a:lnSpc>
-                <a:spcPct val="100000"/>
-              </a:lnSpc>
-              <a:spcBef>
-                <a:spcPct val="0"/>
-              </a:spcBef>
-              <a:spcAft>
-                <a:spcPct val="0"/>
-              </a:spcAft>
-              <a:buNone/>
-            </a:pPr>
-            <a:endParaRPr lang="fr-FR" altLang="fr-FR" sz="1400" dirty="0">
-              <a:solidFill>
-                <a:schemeClr val="accent1">
-                  <a:lumMod val="75000"/>
-                </a:schemeClr>
-              </a:solidFill>
-              <a:latin typeface="Bookman Old Style" panose="02050604050505020204" pitchFamily="18" charset="0"/>
-            </a:endParaRPr>
-          </a:p>
-        </p:txBody>
-      </p:sp>
+      </p:pic>
     </p:spTree>
     <p:extLst>
       <p:ext uri="{BB962C8B-B14F-4D97-AF65-F5344CB8AC3E}">
-        <p14:creationId xmlns:p14="http://schemas.microsoft.com/office/powerpoint/2010/main" val="511333651"/>
+        <p14:creationId xmlns:p14="http://schemas.microsoft.com/office/powerpoint/2010/main" val="482971149"/>
       </p:ext>
     </p:extLst>
   </p:cSld>
   <p:clrMapOvr>
     <a:masterClrMapping/>
   </p:clrMapOvr>
+  <p:timing>
+    <p:tnLst>
+      <p:par>
+        <p:cTn id="1" dur="indefinite" restart="never" nodeType="tmRoot"/>
+      </p:par>
+    </p:tnLst>
+  </p:timing>
 </p:sld>
 </file>
 

--- a/presentation/chaine_responsabilite.pptx
+++ b/presentation/chaine_responsabilite.pptx
@@ -205,7 +205,7 @@
           <a:p>
             <a:fld id="{67CBF77A-1B13-4F13-91AF-F4AE82D802B6}" type="datetimeFigureOut">
               <a:rPr lang="fr-CH" smtClean="0"/>
-              <a:t>09.05.2017</a:t>
+              <a:t>11.05.2017</a:t>
             </a:fld>
             <a:endParaRPr lang="fr-CH"/>
           </a:p>
@@ -1015,7 +1015,7 @@
           <a:p>
             <a:fld id="{F042435E-AFEA-46C7-B6F4-2DF35AF77AFB}" type="datetimeFigureOut">
               <a:rPr lang="fr-CH" smtClean="0"/>
-              <a:t>09.05.2017</a:t>
+              <a:t>11.05.2017</a:t>
             </a:fld>
             <a:endParaRPr lang="fr-CH"/>
           </a:p>
@@ -1185,7 +1185,7 @@
           <a:p>
             <a:fld id="{F042435E-AFEA-46C7-B6F4-2DF35AF77AFB}" type="datetimeFigureOut">
               <a:rPr lang="fr-CH" smtClean="0"/>
-              <a:t>09.05.2017</a:t>
+              <a:t>11.05.2017</a:t>
             </a:fld>
             <a:endParaRPr lang="fr-CH"/>
           </a:p>
@@ -1365,7 +1365,7 @@
           <a:p>
             <a:fld id="{F042435E-AFEA-46C7-B6F4-2DF35AF77AFB}" type="datetimeFigureOut">
               <a:rPr lang="fr-CH" smtClean="0"/>
-              <a:t>09.05.2017</a:t>
+              <a:t>11.05.2017</a:t>
             </a:fld>
             <a:endParaRPr lang="fr-CH"/>
           </a:p>
@@ -1535,7 +1535,7 @@
           <a:p>
             <a:fld id="{F042435E-AFEA-46C7-B6F4-2DF35AF77AFB}" type="datetimeFigureOut">
               <a:rPr lang="fr-CH" smtClean="0"/>
-              <a:t>09.05.2017</a:t>
+              <a:t>11.05.2017</a:t>
             </a:fld>
             <a:endParaRPr lang="fr-CH"/>
           </a:p>
@@ -1781,7 +1781,7 @@
           <a:p>
             <a:fld id="{F042435E-AFEA-46C7-B6F4-2DF35AF77AFB}" type="datetimeFigureOut">
               <a:rPr lang="fr-CH" smtClean="0"/>
-              <a:t>09.05.2017</a:t>
+              <a:t>11.05.2017</a:t>
             </a:fld>
             <a:endParaRPr lang="fr-CH"/>
           </a:p>
@@ -2013,7 +2013,7 @@
           <a:p>
             <a:fld id="{F042435E-AFEA-46C7-B6F4-2DF35AF77AFB}" type="datetimeFigureOut">
               <a:rPr lang="fr-CH" smtClean="0"/>
-              <a:t>09.05.2017</a:t>
+              <a:t>11.05.2017</a:t>
             </a:fld>
             <a:endParaRPr lang="fr-CH"/>
           </a:p>
@@ -2380,7 +2380,7 @@
           <a:p>
             <a:fld id="{F042435E-AFEA-46C7-B6F4-2DF35AF77AFB}" type="datetimeFigureOut">
               <a:rPr lang="fr-CH" smtClean="0"/>
-              <a:t>09.05.2017</a:t>
+              <a:t>11.05.2017</a:t>
             </a:fld>
             <a:endParaRPr lang="fr-CH"/>
           </a:p>
@@ -2498,7 +2498,7 @@
           <a:p>
             <a:fld id="{F042435E-AFEA-46C7-B6F4-2DF35AF77AFB}" type="datetimeFigureOut">
               <a:rPr lang="fr-CH" smtClean="0"/>
-              <a:t>09.05.2017</a:t>
+              <a:t>11.05.2017</a:t>
             </a:fld>
             <a:endParaRPr lang="fr-CH"/>
           </a:p>
@@ -2593,7 +2593,7 @@
           <a:p>
             <a:fld id="{F042435E-AFEA-46C7-B6F4-2DF35AF77AFB}" type="datetimeFigureOut">
               <a:rPr lang="fr-CH" smtClean="0"/>
-              <a:t>09.05.2017</a:t>
+              <a:t>11.05.2017</a:t>
             </a:fld>
             <a:endParaRPr lang="fr-CH"/>
           </a:p>
@@ -2870,7 +2870,7 @@
           <a:p>
             <a:fld id="{F042435E-AFEA-46C7-B6F4-2DF35AF77AFB}" type="datetimeFigureOut">
               <a:rPr lang="fr-CH" smtClean="0"/>
-              <a:t>09.05.2017</a:t>
+              <a:t>11.05.2017</a:t>
             </a:fld>
             <a:endParaRPr lang="fr-CH"/>
           </a:p>
@@ -3123,7 +3123,7 @@
           <a:p>
             <a:fld id="{F042435E-AFEA-46C7-B6F4-2DF35AF77AFB}" type="datetimeFigureOut">
               <a:rPr lang="fr-CH" smtClean="0"/>
-              <a:t>09.05.2017</a:t>
+              <a:t>11.05.2017</a:t>
             </a:fld>
             <a:endParaRPr lang="fr-CH"/>
           </a:p>
@@ -3336,7 +3336,7 @@
           <a:p>
             <a:fld id="{F042435E-AFEA-46C7-B6F4-2DF35AF77AFB}" type="datetimeFigureOut">
               <a:rPr lang="fr-CH" smtClean="0"/>
-              <a:t>09.05.2017</a:t>
+              <a:t>11.05.2017</a:t>
             </a:fld>
             <a:endParaRPr lang="fr-CH"/>
           </a:p>
@@ -6024,7 +6024,11 @@
             <a:pPr algn="ctr"/>
             <a:r>
               <a:rPr lang="fr-CH" sz="1400" dirty="0" smtClean="0"/>
-              <a:t>J’introduit la présentation </a:t>
+              <a:t>J’introduis </a:t>
+            </a:r>
+            <a:r>
+              <a:rPr lang="fr-CH" sz="1400" dirty="0" smtClean="0"/>
+              <a:t>la présentation </a:t>
             </a:r>
             <a:endParaRPr lang="fr-CH" sz="1400" dirty="0"/>
           </a:p>
@@ -6069,7 +6073,15 @@
             <a:pPr algn="ctr"/>
             <a:r>
               <a:rPr lang="fr-CH" sz="1200" dirty="0" smtClean="0"/>
-              <a:t>Je ne peut pas faire la présentation</a:t>
+              <a:t>Je ne </a:t>
+            </a:r>
+            <a:r>
+              <a:rPr lang="fr-CH" sz="1200" dirty="0" smtClean="0"/>
+              <a:t>peux </a:t>
+            </a:r>
+            <a:r>
+              <a:rPr lang="fr-CH" sz="1200" dirty="0" smtClean="0"/>
+              <a:t>pas faire la présentation</a:t>
             </a:r>
             <a:endParaRPr lang="fr-CH" sz="1200" dirty="0"/>
           </a:p>
@@ -6235,7 +6247,15 @@
             <a:pPr algn="ctr"/>
             <a:r>
               <a:rPr lang="fr-CH" sz="1400" dirty="0" smtClean="0"/>
-              <a:t>Je donne ces conséquences et quand l’utiliser</a:t>
+              <a:t>Je donne </a:t>
+            </a:r>
+            <a:r>
+              <a:rPr lang="fr-CH" sz="1400" dirty="0" smtClean="0"/>
+              <a:t>ses </a:t>
+            </a:r>
+            <a:r>
+              <a:rPr lang="fr-CH" sz="1400" dirty="0" smtClean="0"/>
+              <a:t>conséquences et quand l’utiliser</a:t>
             </a:r>
             <a:endParaRPr lang="fr-CH" sz="1400" dirty="0"/>
           </a:p>
@@ -6280,15 +6300,7 @@
             <a:pPr algn="ctr"/>
             <a:r>
               <a:rPr lang="fr-CH" sz="1400" dirty="0" smtClean="0"/>
-              <a:t>J’explique </a:t>
-            </a:r>
-            <a:r>
-              <a:rPr lang="fr-CH" sz="1400" dirty="0" smtClean="0"/>
-              <a:t>les objectifs du </a:t>
-            </a:r>
-            <a:r>
-              <a:rPr lang="fr-CH" sz="1400" dirty="0" smtClean="0"/>
-              <a:t>projet</a:t>
+              <a:t>J’explique les objectifs du projet</a:t>
             </a:r>
             <a:endParaRPr lang="fr-CH" sz="1400" dirty="0"/>
           </a:p>
@@ -6545,8 +6557,13 @@
           <a:p>
             <a:r>
               <a:rPr lang="fr-CH" dirty="0" smtClean="0"/>
-              <a:t>Le traitement n’est pas garantie</a:t>
-            </a:r>
+              <a:t>Le traitement n’est pas </a:t>
+            </a:r>
+            <a:r>
+              <a:rPr lang="fr-CH" dirty="0" smtClean="0"/>
+              <a:t>garanti</a:t>
+            </a:r>
+            <a:endParaRPr lang="fr-CH" dirty="0" smtClean="0"/>
           </a:p>
           <a:p>
             <a:pPr lvl="1"/>

--- a/presentation/chaine_responsabilite.pptx
+++ b/presentation/chaine_responsabilite.pptx
@@ -3921,7 +3921,7 @@
               <a:pPr algn="ctr"/>
               <a:r>
                 <a:rPr lang="fr-CH" dirty="0" smtClean="0"/>
-                <a:t>Lawrence Stalder</a:t>
+                <a:t>Antoine Friant</a:t>
               </a:r>
               <a:endParaRPr lang="fr-CH" dirty="0"/>
             </a:p>
@@ -4015,7 +4015,7 @@
               <a:pPr algn="ctr"/>
               <a:r>
                 <a:rPr lang="fr-CH" dirty="0" smtClean="0"/>
-                <a:t>Daniel Palumbo</a:t>
+                <a:t>Lawrence Stalder</a:t>
               </a:r>
               <a:endParaRPr lang="fr-CH" dirty="0"/>
             </a:p>
@@ -4062,7 +4062,7 @@
               <a:pPr algn="ctr"/>
               <a:r>
                 <a:rPr lang="fr-CH" dirty="0" smtClean="0"/>
-                <a:t>Antoine Friant</a:t>
+                <a:t>Daniel Palumbo</a:t>
               </a:r>
               <a:endParaRPr lang="fr-CH" dirty="0"/>
             </a:p>
@@ -5478,7 +5478,15 @@
             <a:pPr algn="ctr"/>
             <a:r>
               <a:rPr lang="fr-CH" dirty="0" smtClean="0"/>
-              <a:t>Lawrence Stalder</a:t>
+              <a:t>Antoine </a:t>
+            </a:r>
+            <a:r>
+              <a:rPr lang="fr-CH" dirty="0"/>
+              <a:t>F</a:t>
+            </a:r>
+            <a:r>
+              <a:rPr lang="fr-CH" dirty="0" smtClean="0"/>
+              <a:t>riant</a:t>
             </a:r>
             <a:endParaRPr lang="fr-CH" dirty="0"/>
           </a:p>
@@ -5572,7 +5580,7 @@
             <a:pPr algn="ctr"/>
             <a:r>
               <a:rPr lang="fr-CH" dirty="0" smtClean="0"/>
-              <a:t>Antoine Friant</a:t>
+              <a:t>Lawrence Stalder</a:t>
             </a:r>
             <a:endParaRPr lang="fr-CH" dirty="0"/>
           </a:p>
@@ -6000,55 +6008,9 @@
             <a:ext cx="1622401" cy="878121"/>
           </a:xfrm>
           <a:prstGeom prst="wedgeEllipseCallout">
-            <a:avLst/>
-          </a:prstGeom>
-        </p:spPr>
-        <p:style>
-          <a:lnRef idx="2">
-            <a:schemeClr val="accent5"/>
-          </a:lnRef>
-          <a:fillRef idx="1">
-            <a:schemeClr val="lt1"/>
-          </a:fillRef>
-          <a:effectRef idx="0">
-            <a:schemeClr val="accent5"/>
-          </a:effectRef>
-          <a:fontRef idx="minor">
-            <a:schemeClr val="dk1"/>
-          </a:fontRef>
-        </p:style>
-        <p:txBody>
-          <a:bodyPr rtlCol="0" anchor="ctr"/>
-          <a:lstStyle/>
-          <a:p>
-            <a:pPr algn="ctr"/>
-            <a:r>
-              <a:rPr lang="fr-CH" sz="1400" dirty="0" smtClean="0"/>
-              <a:t>J’introduis </a:t>
-            </a:r>
-            <a:r>
-              <a:rPr lang="fr-CH" sz="1400" dirty="0" smtClean="0"/>
-              <a:t>la présentation </a:t>
-            </a:r>
-            <a:endParaRPr lang="fr-CH" sz="1400" dirty="0"/>
-          </a:p>
-        </p:txBody>
-      </p:sp>
-      <p:sp>
-        <p:nvSpPr>
-          <p:cNvPr id="56" name="Bulle ronde 55"/>
-          <p:cNvSpPr/>
-          <p:nvPr/>
-        </p:nvSpPr>
-        <p:spPr>
-          <a:xfrm>
-            <a:off x="5078448" y="740310"/>
-            <a:ext cx="1622401" cy="878121"/>
-          </a:xfrm>
-          <a:prstGeom prst="wedgeEllipseCallout">
             <a:avLst>
-              <a:gd name="adj1" fmla="val -21224"/>
-              <a:gd name="adj2" fmla="val 66839"/>
+              <a:gd name="adj1" fmla="val -17702"/>
+              <a:gd name="adj2" fmla="val 56715"/>
             </a:avLst>
           </a:prstGeom>
         </p:spPr>
@@ -6072,74 +6034,28 @@
           <a:p>
             <a:pPr algn="ctr"/>
             <a:r>
-              <a:rPr lang="fr-CH" sz="1200" dirty="0" smtClean="0"/>
-              <a:t>Je ne </a:t>
-            </a:r>
-            <a:r>
-              <a:rPr lang="fr-CH" sz="1200" dirty="0" smtClean="0"/>
-              <a:t>peux </a:t>
-            </a:r>
-            <a:r>
-              <a:rPr lang="fr-CH" sz="1200" dirty="0" smtClean="0"/>
-              <a:t>pas faire la présentation</a:t>
-            </a:r>
-            <a:endParaRPr lang="fr-CH" sz="1200" dirty="0"/>
-          </a:p>
-        </p:txBody>
-      </p:sp>
-      <p:sp>
-        <p:nvSpPr>
-          <p:cNvPr id="61" name="ZoneTexte 60"/>
-          <p:cNvSpPr txBox="1"/>
+              <a:rPr lang="fr-CH" sz="1400" dirty="0" smtClean="0"/>
+              <a:t>J’introduis la présentation </a:t>
+            </a:r>
+            <a:endParaRPr lang="fr-CH" sz="1400" dirty="0"/>
+          </a:p>
+        </p:txBody>
+      </p:sp>
+      <p:sp>
+        <p:nvSpPr>
+          <p:cNvPr id="56" name="Bulle ronde 55"/>
+          <p:cNvSpPr/>
           <p:nvPr/>
         </p:nvSpPr>
         <p:spPr>
           <a:xfrm>
-            <a:off x="8392559" y="2596175"/>
-            <a:ext cx="1246430" cy="584775"/>
-          </a:xfrm>
-          <a:prstGeom prst="rect">
-            <a:avLst/>
-          </a:prstGeom>
-          <a:noFill/>
-        </p:spPr>
-        <p:txBody>
-          <a:bodyPr wrap="none" rtlCol="0">
-            <a:spAutoFit/>
-          </a:bodyPr>
-          <a:lstStyle/>
-          <a:p>
-            <a:pPr algn="ctr"/>
-            <a:r>
-              <a:rPr lang="fr-CH" sz="1600" dirty="0" smtClean="0"/>
-              <a:t>Faire la </a:t>
-            </a:r>
-          </a:p>
-          <a:p>
-            <a:pPr algn="ctr"/>
-            <a:r>
-              <a:rPr lang="fr-CH" sz="1600" dirty="0" smtClean="0"/>
-              <a:t>présentation</a:t>
-            </a:r>
-            <a:endParaRPr lang="fr-CH" sz="1600" dirty="0"/>
-          </a:p>
-        </p:txBody>
-      </p:sp>
-      <p:sp>
-        <p:nvSpPr>
-          <p:cNvPr id="62" name="Bulle ronde 61"/>
-          <p:cNvSpPr/>
-          <p:nvPr/>
-        </p:nvSpPr>
-        <p:spPr>
-          <a:xfrm>
-            <a:off x="9730550" y="3273324"/>
+            <a:off x="5078448" y="740310"/>
             <a:ext cx="1622401" cy="878121"/>
           </a:xfrm>
           <a:prstGeom prst="wedgeEllipseCallout">
             <a:avLst>
-              <a:gd name="adj1" fmla="val -87370"/>
-              <a:gd name="adj2" fmla="val 310"/>
+              <a:gd name="adj1" fmla="val -17310"/>
+              <a:gd name="adj2" fmla="val 58161"/>
             </a:avLst>
           </a:prstGeom>
         </p:spPr>
@@ -6164,7 +6080,7 @@
             <a:pPr algn="ctr"/>
             <a:r>
               <a:rPr lang="fr-CH" sz="1400" dirty="0" smtClean="0"/>
-              <a:t>J’explique la motivation et donne un exemple</a:t>
+              <a:t>Je ne peux pas faire la présentation</a:t>
             </a:r>
             <a:endParaRPr lang="fr-CH" sz="1400" dirty="0"/>
           </a:p>
@@ -6172,13 +6088,13 @@
       </p:sp>
       <p:sp>
         <p:nvSpPr>
-          <p:cNvPr id="73" name="ZoneTexte 72"/>
+          <p:cNvPr id="61" name="ZoneTexte 60"/>
           <p:cNvSpPr txBox="1"/>
           <p:nvPr/>
         </p:nvSpPr>
         <p:spPr>
           <a:xfrm>
-            <a:off x="6334498" y="3049687"/>
+            <a:off x="8392559" y="2596175"/>
             <a:ext cx="1246430" cy="584775"/>
           </a:xfrm>
           <a:prstGeom prst="rect">
@@ -6210,19 +6126,19 @@
       </p:sp>
       <p:sp>
         <p:nvSpPr>
-          <p:cNvPr id="74" name="Bulle ronde 73"/>
+          <p:cNvPr id="62" name="Bulle ronde 61"/>
           <p:cNvSpPr/>
           <p:nvPr/>
         </p:nvSpPr>
         <p:spPr>
           <a:xfrm>
-            <a:off x="5522867" y="4288385"/>
-            <a:ext cx="1971652" cy="878121"/>
+            <a:off x="9469099" y="3180951"/>
+            <a:ext cx="1681501" cy="965492"/>
           </a:xfrm>
           <a:prstGeom prst="wedgeEllipseCallout">
             <a:avLst>
-              <a:gd name="adj1" fmla="val -50042"/>
-              <a:gd name="adj2" fmla="val -80681"/>
+              <a:gd name="adj1" fmla="val -59190"/>
+              <a:gd name="adj2" fmla="val -2583"/>
             </a:avLst>
           </a:prstGeom>
         </p:spPr>
@@ -6247,15 +6163,7 @@
             <a:pPr algn="ctr"/>
             <a:r>
               <a:rPr lang="fr-CH" sz="1400" dirty="0" smtClean="0"/>
-              <a:t>Je donne </a:t>
-            </a:r>
-            <a:r>
-              <a:rPr lang="fr-CH" sz="1400" dirty="0" smtClean="0"/>
-              <a:t>ses </a:t>
-            </a:r>
-            <a:r>
-              <a:rPr lang="fr-CH" sz="1400" dirty="0" smtClean="0"/>
-              <a:t>conséquences et quand l’utiliser</a:t>
+              <a:t>J’explique la motivation et donne un exemple</a:t>
             </a:r>
             <a:endParaRPr lang="fr-CH" sz="1400" dirty="0"/>
           </a:p>
@@ -6263,19 +6171,57 @@
       </p:sp>
       <p:sp>
         <p:nvSpPr>
-          <p:cNvPr id="75" name="Bulle ronde 74"/>
+          <p:cNvPr id="73" name="ZoneTexte 72"/>
+          <p:cNvSpPr txBox="1"/>
+          <p:nvPr/>
+        </p:nvSpPr>
+        <p:spPr>
+          <a:xfrm>
+            <a:off x="6334498" y="3049687"/>
+            <a:ext cx="1246430" cy="584775"/>
+          </a:xfrm>
+          <a:prstGeom prst="rect">
+            <a:avLst/>
+          </a:prstGeom>
+          <a:noFill/>
+        </p:spPr>
+        <p:txBody>
+          <a:bodyPr wrap="none" rtlCol="0">
+            <a:spAutoFit/>
+          </a:bodyPr>
+          <a:lstStyle/>
+          <a:p>
+            <a:pPr algn="ctr"/>
+            <a:r>
+              <a:rPr lang="fr-CH" sz="1600" dirty="0" smtClean="0"/>
+              <a:t>Faire la </a:t>
+            </a:r>
+          </a:p>
+          <a:p>
+            <a:pPr algn="ctr"/>
+            <a:r>
+              <a:rPr lang="fr-CH" sz="1600" dirty="0" smtClean="0"/>
+              <a:t>présentation</a:t>
+            </a:r>
+            <a:endParaRPr lang="fr-CH" sz="1600" dirty="0"/>
+          </a:p>
+        </p:txBody>
+      </p:sp>
+      <p:sp>
+        <p:nvSpPr>
+          <p:cNvPr id="74" name="Bulle ronde 73"/>
           <p:cNvSpPr/>
           <p:nvPr/>
         </p:nvSpPr>
         <p:spPr>
           <a:xfrm>
-            <a:off x="428062" y="4218470"/>
-            <a:ext cx="1622401" cy="878121"/>
+            <a:off x="5522867" y="4288385"/>
+            <a:ext cx="1971652" cy="878121"/>
           </a:xfrm>
           <a:prstGeom prst="wedgeEllipseCallout">
             <a:avLst>
-              <a:gd name="adj1" fmla="val 30831"/>
-              <a:gd name="adj2" fmla="val -73450"/>
+              <a:gd name="adj1" fmla="val -40380"/>
+              <a:gd name="adj2" fmla="val -74896"/>
             </a:avLst>
           </a:prstGeom>
         </p:spPr>
@@ -6300,7 +6246,7 @@
             <a:pPr algn="ctr"/>
             <a:r>
               <a:rPr lang="fr-CH" sz="1400" dirty="0" smtClean="0"/>
-              <a:t>J’explique les objectifs du projet</a:t>
+              <a:t>Je donne ses conséquences et quand l’utiliser</a:t>
             </a:r>
             <a:endParaRPr lang="fr-CH" sz="1400" dirty="0"/>
           </a:p>
@@ -6308,95 +6254,19 @@
       </p:sp>
       <p:sp>
         <p:nvSpPr>
-          <p:cNvPr id="77" name="ZoneTexte 76"/>
-          <p:cNvSpPr txBox="1"/>
+          <p:cNvPr id="75" name="Bulle ronde 74"/>
+          <p:cNvSpPr/>
           <p:nvPr/>
         </p:nvSpPr>
         <p:spPr>
           <a:xfrm>
-            <a:off x="3375904" y="3095575"/>
-            <a:ext cx="1246430" cy="584775"/>
-          </a:xfrm>
-          <a:prstGeom prst="rect">
-            <a:avLst/>
-          </a:prstGeom>
-          <a:noFill/>
-        </p:spPr>
-        <p:txBody>
-          <a:bodyPr wrap="none" rtlCol="0">
-            <a:spAutoFit/>
-          </a:bodyPr>
-          <a:lstStyle/>
-          <a:p>
-            <a:pPr algn="ctr"/>
-            <a:r>
-              <a:rPr lang="fr-CH" sz="1600" dirty="0" smtClean="0"/>
-              <a:t>Faire la </a:t>
-            </a:r>
-          </a:p>
-          <a:p>
-            <a:pPr algn="ctr"/>
-            <a:r>
-              <a:rPr lang="fr-CH" sz="1600" dirty="0" smtClean="0"/>
-              <a:t>présentation</a:t>
-            </a:r>
-            <a:endParaRPr lang="fr-CH" sz="1600" dirty="0"/>
-          </a:p>
-        </p:txBody>
-      </p:sp>
-      <p:sp>
-        <p:nvSpPr>
-          <p:cNvPr id="78" name="ZoneTexte 77"/>
-          <p:cNvSpPr txBox="1"/>
-          <p:nvPr/>
-        </p:nvSpPr>
-        <p:spPr>
-          <a:xfrm>
-            <a:off x="2328838" y="4409650"/>
-            <a:ext cx="1246430" cy="584775"/>
-          </a:xfrm>
-          <a:prstGeom prst="rect">
-            <a:avLst/>
-          </a:prstGeom>
-          <a:noFill/>
-        </p:spPr>
-        <p:txBody>
-          <a:bodyPr wrap="none" rtlCol="0">
-            <a:spAutoFit/>
-          </a:bodyPr>
-          <a:lstStyle/>
-          <a:p>
-            <a:pPr algn="ctr"/>
-            <a:r>
-              <a:rPr lang="fr-CH" sz="1600" dirty="0" smtClean="0"/>
-              <a:t>Faire la </a:t>
-            </a:r>
-          </a:p>
-          <a:p>
-            <a:pPr algn="ctr"/>
-            <a:r>
-              <a:rPr lang="fr-CH" sz="1600" dirty="0" smtClean="0"/>
-              <a:t>présentation</a:t>
-            </a:r>
-            <a:endParaRPr lang="fr-CH" sz="1600" dirty="0"/>
-          </a:p>
-        </p:txBody>
-      </p:sp>
-      <p:sp>
-        <p:nvSpPr>
-          <p:cNvPr id="79" name="Bulle ronde 78"/>
-          <p:cNvSpPr/>
-          <p:nvPr/>
-        </p:nvSpPr>
-        <p:spPr>
-          <a:xfrm>
-            <a:off x="3375904" y="5348808"/>
-            <a:ext cx="1702544" cy="878121"/>
+            <a:off x="278957" y="2571346"/>
+            <a:ext cx="2299364" cy="717079"/>
           </a:xfrm>
           <a:prstGeom prst="wedgeEllipseCallout">
             <a:avLst>
-              <a:gd name="adj1" fmla="val -71006"/>
-              <a:gd name="adj2" fmla="val -17768"/>
+              <a:gd name="adj1" fmla="val 39417"/>
+              <a:gd name="adj2" fmla="val 58869"/>
             </a:avLst>
           </a:prstGeom>
         </p:spPr>
@@ -6421,9 +6291,304 @@
             <a:pPr algn="ctr"/>
             <a:r>
               <a:rPr lang="fr-CH" sz="1400" dirty="0" smtClean="0"/>
-              <a:t>Je réponds aux questions et paye les bières</a:t>
+              <a:t>Je donne un exemple d’implémentation</a:t>
             </a:r>
             <a:endParaRPr lang="fr-CH" sz="1400" dirty="0"/>
+          </a:p>
+        </p:txBody>
+      </p:sp>
+      <p:sp>
+        <p:nvSpPr>
+          <p:cNvPr id="77" name="ZoneTexte 76"/>
+          <p:cNvSpPr txBox="1"/>
+          <p:nvPr/>
+        </p:nvSpPr>
+        <p:spPr>
+          <a:xfrm>
+            <a:off x="3375904" y="3095575"/>
+            <a:ext cx="1246430" cy="584775"/>
+          </a:xfrm>
+          <a:prstGeom prst="rect">
+            <a:avLst/>
+          </a:prstGeom>
+          <a:noFill/>
+        </p:spPr>
+        <p:txBody>
+          <a:bodyPr wrap="none" rtlCol="0">
+            <a:spAutoFit/>
+          </a:bodyPr>
+          <a:lstStyle/>
+          <a:p>
+            <a:pPr algn="ctr"/>
+            <a:r>
+              <a:rPr lang="fr-CH" sz="1600" dirty="0" smtClean="0"/>
+              <a:t>Faire la </a:t>
+            </a:r>
+          </a:p>
+          <a:p>
+            <a:pPr algn="ctr"/>
+            <a:r>
+              <a:rPr lang="fr-CH" sz="1600" dirty="0" smtClean="0"/>
+              <a:t>présentation</a:t>
+            </a:r>
+            <a:endParaRPr lang="fr-CH" sz="1600" dirty="0"/>
+          </a:p>
+        </p:txBody>
+      </p:sp>
+      <p:sp>
+        <p:nvSpPr>
+          <p:cNvPr id="78" name="ZoneTexte 77"/>
+          <p:cNvSpPr txBox="1"/>
+          <p:nvPr/>
+        </p:nvSpPr>
+        <p:spPr>
+          <a:xfrm>
+            <a:off x="2328838" y="4409650"/>
+            <a:ext cx="1246430" cy="584775"/>
+          </a:xfrm>
+          <a:prstGeom prst="rect">
+            <a:avLst/>
+          </a:prstGeom>
+          <a:noFill/>
+        </p:spPr>
+        <p:txBody>
+          <a:bodyPr wrap="none" rtlCol="0">
+            <a:spAutoFit/>
+          </a:bodyPr>
+          <a:lstStyle/>
+          <a:p>
+            <a:pPr algn="ctr"/>
+            <a:r>
+              <a:rPr lang="fr-CH" sz="1600" dirty="0" smtClean="0"/>
+              <a:t>Faire la </a:t>
+            </a:r>
+          </a:p>
+          <a:p>
+            <a:pPr algn="ctr"/>
+            <a:r>
+              <a:rPr lang="fr-CH" sz="1600" dirty="0" smtClean="0"/>
+              <a:t>présentation</a:t>
+            </a:r>
+            <a:endParaRPr lang="fr-CH" sz="1600" dirty="0"/>
+          </a:p>
+        </p:txBody>
+      </p:sp>
+      <p:sp>
+        <p:nvSpPr>
+          <p:cNvPr id="79" name="Bulle ronde 78"/>
+          <p:cNvSpPr/>
+          <p:nvPr/>
+        </p:nvSpPr>
+        <p:spPr>
+          <a:xfrm>
+            <a:off x="381239" y="4424446"/>
+            <a:ext cx="1702544" cy="878121"/>
+          </a:xfrm>
+          <a:prstGeom prst="wedgeEllipseCallout">
+            <a:avLst>
+              <a:gd name="adj1" fmla="val 39394"/>
+              <a:gd name="adj2" fmla="val 50206"/>
+            </a:avLst>
+          </a:prstGeom>
+        </p:spPr>
+        <p:style>
+          <a:lnRef idx="2">
+            <a:schemeClr val="accent5"/>
+          </a:lnRef>
+          <a:fillRef idx="1">
+            <a:schemeClr val="lt1"/>
+          </a:fillRef>
+          <a:effectRef idx="0">
+            <a:schemeClr val="accent5"/>
+          </a:effectRef>
+          <a:fontRef idx="minor">
+            <a:schemeClr val="dk1"/>
+          </a:fontRef>
+        </p:style>
+        <p:txBody>
+          <a:bodyPr rtlCol="0" anchor="ctr"/>
+          <a:lstStyle/>
+          <a:p>
+            <a:pPr algn="ctr"/>
+            <a:r>
+              <a:rPr lang="fr-CH" sz="1400" dirty="0" smtClean="0"/>
+              <a:t>J’explique les objectifs du projet</a:t>
+            </a:r>
+            <a:endParaRPr lang="fr-CH" sz="1400" dirty="0"/>
+          </a:p>
+        </p:txBody>
+      </p:sp>
+      <p:sp>
+        <p:nvSpPr>
+          <p:cNvPr id="28" name="Rectangle 27"/>
+          <p:cNvSpPr/>
+          <p:nvPr/>
+        </p:nvSpPr>
+        <p:spPr>
+          <a:xfrm>
+            <a:off x="4838867" y="5408695"/>
+            <a:ext cx="1368000" cy="576000"/>
+          </a:xfrm>
+          <a:prstGeom prst="rect">
+            <a:avLst/>
+          </a:prstGeom>
+          <a:ln>
+            <a:solidFill>
+              <a:schemeClr val="tx1"/>
+            </a:solidFill>
+          </a:ln>
+        </p:spPr>
+        <p:style>
+          <a:lnRef idx="1">
+            <a:schemeClr val="accent4"/>
+          </a:lnRef>
+          <a:fillRef idx="2">
+            <a:schemeClr val="accent4"/>
+          </a:fillRef>
+          <a:effectRef idx="1">
+            <a:schemeClr val="accent4"/>
+          </a:effectRef>
+          <a:fontRef idx="minor">
+            <a:schemeClr val="dk1"/>
+          </a:fontRef>
+        </p:style>
+        <p:txBody>
+          <a:bodyPr rtlCol="0" anchor="ctr"/>
+          <a:lstStyle/>
+          <a:p>
+            <a:pPr algn="ctr"/>
+            <a:r>
+              <a:rPr lang="fr-CH" dirty="0" err="1" smtClean="0"/>
+              <a:t>Dalenvin</a:t>
+            </a:r>
+            <a:r>
+              <a:rPr lang="fr-CH" dirty="0" smtClean="0"/>
+              <a:t> </a:t>
+            </a:r>
+            <a:r>
+              <a:rPr lang="fr-CH" dirty="0" err="1" smtClean="0"/>
+              <a:t>Fonono</a:t>
+            </a:r>
+            <a:endParaRPr lang="fr-CH" dirty="0"/>
+          </a:p>
+        </p:txBody>
+      </p:sp>
+      <p:cxnSp>
+        <p:nvCxnSpPr>
+          <p:cNvPr id="29" name="Connecteur droit avec flèche 28"/>
+          <p:cNvCxnSpPr/>
+          <p:nvPr/>
+        </p:nvCxnSpPr>
+        <p:spPr>
+          <a:xfrm>
+            <a:off x="2995669" y="5696695"/>
+            <a:ext cx="1843198" cy="0"/>
+          </a:xfrm>
+          <a:prstGeom prst="straightConnector1">
+            <a:avLst/>
+          </a:prstGeom>
+          <a:ln w="28575">
+            <a:solidFill>
+              <a:schemeClr val="tx1"/>
+            </a:solidFill>
+            <a:tailEnd type="triangle"/>
+          </a:ln>
+        </p:spPr>
+        <p:style>
+          <a:lnRef idx="1">
+            <a:schemeClr val="accent1"/>
+          </a:lnRef>
+          <a:fillRef idx="0">
+            <a:schemeClr val="accent1"/>
+          </a:fillRef>
+          <a:effectRef idx="0">
+            <a:schemeClr val="accent1"/>
+          </a:effectRef>
+          <a:fontRef idx="minor">
+            <a:schemeClr val="tx1"/>
+          </a:fontRef>
+        </p:style>
+      </p:cxnSp>
+      <p:sp>
+        <p:nvSpPr>
+          <p:cNvPr id="30" name="Bulle ronde 29"/>
+          <p:cNvSpPr/>
+          <p:nvPr/>
+        </p:nvSpPr>
+        <p:spPr>
+          <a:xfrm>
+            <a:off x="6532152" y="5212711"/>
+            <a:ext cx="1702544" cy="878121"/>
+          </a:xfrm>
+          <a:prstGeom prst="wedgeEllipseCallout">
+            <a:avLst>
+              <a:gd name="adj1" fmla="val -60562"/>
+              <a:gd name="adj2" fmla="val -1860"/>
+            </a:avLst>
+          </a:prstGeom>
+        </p:spPr>
+        <p:style>
+          <a:lnRef idx="2">
+            <a:schemeClr val="accent5"/>
+          </a:lnRef>
+          <a:fillRef idx="1">
+            <a:schemeClr val="lt1"/>
+          </a:fillRef>
+          <a:effectRef idx="0">
+            <a:schemeClr val="accent5"/>
+          </a:effectRef>
+          <a:fontRef idx="minor">
+            <a:schemeClr val="dk1"/>
+          </a:fontRef>
+        </p:style>
+        <p:txBody>
+          <a:bodyPr rtlCol="0" anchor="ctr"/>
+          <a:lstStyle/>
+          <a:p>
+            <a:pPr algn="ctr"/>
+            <a:r>
+              <a:rPr lang="fr-CH" sz="1400" dirty="0" smtClean="0"/>
+              <a:t>Je réponds aux questions</a:t>
+            </a:r>
+            <a:endParaRPr lang="fr-CH" sz="1400" dirty="0"/>
+          </a:p>
+        </p:txBody>
+      </p:sp>
+      <p:sp>
+        <p:nvSpPr>
+          <p:cNvPr id="31" name="ZoneTexte 30"/>
+          <p:cNvSpPr txBox="1"/>
+          <p:nvPr/>
+        </p:nvSpPr>
+        <p:spPr>
+          <a:xfrm>
+            <a:off x="3292363" y="5070770"/>
+            <a:ext cx="1246430" cy="584775"/>
+          </a:xfrm>
+          <a:prstGeom prst="rect">
+            <a:avLst/>
+          </a:prstGeom>
+          <a:noFill/>
+        </p:spPr>
+        <p:txBody>
+          <a:bodyPr wrap="none" rtlCol="0">
+            <a:spAutoFit/>
+          </a:bodyPr>
+          <a:lstStyle/>
+          <a:p>
+            <a:pPr algn="ctr"/>
+            <a:r>
+              <a:rPr lang="fr-CH" sz="1600" dirty="0" smtClean="0"/>
+              <a:t>Faire la </a:t>
+            </a:r>
+          </a:p>
+          <a:p>
+            <a:pPr algn="ctr"/>
+            <a:r>
+              <a:rPr lang="fr-CH" sz="1600" dirty="0" smtClean="0"/>
+              <a:t>présentation</a:t>
+            </a:r>
+            <a:endParaRPr lang="fr-CH" sz="1600" dirty="0"/>
           </a:p>
         </p:txBody>
       </p:sp>
@@ -6557,13 +6722,8 @@
           <a:p>
             <a:r>
               <a:rPr lang="fr-CH" dirty="0" smtClean="0"/>
-              <a:t>Le traitement n’est pas </a:t>
-            </a:r>
-            <a:r>
-              <a:rPr lang="fr-CH" dirty="0" smtClean="0"/>
-              <a:t>garanti</a:t>
-            </a:r>
-            <a:endParaRPr lang="fr-CH" dirty="0" smtClean="0"/>
+              <a:t>Le traitement n’est pas garanti</a:t>
+            </a:r>
           </a:p>
           <a:p>
             <a:pPr lvl="1"/>
